--- a/Illustrations/illustrations.pptx
+++ b/Illustrations/illustrations.pptx
@@ -7,6 +7,9 @@
   <p:sldIdLst>
     <p:sldId id="256" r:id="rId2"/>
     <p:sldId id="257" r:id="rId3"/>
+    <p:sldId id="258" r:id="rId4"/>
+    <p:sldId id="260" r:id="rId5"/>
+    <p:sldId id="259" r:id="rId6"/>
   </p:sldIdLst>
   <p:sldSz cx="12192000" cy="6858000"/>
   <p:notesSz cx="6858000" cy="9144000"/>
@@ -105,6 +108,11 @@
       </a:defRPr>
     </a:lvl9pPr>
   </p:defaultTextStyle>
+  <p:extLst>
+    <p:ext uri="{EFAFB233-063F-42B5-8137-9DF3F51BA10A}">
+      <p15:sldGuideLst xmlns:p15="http://schemas.microsoft.com/office/powerpoint/2012/main"/>
+    </p:ext>
+  </p:extLst>
 </p:presentation>
 </file>
 
@@ -130,7 +138,7 @@
           <p:cNvPr id="2" name="Title 1">
             <a:extLst>
               <a:ext uri="{FF2B5EF4-FFF2-40B4-BE49-F238E27FC236}">
-                <a16:creationId xmlns:a16="http://schemas.microsoft.com/office/drawing/2014/main" id="{F116B73F-3AA5-41D7-A36E-F8102956F525}"/>
+                <a16:creationId xmlns:a16="http://schemas.microsoft.com/office/drawing/2014/main" xmlns="" id="{F116B73F-3AA5-41D7-A36E-F8102956F525}"/>
               </a:ext>
             </a:extLst>
           </p:cNvPr>
@@ -167,7 +175,7 @@
           <p:cNvPr id="3" name="Subtitle 2">
             <a:extLst>
               <a:ext uri="{FF2B5EF4-FFF2-40B4-BE49-F238E27FC236}">
-                <a16:creationId xmlns:a16="http://schemas.microsoft.com/office/drawing/2014/main" id="{B39D7C62-5198-46BC-8849-0B86F2205D81}"/>
+                <a16:creationId xmlns:a16="http://schemas.microsoft.com/office/drawing/2014/main" xmlns="" id="{B39D7C62-5198-46BC-8849-0B86F2205D81}"/>
               </a:ext>
             </a:extLst>
           </p:cNvPr>
@@ -237,7 +245,7 @@
           <p:cNvPr id="4" name="Date Placeholder 3">
             <a:extLst>
               <a:ext uri="{FF2B5EF4-FFF2-40B4-BE49-F238E27FC236}">
-                <a16:creationId xmlns:a16="http://schemas.microsoft.com/office/drawing/2014/main" id="{2C07CA00-D878-4E81-85CF-9F9DE5DEA7E0}"/>
+                <a16:creationId xmlns:a16="http://schemas.microsoft.com/office/drawing/2014/main" xmlns="" id="{2C07CA00-D878-4E81-85CF-9F9DE5DEA7E0}"/>
               </a:ext>
             </a:extLst>
           </p:cNvPr>
@@ -255,7 +263,7 @@
           <a:p>
             <a:fld id="{22289B60-A9D0-4AF6-A1DA-5E084ED2AEC6}" type="datetimeFigureOut">
               <a:rPr lang="en-US" smtClean="0"/>
-              <a:t>5/31/2021</a:t>
+              <a:t>6/2/2021</a:t>
             </a:fld>
             <a:endParaRPr lang="en-US"/>
           </a:p>
@@ -266,7 +274,7 @@
           <p:cNvPr id="5" name="Footer Placeholder 4">
             <a:extLst>
               <a:ext uri="{FF2B5EF4-FFF2-40B4-BE49-F238E27FC236}">
-                <a16:creationId xmlns:a16="http://schemas.microsoft.com/office/drawing/2014/main" id="{7A712637-8F90-4F8E-B2B1-064666EF22AF}"/>
+                <a16:creationId xmlns:a16="http://schemas.microsoft.com/office/drawing/2014/main" xmlns="" id="{7A712637-8F90-4F8E-B2B1-064666EF22AF}"/>
               </a:ext>
             </a:extLst>
           </p:cNvPr>
@@ -291,7 +299,7 @@
           <p:cNvPr id="6" name="Slide Number Placeholder 5">
             <a:extLst>
               <a:ext uri="{FF2B5EF4-FFF2-40B4-BE49-F238E27FC236}">
-                <a16:creationId xmlns:a16="http://schemas.microsoft.com/office/drawing/2014/main" id="{A57D1991-3F94-4530-AB45-0ED780729D1F}"/>
+                <a16:creationId xmlns:a16="http://schemas.microsoft.com/office/drawing/2014/main" xmlns="" id="{A57D1991-3F94-4530-AB45-0ED780729D1F}"/>
               </a:ext>
             </a:extLst>
           </p:cNvPr>
@@ -350,7 +358,7 @@
           <p:cNvPr id="2" name="Title 1">
             <a:extLst>
               <a:ext uri="{FF2B5EF4-FFF2-40B4-BE49-F238E27FC236}">
-                <a16:creationId xmlns:a16="http://schemas.microsoft.com/office/drawing/2014/main" id="{ED60F9A7-82F4-43CA-A750-7CBC858E14B0}"/>
+                <a16:creationId xmlns:a16="http://schemas.microsoft.com/office/drawing/2014/main" xmlns="" id="{ED60F9A7-82F4-43CA-A750-7CBC858E14B0}"/>
               </a:ext>
             </a:extLst>
           </p:cNvPr>
@@ -378,7 +386,7 @@
           <p:cNvPr id="3" name="Vertical Text Placeholder 2">
             <a:extLst>
               <a:ext uri="{FF2B5EF4-FFF2-40B4-BE49-F238E27FC236}">
-                <a16:creationId xmlns:a16="http://schemas.microsoft.com/office/drawing/2014/main" id="{F6B51341-1FFF-404E-A380-76B520DF252D}"/>
+                <a16:creationId xmlns:a16="http://schemas.microsoft.com/office/drawing/2014/main" xmlns="" id="{F6B51341-1FFF-404E-A380-76B520DF252D}"/>
               </a:ext>
             </a:extLst>
           </p:cNvPr>
@@ -435,7 +443,7 @@
           <p:cNvPr id="4" name="Date Placeholder 3">
             <a:extLst>
               <a:ext uri="{FF2B5EF4-FFF2-40B4-BE49-F238E27FC236}">
-                <a16:creationId xmlns:a16="http://schemas.microsoft.com/office/drawing/2014/main" id="{834C5B58-A00D-44A4-915A-952D73672181}"/>
+                <a16:creationId xmlns:a16="http://schemas.microsoft.com/office/drawing/2014/main" xmlns="" id="{834C5B58-A00D-44A4-915A-952D73672181}"/>
               </a:ext>
             </a:extLst>
           </p:cNvPr>
@@ -453,7 +461,7 @@
           <a:p>
             <a:fld id="{22289B60-A9D0-4AF6-A1DA-5E084ED2AEC6}" type="datetimeFigureOut">
               <a:rPr lang="en-US" smtClean="0"/>
-              <a:t>5/31/2021</a:t>
+              <a:t>6/2/2021</a:t>
             </a:fld>
             <a:endParaRPr lang="en-US"/>
           </a:p>
@@ -464,7 +472,7 @@
           <p:cNvPr id="5" name="Footer Placeholder 4">
             <a:extLst>
               <a:ext uri="{FF2B5EF4-FFF2-40B4-BE49-F238E27FC236}">
-                <a16:creationId xmlns:a16="http://schemas.microsoft.com/office/drawing/2014/main" id="{86423716-F2D5-4A7E-B9C7-514A87BD33F1}"/>
+                <a16:creationId xmlns:a16="http://schemas.microsoft.com/office/drawing/2014/main" xmlns="" id="{86423716-F2D5-4A7E-B9C7-514A87BD33F1}"/>
               </a:ext>
             </a:extLst>
           </p:cNvPr>
@@ -489,7 +497,7 @@
           <p:cNvPr id="6" name="Slide Number Placeholder 5">
             <a:extLst>
               <a:ext uri="{FF2B5EF4-FFF2-40B4-BE49-F238E27FC236}">
-                <a16:creationId xmlns:a16="http://schemas.microsoft.com/office/drawing/2014/main" id="{5971877A-1186-4875-91E2-85B004DB571E}"/>
+                <a16:creationId xmlns:a16="http://schemas.microsoft.com/office/drawing/2014/main" xmlns="" id="{5971877A-1186-4875-91E2-85B004DB571E}"/>
               </a:ext>
             </a:extLst>
           </p:cNvPr>
@@ -548,7 +556,7 @@
           <p:cNvPr id="2" name="Vertical Title 1">
             <a:extLst>
               <a:ext uri="{FF2B5EF4-FFF2-40B4-BE49-F238E27FC236}">
-                <a16:creationId xmlns:a16="http://schemas.microsoft.com/office/drawing/2014/main" id="{8B3132EA-6829-417C-87D6-E954886B9051}"/>
+                <a16:creationId xmlns:a16="http://schemas.microsoft.com/office/drawing/2014/main" xmlns="" id="{8B3132EA-6829-417C-87D6-E954886B9051}"/>
               </a:ext>
             </a:extLst>
           </p:cNvPr>
@@ -581,7 +589,7 @@
           <p:cNvPr id="3" name="Vertical Text Placeholder 2">
             <a:extLst>
               <a:ext uri="{FF2B5EF4-FFF2-40B4-BE49-F238E27FC236}">
-                <a16:creationId xmlns:a16="http://schemas.microsoft.com/office/drawing/2014/main" id="{2510B3AF-764C-4F53-B531-1CF878D0FE21}"/>
+                <a16:creationId xmlns:a16="http://schemas.microsoft.com/office/drawing/2014/main" xmlns="" id="{2510B3AF-764C-4F53-B531-1CF878D0FE21}"/>
               </a:ext>
             </a:extLst>
           </p:cNvPr>
@@ -643,7 +651,7 @@
           <p:cNvPr id="4" name="Date Placeholder 3">
             <a:extLst>
               <a:ext uri="{FF2B5EF4-FFF2-40B4-BE49-F238E27FC236}">
-                <a16:creationId xmlns:a16="http://schemas.microsoft.com/office/drawing/2014/main" id="{503DAF95-33A9-422C-B035-F11F3F5B3777}"/>
+                <a16:creationId xmlns:a16="http://schemas.microsoft.com/office/drawing/2014/main" xmlns="" id="{503DAF95-33A9-422C-B035-F11F3F5B3777}"/>
               </a:ext>
             </a:extLst>
           </p:cNvPr>
@@ -661,7 +669,7 @@
           <a:p>
             <a:fld id="{22289B60-A9D0-4AF6-A1DA-5E084ED2AEC6}" type="datetimeFigureOut">
               <a:rPr lang="en-US" smtClean="0"/>
-              <a:t>5/31/2021</a:t>
+              <a:t>6/2/2021</a:t>
             </a:fld>
             <a:endParaRPr lang="en-US"/>
           </a:p>
@@ -672,7 +680,7 @@
           <p:cNvPr id="5" name="Footer Placeholder 4">
             <a:extLst>
               <a:ext uri="{FF2B5EF4-FFF2-40B4-BE49-F238E27FC236}">
-                <a16:creationId xmlns:a16="http://schemas.microsoft.com/office/drawing/2014/main" id="{F2221EAA-7204-45E7-83F3-2773D3B5E230}"/>
+                <a16:creationId xmlns:a16="http://schemas.microsoft.com/office/drawing/2014/main" xmlns="" id="{F2221EAA-7204-45E7-83F3-2773D3B5E230}"/>
               </a:ext>
             </a:extLst>
           </p:cNvPr>
@@ -697,7 +705,7 @@
           <p:cNvPr id="6" name="Slide Number Placeholder 5">
             <a:extLst>
               <a:ext uri="{FF2B5EF4-FFF2-40B4-BE49-F238E27FC236}">
-                <a16:creationId xmlns:a16="http://schemas.microsoft.com/office/drawing/2014/main" id="{A3A4E72E-E6F1-4228-AA5D-2E77341D6938}"/>
+                <a16:creationId xmlns:a16="http://schemas.microsoft.com/office/drawing/2014/main" xmlns="" id="{A3A4E72E-E6F1-4228-AA5D-2E77341D6938}"/>
               </a:ext>
             </a:extLst>
           </p:cNvPr>
@@ -756,7 +764,7 @@
           <p:cNvPr id="2" name="Title 1">
             <a:extLst>
               <a:ext uri="{FF2B5EF4-FFF2-40B4-BE49-F238E27FC236}">
-                <a16:creationId xmlns:a16="http://schemas.microsoft.com/office/drawing/2014/main" id="{6EEA4A37-72A6-4807-BCEE-72314463B0D0}"/>
+                <a16:creationId xmlns:a16="http://schemas.microsoft.com/office/drawing/2014/main" xmlns="" id="{6EEA4A37-72A6-4807-BCEE-72314463B0D0}"/>
               </a:ext>
             </a:extLst>
           </p:cNvPr>
@@ -784,7 +792,7 @@
           <p:cNvPr id="3" name="Content Placeholder 2">
             <a:extLst>
               <a:ext uri="{FF2B5EF4-FFF2-40B4-BE49-F238E27FC236}">
-                <a16:creationId xmlns:a16="http://schemas.microsoft.com/office/drawing/2014/main" id="{9F70E459-2C8F-4F1A-B4B4-347C79C06BF0}"/>
+                <a16:creationId xmlns:a16="http://schemas.microsoft.com/office/drawing/2014/main" xmlns="" id="{9F70E459-2C8F-4F1A-B4B4-347C79C06BF0}"/>
               </a:ext>
             </a:extLst>
           </p:cNvPr>
@@ -841,7 +849,7 @@
           <p:cNvPr id="4" name="Date Placeholder 3">
             <a:extLst>
               <a:ext uri="{FF2B5EF4-FFF2-40B4-BE49-F238E27FC236}">
-                <a16:creationId xmlns:a16="http://schemas.microsoft.com/office/drawing/2014/main" id="{9C9637FD-2288-47AA-A44A-528B0159DAF8}"/>
+                <a16:creationId xmlns:a16="http://schemas.microsoft.com/office/drawing/2014/main" xmlns="" id="{9C9637FD-2288-47AA-A44A-528B0159DAF8}"/>
               </a:ext>
             </a:extLst>
           </p:cNvPr>
@@ -859,7 +867,7 @@
           <a:p>
             <a:fld id="{22289B60-A9D0-4AF6-A1DA-5E084ED2AEC6}" type="datetimeFigureOut">
               <a:rPr lang="en-US" smtClean="0"/>
-              <a:t>5/31/2021</a:t>
+              <a:t>6/2/2021</a:t>
             </a:fld>
             <a:endParaRPr lang="en-US"/>
           </a:p>
@@ -870,7 +878,7 @@
           <p:cNvPr id="5" name="Footer Placeholder 4">
             <a:extLst>
               <a:ext uri="{FF2B5EF4-FFF2-40B4-BE49-F238E27FC236}">
-                <a16:creationId xmlns:a16="http://schemas.microsoft.com/office/drawing/2014/main" id="{D7863942-FBC1-45B8-8CC2-7EAF31CB3394}"/>
+                <a16:creationId xmlns:a16="http://schemas.microsoft.com/office/drawing/2014/main" xmlns="" id="{D7863942-FBC1-45B8-8CC2-7EAF31CB3394}"/>
               </a:ext>
             </a:extLst>
           </p:cNvPr>
@@ -895,7 +903,7 @@
           <p:cNvPr id="6" name="Slide Number Placeholder 5">
             <a:extLst>
               <a:ext uri="{FF2B5EF4-FFF2-40B4-BE49-F238E27FC236}">
-                <a16:creationId xmlns:a16="http://schemas.microsoft.com/office/drawing/2014/main" id="{F115099E-DBBF-435E-AB78-89F0C506D045}"/>
+                <a16:creationId xmlns:a16="http://schemas.microsoft.com/office/drawing/2014/main" xmlns="" id="{F115099E-DBBF-435E-AB78-89F0C506D045}"/>
               </a:ext>
             </a:extLst>
           </p:cNvPr>
@@ -954,7 +962,7 @@
           <p:cNvPr id="2" name="Title 1">
             <a:extLst>
               <a:ext uri="{FF2B5EF4-FFF2-40B4-BE49-F238E27FC236}">
-                <a16:creationId xmlns:a16="http://schemas.microsoft.com/office/drawing/2014/main" id="{13FAA840-A486-4945-8276-FC3E2E8E2F65}"/>
+                <a16:creationId xmlns:a16="http://schemas.microsoft.com/office/drawing/2014/main" xmlns="" id="{13FAA840-A486-4945-8276-FC3E2E8E2F65}"/>
               </a:ext>
             </a:extLst>
           </p:cNvPr>
@@ -991,7 +999,7 @@
           <p:cNvPr id="3" name="Text Placeholder 2">
             <a:extLst>
               <a:ext uri="{FF2B5EF4-FFF2-40B4-BE49-F238E27FC236}">
-                <a16:creationId xmlns:a16="http://schemas.microsoft.com/office/drawing/2014/main" id="{E5EE51B5-3CF5-4CE9-AE7A-901769955D25}"/>
+                <a16:creationId xmlns:a16="http://schemas.microsoft.com/office/drawing/2014/main" xmlns="" id="{E5EE51B5-3CF5-4CE9-AE7A-901769955D25}"/>
               </a:ext>
             </a:extLst>
           </p:cNvPr>
@@ -1116,7 +1124,7 @@
           <p:cNvPr id="4" name="Date Placeholder 3">
             <a:extLst>
               <a:ext uri="{FF2B5EF4-FFF2-40B4-BE49-F238E27FC236}">
-                <a16:creationId xmlns:a16="http://schemas.microsoft.com/office/drawing/2014/main" id="{7AD20C96-A7A3-497F-9BFF-28AB7CE00812}"/>
+                <a16:creationId xmlns:a16="http://schemas.microsoft.com/office/drawing/2014/main" xmlns="" id="{7AD20C96-A7A3-497F-9BFF-28AB7CE00812}"/>
               </a:ext>
             </a:extLst>
           </p:cNvPr>
@@ -1134,7 +1142,7 @@
           <a:p>
             <a:fld id="{22289B60-A9D0-4AF6-A1DA-5E084ED2AEC6}" type="datetimeFigureOut">
               <a:rPr lang="en-US" smtClean="0"/>
-              <a:t>5/31/2021</a:t>
+              <a:t>6/2/2021</a:t>
             </a:fld>
             <a:endParaRPr lang="en-US"/>
           </a:p>
@@ -1145,7 +1153,7 @@
           <p:cNvPr id="5" name="Footer Placeholder 4">
             <a:extLst>
               <a:ext uri="{FF2B5EF4-FFF2-40B4-BE49-F238E27FC236}">
-                <a16:creationId xmlns:a16="http://schemas.microsoft.com/office/drawing/2014/main" id="{F4F8FD1A-B830-4A4C-9F8A-6B7B0E790FE1}"/>
+                <a16:creationId xmlns:a16="http://schemas.microsoft.com/office/drawing/2014/main" xmlns="" id="{F4F8FD1A-B830-4A4C-9F8A-6B7B0E790FE1}"/>
               </a:ext>
             </a:extLst>
           </p:cNvPr>
@@ -1170,7 +1178,7 @@
           <p:cNvPr id="6" name="Slide Number Placeholder 5">
             <a:extLst>
               <a:ext uri="{FF2B5EF4-FFF2-40B4-BE49-F238E27FC236}">
-                <a16:creationId xmlns:a16="http://schemas.microsoft.com/office/drawing/2014/main" id="{B8A1014A-B6AC-4C05-80A3-CE42B4C6F751}"/>
+                <a16:creationId xmlns:a16="http://schemas.microsoft.com/office/drawing/2014/main" xmlns="" id="{B8A1014A-B6AC-4C05-80A3-CE42B4C6F751}"/>
               </a:ext>
             </a:extLst>
           </p:cNvPr>
@@ -1229,7 +1237,7 @@
           <p:cNvPr id="2" name="Title 1">
             <a:extLst>
               <a:ext uri="{FF2B5EF4-FFF2-40B4-BE49-F238E27FC236}">
-                <a16:creationId xmlns:a16="http://schemas.microsoft.com/office/drawing/2014/main" id="{12FE7A14-E26E-4DB2-81DA-BD1D71B2F2CD}"/>
+                <a16:creationId xmlns:a16="http://schemas.microsoft.com/office/drawing/2014/main" xmlns="" id="{12FE7A14-E26E-4DB2-81DA-BD1D71B2F2CD}"/>
               </a:ext>
             </a:extLst>
           </p:cNvPr>
@@ -1257,7 +1265,7 @@
           <p:cNvPr id="3" name="Content Placeholder 2">
             <a:extLst>
               <a:ext uri="{FF2B5EF4-FFF2-40B4-BE49-F238E27FC236}">
-                <a16:creationId xmlns:a16="http://schemas.microsoft.com/office/drawing/2014/main" id="{7DFAB7F7-AD3A-4AEE-A547-18B8A436762E}"/>
+                <a16:creationId xmlns:a16="http://schemas.microsoft.com/office/drawing/2014/main" xmlns="" id="{7DFAB7F7-AD3A-4AEE-A547-18B8A436762E}"/>
               </a:ext>
             </a:extLst>
           </p:cNvPr>
@@ -1319,7 +1327,7 @@
           <p:cNvPr id="4" name="Content Placeholder 3">
             <a:extLst>
               <a:ext uri="{FF2B5EF4-FFF2-40B4-BE49-F238E27FC236}">
-                <a16:creationId xmlns:a16="http://schemas.microsoft.com/office/drawing/2014/main" id="{30C4A291-2B76-4760-96B2-7C41DD27A4A3}"/>
+                <a16:creationId xmlns:a16="http://schemas.microsoft.com/office/drawing/2014/main" xmlns="" id="{30C4A291-2B76-4760-96B2-7C41DD27A4A3}"/>
               </a:ext>
             </a:extLst>
           </p:cNvPr>
@@ -1381,7 +1389,7 @@
           <p:cNvPr id="5" name="Date Placeholder 4">
             <a:extLst>
               <a:ext uri="{FF2B5EF4-FFF2-40B4-BE49-F238E27FC236}">
-                <a16:creationId xmlns:a16="http://schemas.microsoft.com/office/drawing/2014/main" id="{501E8CFE-3009-4C18-96CD-02874058344C}"/>
+                <a16:creationId xmlns:a16="http://schemas.microsoft.com/office/drawing/2014/main" xmlns="" id="{501E8CFE-3009-4C18-96CD-02874058344C}"/>
               </a:ext>
             </a:extLst>
           </p:cNvPr>
@@ -1399,7 +1407,7 @@
           <a:p>
             <a:fld id="{22289B60-A9D0-4AF6-A1DA-5E084ED2AEC6}" type="datetimeFigureOut">
               <a:rPr lang="en-US" smtClean="0"/>
-              <a:t>5/31/2021</a:t>
+              <a:t>6/2/2021</a:t>
             </a:fld>
             <a:endParaRPr lang="en-US"/>
           </a:p>
@@ -1410,7 +1418,7 @@
           <p:cNvPr id="6" name="Footer Placeholder 5">
             <a:extLst>
               <a:ext uri="{FF2B5EF4-FFF2-40B4-BE49-F238E27FC236}">
-                <a16:creationId xmlns:a16="http://schemas.microsoft.com/office/drawing/2014/main" id="{860B250A-4E54-4927-B00D-3398F05A7A89}"/>
+                <a16:creationId xmlns:a16="http://schemas.microsoft.com/office/drawing/2014/main" xmlns="" id="{860B250A-4E54-4927-B00D-3398F05A7A89}"/>
               </a:ext>
             </a:extLst>
           </p:cNvPr>
@@ -1435,7 +1443,7 @@
           <p:cNvPr id="7" name="Slide Number Placeholder 6">
             <a:extLst>
               <a:ext uri="{FF2B5EF4-FFF2-40B4-BE49-F238E27FC236}">
-                <a16:creationId xmlns:a16="http://schemas.microsoft.com/office/drawing/2014/main" id="{B79C98F4-5F17-42F9-A26C-A0766D669799}"/>
+                <a16:creationId xmlns:a16="http://schemas.microsoft.com/office/drawing/2014/main" xmlns="" id="{B79C98F4-5F17-42F9-A26C-A0766D669799}"/>
               </a:ext>
             </a:extLst>
           </p:cNvPr>
@@ -1494,7 +1502,7 @@
           <p:cNvPr id="2" name="Title 1">
             <a:extLst>
               <a:ext uri="{FF2B5EF4-FFF2-40B4-BE49-F238E27FC236}">
-                <a16:creationId xmlns:a16="http://schemas.microsoft.com/office/drawing/2014/main" id="{D6E513F2-9708-4804-8395-D05D7D6533A0}"/>
+                <a16:creationId xmlns:a16="http://schemas.microsoft.com/office/drawing/2014/main" xmlns="" id="{D6E513F2-9708-4804-8395-D05D7D6533A0}"/>
               </a:ext>
             </a:extLst>
           </p:cNvPr>
@@ -1527,7 +1535,7 @@
           <p:cNvPr id="3" name="Text Placeholder 2">
             <a:extLst>
               <a:ext uri="{FF2B5EF4-FFF2-40B4-BE49-F238E27FC236}">
-                <a16:creationId xmlns:a16="http://schemas.microsoft.com/office/drawing/2014/main" id="{55C215AD-59B5-4806-8392-0A5509985A39}"/>
+                <a16:creationId xmlns:a16="http://schemas.microsoft.com/office/drawing/2014/main" xmlns="" id="{55C215AD-59B5-4806-8392-0A5509985A39}"/>
               </a:ext>
             </a:extLst>
           </p:cNvPr>
@@ -1598,7 +1606,7 @@
           <p:cNvPr id="4" name="Content Placeholder 3">
             <a:extLst>
               <a:ext uri="{FF2B5EF4-FFF2-40B4-BE49-F238E27FC236}">
-                <a16:creationId xmlns:a16="http://schemas.microsoft.com/office/drawing/2014/main" id="{7AE1A2A6-BDAC-4316-8116-EA5776747D8D}"/>
+                <a16:creationId xmlns:a16="http://schemas.microsoft.com/office/drawing/2014/main" xmlns="" id="{7AE1A2A6-BDAC-4316-8116-EA5776747D8D}"/>
               </a:ext>
             </a:extLst>
           </p:cNvPr>
@@ -1660,7 +1668,7 @@
           <p:cNvPr id="5" name="Text Placeholder 4">
             <a:extLst>
               <a:ext uri="{FF2B5EF4-FFF2-40B4-BE49-F238E27FC236}">
-                <a16:creationId xmlns:a16="http://schemas.microsoft.com/office/drawing/2014/main" id="{B62F97C4-A0D3-41FF-9CD7-B59C7A2D1C8E}"/>
+                <a16:creationId xmlns:a16="http://schemas.microsoft.com/office/drawing/2014/main" xmlns="" id="{B62F97C4-A0D3-41FF-9CD7-B59C7A2D1C8E}"/>
               </a:ext>
             </a:extLst>
           </p:cNvPr>
@@ -1731,7 +1739,7 @@
           <p:cNvPr id="6" name="Content Placeholder 5">
             <a:extLst>
               <a:ext uri="{FF2B5EF4-FFF2-40B4-BE49-F238E27FC236}">
-                <a16:creationId xmlns:a16="http://schemas.microsoft.com/office/drawing/2014/main" id="{5DF82E54-8A85-4364-A21D-89AE6F572567}"/>
+                <a16:creationId xmlns:a16="http://schemas.microsoft.com/office/drawing/2014/main" xmlns="" id="{5DF82E54-8A85-4364-A21D-89AE6F572567}"/>
               </a:ext>
             </a:extLst>
           </p:cNvPr>
@@ -1793,7 +1801,7 @@
           <p:cNvPr id="7" name="Date Placeholder 6">
             <a:extLst>
               <a:ext uri="{FF2B5EF4-FFF2-40B4-BE49-F238E27FC236}">
-                <a16:creationId xmlns:a16="http://schemas.microsoft.com/office/drawing/2014/main" id="{32715130-3CC8-4D3C-935B-30E6F8268F3B}"/>
+                <a16:creationId xmlns:a16="http://schemas.microsoft.com/office/drawing/2014/main" xmlns="" id="{32715130-3CC8-4D3C-935B-30E6F8268F3B}"/>
               </a:ext>
             </a:extLst>
           </p:cNvPr>
@@ -1811,7 +1819,7 @@
           <a:p>
             <a:fld id="{22289B60-A9D0-4AF6-A1DA-5E084ED2AEC6}" type="datetimeFigureOut">
               <a:rPr lang="en-US" smtClean="0"/>
-              <a:t>5/31/2021</a:t>
+              <a:t>6/2/2021</a:t>
             </a:fld>
             <a:endParaRPr lang="en-US"/>
           </a:p>
@@ -1822,7 +1830,7 @@
           <p:cNvPr id="8" name="Footer Placeholder 7">
             <a:extLst>
               <a:ext uri="{FF2B5EF4-FFF2-40B4-BE49-F238E27FC236}">
-                <a16:creationId xmlns:a16="http://schemas.microsoft.com/office/drawing/2014/main" id="{9FA56B02-8666-426E-8DBE-0A17A3A4E578}"/>
+                <a16:creationId xmlns:a16="http://schemas.microsoft.com/office/drawing/2014/main" xmlns="" id="{9FA56B02-8666-426E-8DBE-0A17A3A4E578}"/>
               </a:ext>
             </a:extLst>
           </p:cNvPr>
@@ -1847,7 +1855,7 @@
           <p:cNvPr id="9" name="Slide Number Placeholder 8">
             <a:extLst>
               <a:ext uri="{FF2B5EF4-FFF2-40B4-BE49-F238E27FC236}">
-                <a16:creationId xmlns:a16="http://schemas.microsoft.com/office/drawing/2014/main" id="{01A8B2B2-ECAF-4F15-A7FD-CD2576A8BC40}"/>
+                <a16:creationId xmlns:a16="http://schemas.microsoft.com/office/drawing/2014/main" xmlns="" id="{01A8B2B2-ECAF-4F15-A7FD-CD2576A8BC40}"/>
               </a:ext>
             </a:extLst>
           </p:cNvPr>
@@ -1906,7 +1914,7 @@
           <p:cNvPr id="2" name="Title 1">
             <a:extLst>
               <a:ext uri="{FF2B5EF4-FFF2-40B4-BE49-F238E27FC236}">
-                <a16:creationId xmlns:a16="http://schemas.microsoft.com/office/drawing/2014/main" id="{01E40120-84D4-4CDF-99A1-381254CA2ECD}"/>
+                <a16:creationId xmlns:a16="http://schemas.microsoft.com/office/drawing/2014/main" xmlns="" id="{01E40120-84D4-4CDF-99A1-381254CA2ECD}"/>
               </a:ext>
             </a:extLst>
           </p:cNvPr>
@@ -1934,7 +1942,7 @@
           <p:cNvPr id="3" name="Date Placeholder 2">
             <a:extLst>
               <a:ext uri="{FF2B5EF4-FFF2-40B4-BE49-F238E27FC236}">
-                <a16:creationId xmlns:a16="http://schemas.microsoft.com/office/drawing/2014/main" id="{AC850DE3-9540-4EAD-8FE4-0C915E1D146D}"/>
+                <a16:creationId xmlns:a16="http://schemas.microsoft.com/office/drawing/2014/main" xmlns="" id="{AC850DE3-9540-4EAD-8FE4-0C915E1D146D}"/>
               </a:ext>
             </a:extLst>
           </p:cNvPr>
@@ -1952,7 +1960,7 @@
           <a:p>
             <a:fld id="{22289B60-A9D0-4AF6-A1DA-5E084ED2AEC6}" type="datetimeFigureOut">
               <a:rPr lang="en-US" smtClean="0"/>
-              <a:t>5/31/2021</a:t>
+              <a:t>6/2/2021</a:t>
             </a:fld>
             <a:endParaRPr lang="en-US"/>
           </a:p>
@@ -1963,7 +1971,7 @@
           <p:cNvPr id="4" name="Footer Placeholder 3">
             <a:extLst>
               <a:ext uri="{FF2B5EF4-FFF2-40B4-BE49-F238E27FC236}">
-                <a16:creationId xmlns:a16="http://schemas.microsoft.com/office/drawing/2014/main" id="{AA5E80C7-66B8-43AD-815B-117D99E0BE67}"/>
+                <a16:creationId xmlns:a16="http://schemas.microsoft.com/office/drawing/2014/main" xmlns="" id="{AA5E80C7-66B8-43AD-815B-117D99E0BE67}"/>
               </a:ext>
             </a:extLst>
           </p:cNvPr>
@@ -1988,7 +1996,7 @@
           <p:cNvPr id="5" name="Slide Number Placeholder 4">
             <a:extLst>
               <a:ext uri="{FF2B5EF4-FFF2-40B4-BE49-F238E27FC236}">
-                <a16:creationId xmlns:a16="http://schemas.microsoft.com/office/drawing/2014/main" id="{D77F8727-0F0C-4F4C-BC38-F63FBB92922D}"/>
+                <a16:creationId xmlns:a16="http://schemas.microsoft.com/office/drawing/2014/main" xmlns="" id="{D77F8727-0F0C-4F4C-BC38-F63FBB92922D}"/>
               </a:ext>
             </a:extLst>
           </p:cNvPr>
@@ -2047,7 +2055,7 @@
           <p:cNvPr id="2" name="Date Placeholder 1">
             <a:extLst>
               <a:ext uri="{FF2B5EF4-FFF2-40B4-BE49-F238E27FC236}">
-                <a16:creationId xmlns:a16="http://schemas.microsoft.com/office/drawing/2014/main" id="{22D915E7-1D0F-4350-BD49-DD1CB7A367EB}"/>
+                <a16:creationId xmlns:a16="http://schemas.microsoft.com/office/drawing/2014/main" xmlns="" id="{22D915E7-1D0F-4350-BD49-DD1CB7A367EB}"/>
               </a:ext>
             </a:extLst>
           </p:cNvPr>
@@ -2065,7 +2073,7 @@
           <a:p>
             <a:fld id="{22289B60-A9D0-4AF6-A1DA-5E084ED2AEC6}" type="datetimeFigureOut">
               <a:rPr lang="en-US" smtClean="0"/>
-              <a:t>5/31/2021</a:t>
+              <a:t>6/2/2021</a:t>
             </a:fld>
             <a:endParaRPr lang="en-US"/>
           </a:p>
@@ -2076,7 +2084,7 @@
           <p:cNvPr id="3" name="Footer Placeholder 2">
             <a:extLst>
               <a:ext uri="{FF2B5EF4-FFF2-40B4-BE49-F238E27FC236}">
-                <a16:creationId xmlns:a16="http://schemas.microsoft.com/office/drawing/2014/main" id="{235FBE83-2983-46AD-B9C1-27848575809E}"/>
+                <a16:creationId xmlns:a16="http://schemas.microsoft.com/office/drawing/2014/main" xmlns="" id="{235FBE83-2983-46AD-B9C1-27848575809E}"/>
               </a:ext>
             </a:extLst>
           </p:cNvPr>
@@ -2101,7 +2109,7 @@
           <p:cNvPr id="4" name="Slide Number Placeholder 3">
             <a:extLst>
               <a:ext uri="{FF2B5EF4-FFF2-40B4-BE49-F238E27FC236}">
-                <a16:creationId xmlns:a16="http://schemas.microsoft.com/office/drawing/2014/main" id="{333C5C94-CBB9-432E-B51F-997E104739AA}"/>
+                <a16:creationId xmlns:a16="http://schemas.microsoft.com/office/drawing/2014/main" xmlns="" id="{333C5C94-CBB9-432E-B51F-997E104739AA}"/>
               </a:ext>
             </a:extLst>
           </p:cNvPr>
@@ -2160,7 +2168,7 @@
           <p:cNvPr id="2" name="Title 1">
             <a:extLst>
               <a:ext uri="{FF2B5EF4-FFF2-40B4-BE49-F238E27FC236}">
-                <a16:creationId xmlns:a16="http://schemas.microsoft.com/office/drawing/2014/main" id="{042A49FF-1468-4D58-8AE0-20D51F6E2A80}"/>
+                <a16:creationId xmlns:a16="http://schemas.microsoft.com/office/drawing/2014/main" xmlns="" id="{042A49FF-1468-4D58-8AE0-20D51F6E2A80}"/>
               </a:ext>
             </a:extLst>
           </p:cNvPr>
@@ -2197,7 +2205,7 @@
           <p:cNvPr id="3" name="Content Placeholder 2">
             <a:extLst>
               <a:ext uri="{FF2B5EF4-FFF2-40B4-BE49-F238E27FC236}">
-                <a16:creationId xmlns:a16="http://schemas.microsoft.com/office/drawing/2014/main" id="{432DA8D9-057A-4E27-AB89-4F567F4A3C41}"/>
+                <a16:creationId xmlns:a16="http://schemas.microsoft.com/office/drawing/2014/main" xmlns="" id="{432DA8D9-057A-4E27-AB89-4F567F4A3C41}"/>
               </a:ext>
             </a:extLst>
           </p:cNvPr>
@@ -2287,7 +2295,7 @@
           <p:cNvPr id="4" name="Text Placeholder 3">
             <a:extLst>
               <a:ext uri="{FF2B5EF4-FFF2-40B4-BE49-F238E27FC236}">
-                <a16:creationId xmlns:a16="http://schemas.microsoft.com/office/drawing/2014/main" id="{8F2B1B72-CA05-4C31-999D-D83F4DE86508}"/>
+                <a16:creationId xmlns:a16="http://schemas.microsoft.com/office/drawing/2014/main" xmlns="" id="{8F2B1B72-CA05-4C31-999D-D83F4DE86508}"/>
               </a:ext>
             </a:extLst>
           </p:cNvPr>
@@ -2358,7 +2366,7 @@
           <p:cNvPr id="5" name="Date Placeholder 4">
             <a:extLst>
               <a:ext uri="{FF2B5EF4-FFF2-40B4-BE49-F238E27FC236}">
-                <a16:creationId xmlns:a16="http://schemas.microsoft.com/office/drawing/2014/main" id="{7546795E-72BA-4D52-B618-88A9AFBB254B}"/>
+                <a16:creationId xmlns:a16="http://schemas.microsoft.com/office/drawing/2014/main" xmlns="" id="{7546795E-72BA-4D52-B618-88A9AFBB254B}"/>
               </a:ext>
             </a:extLst>
           </p:cNvPr>
@@ -2376,7 +2384,7 @@
           <a:p>
             <a:fld id="{22289B60-A9D0-4AF6-A1DA-5E084ED2AEC6}" type="datetimeFigureOut">
               <a:rPr lang="en-US" smtClean="0"/>
-              <a:t>5/31/2021</a:t>
+              <a:t>6/2/2021</a:t>
             </a:fld>
             <a:endParaRPr lang="en-US"/>
           </a:p>
@@ -2387,7 +2395,7 @@
           <p:cNvPr id="6" name="Footer Placeholder 5">
             <a:extLst>
               <a:ext uri="{FF2B5EF4-FFF2-40B4-BE49-F238E27FC236}">
-                <a16:creationId xmlns:a16="http://schemas.microsoft.com/office/drawing/2014/main" id="{49D79AC2-7913-4A55-B335-6E5AB200DFC8}"/>
+                <a16:creationId xmlns:a16="http://schemas.microsoft.com/office/drawing/2014/main" xmlns="" id="{49D79AC2-7913-4A55-B335-6E5AB200DFC8}"/>
               </a:ext>
             </a:extLst>
           </p:cNvPr>
@@ -2412,7 +2420,7 @@
           <p:cNvPr id="7" name="Slide Number Placeholder 6">
             <a:extLst>
               <a:ext uri="{FF2B5EF4-FFF2-40B4-BE49-F238E27FC236}">
-                <a16:creationId xmlns:a16="http://schemas.microsoft.com/office/drawing/2014/main" id="{4853CA50-4E2A-49ED-9E23-2A9E3881107B}"/>
+                <a16:creationId xmlns:a16="http://schemas.microsoft.com/office/drawing/2014/main" xmlns="" id="{4853CA50-4E2A-49ED-9E23-2A9E3881107B}"/>
               </a:ext>
             </a:extLst>
           </p:cNvPr>
@@ -2471,7 +2479,7 @@
           <p:cNvPr id="2" name="Title 1">
             <a:extLst>
               <a:ext uri="{FF2B5EF4-FFF2-40B4-BE49-F238E27FC236}">
-                <a16:creationId xmlns:a16="http://schemas.microsoft.com/office/drawing/2014/main" id="{E6C5354E-C69C-4FB4-AA81-A4C356E50235}"/>
+                <a16:creationId xmlns:a16="http://schemas.microsoft.com/office/drawing/2014/main" xmlns="" id="{E6C5354E-C69C-4FB4-AA81-A4C356E50235}"/>
               </a:ext>
             </a:extLst>
           </p:cNvPr>
@@ -2508,7 +2516,7 @@
           <p:cNvPr id="3" name="Picture Placeholder 2">
             <a:extLst>
               <a:ext uri="{FF2B5EF4-FFF2-40B4-BE49-F238E27FC236}">
-                <a16:creationId xmlns:a16="http://schemas.microsoft.com/office/drawing/2014/main" id="{34120262-FE31-415E-9306-A2DBFF60819A}"/>
+                <a16:creationId xmlns:a16="http://schemas.microsoft.com/office/drawing/2014/main" xmlns="" id="{34120262-FE31-415E-9306-A2DBFF60819A}"/>
               </a:ext>
             </a:extLst>
           </p:cNvPr>
@@ -2575,7 +2583,7 @@
           <p:cNvPr id="4" name="Text Placeholder 3">
             <a:extLst>
               <a:ext uri="{FF2B5EF4-FFF2-40B4-BE49-F238E27FC236}">
-                <a16:creationId xmlns:a16="http://schemas.microsoft.com/office/drawing/2014/main" id="{110A1CB5-A22B-424B-9560-D341695C7125}"/>
+                <a16:creationId xmlns:a16="http://schemas.microsoft.com/office/drawing/2014/main" xmlns="" id="{110A1CB5-A22B-424B-9560-D341695C7125}"/>
               </a:ext>
             </a:extLst>
           </p:cNvPr>
@@ -2646,7 +2654,7 @@
           <p:cNvPr id="5" name="Date Placeholder 4">
             <a:extLst>
               <a:ext uri="{FF2B5EF4-FFF2-40B4-BE49-F238E27FC236}">
-                <a16:creationId xmlns:a16="http://schemas.microsoft.com/office/drawing/2014/main" id="{0D6F995D-86CE-4E9E-9D9A-FA8074178FE7}"/>
+                <a16:creationId xmlns:a16="http://schemas.microsoft.com/office/drawing/2014/main" xmlns="" id="{0D6F995D-86CE-4E9E-9D9A-FA8074178FE7}"/>
               </a:ext>
             </a:extLst>
           </p:cNvPr>
@@ -2664,7 +2672,7 @@
           <a:p>
             <a:fld id="{22289B60-A9D0-4AF6-A1DA-5E084ED2AEC6}" type="datetimeFigureOut">
               <a:rPr lang="en-US" smtClean="0"/>
-              <a:t>5/31/2021</a:t>
+              <a:t>6/2/2021</a:t>
             </a:fld>
             <a:endParaRPr lang="en-US"/>
           </a:p>
@@ -2675,7 +2683,7 @@
           <p:cNvPr id="6" name="Footer Placeholder 5">
             <a:extLst>
               <a:ext uri="{FF2B5EF4-FFF2-40B4-BE49-F238E27FC236}">
-                <a16:creationId xmlns:a16="http://schemas.microsoft.com/office/drawing/2014/main" id="{FA260BEC-A1F9-424A-8F4F-9D2608832027}"/>
+                <a16:creationId xmlns:a16="http://schemas.microsoft.com/office/drawing/2014/main" xmlns="" id="{FA260BEC-A1F9-424A-8F4F-9D2608832027}"/>
               </a:ext>
             </a:extLst>
           </p:cNvPr>
@@ -2700,7 +2708,7 @@
           <p:cNvPr id="7" name="Slide Number Placeholder 6">
             <a:extLst>
               <a:ext uri="{FF2B5EF4-FFF2-40B4-BE49-F238E27FC236}">
-                <a16:creationId xmlns:a16="http://schemas.microsoft.com/office/drawing/2014/main" id="{621AE967-C885-4F39-876D-83D3D52608F0}"/>
+                <a16:creationId xmlns:a16="http://schemas.microsoft.com/office/drawing/2014/main" xmlns="" id="{621AE967-C885-4F39-876D-83D3D52608F0}"/>
               </a:ext>
             </a:extLst>
           </p:cNvPr>
@@ -2764,7 +2772,7 @@
           <p:cNvPr id="2" name="Title Placeholder 1">
             <a:extLst>
               <a:ext uri="{FF2B5EF4-FFF2-40B4-BE49-F238E27FC236}">
-                <a16:creationId xmlns:a16="http://schemas.microsoft.com/office/drawing/2014/main" id="{0FAF36B1-734B-4122-9F0F-0FCDF2792AFE}"/>
+                <a16:creationId xmlns:a16="http://schemas.microsoft.com/office/drawing/2014/main" xmlns="" id="{0FAF36B1-734B-4122-9F0F-0FCDF2792AFE}"/>
               </a:ext>
             </a:extLst>
           </p:cNvPr>
@@ -2802,7 +2810,7 @@
           <p:cNvPr id="3" name="Text Placeholder 2">
             <a:extLst>
               <a:ext uri="{FF2B5EF4-FFF2-40B4-BE49-F238E27FC236}">
-                <a16:creationId xmlns:a16="http://schemas.microsoft.com/office/drawing/2014/main" id="{2A8DE6D5-F420-4E6E-9BC5-C6CC1BD889C7}"/>
+                <a16:creationId xmlns:a16="http://schemas.microsoft.com/office/drawing/2014/main" xmlns="" id="{2A8DE6D5-F420-4E6E-9BC5-C6CC1BD889C7}"/>
               </a:ext>
             </a:extLst>
           </p:cNvPr>
@@ -2869,7 +2877,7 @@
           <p:cNvPr id="4" name="Date Placeholder 3">
             <a:extLst>
               <a:ext uri="{FF2B5EF4-FFF2-40B4-BE49-F238E27FC236}">
-                <a16:creationId xmlns:a16="http://schemas.microsoft.com/office/drawing/2014/main" id="{FD003DCA-3704-42C9-BB64-7AA8BFF37995}"/>
+                <a16:creationId xmlns:a16="http://schemas.microsoft.com/office/drawing/2014/main" xmlns="" id="{FD003DCA-3704-42C9-BB64-7AA8BFF37995}"/>
               </a:ext>
             </a:extLst>
           </p:cNvPr>
@@ -2905,7 +2913,7 @@
           <a:p>
             <a:fld id="{22289B60-A9D0-4AF6-A1DA-5E084ED2AEC6}" type="datetimeFigureOut">
               <a:rPr lang="en-US" smtClean="0"/>
-              <a:t>5/31/2021</a:t>
+              <a:t>6/2/2021</a:t>
             </a:fld>
             <a:endParaRPr lang="en-US"/>
           </a:p>
@@ -2916,7 +2924,7 @@
           <p:cNvPr id="5" name="Footer Placeholder 4">
             <a:extLst>
               <a:ext uri="{FF2B5EF4-FFF2-40B4-BE49-F238E27FC236}">
-                <a16:creationId xmlns:a16="http://schemas.microsoft.com/office/drawing/2014/main" id="{27672566-E0BE-407A-B43B-989D41AE386C}"/>
+                <a16:creationId xmlns:a16="http://schemas.microsoft.com/office/drawing/2014/main" xmlns="" id="{27672566-E0BE-407A-B43B-989D41AE386C}"/>
               </a:ext>
             </a:extLst>
           </p:cNvPr>
@@ -2959,7 +2967,7 @@
           <p:cNvPr id="6" name="Slide Number Placeholder 5">
             <a:extLst>
               <a:ext uri="{FF2B5EF4-FFF2-40B4-BE49-F238E27FC236}">
-                <a16:creationId xmlns:a16="http://schemas.microsoft.com/office/drawing/2014/main" id="{BF04CD5F-FD6E-4DF8-9503-28D259C9C5A8}"/>
+                <a16:creationId xmlns:a16="http://schemas.microsoft.com/office/drawing/2014/main" xmlns="" id="{BF04CD5F-FD6E-4DF8-9503-28D259C9C5A8}"/>
               </a:ext>
             </a:extLst>
           </p:cNvPr>
@@ -3327,7 +3335,7 @@
           <p:cNvPr id="5" name="Picture 4">
             <a:extLst>
               <a:ext uri="{FF2B5EF4-FFF2-40B4-BE49-F238E27FC236}">
-                <a16:creationId xmlns:a16="http://schemas.microsoft.com/office/drawing/2014/main" id="{6CC3F3D3-E8D1-4A15-8C55-ADE037CCC725}"/>
+                <a16:creationId xmlns:a16="http://schemas.microsoft.com/office/drawing/2014/main" xmlns="" id="{6CC3F3D3-E8D1-4A15-8C55-ADE037CCC725}"/>
               </a:ext>
             </a:extLst>
           </p:cNvPr>
@@ -3363,7 +3371,7 @@
           <p:cNvPr id="64" name="Freeform: Shape 63">
             <a:extLst>
               <a:ext uri="{FF2B5EF4-FFF2-40B4-BE49-F238E27FC236}">
-                <a16:creationId xmlns:a16="http://schemas.microsoft.com/office/drawing/2014/main" id="{EFEAB053-57EC-4168-932F-852A8F58336D}"/>
+                <a16:creationId xmlns:a16="http://schemas.microsoft.com/office/drawing/2014/main" xmlns="" id="{EFEAB053-57EC-4168-932F-852A8F58336D}"/>
               </a:ext>
             </a:extLst>
           </p:cNvPr>
@@ -3562,7 +3570,7 @@
           <p:cNvPr id="69" name="Oval 68">
             <a:extLst>
               <a:ext uri="{FF2B5EF4-FFF2-40B4-BE49-F238E27FC236}">
-                <a16:creationId xmlns:a16="http://schemas.microsoft.com/office/drawing/2014/main" id="{8A7FCA6F-A2B3-4E81-8B61-7CD0367FA2D3}"/>
+                <a16:creationId xmlns:a16="http://schemas.microsoft.com/office/drawing/2014/main" xmlns="" id="{8A7FCA6F-A2B3-4E81-8B61-7CD0367FA2D3}"/>
               </a:ext>
             </a:extLst>
           </p:cNvPr>
@@ -3616,7 +3624,7 @@
           <p:cNvPr id="65" name="Oval 64">
             <a:extLst>
               <a:ext uri="{FF2B5EF4-FFF2-40B4-BE49-F238E27FC236}">
-                <a16:creationId xmlns:a16="http://schemas.microsoft.com/office/drawing/2014/main" id="{AA186219-1341-41D1-A2DE-59B24E08FE6F}"/>
+                <a16:creationId xmlns:a16="http://schemas.microsoft.com/office/drawing/2014/main" xmlns="" id="{AA186219-1341-41D1-A2DE-59B24E08FE6F}"/>
               </a:ext>
             </a:extLst>
           </p:cNvPr>
@@ -3670,7 +3678,7 @@
           <p:cNvPr id="67" name="Oval 66">
             <a:extLst>
               <a:ext uri="{FF2B5EF4-FFF2-40B4-BE49-F238E27FC236}">
-                <a16:creationId xmlns:a16="http://schemas.microsoft.com/office/drawing/2014/main" id="{5E372E19-FFF8-4261-A75D-0DDDE5642D92}"/>
+                <a16:creationId xmlns:a16="http://schemas.microsoft.com/office/drawing/2014/main" xmlns="" id="{5E372E19-FFF8-4261-A75D-0DDDE5642D92}"/>
               </a:ext>
             </a:extLst>
           </p:cNvPr>
@@ -3724,7 +3732,7 @@
           <p:cNvPr id="68" name="Oval 67">
             <a:extLst>
               <a:ext uri="{FF2B5EF4-FFF2-40B4-BE49-F238E27FC236}">
-                <a16:creationId xmlns:a16="http://schemas.microsoft.com/office/drawing/2014/main" id="{78E9B3D6-5BDF-46BF-AF8D-BE3BEE5F0136}"/>
+                <a16:creationId xmlns:a16="http://schemas.microsoft.com/office/drawing/2014/main" xmlns="" id="{78E9B3D6-5BDF-46BF-AF8D-BE3BEE5F0136}"/>
               </a:ext>
             </a:extLst>
           </p:cNvPr>
@@ -3778,7 +3786,7 @@
           <p:cNvPr id="125" name="Freeform: Shape 124">
             <a:extLst>
               <a:ext uri="{FF2B5EF4-FFF2-40B4-BE49-F238E27FC236}">
-                <a16:creationId xmlns:a16="http://schemas.microsoft.com/office/drawing/2014/main" id="{93F2C611-AB26-4EFD-82D4-C1BEC81FBE88}"/>
+                <a16:creationId xmlns:a16="http://schemas.microsoft.com/office/drawing/2014/main" xmlns="" id="{93F2C611-AB26-4EFD-82D4-C1BEC81FBE88}"/>
               </a:ext>
             </a:extLst>
           </p:cNvPr>
@@ -4011,7 +4019,7 @@
           <p:cNvPr id="66" name="Oval 65">
             <a:extLst>
               <a:ext uri="{FF2B5EF4-FFF2-40B4-BE49-F238E27FC236}">
-                <a16:creationId xmlns:a16="http://schemas.microsoft.com/office/drawing/2014/main" id="{66CEB90D-9624-4161-B375-29C3945867D5}"/>
+                <a16:creationId xmlns:a16="http://schemas.microsoft.com/office/drawing/2014/main" xmlns="" id="{66CEB90D-9624-4161-B375-29C3945867D5}"/>
               </a:ext>
             </a:extLst>
           </p:cNvPr>
@@ -4065,7 +4073,7 @@
           <p:cNvPr id="17" name="Straight Connector 16">
             <a:extLst>
               <a:ext uri="{FF2B5EF4-FFF2-40B4-BE49-F238E27FC236}">
-                <a16:creationId xmlns:a16="http://schemas.microsoft.com/office/drawing/2014/main" id="{C9430F9C-F217-47ED-9AD8-459D5FA2A47E}"/>
+                <a16:creationId xmlns:a16="http://schemas.microsoft.com/office/drawing/2014/main" xmlns="" id="{C9430F9C-F217-47ED-9AD8-459D5FA2A47E}"/>
               </a:ext>
             </a:extLst>
           </p:cNvPr>
@@ -4108,7 +4116,7 @@
           <p:cNvPr id="19" name="Straight Connector 18">
             <a:extLst>
               <a:ext uri="{FF2B5EF4-FFF2-40B4-BE49-F238E27FC236}">
-                <a16:creationId xmlns:a16="http://schemas.microsoft.com/office/drawing/2014/main" id="{3E2E89BF-B39E-4B26-9C52-D59DEB617C2B}"/>
+                <a16:creationId xmlns:a16="http://schemas.microsoft.com/office/drawing/2014/main" xmlns="" id="{3E2E89BF-B39E-4B26-9C52-D59DEB617C2B}"/>
               </a:ext>
             </a:extLst>
           </p:cNvPr>
@@ -4151,7 +4159,7 @@
           <p:cNvPr id="23" name="Straight Connector 22">
             <a:extLst>
               <a:ext uri="{FF2B5EF4-FFF2-40B4-BE49-F238E27FC236}">
-                <a16:creationId xmlns:a16="http://schemas.microsoft.com/office/drawing/2014/main" id="{0F3301C7-4DA6-4B8C-80E4-E18230BB4E06}"/>
+                <a16:creationId xmlns:a16="http://schemas.microsoft.com/office/drawing/2014/main" xmlns="" id="{0F3301C7-4DA6-4B8C-80E4-E18230BB4E06}"/>
               </a:ext>
             </a:extLst>
           </p:cNvPr>
@@ -4194,7 +4202,7 @@
           <p:cNvPr id="26" name="Straight Connector 25">
             <a:extLst>
               <a:ext uri="{FF2B5EF4-FFF2-40B4-BE49-F238E27FC236}">
-                <a16:creationId xmlns:a16="http://schemas.microsoft.com/office/drawing/2014/main" id="{87DF3E61-17A6-4EC1-AE21-73E9B9655144}"/>
+                <a16:creationId xmlns:a16="http://schemas.microsoft.com/office/drawing/2014/main" xmlns="" id="{87DF3E61-17A6-4EC1-AE21-73E9B9655144}"/>
               </a:ext>
             </a:extLst>
           </p:cNvPr>
@@ -4237,7 +4245,7 @@
           <p:cNvPr id="29" name="Straight Connector 28">
             <a:extLst>
               <a:ext uri="{FF2B5EF4-FFF2-40B4-BE49-F238E27FC236}">
-                <a16:creationId xmlns:a16="http://schemas.microsoft.com/office/drawing/2014/main" id="{1AD52031-E8ED-4292-9BBE-24534E6219CA}"/>
+                <a16:creationId xmlns:a16="http://schemas.microsoft.com/office/drawing/2014/main" xmlns="" id="{1AD52031-E8ED-4292-9BBE-24534E6219CA}"/>
               </a:ext>
             </a:extLst>
           </p:cNvPr>
@@ -4280,7 +4288,7 @@
           <p:cNvPr id="32" name="Straight Connector 31">
             <a:extLst>
               <a:ext uri="{FF2B5EF4-FFF2-40B4-BE49-F238E27FC236}">
-                <a16:creationId xmlns:a16="http://schemas.microsoft.com/office/drawing/2014/main" id="{2C4171B2-A7A6-4844-9240-77242B5F435B}"/>
+                <a16:creationId xmlns:a16="http://schemas.microsoft.com/office/drawing/2014/main" xmlns="" id="{2C4171B2-A7A6-4844-9240-77242B5F435B}"/>
               </a:ext>
             </a:extLst>
           </p:cNvPr>
@@ -4323,7 +4331,7 @@
           <p:cNvPr id="35" name="Straight Connector 34">
             <a:extLst>
               <a:ext uri="{FF2B5EF4-FFF2-40B4-BE49-F238E27FC236}">
-                <a16:creationId xmlns:a16="http://schemas.microsoft.com/office/drawing/2014/main" id="{6A12B81F-B371-461E-B36A-F745AC82AB26}"/>
+                <a16:creationId xmlns:a16="http://schemas.microsoft.com/office/drawing/2014/main" xmlns="" id="{6A12B81F-B371-461E-B36A-F745AC82AB26}"/>
               </a:ext>
             </a:extLst>
           </p:cNvPr>
@@ -4366,7 +4374,7 @@
           <p:cNvPr id="38" name="Straight Connector 37">
             <a:extLst>
               <a:ext uri="{FF2B5EF4-FFF2-40B4-BE49-F238E27FC236}">
-                <a16:creationId xmlns:a16="http://schemas.microsoft.com/office/drawing/2014/main" id="{3033DA33-8D8A-40F4-B38A-9FE5C5E5A408}"/>
+                <a16:creationId xmlns:a16="http://schemas.microsoft.com/office/drawing/2014/main" xmlns="" id="{3033DA33-8D8A-40F4-B38A-9FE5C5E5A408}"/>
               </a:ext>
             </a:extLst>
           </p:cNvPr>
@@ -4409,7 +4417,7 @@
           <p:cNvPr id="42" name="Straight Connector 41">
             <a:extLst>
               <a:ext uri="{FF2B5EF4-FFF2-40B4-BE49-F238E27FC236}">
-                <a16:creationId xmlns:a16="http://schemas.microsoft.com/office/drawing/2014/main" id="{70F0DEA9-4165-4D74-894B-3F23374EE3BA}"/>
+                <a16:creationId xmlns:a16="http://schemas.microsoft.com/office/drawing/2014/main" xmlns="" id="{70F0DEA9-4165-4D74-894B-3F23374EE3BA}"/>
               </a:ext>
             </a:extLst>
           </p:cNvPr>
@@ -4452,7 +4460,7 @@
           <p:cNvPr id="126" name="Straight Connector 125">
             <a:extLst>
               <a:ext uri="{FF2B5EF4-FFF2-40B4-BE49-F238E27FC236}">
-                <a16:creationId xmlns:a16="http://schemas.microsoft.com/office/drawing/2014/main" id="{48A77A90-AB20-458F-AF39-D668AB021140}"/>
+                <a16:creationId xmlns:a16="http://schemas.microsoft.com/office/drawing/2014/main" xmlns="" id="{48A77A90-AB20-458F-AF39-D668AB021140}"/>
               </a:ext>
             </a:extLst>
           </p:cNvPr>
@@ -4495,7 +4503,7 @@
           <p:cNvPr id="45" name="Straight Connector 44">
             <a:extLst>
               <a:ext uri="{FF2B5EF4-FFF2-40B4-BE49-F238E27FC236}">
-                <a16:creationId xmlns:a16="http://schemas.microsoft.com/office/drawing/2014/main" id="{596B627E-5C2C-444D-B023-1BED8C67EA76}"/>
+                <a16:creationId xmlns:a16="http://schemas.microsoft.com/office/drawing/2014/main" xmlns="" id="{596B627E-5C2C-444D-B023-1BED8C67EA76}"/>
               </a:ext>
             </a:extLst>
           </p:cNvPr>
@@ -4538,7 +4546,7 @@
           <p:cNvPr id="49" name="Straight Connector 48">
             <a:extLst>
               <a:ext uri="{FF2B5EF4-FFF2-40B4-BE49-F238E27FC236}">
-                <a16:creationId xmlns:a16="http://schemas.microsoft.com/office/drawing/2014/main" id="{3CF8C1B2-0764-4028-B5E0-62951A5598C8}"/>
+                <a16:creationId xmlns:a16="http://schemas.microsoft.com/office/drawing/2014/main" xmlns="" id="{3CF8C1B2-0764-4028-B5E0-62951A5598C8}"/>
               </a:ext>
             </a:extLst>
           </p:cNvPr>
@@ -4581,7 +4589,7 @@
           <p:cNvPr id="6" name="Oval 5">
             <a:extLst>
               <a:ext uri="{FF2B5EF4-FFF2-40B4-BE49-F238E27FC236}">
-                <a16:creationId xmlns:a16="http://schemas.microsoft.com/office/drawing/2014/main" id="{AF3DAAC3-8CC4-4D8C-A931-4F342A806D90}"/>
+                <a16:creationId xmlns:a16="http://schemas.microsoft.com/office/drawing/2014/main" xmlns="" id="{AF3DAAC3-8CC4-4D8C-A931-4F342A806D90}"/>
               </a:ext>
             </a:extLst>
           </p:cNvPr>
@@ -4633,7 +4641,7 @@
           <p:cNvPr id="7" name="Oval 6">
             <a:extLst>
               <a:ext uri="{FF2B5EF4-FFF2-40B4-BE49-F238E27FC236}">
-                <a16:creationId xmlns:a16="http://schemas.microsoft.com/office/drawing/2014/main" id="{E475F10E-BDAB-4B3D-84E6-3D932912FEF1}"/>
+                <a16:creationId xmlns:a16="http://schemas.microsoft.com/office/drawing/2014/main" xmlns="" id="{E475F10E-BDAB-4B3D-84E6-3D932912FEF1}"/>
               </a:ext>
             </a:extLst>
           </p:cNvPr>
@@ -4685,7 +4693,7 @@
           <p:cNvPr id="8" name="Oval 7">
             <a:extLst>
               <a:ext uri="{FF2B5EF4-FFF2-40B4-BE49-F238E27FC236}">
-                <a16:creationId xmlns:a16="http://schemas.microsoft.com/office/drawing/2014/main" id="{278EB6CA-6ACE-4D64-942C-F4410E3CB8A9}"/>
+                <a16:creationId xmlns:a16="http://schemas.microsoft.com/office/drawing/2014/main" xmlns="" id="{278EB6CA-6ACE-4D64-942C-F4410E3CB8A9}"/>
               </a:ext>
             </a:extLst>
           </p:cNvPr>
@@ -4737,7 +4745,7 @@
           <p:cNvPr id="9" name="Oval 8">
             <a:extLst>
               <a:ext uri="{FF2B5EF4-FFF2-40B4-BE49-F238E27FC236}">
-                <a16:creationId xmlns:a16="http://schemas.microsoft.com/office/drawing/2014/main" id="{AABE088E-C32B-44F5-BA52-380BE082E5F7}"/>
+                <a16:creationId xmlns:a16="http://schemas.microsoft.com/office/drawing/2014/main" xmlns="" id="{AABE088E-C32B-44F5-BA52-380BE082E5F7}"/>
               </a:ext>
             </a:extLst>
           </p:cNvPr>
@@ -4789,7 +4797,7 @@
           <p:cNvPr id="10" name="Oval 9">
             <a:extLst>
               <a:ext uri="{FF2B5EF4-FFF2-40B4-BE49-F238E27FC236}">
-                <a16:creationId xmlns:a16="http://schemas.microsoft.com/office/drawing/2014/main" id="{4F3D5EAB-A0CF-4BB9-9417-90E145AA1859}"/>
+                <a16:creationId xmlns:a16="http://schemas.microsoft.com/office/drawing/2014/main" xmlns="" id="{4F3D5EAB-A0CF-4BB9-9417-90E145AA1859}"/>
               </a:ext>
             </a:extLst>
           </p:cNvPr>
@@ -4841,7 +4849,7 @@
           <p:cNvPr id="11" name="Oval 10">
             <a:extLst>
               <a:ext uri="{FF2B5EF4-FFF2-40B4-BE49-F238E27FC236}">
-                <a16:creationId xmlns:a16="http://schemas.microsoft.com/office/drawing/2014/main" id="{1E43CDE9-1A93-4957-A2BD-A2CE4DA96F9F}"/>
+                <a16:creationId xmlns:a16="http://schemas.microsoft.com/office/drawing/2014/main" xmlns="" id="{1E43CDE9-1A93-4957-A2BD-A2CE4DA96F9F}"/>
               </a:ext>
             </a:extLst>
           </p:cNvPr>
@@ -4893,7 +4901,7 @@
           <p:cNvPr id="12" name="Oval 11">
             <a:extLst>
               <a:ext uri="{FF2B5EF4-FFF2-40B4-BE49-F238E27FC236}">
-                <a16:creationId xmlns:a16="http://schemas.microsoft.com/office/drawing/2014/main" id="{155A1063-746C-46AF-A318-003BF8ACB8B2}"/>
+                <a16:creationId xmlns:a16="http://schemas.microsoft.com/office/drawing/2014/main" xmlns="" id="{155A1063-746C-46AF-A318-003BF8ACB8B2}"/>
               </a:ext>
             </a:extLst>
           </p:cNvPr>
@@ -4945,7 +4953,7 @@
           <p:cNvPr id="13" name="Oval 12">
             <a:extLst>
               <a:ext uri="{FF2B5EF4-FFF2-40B4-BE49-F238E27FC236}">
-                <a16:creationId xmlns:a16="http://schemas.microsoft.com/office/drawing/2014/main" id="{83EB36C1-E8E9-4B93-A4DD-4B5C4E228286}"/>
+                <a16:creationId xmlns:a16="http://schemas.microsoft.com/office/drawing/2014/main" xmlns="" id="{83EB36C1-E8E9-4B93-A4DD-4B5C4E228286}"/>
               </a:ext>
             </a:extLst>
           </p:cNvPr>
@@ -4997,7 +5005,7 @@
           <p:cNvPr id="14" name="Oval 13">
             <a:extLst>
               <a:ext uri="{FF2B5EF4-FFF2-40B4-BE49-F238E27FC236}">
-                <a16:creationId xmlns:a16="http://schemas.microsoft.com/office/drawing/2014/main" id="{208D3975-3DA6-413B-A0C1-7D71000069B5}"/>
+                <a16:creationId xmlns:a16="http://schemas.microsoft.com/office/drawing/2014/main" xmlns="" id="{208D3975-3DA6-413B-A0C1-7D71000069B5}"/>
               </a:ext>
             </a:extLst>
           </p:cNvPr>
@@ -5049,7 +5057,7 @@
           <p:cNvPr id="15" name="Oval 14">
             <a:extLst>
               <a:ext uri="{FF2B5EF4-FFF2-40B4-BE49-F238E27FC236}">
-                <a16:creationId xmlns:a16="http://schemas.microsoft.com/office/drawing/2014/main" id="{CD910683-F4BB-42DD-8385-0E0936075BFF}"/>
+                <a16:creationId xmlns:a16="http://schemas.microsoft.com/office/drawing/2014/main" xmlns="" id="{CD910683-F4BB-42DD-8385-0E0936075BFF}"/>
               </a:ext>
             </a:extLst>
           </p:cNvPr>
@@ -5101,7 +5109,7 @@
           <p:cNvPr id="76" name="Freeform: Shape 75">
             <a:extLst>
               <a:ext uri="{FF2B5EF4-FFF2-40B4-BE49-F238E27FC236}">
-                <a16:creationId xmlns:a16="http://schemas.microsoft.com/office/drawing/2014/main" id="{15BB0569-04BE-4339-98A8-3E2426B08A2B}"/>
+                <a16:creationId xmlns:a16="http://schemas.microsoft.com/office/drawing/2014/main" xmlns="" id="{15BB0569-04BE-4339-98A8-3E2426B08A2B}"/>
               </a:ext>
             </a:extLst>
           </p:cNvPr>
@@ -5747,7 +5755,7 @@
           <p:cNvPr id="80" name="Freeform: Shape 79">
             <a:extLst>
               <a:ext uri="{FF2B5EF4-FFF2-40B4-BE49-F238E27FC236}">
-                <a16:creationId xmlns:a16="http://schemas.microsoft.com/office/drawing/2014/main" id="{C7A4A2B6-AE46-401E-A673-4ED8FA0559D4}"/>
+                <a16:creationId xmlns:a16="http://schemas.microsoft.com/office/drawing/2014/main" xmlns="" id="{C7A4A2B6-AE46-401E-A673-4ED8FA0559D4}"/>
               </a:ext>
             </a:extLst>
           </p:cNvPr>
@@ -6025,7 +6033,7 @@
           <p:cNvPr id="99" name="Freeform: Shape 98">
             <a:extLst>
               <a:ext uri="{FF2B5EF4-FFF2-40B4-BE49-F238E27FC236}">
-                <a16:creationId xmlns:a16="http://schemas.microsoft.com/office/drawing/2014/main" id="{E2C77603-A216-44F3-B651-B1B5DADDB2A8}"/>
+                <a16:creationId xmlns:a16="http://schemas.microsoft.com/office/drawing/2014/main" xmlns="" id="{E2C77603-A216-44F3-B651-B1B5DADDB2A8}"/>
               </a:ext>
             </a:extLst>
           </p:cNvPr>
@@ -6303,7 +6311,7 @@
           <p:cNvPr id="103" name="Freeform: Shape 102">
             <a:extLst>
               <a:ext uri="{FF2B5EF4-FFF2-40B4-BE49-F238E27FC236}">
-                <a16:creationId xmlns:a16="http://schemas.microsoft.com/office/drawing/2014/main" id="{7817D634-B660-42CD-A10E-424F069F2B1D}"/>
+                <a16:creationId xmlns:a16="http://schemas.microsoft.com/office/drawing/2014/main" xmlns="" id="{7817D634-B660-42CD-A10E-424F069F2B1D}"/>
               </a:ext>
             </a:extLst>
           </p:cNvPr>
@@ -6949,7 +6957,7 @@
           <p:cNvPr id="112" name="Freeform: Shape 111">
             <a:extLst>
               <a:ext uri="{FF2B5EF4-FFF2-40B4-BE49-F238E27FC236}">
-                <a16:creationId xmlns:a16="http://schemas.microsoft.com/office/drawing/2014/main" id="{F5099B08-E8B4-4A1F-AE57-47C8238FB579}"/>
+                <a16:creationId xmlns:a16="http://schemas.microsoft.com/office/drawing/2014/main" xmlns="" id="{F5099B08-E8B4-4A1F-AE57-47C8238FB579}"/>
               </a:ext>
             </a:extLst>
           </p:cNvPr>
@@ -7209,7 +7217,7 @@
           <p:cNvPr id="4" name="Oval 3">
             <a:extLst>
               <a:ext uri="{FF2B5EF4-FFF2-40B4-BE49-F238E27FC236}">
-                <a16:creationId xmlns:a16="http://schemas.microsoft.com/office/drawing/2014/main" id="{FE6D8C16-47B7-44F9-96D8-0A09644D1E8B}"/>
+                <a16:creationId xmlns:a16="http://schemas.microsoft.com/office/drawing/2014/main" xmlns="" id="{FE6D8C16-47B7-44F9-96D8-0A09644D1E8B}"/>
               </a:ext>
             </a:extLst>
           </p:cNvPr>
@@ -7261,7 +7269,7 @@
           <p:cNvPr id="39" name="Oval 38">
             <a:extLst>
               <a:ext uri="{FF2B5EF4-FFF2-40B4-BE49-F238E27FC236}">
-                <a16:creationId xmlns:a16="http://schemas.microsoft.com/office/drawing/2014/main" id="{66676DB1-86EB-47F9-ACDB-829F16F88846}"/>
+                <a16:creationId xmlns:a16="http://schemas.microsoft.com/office/drawing/2014/main" xmlns="" id="{66676DB1-86EB-47F9-ACDB-829F16F88846}"/>
               </a:ext>
             </a:extLst>
           </p:cNvPr>
@@ -7313,7 +7321,7 @@
           <p:cNvPr id="40" name="Oval 39">
             <a:extLst>
               <a:ext uri="{FF2B5EF4-FFF2-40B4-BE49-F238E27FC236}">
-                <a16:creationId xmlns:a16="http://schemas.microsoft.com/office/drawing/2014/main" id="{99051C83-DCF5-4A19-8204-9E09CD2F5521}"/>
+                <a16:creationId xmlns:a16="http://schemas.microsoft.com/office/drawing/2014/main" xmlns="" id="{99051C83-DCF5-4A19-8204-9E09CD2F5521}"/>
               </a:ext>
             </a:extLst>
           </p:cNvPr>
@@ -7365,7 +7373,7 @@
           <p:cNvPr id="88" name="Oval 87">
             <a:extLst>
               <a:ext uri="{FF2B5EF4-FFF2-40B4-BE49-F238E27FC236}">
-                <a16:creationId xmlns:a16="http://schemas.microsoft.com/office/drawing/2014/main" id="{E2D498A0-4926-43B3-9B68-2430BF31F8A8}"/>
+                <a16:creationId xmlns:a16="http://schemas.microsoft.com/office/drawing/2014/main" xmlns="" id="{E2D498A0-4926-43B3-9B68-2430BF31F8A8}"/>
               </a:ext>
             </a:extLst>
           </p:cNvPr>
@@ -7419,7 +7427,7 @@
           <p:cNvPr id="206" name="Oval 205">
             <a:extLst>
               <a:ext uri="{FF2B5EF4-FFF2-40B4-BE49-F238E27FC236}">
-                <a16:creationId xmlns:a16="http://schemas.microsoft.com/office/drawing/2014/main" id="{E1764DAA-9747-4508-9DF8-14376FDC6BD5}"/>
+                <a16:creationId xmlns:a16="http://schemas.microsoft.com/office/drawing/2014/main" xmlns="" id="{E1764DAA-9747-4508-9DF8-14376FDC6BD5}"/>
               </a:ext>
             </a:extLst>
           </p:cNvPr>
@@ -7473,7 +7481,7 @@
           <p:cNvPr id="86" name="Oval 85">
             <a:extLst>
               <a:ext uri="{FF2B5EF4-FFF2-40B4-BE49-F238E27FC236}">
-                <a16:creationId xmlns:a16="http://schemas.microsoft.com/office/drawing/2014/main" id="{90D28B35-2B6C-4BE1-9577-30E610F3021B}"/>
+                <a16:creationId xmlns:a16="http://schemas.microsoft.com/office/drawing/2014/main" xmlns="" id="{90D28B35-2B6C-4BE1-9577-30E610F3021B}"/>
               </a:ext>
             </a:extLst>
           </p:cNvPr>
@@ -7527,7 +7535,7 @@
           <p:cNvPr id="87" name="Oval 86">
             <a:extLst>
               <a:ext uri="{FF2B5EF4-FFF2-40B4-BE49-F238E27FC236}">
-                <a16:creationId xmlns:a16="http://schemas.microsoft.com/office/drawing/2014/main" id="{0C488724-A8AD-4BF9-A217-5416D89DB047}"/>
+                <a16:creationId xmlns:a16="http://schemas.microsoft.com/office/drawing/2014/main" xmlns="" id="{0C488724-A8AD-4BF9-A217-5416D89DB047}"/>
               </a:ext>
             </a:extLst>
           </p:cNvPr>
@@ -7581,7 +7589,7 @@
           <p:cNvPr id="217" name="Oval 216">
             <a:extLst>
               <a:ext uri="{FF2B5EF4-FFF2-40B4-BE49-F238E27FC236}">
-                <a16:creationId xmlns:a16="http://schemas.microsoft.com/office/drawing/2014/main" id="{D1E57824-321F-4B46-91E8-349FE0398C6A}"/>
+                <a16:creationId xmlns:a16="http://schemas.microsoft.com/office/drawing/2014/main" xmlns="" id="{D1E57824-321F-4B46-91E8-349FE0398C6A}"/>
               </a:ext>
             </a:extLst>
           </p:cNvPr>
@@ -7635,7 +7643,7 @@
           <p:cNvPr id="55" name="Straight Connector 54">
             <a:extLst>
               <a:ext uri="{FF2B5EF4-FFF2-40B4-BE49-F238E27FC236}">
-                <a16:creationId xmlns:a16="http://schemas.microsoft.com/office/drawing/2014/main" id="{6D4D3CD9-BA55-4631-B3D7-DE478B71DC28}"/>
+                <a16:creationId xmlns:a16="http://schemas.microsoft.com/office/drawing/2014/main" xmlns="" id="{6D4D3CD9-BA55-4631-B3D7-DE478B71DC28}"/>
               </a:ext>
             </a:extLst>
           </p:cNvPr>
@@ -7678,7 +7686,7 @@
           <p:cNvPr id="61" name="Straight Connector 60">
             <a:extLst>
               <a:ext uri="{FF2B5EF4-FFF2-40B4-BE49-F238E27FC236}">
-                <a16:creationId xmlns:a16="http://schemas.microsoft.com/office/drawing/2014/main" id="{138955B4-B425-43D0-A76C-28957517929F}"/>
+                <a16:creationId xmlns:a16="http://schemas.microsoft.com/office/drawing/2014/main" xmlns="" id="{138955B4-B425-43D0-A76C-28957517929F}"/>
               </a:ext>
             </a:extLst>
           </p:cNvPr>
@@ -7721,7 +7729,7 @@
           <p:cNvPr id="146" name="Straight Connector 145">
             <a:extLst>
               <a:ext uri="{FF2B5EF4-FFF2-40B4-BE49-F238E27FC236}">
-                <a16:creationId xmlns:a16="http://schemas.microsoft.com/office/drawing/2014/main" id="{4C7DBBF4-15DD-4A32-829B-255ACD4E75B8}"/>
+                <a16:creationId xmlns:a16="http://schemas.microsoft.com/office/drawing/2014/main" xmlns="" id="{4C7DBBF4-15DD-4A32-829B-255ACD4E75B8}"/>
               </a:ext>
             </a:extLst>
           </p:cNvPr>
@@ -7764,7 +7772,7 @@
           <p:cNvPr id="70" name="Straight Connector 69">
             <a:extLst>
               <a:ext uri="{FF2B5EF4-FFF2-40B4-BE49-F238E27FC236}">
-                <a16:creationId xmlns:a16="http://schemas.microsoft.com/office/drawing/2014/main" id="{E6D18A5D-5397-4B37-A5C0-5A70E68E0F5F}"/>
+                <a16:creationId xmlns:a16="http://schemas.microsoft.com/office/drawing/2014/main" xmlns="" id="{E6D18A5D-5397-4B37-A5C0-5A70E68E0F5F}"/>
               </a:ext>
             </a:extLst>
           </p:cNvPr>
@@ -7807,7 +7815,7 @@
           <p:cNvPr id="194" name="Straight Connector 193">
             <a:extLst>
               <a:ext uri="{FF2B5EF4-FFF2-40B4-BE49-F238E27FC236}">
-                <a16:creationId xmlns:a16="http://schemas.microsoft.com/office/drawing/2014/main" id="{6752600D-4638-4709-A739-C99D804BA855}"/>
+                <a16:creationId xmlns:a16="http://schemas.microsoft.com/office/drawing/2014/main" xmlns="" id="{6752600D-4638-4709-A739-C99D804BA855}"/>
               </a:ext>
             </a:extLst>
           </p:cNvPr>
@@ -7850,7 +7858,7 @@
           <p:cNvPr id="197" name="Straight Connector 196">
             <a:extLst>
               <a:ext uri="{FF2B5EF4-FFF2-40B4-BE49-F238E27FC236}">
-                <a16:creationId xmlns:a16="http://schemas.microsoft.com/office/drawing/2014/main" id="{586CD653-BDFD-401B-B8F6-A028E672101D}"/>
+                <a16:creationId xmlns:a16="http://schemas.microsoft.com/office/drawing/2014/main" xmlns="" id="{586CD653-BDFD-401B-B8F6-A028E672101D}"/>
               </a:ext>
             </a:extLst>
           </p:cNvPr>
@@ -7893,7 +7901,7 @@
           <p:cNvPr id="200" name="Straight Connector 199">
             <a:extLst>
               <a:ext uri="{FF2B5EF4-FFF2-40B4-BE49-F238E27FC236}">
-                <a16:creationId xmlns:a16="http://schemas.microsoft.com/office/drawing/2014/main" id="{7E6A500A-D0AA-4AE2-96E4-45969CE5CF84}"/>
+                <a16:creationId xmlns:a16="http://schemas.microsoft.com/office/drawing/2014/main" xmlns="" id="{7E6A500A-D0AA-4AE2-96E4-45969CE5CF84}"/>
               </a:ext>
             </a:extLst>
           </p:cNvPr>
@@ -7936,7 +7944,7 @@
           <p:cNvPr id="203" name="Straight Connector 202">
             <a:extLst>
               <a:ext uri="{FF2B5EF4-FFF2-40B4-BE49-F238E27FC236}">
-                <a16:creationId xmlns:a16="http://schemas.microsoft.com/office/drawing/2014/main" id="{19A060AB-D535-4C66-96CF-03B1B125F59C}"/>
+                <a16:creationId xmlns:a16="http://schemas.microsoft.com/office/drawing/2014/main" xmlns="" id="{19A060AB-D535-4C66-96CF-03B1B125F59C}"/>
               </a:ext>
             </a:extLst>
           </p:cNvPr>
@@ -7979,7 +7987,7 @@
           <p:cNvPr id="54" name="Straight Connector 53">
             <a:extLst>
               <a:ext uri="{FF2B5EF4-FFF2-40B4-BE49-F238E27FC236}">
-                <a16:creationId xmlns:a16="http://schemas.microsoft.com/office/drawing/2014/main" id="{7222DC1A-A0AB-4D07-B6E5-6AF63922D0A1}"/>
+                <a16:creationId xmlns:a16="http://schemas.microsoft.com/office/drawing/2014/main" xmlns="" id="{7222DC1A-A0AB-4D07-B6E5-6AF63922D0A1}"/>
               </a:ext>
             </a:extLst>
           </p:cNvPr>
@@ -8022,7 +8030,7 @@
           <p:cNvPr id="58" name="Straight Connector 57">
             <a:extLst>
               <a:ext uri="{FF2B5EF4-FFF2-40B4-BE49-F238E27FC236}">
-                <a16:creationId xmlns:a16="http://schemas.microsoft.com/office/drawing/2014/main" id="{FC221BFF-3AB6-4B22-9B66-644EA574F936}"/>
+                <a16:creationId xmlns:a16="http://schemas.microsoft.com/office/drawing/2014/main" xmlns="" id="{FC221BFF-3AB6-4B22-9B66-644EA574F936}"/>
               </a:ext>
             </a:extLst>
           </p:cNvPr>
@@ -8065,7 +8073,7 @@
           <p:cNvPr id="56" name="Straight Connector 55">
             <a:extLst>
               <a:ext uri="{FF2B5EF4-FFF2-40B4-BE49-F238E27FC236}">
-                <a16:creationId xmlns:a16="http://schemas.microsoft.com/office/drawing/2014/main" id="{931A4CD2-8292-467C-9478-68C5BAAAE33E}"/>
+                <a16:creationId xmlns:a16="http://schemas.microsoft.com/office/drawing/2014/main" xmlns="" id="{931A4CD2-8292-467C-9478-68C5BAAAE33E}"/>
               </a:ext>
             </a:extLst>
           </p:cNvPr>
@@ -8108,7 +8116,7 @@
           <p:cNvPr id="57" name="Straight Connector 56">
             <a:extLst>
               <a:ext uri="{FF2B5EF4-FFF2-40B4-BE49-F238E27FC236}">
-                <a16:creationId xmlns:a16="http://schemas.microsoft.com/office/drawing/2014/main" id="{3122FFE8-CF2B-4B8F-A623-543EACE47C7B}"/>
+                <a16:creationId xmlns:a16="http://schemas.microsoft.com/office/drawing/2014/main" xmlns="" id="{3122FFE8-CF2B-4B8F-A623-543EACE47C7B}"/>
               </a:ext>
             </a:extLst>
           </p:cNvPr>
@@ -8151,7 +8159,7 @@
           <p:cNvPr id="59" name="Straight Connector 58">
             <a:extLst>
               <a:ext uri="{FF2B5EF4-FFF2-40B4-BE49-F238E27FC236}">
-                <a16:creationId xmlns:a16="http://schemas.microsoft.com/office/drawing/2014/main" id="{BB031008-FD8D-4241-AE16-D048713D6DD3}"/>
+                <a16:creationId xmlns:a16="http://schemas.microsoft.com/office/drawing/2014/main" xmlns="" id="{BB031008-FD8D-4241-AE16-D048713D6DD3}"/>
               </a:ext>
             </a:extLst>
           </p:cNvPr>
@@ -8194,7 +8202,7 @@
           <p:cNvPr id="3" name="Picture 2">
             <a:extLst>
               <a:ext uri="{FF2B5EF4-FFF2-40B4-BE49-F238E27FC236}">
-                <a16:creationId xmlns:a16="http://schemas.microsoft.com/office/drawing/2014/main" id="{FA0ED019-0219-4EE1-ACCF-9B9D1EDBCFDE}"/>
+                <a16:creationId xmlns:a16="http://schemas.microsoft.com/office/drawing/2014/main" xmlns="" id="{FA0ED019-0219-4EE1-ACCF-9B9D1EDBCFDE}"/>
               </a:ext>
             </a:extLst>
           </p:cNvPr>
@@ -8224,7 +8232,7 @@
           <p:cNvPr id="44" name="Oval 43">
             <a:extLst>
               <a:ext uri="{FF2B5EF4-FFF2-40B4-BE49-F238E27FC236}">
-                <a16:creationId xmlns:a16="http://schemas.microsoft.com/office/drawing/2014/main" id="{7629A59C-F9CE-4874-B66F-9E44FE727988}"/>
+                <a16:creationId xmlns:a16="http://schemas.microsoft.com/office/drawing/2014/main" xmlns="" id="{7629A59C-F9CE-4874-B66F-9E44FE727988}"/>
               </a:ext>
             </a:extLst>
           </p:cNvPr>
@@ -8276,7 +8284,7 @@
           <p:cNvPr id="46" name="Oval 45">
             <a:extLst>
               <a:ext uri="{FF2B5EF4-FFF2-40B4-BE49-F238E27FC236}">
-                <a16:creationId xmlns:a16="http://schemas.microsoft.com/office/drawing/2014/main" id="{DF355E1B-4CD2-446B-8826-60E5AA69B4F2}"/>
+                <a16:creationId xmlns:a16="http://schemas.microsoft.com/office/drawing/2014/main" xmlns="" id="{DF355E1B-4CD2-446B-8826-60E5AA69B4F2}"/>
               </a:ext>
             </a:extLst>
           </p:cNvPr>
@@ -8328,7 +8336,7 @@
           <p:cNvPr id="47" name="Oval 46">
             <a:extLst>
               <a:ext uri="{FF2B5EF4-FFF2-40B4-BE49-F238E27FC236}">
-                <a16:creationId xmlns:a16="http://schemas.microsoft.com/office/drawing/2014/main" id="{507A78D2-8514-49E3-A69A-82FBDFE086E2}"/>
+                <a16:creationId xmlns:a16="http://schemas.microsoft.com/office/drawing/2014/main" xmlns="" id="{507A78D2-8514-49E3-A69A-82FBDFE086E2}"/>
               </a:ext>
             </a:extLst>
           </p:cNvPr>
@@ -8380,7 +8388,7 @@
           <p:cNvPr id="48" name="Oval 47">
             <a:extLst>
               <a:ext uri="{FF2B5EF4-FFF2-40B4-BE49-F238E27FC236}">
-                <a16:creationId xmlns:a16="http://schemas.microsoft.com/office/drawing/2014/main" id="{001852CE-7FD1-4086-8554-C063C5115CD2}"/>
+                <a16:creationId xmlns:a16="http://schemas.microsoft.com/office/drawing/2014/main" xmlns="" id="{001852CE-7FD1-4086-8554-C063C5115CD2}"/>
               </a:ext>
             </a:extLst>
           </p:cNvPr>
@@ -8432,7 +8440,7 @@
           <p:cNvPr id="50" name="Oval 49">
             <a:extLst>
               <a:ext uri="{FF2B5EF4-FFF2-40B4-BE49-F238E27FC236}">
-                <a16:creationId xmlns:a16="http://schemas.microsoft.com/office/drawing/2014/main" id="{1C90E2EE-34E6-4362-8CF3-1F439F220210}"/>
+                <a16:creationId xmlns:a16="http://schemas.microsoft.com/office/drawing/2014/main" xmlns="" id="{1C90E2EE-34E6-4362-8CF3-1F439F220210}"/>
               </a:ext>
             </a:extLst>
           </p:cNvPr>
@@ -8484,7 +8492,7 @@
           <p:cNvPr id="41" name="Oval 40">
             <a:extLst>
               <a:ext uri="{FF2B5EF4-FFF2-40B4-BE49-F238E27FC236}">
-                <a16:creationId xmlns:a16="http://schemas.microsoft.com/office/drawing/2014/main" id="{88CA0263-68D0-45C3-8D5D-E6A2A2CC80C9}"/>
+                <a16:creationId xmlns:a16="http://schemas.microsoft.com/office/drawing/2014/main" xmlns="" id="{88CA0263-68D0-45C3-8D5D-E6A2A2CC80C9}"/>
               </a:ext>
             </a:extLst>
           </p:cNvPr>
@@ -8536,7 +8544,7 @@
           <p:cNvPr id="43" name="Oval 42">
             <a:extLst>
               <a:ext uri="{FF2B5EF4-FFF2-40B4-BE49-F238E27FC236}">
-                <a16:creationId xmlns:a16="http://schemas.microsoft.com/office/drawing/2014/main" id="{36876A24-E55A-45F3-9981-13B6E34EB158}"/>
+                <a16:creationId xmlns:a16="http://schemas.microsoft.com/office/drawing/2014/main" xmlns="" id="{36876A24-E55A-45F3-9981-13B6E34EB158}"/>
               </a:ext>
             </a:extLst>
           </p:cNvPr>
@@ -8588,7 +8596,7 @@
           <p:cNvPr id="51" name="Oval 50">
             <a:extLst>
               <a:ext uri="{FF2B5EF4-FFF2-40B4-BE49-F238E27FC236}">
-                <a16:creationId xmlns:a16="http://schemas.microsoft.com/office/drawing/2014/main" id="{27749E78-A101-42E9-830A-915C0CEB7AA5}"/>
+                <a16:creationId xmlns:a16="http://schemas.microsoft.com/office/drawing/2014/main" xmlns="" id="{27749E78-A101-42E9-830A-915C0CEB7AA5}"/>
               </a:ext>
             </a:extLst>
           </p:cNvPr>
@@ -8640,7 +8648,7 @@
           <p:cNvPr id="52" name="Oval 51">
             <a:extLst>
               <a:ext uri="{FF2B5EF4-FFF2-40B4-BE49-F238E27FC236}">
-                <a16:creationId xmlns:a16="http://schemas.microsoft.com/office/drawing/2014/main" id="{45D70AC4-2108-466F-BC9C-EE3B2626F3C9}"/>
+                <a16:creationId xmlns:a16="http://schemas.microsoft.com/office/drawing/2014/main" xmlns="" id="{45D70AC4-2108-466F-BC9C-EE3B2626F3C9}"/>
               </a:ext>
             </a:extLst>
           </p:cNvPr>
@@ -8692,7 +8700,7 @@
           <p:cNvPr id="53" name="Oval 52">
             <a:extLst>
               <a:ext uri="{FF2B5EF4-FFF2-40B4-BE49-F238E27FC236}">
-                <a16:creationId xmlns:a16="http://schemas.microsoft.com/office/drawing/2014/main" id="{45874A3F-1BDF-4F87-863B-9EFEF5307E47}"/>
+                <a16:creationId xmlns:a16="http://schemas.microsoft.com/office/drawing/2014/main" xmlns="" id="{45874A3F-1BDF-4F87-863B-9EFEF5307E47}"/>
               </a:ext>
             </a:extLst>
           </p:cNvPr>
@@ -8744,7 +8752,7 @@
           <p:cNvPr id="156" name="Oval 155">
             <a:extLst>
               <a:ext uri="{FF2B5EF4-FFF2-40B4-BE49-F238E27FC236}">
-                <a16:creationId xmlns:a16="http://schemas.microsoft.com/office/drawing/2014/main" id="{009BA8EE-73F4-4A1E-A5E1-E85689047E9C}"/>
+                <a16:creationId xmlns:a16="http://schemas.microsoft.com/office/drawing/2014/main" xmlns="" id="{009BA8EE-73F4-4A1E-A5E1-E85689047E9C}"/>
               </a:ext>
             </a:extLst>
           </p:cNvPr>
@@ -8795,6 +8803,4425 @@
     <p:extLst>
       <p:ext uri="{BB962C8B-B14F-4D97-AF65-F5344CB8AC3E}">
         <p14:creationId xmlns:p14="http://schemas.microsoft.com/office/powerpoint/2010/main" val="3808948794"/>
+      </p:ext>
+    </p:extLst>
+  </p:cSld>
+  <p:clrMapOvr>
+    <a:masterClrMapping/>
+  </p:clrMapOvr>
+</p:sld>
+</file>
+
+<file path=ppt/slides/slide3.xml><?xml version="1.0" encoding="utf-8"?>
+<p:sld xmlns:a="http://schemas.openxmlformats.org/drawingml/2006/main" xmlns:r="http://schemas.openxmlformats.org/officeDocument/2006/relationships" xmlns:p="http://schemas.openxmlformats.org/presentationml/2006/main">
+  <p:cSld>
+    <p:spTree>
+      <p:nvGrpSpPr>
+        <p:cNvPr id="1" name=""/>
+        <p:cNvGrpSpPr/>
+        <p:nvPr/>
+      </p:nvGrpSpPr>
+      <p:grpSpPr>
+        <a:xfrm>
+          <a:off x="0" y="0"/>
+          <a:ext cx="0" cy="0"/>
+          <a:chOff x="0" y="0"/>
+          <a:chExt cx="0" cy="0"/>
+        </a:xfrm>
+      </p:grpSpPr>
+      <p:pic>
+        <p:nvPicPr>
+          <p:cNvPr id="2" name="圖片 1"/>
+          <p:cNvPicPr>
+            <a:picLocks noChangeAspect="1"/>
+          </p:cNvPicPr>
+          <p:nvPr/>
+        </p:nvPicPr>
+        <p:blipFill>
+          <a:blip r:embed="rId2"/>
+          <a:stretch>
+            <a:fillRect/>
+          </a:stretch>
+        </p:blipFill>
+        <p:spPr>
+          <a:xfrm>
+            <a:off x="126061" y="161553"/>
+            <a:ext cx="6918206" cy="6256660"/>
+          </a:xfrm>
+          <a:prstGeom prst="rect">
+            <a:avLst/>
+          </a:prstGeom>
+        </p:spPr>
+      </p:pic>
+    </p:spTree>
+    <p:extLst>
+      <p:ext uri="{BB962C8B-B14F-4D97-AF65-F5344CB8AC3E}">
+        <p14:creationId xmlns:p14="http://schemas.microsoft.com/office/powerpoint/2010/main" val="1772680098"/>
+      </p:ext>
+    </p:extLst>
+  </p:cSld>
+  <p:clrMapOvr>
+    <a:masterClrMapping/>
+  </p:clrMapOvr>
+</p:sld>
+</file>
+
+<file path=ppt/slides/slide4.xml><?xml version="1.0" encoding="utf-8"?>
+<p:sld xmlns:a="http://schemas.openxmlformats.org/drawingml/2006/main" xmlns:r="http://schemas.openxmlformats.org/officeDocument/2006/relationships" xmlns:p="http://schemas.openxmlformats.org/presentationml/2006/main">
+  <p:cSld>
+    <p:spTree>
+      <p:nvGrpSpPr>
+        <p:cNvPr id="1" name=""/>
+        <p:cNvGrpSpPr/>
+        <p:nvPr/>
+      </p:nvGrpSpPr>
+      <p:grpSpPr>
+        <a:xfrm>
+          <a:off x="0" y="0"/>
+          <a:ext cx="0" cy="0"/>
+          <a:chOff x="0" y="0"/>
+          <a:chExt cx="0" cy="0"/>
+        </a:xfrm>
+      </p:grpSpPr>
+      <p:grpSp>
+        <p:nvGrpSpPr>
+          <p:cNvPr id="26" name="群組 25"/>
+          <p:cNvGrpSpPr/>
+          <p:nvPr/>
+        </p:nvGrpSpPr>
+        <p:grpSpPr>
+          <a:xfrm>
+            <a:off x="1026709" y="773293"/>
+            <a:ext cx="3890742" cy="4641758"/>
+            <a:chOff x="3625137" y="749311"/>
+            <a:chExt cx="3890742" cy="4641758"/>
+          </a:xfrm>
+        </p:grpSpPr>
+        <p:cxnSp>
+          <p:nvCxnSpPr>
+            <p:cNvPr id="27" name="直線接點 26"/>
+            <p:cNvCxnSpPr/>
+            <p:nvPr/>
+          </p:nvCxnSpPr>
+          <p:spPr>
+            <a:xfrm flipV="1">
+              <a:off x="4657246" y="1023707"/>
+              <a:ext cx="858578" cy="888771"/>
+            </a:xfrm>
+            <a:prstGeom prst="line">
+              <a:avLst/>
+            </a:prstGeom>
+            <a:ln w="76200">
+              <a:solidFill>
+                <a:schemeClr val="accent6"/>
+              </a:solidFill>
+            </a:ln>
+          </p:spPr>
+          <p:style>
+            <a:lnRef idx="1">
+              <a:schemeClr val="accent1"/>
+            </a:lnRef>
+            <a:fillRef idx="0">
+              <a:schemeClr val="accent1"/>
+            </a:fillRef>
+            <a:effectRef idx="0">
+              <a:schemeClr val="accent1"/>
+            </a:effectRef>
+            <a:fontRef idx="minor">
+              <a:schemeClr val="tx1"/>
+            </a:fontRef>
+          </p:style>
+        </p:cxnSp>
+        <p:cxnSp>
+          <p:nvCxnSpPr>
+            <p:cNvPr id="28" name="直線接點 27"/>
+            <p:cNvCxnSpPr/>
+            <p:nvPr/>
+          </p:nvCxnSpPr>
+          <p:spPr>
+            <a:xfrm flipH="1" flipV="1">
+              <a:off x="5526848" y="1023707"/>
+              <a:ext cx="847555" cy="881135"/>
+            </a:xfrm>
+            <a:prstGeom prst="line">
+              <a:avLst/>
+            </a:prstGeom>
+            <a:ln w="76200">
+              <a:solidFill>
+                <a:schemeClr val="tx1">
+                  <a:lumMod val="50000"/>
+                  <a:lumOff val="50000"/>
+                </a:schemeClr>
+              </a:solidFill>
+            </a:ln>
+          </p:spPr>
+          <p:style>
+            <a:lnRef idx="1">
+              <a:schemeClr val="accent1"/>
+            </a:lnRef>
+            <a:fillRef idx="0">
+              <a:schemeClr val="accent1"/>
+            </a:fillRef>
+            <a:effectRef idx="0">
+              <a:schemeClr val="accent1"/>
+            </a:effectRef>
+            <a:fontRef idx="minor">
+              <a:schemeClr val="tx1"/>
+            </a:fontRef>
+          </p:style>
+        </p:cxnSp>
+        <p:cxnSp>
+          <p:nvCxnSpPr>
+            <p:cNvPr id="29" name="直線接點 28"/>
+            <p:cNvCxnSpPr/>
+            <p:nvPr/>
+          </p:nvCxnSpPr>
+          <p:spPr>
+            <a:xfrm flipH="1" flipV="1">
+              <a:off x="6374403" y="1912478"/>
+              <a:ext cx="858030" cy="808008"/>
+            </a:xfrm>
+            <a:prstGeom prst="line">
+              <a:avLst/>
+            </a:prstGeom>
+            <a:ln w="76200">
+              <a:solidFill>
+                <a:schemeClr val="accent6"/>
+              </a:solidFill>
+            </a:ln>
+          </p:spPr>
+          <p:style>
+            <a:lnRef idx="1">
+              <a:schemeClr val="accent1"/>
+            </a:lnRef>
+            <a:fillRef idx="0">
+              <a:schemeClr val="accent1"/>
+            </a:fillRef>
+            <a:effectRef idx="0">
+              <a:schemeClr val="accent1"/>
+            </a:effectRef>
+            <a:fontRef idx="minor">
+              <a:schemeClr val="tx1"/>
+            </a:fontRef>
+          </p:style>
+        </p:cxnSp>
+        <p:cxnSp>
+          <p:nvCxnSpPr>
+            <p:cNvPr id="30" name="直線接點 29"/>
+            <p:cNvCxnSpPr/>
+            <p:nvPr/>
+          </p:nvCxnSpPr>
+          <p:spPr>
+            <a:xfrm flipV="1">
+              <a:off x="3898472" y="1912478"/>
+              <a:ext cx="758774" cy="858573"/>
+            </a:xfrm>
+            <a:prstGeom prst="line">
+              <a:avLst/>
+            </a:prstGeom>
+            <a:ln w="76200">
+              <a:solidFill>
+                <a:schemeClr val="accent6"/>
+              </a:solidFill>
+            </a:ln>
+          </p:spPr>
+          <p:style>
+            <a:lnRef idx="1">
+              <a:schemeClr val="accent1"/>
+            </a:lnRef>
+            <a:fillRef idx="0">
+              <a:schemeClr val="accent1"/>
+            </a:fillRef>
+            <a:effectRef idx="0">
+              <a:schemeClr val="accent1"/>
+            </a:effectRef>
+            <a:fontRef idx="minor">
+              <a:schemeClr val="tx1"/>
+            </a:fontRef>
+          </p:style>
+        </p:cxnSp>
+        <p:cxnSp>
+          <p:nvCxnSpPr>
+            <p:cNvPr id="31" name="直線接點 30"/>
+            <p:cNvCxnSpPr/>
+            <p:nvPr/>
+          </p:nvCxnSpPr>
+          <p:spPr>
+            <a:xfrm flipH="1" flipV="1">
+              <a:off x="4663032" y="1912478"/>
+              <a:ext cx="896602" cy="1132968"/>
+            </a:xfrm>
+            <a:prstGeom prst="line">
+              <a:avLst/>
+            </a:prstGeom>
+            <a:ln w="76200">
+              <a:solidFill>
+                <a:schemeClr val="accent6"/>
+              </a:solidFill>
+            </a:ln>
+          </p:spPr>
+          <p:style>
+            <a:lnRef idx="1">
+              <a:schemeClr val="accent1"/>
+            </a:lnRef>
+            <a:fillRef idx="0">
+              <a:schemeClr val="accent1"/>
+            </a:fillRef>
+            <a:effectRef idx="0">
+              <a:schemeClr val="accent1"/>
+            </a:effectRef>
+            <a:fontRef idx="minor">
+              <a:schemeClr val="tx1"/>
+            </a:fontRef>
+          </p:style>
+        </p:cxnSp>
+        <p:cxnSp>
+          <p:nvCxnSpPr>
+            <p:cNvPr id="32" name="直線接點 31"/>
+            <p:cNvCxnSpPr/>
+            <p:nvPr/>
+          </p:nvCxnSpPr>
+          <p:spPr>
+            <a:xfrm flipV="1">
+              <a:off x="5570507" y="1912478"/>
+              <a:ext cx="803896" cy="1126123"/>
+            </a:xfrm>
+            <a:prstGeom prst="line">
+              <a:avLst/>
+            </a:prstGeom>
+            <a:ln w="76200">
+              <a:solidFill>
+                <a:schemeClr val="accent6"/>
+              </a:solidFill>
+            </a:ln>
+          </p:spPr>
+          <p:style>
+            <a:lnRef idx="1">
+              <a:schemeClr val="accent1"/>
+            </a:lnRef>
+            <a:fillRef idx="0">
+              <a:schemeClr val="accent1"/>
+            </a:fillRef>
+            <a:effectRef idx="0">
+              <a:schemeClr val="accent1"/>
+            </a:effectRef>
+            <a:fontRef idx="minor">
+              <a:schemeClr val="tx1"/>
+            </a:fontRef>
+          </p:style>
+        </p:cxnSp>
+        <p:cxnSp>
+          <p:nvCxnSpPr>
+            <p:cNvPr id="33" name="直線接點 32"/>
+            <p:cNvCxnSpPr/>
+            <p:nvPr/>
+          </p:nvCxnSpPr>
+          <p:spPr>
+            <a:xfrm flipH="1">
+              <a:off x="4520580" y="3038601"/>
+              <a:ext cx="1049927" cy="858573"/>
+            </a:xfrm>
+            <a:prstGeom prst="line">
+              <a:avLst/>
+            </a:prstGeom>
+            <a:ln w="76200">
+              <a:solidFill>
+                <a:schemeClr val="tx1">
+                  <a:lumMod val="50000"/>
+                  <a:lumOff val="50000"/>
+                </a:schemeClr>
+              </a:solidFill>
+            </a:ln>
+          </p:spPr>
+          <p:style>
+            <a:lnRef idx="1">
+              <a:schemeClr val="accent1"/>
+            </a:lnRef>
+            <a:fillRef idx="0">
+              <a:schemeClr val="accent1"/>
+            </a:fillRef>
+            <a:effectRef idx="0">
+              <a:schemeClr val="accent1"/>
+            </a:effectRef>
+            <a:fontRef idx="minor">
+              <a:schemeClr val="tx1"/>
+            </a:fontRef>
+          </p:style>
+        </p:cxnSp>
+        <p:cxnSp>
+          <p:nvCxnSpPr>
+            <p:cNvPr id="34" name="直線接點 33"/>
+            <p:cNvCxnSpPr/>
+            <p:nvPr/>
+          </p:nvCxnSpPr>
+          <p:spPr>
+            <a:xfrm flipH="1" flipV="1">
+              <a:off x="4520580" y="3890329"/>
+              <a:ext cx="436752" cy="1233190"/>
+            </a:xfrm>
+            <a:prstGeom prst="line">
+              <a:avLst/>
+            </a:prstGeom>
+            <a:ln w="76200">
+              <a:solidFill>
+                <a:schemeClr val="accent6"/>
+              </a:solidFill>
+            </a:ln>
+          </p:spPr>
+          <p:style>
+            <a:lnRef idx="1">
+              <a:schemeClr val="accent1"/>
+            </a:lnRef>
+            <a:fillRef idx="0">
+              <a:schemeClr val="accent1"/>
+            </a:fillRef>
+            <a:effectRef idx="0">
+              <a:schemeClr val="accent1"/>
+            </a:effectRef>
+            <a:fontRef idx="minor">
+              <a:schemeClr val="tx1"/>
+            </a:fontRef>
+          </p:style>
+        </p:cxnSp>
+        <p:cxnSp>
+          <p:nvCxnSpPr>
+            <p:cNvPr id="35" name="直線接點 34"/>
+            <p:cNvCxnSpPr/>
+            <p:nvPr/>
+          </p:nvCxnSpPr>
+          <p:spPr>
+            <a:xfrm flipV="1">
+              <a:off x="6288226" y="3890329"/>
+              <a:ext cx="480834" cy="1233190"/>
+            </a:xfrm>
+            <a:prstGeom prst="line">
+              <a:avLst/>
+            </a:prstGeom>
+            <a:ln w="76200">
+              <a:solidFill>
+                <a:schemeClr val="accent6"/>
+              </a:solidFill>
+            </a:ln>
+          </p:spPr>
+          <p:style>
+            <a:lnRef idx="1">
+              <a:schemeClr val="accent1"/>
+            </a:lnRef>
+            <a:fillRef idx="0">
+              <a:schemeClr val="accent1"/>
+            </a:fillRef>
+            <a:effectRef idx="0">
+              <a:schemeClr val="accent1"/>
+            </a:effectRef>
+            <a:fontRef idx="minor">
+              <a:schemeClr val="tx1"/>
+            </a:fontRef>
+          </p:style>
+        </p:cxnSp>
+        <p:cxnSp>
+          <p:nvCxnSpPr>
+            <p:cNvPr id="36" name="直線接點 35"/>
+            <p:cNvCxnSpPr/>
+            <p:nvPr/>
+          </p:nvCxnSpPr>
+          <p:spPr>
+            <a:xfrm flipH="1">
+              <a:off x="4957332" y="5123519"/>
+              <a:ext cx="1330894" cy="0"/>
+            </a:xfrm>
+            <a:prstGeom prst="line">
+              <a:avLst/>
+            </a:prstGeom>
+            <a:ln w="76200">
+              <a:solidFill>
+                <a:schemeClr val="accent6"/>
+              </a:solidFill>
+            </a:ln>
+          </p:spPr>
+          <p:style>
+            <a:lnRef idx="1">
+              <a:schemeClr val="accent1"/>
+            </a:lnRef>
+            <a:fillRef idx="0">
+              <a:schemeClr val="accent1"/>
+            </a:fillRef>
+            <a:effectRef idx="0">
+              <a:schemeClr val="accent1"/>
+            </a:effectRef>
+            <a:fontRef idx="minor">
+              <a:schemeClr val="tx1"/>
+            </a:fontRef>
+          </p:style>
+        </p:cxnSp>
+        <p:cxnSp>
+          <p:nvCxnSpPr>
+            <p:cNvPr id="37" name="直線接點 36"/>
+            <p:cNvCxnSpPr/>
+            <p:nvPr/>
+          </p:nvCxnSpPr>
+          <p:spPr>
+            <a:xfrm flipH="1" flipV="1">
+              <a:off x="5559634" y="3038602"/>
+              <a:ext cx="1209426" cy="858572"/>
+            </a:xfrm>
+            <a:prstGeom prst="line">
+              <a:avLst/>
+            </a:prstGeom>
+            <a:ln w="76200">
+              <a:solidFill>
+                <a:schemeClr val="tx1">
+                  <a:lumMod val="50000"/>
+                  <a:lumOff val="50000"/>
+                </a:schemeClr>
+              </a:solidFill>
+            </a:ln>
+          </p:spPr>
+          <p:style>
+            <a:lnRef idx="1">
+              <a:schemeClr val="accent1"/>
+            </a:lnRef>
+            <a:fillRef idx="0">
+              <a:schemeClr val="accent1"/>
+            </a:fillRef>
+            <a:effectRef idx="0">
+              <a:schemeClr val="accent1"/>
+            </a:effectRef>
+            <a:fontRef idx="minor">
+              <a:schemeClr val="tx1"/>
+            </a:fontRef>
+          </p:style>
+        </p:cxnSp>
+        <p:cxnSp>
+          <p:nvCxnSpPr>
+            <p:cNvPr id="38" name="直線接點 37"/>
+            <p:cNvCxnSpPr/>
+            <p:nvPr/>
+          </p:nvCxnSpPr>
+          <p:spPr>
+            <a:xfrm flipH="1" flipV="1">
+              <a:off x="5559634" y="3038601"/>
+              <a:ext cx="728592" cy="2084918"/>
+            </a:xfrm>
+            <a:prstGeom prst="line">
+              <a:avLst/>
+            </a:prstGeom>
+            <a:ln w="76200">
+              <a:solidFill>
+                <a:schemeClr val="accent6"/>
+              </a:solidFill>
+            </a:ln>
+          </p:spPr>
+          <p:style>
+            <a:lnRef idx="1">
+              <a:schemeClr val="accent1"/>
+            </a:lnRef>
+            <a:fillRef idx="0">
+              <a:schemeClr val="accent1"/>
+            </a:fillRef>
+            <a:effectRef idx="0">
+              <a:schemeClr val="accent1"/>
+            </a:effectRef>
+            <a:fontRef idx="minor">
+              <a:schemeClr val="tx1"/>
+            </a:fontRef>
+          </p:style>
+        </p:cxnSp>
+        <p:sp>
+          <p:nvSpPr>
+            <p:cNvPr id="39" name="橢圓 38"/>
+            <p:cNvSpPr/>
+            <p:nvPr/>
+          </p:nvSpPr>
+          <p:spPr>
+            <a:xfrm>
+              <a:off x="5242489" y="749311"/>
+              <a:ext cx="546671" cy="535100"/>
+            </a:xfrm>
+            <a:prstGeom prst="ellipse">
+              <a:avLst/>
+            </a:prstGeom>
+            <a:solidFill>
+              <a:schemeClr val="tx1">
+                <a:lumMod val="75000"/>
+                <a:lumOff val="25000"/>
+              </a:schemeClr>
+            </a:solidFill>
+            <a:ln>
+              <a:noFill/>
+            </a:ln>
+            <a:effectLst/>
+          </p:spPr>
+          <p:style>
+            <a:lnRef idx="2">
+              <a:schemeClr val="accent1">
+                <a:shade val="50000"/>
+              </a:schemeClr>
+            </a:lnRef>
+            <a:fillRef idx="1">
+              <a:schemeClr val="accent1"/>
+            </a:fillRef>
+            <a:effectRef idx="0">
+              <a:schemeClr val="accent1"/>
+            </a:effectRef>
+            <a:fontRef idx="minor">
+              <a:schemeClr val="lt1"/>
+            </a:fontRef>
+          </p:style>
+          <p:txBody>
+            <a:bodyPr rtlCol="0" anchor="ctr"/>
+            <a:lstStyle/>
+            <a:p>
+              <a:pPr algn="ctr"/>
+              <a:r>
+                <a:rPr lang="en-US" altLang="zh-TW" sz="2400" dirty="0" smtClean="0">
+                  <a:latin typeface="Menlo" panose="020B0609030804020204" pitchFamily="49" charset="0"/>
+                  <a:cs typeface="Menlo" panose="020B0609030804020204" pitchFamily="49" charset="0"/>
+                </a:rPr>
+                <a:t>0</a:t>
+              </a:r>
+              <a:endParaRPr lang="zh-TW" altLang="en-US" sz="2400" dirty="0">
+                <a:latin typeface="Menlo" panose="020B0609030804020204" pitchFamily="49" charset="0"/>
+                <a:cs typeface="Menlo" panose="020B0609030804020204" pitchFamily="49" charset="0"/>
+              </a:endParaRPr>
+            </a:p>
+          </p:txBody>
+        </p:sp>
+        <p:sp>
+          <p:nvSpPr>
+            <p:cNvPr id="40" name="橢圓 39"/>
+            <p:cNvSpPr/>
+            <p:nvPr/>
+          </p:nvSpPr>
+          <p:spPr>
+            <a:xfrm>
+              <a:off x="4389696" y="1638083"/>
+              <a:ext cx="546671" cy="535100"/>
+            </a:xfrm>
+            <a:prstGeom prst="ellipse">
+              <a:avLst/>
+            </a:prstGeom>
+            <a:solidFill>
+              <a:schemeClr val="tx1">
+                <a:lumMod val="75000"/>
+                <a:lumOff val="25000"/>
+              </a:schemeClr>
+            </a:solidFill>
+            <a:ln>
+              <a:noFill/>
+            </a:ln>
+            <a:effectLst/>
+          </p:spPr>
+          <p:style>
+            <a:lnRef idx="2">
+              <a:schemeClr val="accent1">
+                <a:shade val="50000"/>
+              </a:schemeClr>
+            </a:lnRef>
+            <a:fillRef idx="1">
+              <a:schemeClr val="accent1"/>
+            </a:fillRef>
+            <a:effectRef idx="0">
+              <a:schemeClr val="accent1"/>
+            </a:effectRef>
+            <a:fontRef idx="minor">
+              <a:schemeClr val="lt1"/>
+            </a:fontRef>
+          </p:style>
+          <p:txBody>
+            <a:bodyPr rtlCol="0" anchor="ctr"/>
+            <a:lstStyle/>
+            <a:p>
+              <a:pPr algn="ctr"/>
+              <a:r>
+                <a:rPr lang="en-US" altLang="zh-TW" sz="2400" dirty="0" smtClean="0">
+                  <a:latin typeface="Menlo" panose="020B0609030804020204" pitchFamily="49" charset="0"/>
+                  <a:cs typeface="Menlo" panose="020B0609030804020204" pitchFamily="49" charset="0"/>
+                </a:rPr>
+                <a:t>1</a:t>
+              </a:r>
+              <a:endParaRPr lang="zh-TW" altLang="en-US" sz="2400" dirty="0">
+                <a:latin typeface="Menlo" panose="020B0609030804020204" pitchFamily="49" charset="0"/>
+                <a:cs typeface="Menlo" panose="020B0609030804020204" pitchFamily="49" charset="0"/>
+              </a:endParaRPr>
+            </a:p>
+          </p:txBody>
+        </p:sp>
+        <p:sp>
+          <p:nvSpPr>
+            <p:cNvPr id="41" name="橢圓 40"/>
+            <p:cNvSpPr/>
+            <p:nvPr/>
+          </p:nvSpPr>
+          <p:spPr>
+            <a:xfrm>
+              <a:off x="6106305" y="1638083"/>
+              <a:ext cx="546671" cy="535100"/>
+            </a:xfrm>
+            <a:prstGeom prst="ellipse">
+              <a:avLst/>
+            </a:prstGeom>
+            <a:solidFill>
+              <a:schemeClr val="tx1">
+                <a:lumMod val="75000"/>
+                <a:lumOff val="25000"/>
+              </a:schemeClr>
+            </a:solidFill>
+            <a:ln>
+              <a:noFill/>
+            </a:ln>
+            <a:effectLst/>
+          </p:spPr>
+          <p:style>
+            <a:lnRef idx="2">
+              <a:schemeClr val="accent1">
+                <a:shade val="50000"/>
+              </a:schemeClr>
+            </a:lnRef>
+            <a:fillRef idx="1">
+              <a:schemeClr val="accent1"/>
+            </a:fillRef>
+            <a:effectRef idx="0">
+              <a:schemeClr val="accent1"/>
+            </a:effectRef>
+            <a:fontRef idx="minor">
+              <a:schemeClr val="lt1"/>
+            </a:fontRef>
+          </p:style>
+          <p:txBody>
+            <a:bodyPr rtlCol="0" anchor="ctr"/>
+            <a:lstStyle/>
+            <a:p>
+              <a:pPr algn="ctr"/>
+              <a:r>
+                <a:rPr lang="en-US" altLang="zh-TW" sz="2400" dirty="0" smtClean="0">
+                  <a:latin typeface="Menlo" panose="020B0609030804020204" pitchFamily="49" charset="0"/>
+                  <a:cs typeface="Menlo" panose="020B0609030804020204" pitchFamily="49" charset="0"/>
+                </a:rPr>
+                <a:t>2</a:t>
+              </a:r>
+              <a:endParaRPr lang="zh-TW" altLang="en-US" sz="2400" dirty="0">
+                <a:latin typeface="Menlo" panose="020B0609030804020204" pitchFamily="49" charset="0"/>
+                <a:cs typeface="Menlo" panose="020B0609030804020204" pitchFamily="49" charset="0"/>
+              </a:endParaRPr>
+            </a:p>
+          </p:txBody>
+        </p:sp>
+        <p:sp>
+          <p:nvSpPr>
+            <p:cNvPr id="42" name="橢圓 41"/>
+            <p:cNvSpPr/>
+            <p:nvPr/>
+          </p:nvSpPr>
+          <p:spPr>
+            <a:xfrm>
+              <a:off x="3625137" y="2496656"/>
+              <a:ext cx="546671" cy="535100"/>
+            </a:xfrm>
+            <a:prstGeom prst="ellipse">
+              <a:avLst/>
+            </a:prstGeom>
+            <a:solidFill>
+              <a:schemeClr val="tx1">
+                <a:lumMod val="75000"/>
+                <a:lumOff val="25000"/>
+              </a:schemeClr>
+            </a:solidFill>
+            <a:ln>
+              <a:noFill/>
+            </a:ln>
+            <a:effectLst/>
+          </p:spPr>
+          <p:style>
+            <a:lnRef idx="2">
+              <a:schemeClr val="accent1">
+                <a:shade val="50000"/>
+              </a:schemeClr>
+            </a:lnRef>
+            <a:fillRef idx="1">
+              <a:schemeClr val="accent1"/>
+            </a:fillRef>
+            <a:effectRef idx="0">
+              <a:schemeClr val="accent1"/>
+            </a:effectRef>
+            <a:fontRef idx="minor">
+              <a:schemeClr val="lt1"/>
+            </a:fontRef>
+          </p:style>
+          <p:txBody>
+            <a:bodyPr rtlCol="0" anchor="ctr"/>
+            <a:lstStyle/>
+            <a:p>
+              <a:pPr algn="ctr"/>
+              <a:r>
+                <a:rPr lang="en-US" altLang="zh-TW" sz="2400" dirty="0">
+                  <a:latin typeface="Menlo" panose="020B0609030804020204" pitchFamily="49" charset="0"/>
+                  <a:cs typeface="Menlo" panose="020B0609030804020204" pitchFamily="49" charset="0"/>
+                </a:rPr>
+                <a:t>9</a:t>
+              </a:r>
+              <a:endParaRPr lang="zh-TW" altLang="en-US" sz="2400" dirty="0">
+                <a:latin typeface="Menlo" panose="020B0609030804020204" pitchFamily="49" charset="0"/>
+                <a:cs typeface="Menlo" panose="020B0609030804020204" pitchFamily="49" charset="0"/>
+              </a:endParaRPr>
+            </a:p>
+          </p:txBody>
+        </p:sp>
+        <p:sp>
+          <p:nvSpPr>
+            <p:cNvPr id="43" name="橢圓 42"/>
+            <p:cNvSpPr/>
+            <p:nvPr/>
+          </p:nvSpPr>
+          <p:spPr>
+            <a:xfrm>
+              <a:off x="5297172" y="2764206"/>
+              <a:ext cx="546671" cy="535100"/>
+            </a:xfrm>
+            <a:prstGeom prst="ellipse">
+              <a:avLst/>
+            </a:prstGeom>
+            <a:solidFill>
+              <a:schemeClr val="tx1">
+                <a:lumMod val="75000"/>
+                <a:lumOff val="25000"/>
+              </a:schemeClr>
+            </a:solidFill>
+            <a:ln>
+              <a:noFill/>
+            </a:ln>
+            <a:effectLst/>
+          </p:spPr>
+          <p:style>
+            <a:lnRef idx="2">
+              <a:schemeClr val="accent1">
+                <a:shade val="50000"/>
+              </a:schemeClr>
+            </a:lnRef>
+            <a:fillRef idx="1">
+              <a:schemeClr val="accent1"/>
+            </a:fillRef>
+            <a:effectRef idx="0">
+              <a:schemeClr val="accent1"/>
+            </a:effectRef>
+            <a:fontRef idx="minor">
+              <a:schemeClr val="lt1"/>
+            </a:fontRef>
+          </p:style>
+          <p:txBody>
+            <a:bodyPr rtlCol="0" anchor="ctr"/>
+            <a:lstStyle/>
+            <a:p>
+              <a:pPr algn="ctr"/>
+              <a:r>
+                <a:rPr lang="en-US" altLang="zh-TW" sz="2400" dirty="0" smtClean="0">
+                  <a:latin typeface="Menlo" panose="020B0609030804020204" pitchFamily="49" charset="0"/>
+                  <a:cs typeface="Menlo" panose="020B0609030804020204" pitchFamily="49" charset="0"/>
+                </a:rPr>
+                <a:t>4</a:t>
+              </a:r>
+              <a:endParaRPr lang="zh-TW" altLang="en-US" sz="2400" dirty="0">
+                <a:latin typeface="Menlo" panose="020B0609030804020204" pitchFamily="49" charset="0"/>
+                <a:cs typeface="Menlo" panose="020B0609030804020204" pitchFamily="49" charset="0"/>
+              </a:endParaRPr>
+            </a:p>
+          </p:txBody>
+        </p:sp>
+        <p:sp>
+          <p:nvSpPr>
+            <p:cNvPr id="44" name="橢圓 43"/>
+            <p:cNvSpPr/>
+            <p:nvPr/>
+          </p:nvSpPr>
+          <p:spPr>
+            <a:xfrm>
+              <a:off x="6495725" y="3629624"/>
+              <a:ext cx="546671" cy="535100"/>
+            </a:xfrm>
+            <a:prstGeom prst="ellipse">
+              <a:avLst/>
+            </a:prstGeom>
+            <a:solidFill>
+              <a:schemeClr val="tx1">
+                <a:lumMod val="75000"/>
+                <a:lumOff val="25000"/>
+              </a:schemeClr>
+            </a:solidFill>
+            <a:ln>
+              <a:noFill/>
+            </a:ln>
+            <a:effectLst/>
+          </p:spPr>
+          <p:style>
+            <a:lnRef idx="2">
+              <a:schemeClr val="accent1">
+                <a:shade val="50000"/>
+              </a:schemeClr>
+            </a:lnRef>
+            <a:fillRef idx="1">
+              <a:schemeClr val="accent1"/>
+            </a:fillRef>
+            <a:effectRef idx="0">
+              <a:schemeClr val="accent1"/>
+            </a:effectRef>
+            <a:fontRef idx="minor">
+              <a:schemeClr val="lt1"/>
+            </a:fontRef>
+          </p:style>
+          <p:txBody>
+            <a:bodyPr rtlCol="0" anchor="ctr"/>
+            <a:lstStyle/>
+            <a:p>
+              <a:pPr algn="ctr"/>
+              <a:r>
+                <a:rPr lang="en-US" altLang="zh-TW" sz="2400" dirty="0" smtClean="0">
+                  <a:latin typeface="Menlo" panose="020B0609030804020204" pitchFamily="49" charset="0"/>
+                  <a:cs typeface="Menlo" panose="020B0609030804020204" pitchFamily="49" charset="0"/>
+                </a:rPr>
+                <a:t>6</a:t>
+              </a:r>
+              <a:endParaRPr lang="zh-TW" altLang="en-US" sz="2400" dirty="0">
+                <a:latin typeface="Menlo" panose="020B0609030804020204" pitchFamily="49" charset="0"/>
+                <a:cs typeface="Menlo" panose="020B0609030804020204" pitchFamily="49" charset="0"/>
+              </a:endParaRPr>
+            </a:p>
+          </p:txBody>
+        </p:sp>
+        <p:sp>
+          <p:nvSpPr>
+            <p:cNvPr id="45" name="橢圓 44"/>
+            <p:cNvSpPr/>
+            <p:nvPr/>
+          </p:nvSpPr>
+          <p:spPr>
+            <a:xfrm>
+              <a:off x="6014891" y="4855969"/>
+              <a:ext cx="546671" cy="535100"/>
+            </a:xfrm>
+            <a:prstGeom prst="ellipse">
+              <a:avLst/>
+            </a:prstGeom>
+            <a:solidFill>
+              <a:schemeClr val="tx1">
+                <a:lumMod val="75000"/>
+                <a:lumOff val="25000"/>
+              </a:schemeClr>
+            </a:solidFill>
+            <a:ln>
+              <a:noFill/>
+            </a:ln>
+            <a:effectLst/>
+          </p:spPr>
+          <p:style>
+            <a:lnRef idx="2">
+              <a:schemeClr val="accent1">
+                <a:shade val="50000"/>
+              </a:schemeClr>
+            </a:lnRef>
+            <a:fillRef idx="1">
+              <a:schemeClr val="accent1"/>
+            </a:fillRef>
+            <a:effectRef idx="0">
+              <a:schemeClr val="accent1"/>
+            </a:effectRef>
+            <a:fontRef idx="minor">
+              <a:schemeClr val="lt1"/>
+            </a:fontRef>
+          </p:style>
+          <p:txBody>
+            <a:bodyPr rtlCol="0" anchor="ctr"/>
+            <a:lstStyle/>
+            <a:p>
+              <a:pPr algn="ctr"/>
+              <a:r>
+                <a:rPr lang="en-US" altLang="zh-TW" sz="2400" dirty="0" smtClean="0">
+                  <a:latin typeface="Menlo" panose="020B0609030804020204" pitchFamily="49" charset="0"/>
+                  <a:cs typeface="Menlo" panose="020B0609030804020204" pitchFamily="49" charset="0"/>
+                </a:rPr>
+                <a:t>5</a:t>
+              </a:r>
+              <a:endParaRPr lang="zh-TW" altLang="en-US" sz="2400" dirty="0">
+                <a:latin typeface="Menlo" panose="020B0609030804020204" pitchFamily="49" charset="0"/>
+                <a:cs typeface="Menlo" panose="020B0609030804020204" pitchFamily="49" charset="0"/>
+              </a:endParaRPr>
+            </a:p>
+          </p:txBody>
+        </p:sp>
+        <p:sp>
+          <p:nvSpPr>
+            <p:cNvPr id="46" name="橢圓 45"/>
+            <p:cNvSpPr/>
+            <p:nvPr/>
+          </p:nvSpPr>
+          <p:spPr>
+            <a:xfrm>
+              <a:off x="4683997" y="4855969"/>
+              <a:ext cx="546671" cy="535100"/>
+            </a:xfrm>
+            <a:prstGeom prst="ellipse">
+              <a:avLst/>
+            </a:prstGeom>
+            <a:solidFill>
+              <a:schemeClr val="tx1">
+                <a:lumMod val="75000"/>
+                <a:lumOff val="25000"/>
+              </a:schemeClr>
+            </a:solidFill>
+            <a:ln>
+              <a:noFill/>
+            </a:ln>
+            <a:effectLst/>
+          </p:spPr>
+          <p:style>
+            <a:lnRef idx="2">
+              <a:schemeClr val="accent1">
+                <a:shade val="50000"/>
+              </a:schemeClr>
+            </a:lnRef>
+            <a:fillRef idx="1">
+              <a:schemeClr val="accent1"/>
+            </a:fillRef>
+            <a:effectRef idx="0">
+              <a:schemeClr val="accent1"/>
+            </a:effectRef>
+            <a:fontRef idx="minor">
+              <a:schemeClr val="lt1"/>
+            </a:fontRef>
+          </p:style>
+          <p:txBody>
+            <a:bodyPr rtlCol="0" anchor="ctr"/>
+            <a:lstStyle/>
+            <a:p>
+              <a:pPr algn="ctr"/>
+              <a:r>
+                <a:rPr lang="en-US" altLang="zh-TW" sz="2400" dirty="0">
+                  <a:latin typeface="Menlo" panose="020B0609030804020204" pitchFamily="49" charset="0"/>
+                  <a:cs typeface="Menlo" panose="020B0609030804020204" pitchFamily="49" charset="0"/>
+                </a:rPr>
+                <a:t>7</a:t>
+              </a:r>
+              <a:endParaRPr lang="zh-TW" altLang="en-US" sz="2400" dirty="0">
+                <a:latin typeface="Menlo" panose="020B0609030804020204" pitchFamily="49" charset="0"/>
+                <a:cs typeface="Menlo" panose="020B0609030804020204" pitchFamily="49" charset="0"/>
+              </a:endParaRPr>
+            </a:p>
+          </p:txBody>
+        </p:sp>
+        <p:sp>
+          <p:nvSpPr>
+            <p:cNvPr id="47" name="橢圓 46"/>
+            <p:cNvSpPr/>
+            <p:nvPr/>
+          </p:nvSpPr>
+          <p:spPr>
+            <a:xfrm>
+              <a:off x="4250135" y="3629624"/>
+              <a:ext cx="546671" cy="535100"/>
+            </a:xfrm>
+            <a:prstGeom prst="ellipse">
+              <a:avLst/>
+            </a:prstGeom>
+            <a:solidFill>
+              <a:schemeClr val="tx1">
+                <a:lumMod val="75000"/>
+                <a:lumOff val="25000"/>
+              </a:schemeClr>
+            </a:solidFill>
+            <a:ln>
+              <a:noFill/>
+            </a:ln>
+            <a:effectLst/>
+          </p:spPr>
+          <p:style>
+            <a:lnRef idx="2">
+              <a:schemeClr val="accent1">
+                <a:shade val="50000"/>
+              </a:schemeClr>
+            </a:lnRef>
+            <a:fillRef idx="1">
+              <a:schemeClr val="accent1"/>
+            </a:fillRef>
+            <a:effectRef idx="0">
+              <a:schemeClr val="accent1"/>
+            </a:effectRef>
+            <a:fontRef idx="minor">
+              <a:schemeClr val="lt1"/>
+            </a:fontRef>
+          </p:style>
+          <p:txBody>
+            <a:bodyPr rtlCol="0" anchor="ctr"/>
+            <a:lstStyle/>
+            <a:p>
+              <a:pPr algn="ctr"/>
+              <a:r>
+                <a:rPr lang="en-US" altLang="zh-TW" sz="2400" dirty="0" smtClean="0">
+                  <a:latin typeface="Menlo" panose="020B0609030804020204" pitchFamily="49" charset="0"/>
+                  <a:cs typeface="Menlo" panose="020B0609030804020204" pitchFamily="49" charset="0"/>
+                </a:rPr>
+                <a:t>8</a:t>
+              </a:r>
+              <a:endParaRPr lang="zh-TW" altLang="en-US" sz="2400" dirty="0">
+                <a:latin typeface="Menlo" panose="020B0609030804020204" pitchFamily="49" charset="0"/>
+                <a:cs typeface="Menlo" panose="020B0609030804020204" pitchFamily="49" charset="0"/>
+              </a:endParaRPr>
+            </a:p>
+          </p:txBody>
+        </p:sp>
+        <p:sp>
+          <p:nvSpPr>
+            <p:cNvPr id="48" name="橢圓 47"/>
+            <p:cNvSpPr/>
+            <p:nvPr/>
+          </p:nvSpPr>
+          <p:spPr>
+            <a:xfrm>
+              <a:off x="6969208" y="2446091"/>
+              <a:ext cx="546671" cy="535100"/>
+            </a:xfrm>
+            <a:prstGeom prst="ellipse">
+              <a:avLst/>
+            </a:prstGeom>
+            <a:solidFill>
+              <a:schemeClr val="tx1">
+                <a:lumMod val="75000"/>
+                <a:lumOff val="25000"/>
+              </a:schemeClr>
+            </a:solidFill>
+            <a:ln>
+              <a:noFill/>
+            </a:ln>
+            <a:effectLst/>
+          </p:spPr>
+          <p:style>
+            <a:lnRef idx="2">
+              <a:schemeClr val="accent1">
+                <a:shade val="50000"/>
+              </a:schemeClr>
+            </a:lnRef>
+            <a:fillRef idx="1">
+              <a:schemeClr val="accent1"/>
+            </a:fillRef>
+            <a:effectRef idx="0">
+              <a:schemeClr val="accent1"/>
+            </a:effectRef>
+            <a:fontRef idx="minor">
+              <a:schemeClr val="lt1"/>
+            </a:fontRef>
+          </p:style>
+          <p:txBody>
+            <a:bodyPr rtlCol="0" anchor="ctr"/>
+            <a:lstStyle/>
+            <a:p>
+              <a:pPr algn="ctr"/>
+              <a:r>
+                <a:rPr lang="en-US" altLang="zh-TW" sz="2400" dirty="0" smtClean="0">
+                  <a:latin typeface="Menlo" panose="020B0609030804020204" pitchFamily="49" charset="0"/>
+                  <a:cs typeface="Menlo" panose="020B0609030804020204" pitchFamily="49" charset="0"/>
+                </a:rPr>
+                <a:t>3</a:t>
+              </a:r>
+              <a:endParaRPr lang="zh-TW" altLang="en-US" sz="2400" dirty="0">
+                <a:latin typeface="Menlo" panose="020B0609030804020204" pitchFamily="49" charset="0"/>
+                <a:cs typeface="Menlo" panose="020B0609030804020204" pitchFamily="49" charset="0"/>
+              </a:endParaRPr>
+            </a:p>
+          </p:txBody>
+        </p:sp>
+      </p:grpSp>
+      <p:grpSp>
+        <p:nvGrpSpPr>
+          <p:cNvPr id="139" name="群組 138"/>
+          <p:cNvGrpSpPr/>
+          <p:nvPr/>
+        </p:nvGrpSpPr>
+        <p:grpSpPr>
+          <a:xfrm>
+            <a:off x="6840746" y="528480"/>
+            <a:ext cx="3712879" cy="5046751"/>
+            <a:chOff x="6840746" y="528480"/>
+            <a:chExt cx="3712879" cy="5046751"/>
+          </a:xfrm>
+        </p:grpSpPr>
+        <p:sp>
+          <p:nvSpPr>
+            <p:cNvPr id="138" name="弧形 137"/>
+            <p:cNvSpPr/>
+            <p:nvPr/>
+          </p:nvSpPr>
+          <p:spPr>
+            <a:xfrm rot="21390419">
+              <a:off x="8370202" y="2430663"/>
+              <a:ext cx="2183423" cy="2895653"/>
+            </a:xfrm>
+            <a:prstGeom prst="arc">
+              <a:avLst>
+                <a:gd name="adj1" fmla="val 15237009"/>
+                <a:gd name="adj2" fmla="val 5394745"/>
+              </a:avLst>
+            </a:prstGeom>
+            <a:ln w="76200">
+              <a:solidFill>
+                <a:srgbClr val="C00000"/>
+              </a:solidFill>
+            </a:ln>
+          </p:spPr>
+          <p:style>
+            <a:lnRef idx="1">
+              <a:schemeClr val="accent1"/>
+            </a:lnRef>
+            <a:fillRef idx="0">
+              <a:schemeClr val="accent1"/>
+            </a:fillRef>
+            <a:effectRef idx="0">
+              <a:schemeClr val="accent1"/>
+            </a:effectRef>
+            <a:fontRef idx="minor">
+              <a:schemeClr val="tx1"/>
+            </a:fontRef>
+          </p:style>
+          <p:txBody>
+            <a:bodyPr rtlCol="0" anchor="ctr"/>
+            <a:lstStyle/>
+            <a:p>
+              <a:pPr algn="ctr"/>
+              <a:endParaRPr lang="zh-TW" altLang="en-US"/>
+            </a:p>
+          </p:txBody>
+        </p:sp>
+        <p:sp>
+          <p:nvSpPr>
+            <p:cNvPr id="137" name="弧形 136"/>
+            <p:cNvSpPr/>
+            <p:nvPr/>
+          </p:nvSpPr>
+          <p:spPr>
+            <a:xfrm rot="20858719">
+              <a:off x="8472209" y="2572120"/>
+              <a:ext cx="1655086" cy="2047101"/>
+            </a:xfrm>
+            <a:prstGeom prst="arc">
+              <a:avLst>
+                <a:gd name="adj1" fmla="val 16280781"/>
+                <a:gd name="adj2" fmla="val 3690667"/>
+              </a:avLst>
+            </a:prstGeom>
+            <a:ln w="76200">
+              <a:solidFill>
+                <a:srgbClr val="C00000"/>
+              </a:solidFill>
+            </a:ln>
+          </p:spPr>
+          <p:style>
+            <a:lnRef idx="1">
+              <a:schemeClr val="accent1"/>
+            </a:lnRef>
+            <a:fillRef idx="0">
+              <a:schemeClr val="accent1"/>
+            </a:fillRef>
+            <a:effectRef idx="0">
+              <a:schemeClr val="accent1"/>
+            </a:effectRef>
+            <a:fontRef idx="minor">
+              <a:schemeClr val="tx1"/>
+            </a:fontRef>
+          </p:style>
+          <p:txBody>
+            <a:bodyPr rtlCol="0" anchor="ctr"/>
+            <a:lstStyle/>
+            <a:p>
+              <a:pPr algn="ctr"/>
+              <a:endParaRPr lang="zh-TW" altLang="en-US"/>
+            </a:p>
+          </p:txBody>
+        </p:sp>
+        <p:sp>
+          <p:nvSpPr>
+            <p:cNvPr id="136" name="弧形 135"/>
+            <p:cNvSpPr/>
+            <p:nvPr/>
+          </p:nvSpPr>
+          <p:spPr>
+            <a:xfrm flipH="1">
+              <a:off x="6840746" y="796029"/>
+              <a:ext cx="2644771" cy="2662809"/>
+            </a:xfrm>
+            <a:prstGeom prst="arc">
+              <a:avLst>
+                <a:gd name="adj1" fmla="val 16280781"/>
+                <a:gd name="adj2" fmla="val 5328389"/>
+              </a:avLst>
+            </a:prstGeom>
+            <a:ln w="76200">
+              <a:solidFill>
+                <a:srgbClr val="C00000"/>
+              </a:solidFill>
+            </a:ln>
+          </p:spPr>
+          <p:style>
+            <a:lnRef idx="1">
+              <a:schemeClr val="accent1"/>
+            </a:lnRef>
+            <a:fillRef idx="0">
+              <a:schemeClr val="accent1"/>
+            </a:fillRef>
+            <a:effectRef idx="0">
+              <a:schemeClr val="accent1"/>
+            </a:effectRef>
+            <a:fontRef idx="minor">
+              <a:schemeClr val="tx1"/>
+            </a:fontRef>
+          </p:style>
+          <p:txBody>
+            <a:bodyPr rtlCol="0" anchor="ctr"/>
+            <a:lstStyle/>
+            <a:p>
+              <a:pPr algn="ctr"/>
+              <a:endParaRPr lang="zh-TW" altLang="en-US"/>
+            </a:p>
+          </p:txBody>
+        </p:sp>
+        <p:cxnSp>
+          <p:nvCxnSpPr>
+            <p:cNvPr id="104" name="直線接點 103"/>
+            <p:cNvCxnSpPr/>
+            <p:nvPr/>
+          </p:nvCxnSpPr>
+          <p:spPr>
+            <a:xfrm flipH="1">
+              <a:off x="7524975" y="1680025"/>
+              <a:ext cx="694942" cy="880029"/>
+            </a:xfrm>
+            <a:prstGeom prst="line">
+              <a:avLst/>
+            </a:prstGeom>
+            <a:ln w="76200">
+              <a:solidFill>
+                <a:schemeClr val="tx1">
+                  <a:lumMod val="50000"/>
+                  <a:lumOff val="50000"/>
+                </a:schemeClr>
+              </a:solidFill>
+            </a:ln>
+          </p:spPr>
+          <p:style>
+            <a:lnRef idx="1">
+              <a:schemeClr val="accent1"/>
+            </a:lnRef>
+            <a:fillRef idx="0">
+              <a:schemeClr val="accent1"/>
+            </a:fillRef>
+            <a:effectRef idx="0">
+              <a:schemeClr val="accent1"/>
+            </a:effectRef>
+            <a:fontRef idx="minor">
+              <a:schemeClr val="tx1"/>
+            </a:fontRef>
+          </p:style>
+        </p:cxnSp>
+        <p:cxnSp>
+          <p:nvCxnSpPr>
+            <p:cNvPr id="107" name="直線接點 106"/>
+            <p:cNvCxnSpPr/>
+            <p:nvPr/>
+          </p:nvCxnSpPr>
+          <p:spPr>
+            <a:xfrm>
+              <a:off x="8219917" y="1668879"/>
+              <a:ext cx="746145" cy="891175"/>
+            </a:xfrm>
+            <a:prstGeom prst="line">
+              <a:avLst/>
+            </a:prstGeom>
+            <a:ln w="76200">
+              <a:solidFill>
+                <a:schemeClr val="tx1">
+                  <a:lumMod val="50000"/>
+                  <a:lumOff val="50000"/>
+                </a:schemeClr>
+              </a:solidFill>
+            </a:ln>
+          </p:spPr>
+          <p:style>
+            <a:lnRef idx="1">
+              <a:schemeClr val="accent1"/>
+            </a:lnRef>
+            <a:fillRef idx="0">
+              <a:schemeClr val="accent1"/>
+            </a:fillRef>
+            <a:effectRef idx="0">
+              <a:schemeClr val="accent1"/>
+            </a:effectRef>
+            <a:fontRef idx="minor">
+              <a:schemeClr val="tx1"/>
+            </a:fontRef>
+          </p:style>
+        </p:cxnSp>
+        <p:cxnSp>
+          <p:nvCxnSpPr>
+            <p:cNvPr id="110" name="直線接點 109"/>
+            <p:cNvCxnSpPr/>
+            <p:nvPr/>
+          </p:nvCxnSpPr>
+          <p:spPr>
+            <a:xfrm flipV="1">
+              <a:off x="8111427" y="2560054"/>
+              <a:ext cx="854635" cy="872849"/>
+            </a:xfrm>
+            <a:prstGeom prst="line">
+              <a:avLst/>
+            </a:prstGeom>
+            <a:ln w="76200">
+              <a:solidFill>
+                <a:schemeClr val="tx1">
+                  <a:lumMod val="50000"/>
+                  <a:lumOff val="50000"/>
+                </a:schemeClr>
+              </a:solidFill>
+            </a:ln>
+          </p:spPr>
+          <p:style>
+            <a:lnRef idx="1">
+              <a:schemeClr val="accent1"/>
+            </a:lnRef>
+            <a:fillRef idx="0">
+              <a:schemeClr val="accent1"/>
+            </a:fillRef>
+            <a:effectRef idx="0">
+              <a:schemeClr val="accent1"/>
+            </a:effectRef>
+            <a:fontRef idx="minor">
+              <a:schemeClr val="tx1"/>
+            </a:fontRef>
+          </p:style>
+        </p:cxnSp>
+        <p:cxnSp>
+          <p:nvCxnSpPr>
+            <p:cNvPr id="113" name="直線接點 112"/>
+            <p:cNvCxnSpPr/>
+            <p:nvPr/>
+          </p:nvCxnSpPr>
+          <p:spPr>
+            <a:xfrm flipH="1" flipV="1">
+              <a:off x="8966062" y="2560054"/>
+              <a:ext cx="523830" cy="887529"/>
+            </a:xfrm>
+            <a:prstGeom prst="line">
+              <a:avLst/>
+            </a:prstGeom>
+            <a:ln w="76200">
+              <a:solidFill>
+                <a:schemeClr val="tx1">
+                  <a:lumMod val="50000"/>
+                  <a:lumOff val="50000"/>
+                </a:schemeClr>
+              </a:solidFill>
+            </a:ln>
+          </p:spPr>
+          <p:style>
+            <a:lnRef idx="1">
+              <a:schemeClr val="accent1"/>
+            </a:lnRef>
+            <a:fillRef idx="0">
+              <a:schemeClr val="accent1"/>
+            </a:fillRef>
+            <a:effectRef idx="0">
+              <a:schemeClr val="accent1"/>
+            </a:effectRef>
+            <a:fontRef idx="minor">
+              <a:schemeClr val="tx1"/>
+            </a:fontRef>
+          </p:style>
+        </p:cxnSp>
+        <p:cxnSp>
+          <p:nvCxnSpPr>
+            <p:cNvPr id="116" name="直線接點 115"/>
+            <p:cNvCxnSpPr/>
+            <p:nvPr/>
+          </p:nvCxnSpPr>
+          <p:spPr>
+            <a:xfrm flipV="1">
+              <a:off x="7689075" y="3432903"/>
+              <a:ext cx="422351" cy="891175"/>
+            </a:xfrm>
+            <a:prstGeom prst="line">
+              <a:avLst/>
+            </a:prstGeom>
+            <a:ln w="76200">
+              <a:solidFill>
+                <a:schemeClr val="tx1">
+                  <a:lumMod val="50000"/>
+                  <a:lumOff val="50000"/>
+                </a:schemeClr>
+              </a:solidFill>
+            </a:ln>
+          </p:spPr>
+          <p:style>
+            <a:lnRef idx="1">
+              <a:schemeClr val="accent1"/>
+            </a:lnRef>
+            <a:fillRef idx="0">
+              <a:schemeClr val="accent1"/>
+            </a:fillRef>
+            <a:effectRef idx="0">
+              <a:schemeClr val="accent1"/>
+            </a:effectRef>
+            <a:fontRef idx="minor">
+              <a:schemeClr val="tx1"/>
+            </a:fontRef>
+          </p:style>
+        </p:cxnSp>
+        <p:cxnSp>
+          <p:nvCxnSpPr>
+            <p:cNvPr id="122" name="直線接點 121"/>
+            <p:cNvCxnSpPr/>
+            <p:nvPr/>
+          </p:nvCxnSpPr>
+          <p:spPr>
+            <a:xfrm flipV="1">
+              <a:off x="8861237" y="3440083"/>
+              <a:ext cx="628654" cy="883995"/>
+            </a:xfrm>
+            <a:prstGeom prst="line">
+              <a:avLst/>
+            </a:prstGeom>
+            <a:ln w="76200">
+              <a:solidFill>
+                <a:schemeClr val="tx1">
+                  <a:lumMod val="50000"/>
+                  <a:lumOff val="50000"/>
+                </a:schemeClr>
+              </a:solidFill>
+            </a:ln>
+          </p:spPr>
+          <p:style>
+            <a:lnRef idx="1">
+              <a:schemeClr val="accent1"/>
+            </a:lnRef>
+            <a:fillRef idx="0">
+              <a:schemeClr val="accent1"/>
+            </a:fillRef>
+            <a:effectRef idx="0">
+              <a:schemeClr val="accent1"/>
+            </a:effectRef>
+            <a:fontRef idx="minor">
+              <a:schemeClr val="tx1"/>
+            </a:fontRef>
+          </p:style>
+        </p:cxnSp>
+        <p:cxnSp>
+          <p:nvCxnSpPr>
+            <p:cNvPr id="125" name="直線接點 124"/>
+            <p:cNvCxnSpPr/>
+            <p:nvPr/>
+          </p:nvCxnSpPr>
+          <p:spPr>
+            <a:xfrm flipH="1" flipV="1">
+              <a:off x="9489891" y="3440083"/>
+              <a:ext cx="410602" cy="883995"/>
+            </a:xfrm>
+            <a:prstGeom prst="line">
+              <a:avLst/>
+            </a:prstGeom>
+            <a:ln w="76200">
+              <a:solidFill>
+                <a:schemeClr val="tx1">
+                  <a:lumMod val="50000"/>
+                  <a:lumOff val="50000"/>
+                </a:schemeClr>
+              </a:solidFill>
+            </a:ln>
+          </p:spPr>
+          <p:style>
+            <a:lnRef idx="1">
+              <a:schemeClr val="accent1"/>
+            </a:lnRef>
+            <a:fillRef idx="0">
+              <a:schemeClr val="accent1"/>
+            </a:fillRef>
+            <a:effectRef idx="0">
+              <a:schemeClr val="accent1"/>
+            </a:effectRef>
+            <a:fontRef idx="minor">
+              <a:schemeClr val="tx1"/>
+            </a:fontRef>
+          </p:style>
+        </p:cxnSp>
+        <p:cxnSp>
+          <p:nvCxnSpPr>
+            <p:cNvPr id="128" name="直線接點 127"/>
+            <p:cNvCxnSpPr/>
+            <p:nvPr/>
+          </p:nvCxnSpPr>
+          <p:spPr>
+            <a:xfrm flipH="1">
+              <a:off x="9353223" y="4331258"/>
+              <a:ext cx="547270" cy="976423"/>
+            </a:xfrm>
+            <a:prstGeom prst="line">
+              <a:avLst/>
+            </a:prstGeom>
+            <a:ln w="76200">
+              <a:solidFill>
+                <a:schemeClr val="tx1">
+                  <a:lumMod val="50000"/>
+                  <a:lumOff val="50000"/>
+                </a:schemeClr>
+              </a:solidFill>
+            </a:ln>
+          </p:spPr>
+          <p:style>
+            <a:lnRef idx="1">
+              <a:schemeClr val="accent1"/>
+            </a:lnRef>
+            <a:fillRef idx="0">
+              <a:schemeClr val="accent1"/>
+            </a:fillRef>
+            <a:effectRef idx="0">
+              <a:schemeClr val="accent1"/>
+            </a:effectRef>
+            <a:fontRef idx="minor">
+              <a:schemeClr val="tx1"/>
+            </a:fontRef>
+          </p:style>
+        </p:cxnSp>
+        <p:cxnSp>
+          <p:nvCxnSpPr>
+            <p:cNvPr id="80" name="直線接點 79"/>
+            <p:cNvCxnSpPr/>
+            <p:nvPr/>
+          </p:nvCxnSpPr>
+          <p:spPr>
+            <a:xfrm>
+              <a:off x="8219916" y="796030"/>
+              <a:ext cx="0" cy="883995"/>
+            </a:xfrm>
+            <a:prstGeom prst="line">
+              <a:avLst/>
+            </a:prstGeom>
+            <a:ln w="76200">
+              <a:solidFill>
+                <a:schemeClr val="tx1">
+                  <a:lumMod val="50000"/>
+                  <a:lumOff val="50000"/>
+                </a:schemeClr>
+              </a:solidFill>
+            </a:ln>
+          </p:spPr>
+          <p:style>
+            <a:lnRef idx="1">
+              <a:schemeClr val="accent1"/>
+            </a:lnRef>
+            <a:fillRef idx="0">
+              <a:schemeClr val="accent1"/>
+            </a:fillRef>
+            <a:effectRef idx="0">
+              <a:schemeClr val="accent1"/>
+            </a:effectRef>
+            <a:fontRef idx="minor">
+              <a:schemeClr val="tx1"/>
+            </a:fontRef>
+          </p:style>
+        </p:cxnSp>
+        <p:sp>
+          <p:nvSpPr>
+            <p:cNvPr id="86" name="橢圓 85"/>
+            <p:cNvSpPr/>
+            <p:nvPr/>
+          </p:nvSpPr>
+          <p:spPr>
+            <a:xfrm>
+              <a:off x="7946581" y="528480"/>
+              <a:ext cx="546671" cy="535100"/>
+            </a:xfrm>
+            <a:prstGeom prst="ellipse">
+              <a:avLst/>
+            </a:prstGeom>
+            <a:solidFill>
+              <a:schemeClr val="tx1">
+                <a:lumMod val="75000"/>
+                <a:lumOff val="25000"/>
+              </a:schemeClr>
+            </a:solidFill>
+            <a:ln>
+              <a:noFill/>
+            </a:ln>
+            <a:effectLst/>
+          </p:spPr>
+          <p:style>
+            <a:lnRef idx="2">
+              <a:schemeClr val="accent1">
+                <a:shade val="50000"/>
+              </a:schemeClr>
+            </a:lnRef>
+            <a:fillRef idx="1">
+              <a:schemeClr val="accent1"/>
+            </a:fillRef>
+            <a:effectRef idx="0">
+              <a:schemeClr val="accent1"/>
+            </a:effectRef>
+            <a:fontRef idx="minor">
+              <a:schemeClr val="lt1"/>
+            </a:fontRef>
+          </p:style>
+          <p:txBody>
+            <a:bodyPr rtlCol="0" anchor="ctr"/>
+            <a:lstStyle/>
+            <a:p>
+              <a:pPr algn="ctr"/>
+              <a:r>
+                <a:rPr lang="en-US" altLang="zh-TW" sz="2400" dirty="0" smtClean="0">
+                  <a:latin typeface="Menlo" panose="020B0609030804020204" pitchFamily="49" charset="0"/>
+                  <a:cs typeface="Menlo" panose="020B0609030804020204" pitchFamily="49" charset="0"/>
+                </a:rPr>
+                <a:t>0</a:t>
+              </a:r>
+              <a:endParaRPr lang="zh-TW" altLang="en-US" sz="2400" dirty="0">
+                <a:latin typeface="Menlo" panose="020B0609030804020204" pitchFamily="49" charset="0"/>
+                <a:cs typeface="Menlo" panose="020B0609030804020204" pitchFamily="49" charset="0"/>
+              </a:endParaRPr>
+            </a:p>
+          </p:txBody>
+        </p:sp>
+        <p:sp>
+          <p:nvSpPr>
+            <p:cNvPr id="87" name="橢圓 86"/>
+            <p:cNvSpPr/>
+            <p:nvPr/>
+          </p:nvSpPr>
+          <p:spPr>
+            <a:xfrm>
+              <a:off x="7946583" y="1412475"/>
+              <a:ext cx="546671" cy="535100"/>
+            </a:xfrm>
+            <a:prstGeom prst="ellipse">
+              <a:avLst/>
+            </a:prstGeom>
+            <a:solidFill>
+              <a:schemeClr val="tx1">
+                <a:lumMod val="75000"/>
+                <a:lumOff val="25000"/>
+              </a:schemeClr>
+            </a:solidFill>
+            <a:ln>
+              <a:noFill/>
+            </a:ln>
+            <a:effectLst/>
+          </p:spPr>
+          <p:style>
+            <a:lnRef idx="2">
+              <a:schemeClr val="accent1">
+                <a:shade val="50000"/>
+              </a:schemeClr>
+            </a:lnRef>
+            <a:fillRef idx="1">
+              <a:schemeClr val="accent1"/>
+            </a:fillRef>
+            <a:effectRef idx="0">
+              <a:schemeClr val="accent1"/>
+            </a:effectRef>
+            <a:fontRef idx="minor">
+              <a:schemeClr val="lt1"/>
+            </a:fontRef>
+          </p:style>
+          <p:txBody>
+            <a:bodyPr rtlCol="0" anchor="ctr"/>
+            <a:lstStyle/>
+            <a:p>
+              <a:pPr algn="ctr"/>
+              <a:r>
+                <a:rPr lang="en-US" altLang="zh-TW" sz="2400" dirty="0" smtClean="0">
+                  <a:latin typeface="Menlo" panose="020B0609030804020204" pitchFamily="49" charset="0"/>
+                  <a:cs typeface="Menlo" panose="020B0609030804020204" pitchFamily="49" charset="0"/>
+                </a:rPr>
+                <a:t>1</a:t>
+              </a:r>
+              <a:endParaRPr lang="zh-TW" altLang="en-US" sz="2400" dirty="0">
+                <a:latin typeface="Menlo" panose="020B0609030804020204" pitchFamily="49" charset="0"/>
+                <a:cs typeface="Menlo" panose="020B0609030804020204" pitchFamily="49" charset="0"/>
+              </a:endParaRPr>
+            </a:p>
+          </p:txBody>
+        </p:sp>
+        <p:sp>
+          <p:nvSpPr>
+            <p:cNvPr id="89" name="橢圓 88"/>
+            <p:cNvSpPr/>
+            <p:nvPr/>
+          </p:nvSpPr>
+          <p:spPr>
+            <a:xfrm>
+              <a:off x="7251640" y="2298032"/>
+              <a:ext cx="546671" cy="535100"/>
+            </a:xfrm>
+            <a:prstGeom prst="ellipse">
+              <a:avLst/>
+            </a:prstGeom>
+            <a:solidFill>
+              <a:schemeClr val="tx1">
+                <a:lumMod val="75000"/>
+                <a:lumOff val="25000"/>
+              </a:schemeClr>
+            </a:solidFill>
+            <a:ln>
+              <a:noFill/>
+            </a:ln>
+            <a:effectLst/>
+          </p:spPr>
+          <p:style>
+            <a:lnRef idx="2">
+              <a:schemeClr val="accent1">
+                <a:shade val="50000"/>
+              </a:schemeClr>
+            </a:lnRef>
+            <a:fillRef idx="1">
+              <a:schemeClr val="accent1"/>
+            </a:fillRef>
+            <a:effectRef idx="0">
+              <a:schemeClr val="accent1"/>
+            </a:effectRef>
+            <a:fontRef idx="minor">
+              <a:schemeClr val="lt1"/>
+            </a:fontRef>
+          </p:style>
+          <p:txBody>
+            <a:bodyPr rtlCol="0" anchor="ctr"/>
+            <a:lstStyle/>
+            <a:p>
+              <a:pPr algn="ctr"/>
+              <a:r>
+                <a:rPr lang="en-US" altLang="zh-TW" sz="2400" dirty="0">
+                  <a:latin typeface="Menlo" panose="020B0609030804020204" pitchFamily="49" charset="0"/>
+                  <a:cs typeface="Menlo" panose="020B0609030804020204" pitchFamily="49" charset="0"/>
+                </a:rPr>
+                <a:t>9</a:t>
+              </a:r>
+              <a:endParaRPr lang="zh-TW" altLang="en-US" sz="2400" dirty="0">
+                <a:latin typeface="Menlo" panose="020B0609030804020204" pitchFamily="49" charset="0"/>
+                <a:cs typeface="Menlo" panose="020B0609030804020204" pitchFamily="49" charset="0"/>
+              </a:endParaRPr>
+            </a:p>
+          </p:txBody>
+        </p:sp>
+        <p:sp>
+          <p:nvSpPr>
+            <p:cNvPr id="90" name="橢圓 89"/>
+            <p:cNvSpPr/>
+            <p:nvPr/>
+          </p:nvSpPr>
+          <p:spPr>
+            <a:xfrm>
+              <a:off x="8692727" y="2292504"/>
+              <a:ext cx="546671" cy="535100"/>
+            </a:xfrm>
+            <a:prstGeom prst="ellipse">
+              <a:avLst/>
+            </a:prstGeom>
+            <a:solidFill>
+              <a:schemeClr val="tx1">
+                <a:lumMod val="75000"/>
+                <a:lumOff val="25000"/>
+              </a:schemeClr>
+            </a:solidFill>
+            <a:ln>
+              <a:noFill/>
+            </a:ln>
+            <a:effectLst/>
+          </p:spPr>
+          <p:style>
+            <a:lnRef idx="2">
+              <a:schemeClr val="accent1">
+                <a:shade val="50000"/>
+              </a:schemeClr>
+            </a:lnRef>
+            <a:fillRef idx="1">
+              <a:schemeClr val="accent1"/>
+            </a:fillRef>
+            <a:effectRef idx="0">
+              <a:schemeClr val="accent1"/>
+            </a:effectRef>
+            <a:fontRef idx="minor">
+              <a:schemeClr val="lt1"/>
+            </a:fontRef>
+          </p:style>
+          <p:txBody>
+            <a:bodyPr rtlCol="0" anchor="ctr"/>
+            <a:lstStyle/>
+            <a:p>
+              <a:pPr algn="ctr"/>
+              <a:r>
+                <a:rPr lang="en-US" altLang="zh-TW" sz="2400" dirty="0" smtClean="0">
+                  <a:latin typeface="Menlo" panose="020B0609030804020204" pitchFamily="49" charset="0"/>
+                  <a:cs typeface="Menlo" panose="020B0609030804020204" pitchFamily="49" charset="0"/>
+                </a:rPr>
+                <a:t>4</a:t>
+              </a:r>
+              <a:endParaRPr lang="zh-TW" altLang="en-US" sz="2400" dirty="0">
+                <a:latin typeface="Menlo" panose="020B0609030804020204" pitchFamily="49" charset="0"/>
+                <a:cs typeface="Menlo" panose="020B0609030804020204" pitchFamily="49" charset="0"/>
+              </a:endParaRPr>
+            </a:p>
+          </p:txBody>
+        </p:sp>
+        <p:sp>
+          <p:nvSpPr>
+            <p:cNvPr id="91" name="橢圓 90"/>
+            <p:cNvSpPr/>
+            <p:nvPr/>
+          </p:nvSpPr>
+          <p:spPr>
+            <a:xfrm>
+              <a:off x="9631347" y="4061462"/>
+              <a:ext cx="546671" cy="535100"/>
+            </a:xfrm>
+            <a:prstGeom prst="ellipse">
+              <a:avLst/>
+            </a:prstGeom>
+            <a:solidFill>
+              <a:schemeClr val="tx1">
+                <a:lumMod val="75000"/>
+                <a:lumOff val="25000"/>
+              </a:schemeClr>
+            </a:solidFill>
+            <a:ln>
+              <a:noFill/>
+            </a:ln>
+            <a:effectLst/>
+          </p:spPr>
+          <p:style>
+            <a:lnRef idx="2">
+              <a:schemeClr val="accent1">
+                <a:shade val="50000"/>
+              </a:schemeClr>
+            </a:lnRef>
+            <a:fillRef idx="1">
+              <a:schemeClr val="accent1"/>
+            </a:fillRef>
+            <a:effectRef idx="0">
+              <a:schemeClr val="accent1"/>
+            </a:effectRef>
+            <a:fontRef idx="minor">
+              <a:schemeClr val="lt1"/>
+            </a:fontRef>
+          </p:style>
+          <p:txBody>
+            <a:bodyPr rtlCol="0" anchor="ctr"/>
+            <a:lstStyle/>
+            <a:p>
+              <a:pPr algn="ctr"/>
+              <a:r>
+                <a:rPr lang="en-US" altLang="zh-TW" sz="2400" dirty="0" smtClean="0">
+                  <a:latin typeface="Menlo" panose="020B0609030804020204" pitchFamily="49" charset="0"/>
+                  <a:cs typeface="Menlo" panose="020B0609030804020204" pitchFamily="49" charset="0"/>
+                </a:rPr>
+                <a:t>6</a:t>
+              </a:r>
+              <a:endParaRPr lang="zh-TW" altLang="en-US" sz="2400" dirty="0">
+                <a:latin typeface="Menlo" panose="020B0609030804020204" pitchFamily="49" charset="0"/>
+                <a:cs typeface="Menlo" panose="020B0609030804020204" pitchFamily="49" charset="0"/>
+              </a:endParaRPr>
+            </a:p>
+          </p:txBody>
+        </p:sp>
+        <p:sp>
+          <p:nvSpPr>
+            <p:cNvPr id="92" name="橢圓 91"/>
+            <p:cNvSpPr/>
+            <p:nvPr/>
+          </p:nvSpPr>
+          <p:spPr>
+            <a:xfrm>
+              <a:off x="9216557" y="3180033"/>
+              <a:ext cx="546671" cy="535100"/>
+            </a:xfrm>
+            <a:prstGeom prst="ellipse">
+              <a:avLst/>
+            </a:prstGeom>
+            <a:solidFill>
+              <a:schemeClr val="tx1">
+                <a:lumMod val="75000"/>
+                <a:lumOff val="25000"/>
+              </a:schemeClr>
+            </a:solidFill>
+            <a:ln>
+              <a:noFill/>
+            </a:ln>
+            <a:effectLst/>
+          </p:spPr>
+          <p:style>
+            <a:lnRef idx="2">
+              <a:schemeClr val="accent1">
+                <a:shade val="50000"/>
+              </a:schemeClr>
+            </a:lnRef>
+            <a:fillRef idx="1">
+              <a:schemeClr val="accent1"/>
+            </a:fillRef>
+            <a:effectRef idx="0">
+              <a:schemeClr val="accent1"/>
+            </a:effectRef>
+            <a:fontRef idx="minor">
+              <a:schemeClr val="lt1"/>
+            </a:fontRef>
+          </p:style>
+          <p:txBody>
+            <a:bodyPr rtlCol="0" anchor="ctr"/>
+            <a:lstStyle/>
+            <a:p>
+              <a:pPr algn="ctr"/>
+              <a:r>
+                <a:rPr lang="en-US" altLang="zh-TW" sz="2400" dirty="0" smtClean="0">
+                  <a:latin typeface="Menlo" panose="020B0609030804020204" pitchFamily="49" charset="0"/>
+                  <a:cs typeface="Menlo" panose="020B0609030804020204" pitchFamily="49" charset="0"/>
+                </a:rPr>
+                <a:t>5</a:t>
+              </a:r>
+              <a:endParaRPr lang="zh-TW" altLang="en-US" sz="2400" dirty="0">
+                <a:latin typeface="Menlo" panose="020B0609030804020204" pitchFamily="49" charset="0"/>
+                <a:cs typeface="Menlo" panose="020B0609030804020204" pitchFamily="49" charset="0"/>
+              </a:endParaRPr>
+            </a:p>
+          </p:txBody>
+        </p:sp>
+        <p:sp>
+          <p:nvSpPr>
+            <p:cNvPr id="93" name="橢圓 92"/>
+            <p:cNvSpPr/>
+            <p:nvPr/>
+          </p:nvSpPr>
+          <p:spPr>
+            <a:xfrm>
+              <a:off x="8604011" y="4061462"/>
+              <a:ext cx="546671" cy="535100"/>
+            </a:xfrm>
+            <a:prstGeom prst="ellipse">
+              <a:avLst/>
+            </a:prstGeom>
+            <a:solidFill>
+              <a:schemeClr val="tx1">
+                <a:lumMod val="75000"/>
+                <a:lumOff val="25000"/>
+              </a:schemeClr>
+            </a:solidFill>
+            <a:ln>
+              <a:noFill/>
+            </a:ln>
+            <a:effectLst/>
+          </p:spPr>
+          <p:style>
+            <a:lnRef idx="2">
+              <a:schemeClr val="accent1">
+                <a:shade val="50000"/>
+              </a:schemeClr>
+            </a:lnRef>
+            <a:fillRef idx="1">
+              <a:schemeClr val="accent1"/>
+            </a:fillRef>
+            <a:effectRef idx="0">
+              <a:schemeClr val="accent1"/>
+            </a:effectRef>
+            <a:fontRef idx="minor">
+              <a:schemeClr val="lt1"/>
+            </a:fontRef>
+          </p:style>
+          <p:txBody>
+            <a:bodyPr rtlCol="0" anchor="ctr"/>
+            <a:lstStyle/>
+            <a:p>
+              <a:pPr algn="ctr"/>
+              <a:r>
+                <a:rPr lang="en-US" altLang="zh-TW" sz="2400" dirty="0">
+                  <a:latin typeface="Menlo" panose="020B0609030804020204" pitchFamily="49" charset="0"/>
+                  <a:cs typeface="Menlo" panose="020B0609030804020204" pitchFamily="49" charset="0"/>
+                </a:rPr>
+                <a:t>7</a:t>
+              </a:r>
+              <a:endParaRPr lang="zh-TW" altLang="en-US" sz="2400" dirty="0">
+                <a:latin typeface="Menlo" panose="020B0609030804020204" pitchFamily="49" charset="0"/>
+                <a:cs typeface="Menlo" panose="020B0609030804020204" pitchFamily="49" charset="0"/>
+              </a:endParaRPr>
+            </a:p>
+          </p:txBody>
+        </p:sp>
+        <p:sp>
+          <p:nvSpPr>
+            <p:cNvPr id="94" name="橢圓 93"/>
+            <p:cNvSpPr/>
+            <p:nvPr/>
+          </p:nvSpPr>
+          <p:spPr>
+            <a:xfrm>
+              <a:off x="9084676" y="5040131"/>
+              <a:ext cx="546671" cy="535100"/>
+            </a:xfrm>
+            <a:prstGeom prst="ellipse">
+              <a:avLst/>
+            </a:prstGeom>
+            <a:solidFill>
+              <a:schemeClr val="tx1">
+                <a:lumMod val="75000"/>
+                <a:lumOff val="25000"/>
+              </a:schemeClr>
+            </a:solidFill>
+            <a:ln>
+              <a:noFill/>
+            </a:ln>
+            <a:effectLst/>
+          </p:spPr>
+          <p:style>
+            <a:lnRef idx="2">
+              <a:schemeClr val="accent1">
+                <a:shade val="50000"/>
+              </a:schemeClr>
+            </a:lnRef>
+            <a:fillRef idx="1">
+              <a:schemeClr val="accent1"/>
+            </a:fillRef>
+            <a:effectRef idx="0">
+              <a:schemeClr val="accent1"/>
+            </a:effectRef>
+            <a:fontRef idx="minor">
+              <a:schemeClr val="lt1"/>
+            </a:fontRef>
+          </p:style>
+          <p:txBody>
+            <a:bodyPr rtlCol="0" anchor="ctr"/>
+            <a:lstStyle/>
+            <a:p>
+              <a:pPr algn="ctr"/>
+              <a:r>
+                <a:rPr lang="en-US" altLang="zh-TW" sz="2400" dirty="0" smtClean="0">
+                  <a:latin typeface="Menlo" panose="020B0609030804020204" pitchFamily="49" charset="0"/>
+                  <a:cs typeface="Menlo" panose="020B0609030804020204" pitchFamily="49" charset="0"/>
+                </a:rPr>
+                <a:t>8</a:t>
+              </a:r>
+              <a:endParaRPr lang="zh-TW" altLang="en-US" sz="2400" dirty="0">
+                <a:latin typeface="Menlo" panose="020B0609030804020204" pitchFamily="49" charset="0"/>
+                <a:cs typeface="Menlo" panose="020B0609030804020204" pitchFamily="49" charset="0"/>
+              </a:endParaRPr>
+            </a:p>
+          </p:txBody>
+        </p:sp>
+        <p:sp>
+          <p:nvSpPr>
+            <p:cNvPr id="95" name="橢圓 94"/>
+            <p:cNvSpPr/>
+            <p:nvPr/>
+          </p:nvSpPr>
+          <p:spPr>
+            <a:xfrm>
+              <a:off x="7415740" y="4061462"/>
+              <a:ext cx="546671" cy="535100"/>
+            </a:xfrm>
+            <a:prstGeom prst="ellipse">
+              <a:avLst/>
+            </a:prstGeom>
+            <a:solidFill>
+              <a:schemeClr val="tx1">
+                <a:lumMod val="75000"/>
+                <a:lumOff val="25000"/>
+              </a:schemeClr>
+            </a:solidFill>
+            <a:ln>
+              <a:noFill/>
+            </a:ln>
+            <a:effectLst/>
+          </p:spPr>
+          <p:style>
+            <a:lnRef idx="2">
+              <a:schemeClr val="accent1">
+                <a:shade val="50000"/>
+              </a:schemeClr>
+            </a:lnRef>
+            <a:fillRef idx="1">
+              <a:schemeClr val="accent1"/>
+            </a:fillRef>
+            <a:effectRef idx="0">
+              <a:schemeClr val="accent1"/>
+            </a:effectRef>
+            <a:fontRef idx="minor">
+              <a:schemeClr val="lt1"/>
+            </a:fontRef>
+          </p:style>
+          <p:txBody>
+            <a:bodyPr rtlCol="0" anchor="ctr"/>
+            <a:lstStyle/>
+            <a:p>
+              <a:pPr algn="ctr"/>
+              <a:r>
+                <a:rPr lang="en-US" altLang="zh-TW" sz="2400" dirty="0" smtClean="0">
+                  <a:latin typeface="Menlo" panose="020B0609030804020204" pitchFamily="49" charset="0"/>
+                  <a:cs typeface="Menlo" panose="020B0609030804020204" pitchFamily="49" charset="0"/>
+                </a:rPr>
+                <a:t>3</a:t>
+              </a:r>
+              <a:endParaRPr lang="zh-TW" altLang="en-US" sz="2400" dirty="0">
+                <a:latin typeface="Menlo" panose="020B0609030804020204" pitchFamily="49" charset="0"/>
+                <a:cs typeface="Menlo" panose="020B0609030804020204" pitchFamily="49" charset="0"/>
+              </a:endParaRPr>
+            </a:p>
+          </p:txBody>
+        </p:sp>
+        <p:sp>
+          <p:nvSpPr>
+            <p:cNvPr id="97" name="橢圓 96"/>
+            <p:cNvSpPr/>
+            <p:nvPr/>
+          </p:nvSpPr>
+          <p:spPr>
+            <a:xfrm>
+              <a:off x="7838092" y="3165353"/>
+              <a:ext cx="546671" cy="535100"/>
+            </a:xfrm>
+            <a:prstGeom prst="ellipse">
+              <a:avLst/>
+            </a:prstGeom>
+            <a:solidFill>
+              <a:schemeClr val="tx1">
+                <a:lumMod val="75000"/>
+                <a:lumOff val="25000"/>
+              </a:schemeClr>
+            </a:solidFill>
+            <a:ln>
+              <a:noFill/>
+            </a:ln>
+            <a:effectLst/>
+          </p:spPr>
+          <p:style>
+            <a:lnRef idx="2">
+              <a:schemeClr val="accent1">
+                <a:shade val="50000"/>
+              </a:schemeClr>
+            </a:lnRef>
+            <a:fillRef idx="1">
+              <a:schemeClr val="accent1"/>
+            </a:fillRef>
+            <a:effectRef idx="0">
+              <a:schemeClr val="accent1"/>
+            </a:effectRef>
+            <a:fontRef idx="minor">
+              <a:schemeClr val="lt1"/>
+            </a:fontRef>
+          </p:style>
+          <p:txBody>
+            <a:bodyPr rtlCol="0" anchor="ctr"/>
+            <a:lstStyle/>
+            <a:p>
+              <a:pPr algn="ctr"/>
+              <a:r>
+                <a:rPr lang="en-US" altLang="zh-TW" sz="2400" dirty="0" smtClean="0">
+                  <a:latin typeface="Menlo" panose="020B0609030804020204" pitchFamily="49" charset="0"/>
+                  <a:cs typeface="Menlo" panose="020B0609030804020204" pitchFamily="49" charset="0"/>
+                </a:rPr>
+                <a:t>2</a:t>
+              </a:r>
+              <a:endParaRPr lang="zh-TW" altLang="en-US" sz="2400" dirty="0">
+                <a:latin typeface="Menlo" panose="020B0609030804020204" pitchFamily="49" charset="0"/>
+                <a:cs typeface="Menlo" panose="020B0609030804020204" pitchFamily="49" charset="0"/>
+              </a:endParaRPr>
+            </a:p>
+          </p:txBody>
+        </p:sp>
+      </p:grpSp>
+    </p:spTree>
+    <p:extLst>
+      <p:ext uri="{BB962C8B-B14F-4D97-AF65-F5344CB8AC3E}">
+        <p14:creationId xmlns:p14="http://schemas.microsoft.com/office/powerpoint/2010/main" val="1435335403"/>
+      </p:ext>
+    </p:extLst>
+  </p:cSld>
+  <p:clrMapOvr>
+    <a:masterClrMapping/>
+  </p:clrMapOvr>
+</p:sld>
+</file>
+
+<file path=ppt/slides/slide5.xml><?xml version="1.0" encoding="utf-8"?>
+<p:sld xmlns:a="http://schemas.openxmlformats.org/drawingml/2006/main" xmlns:r="http://schemas.openxmlformats.org/officeDocument/2006/relationships" xmlns:p="http://schemas.openxmlformats.org/presentationml/2006/main">
+  <p:cSld>
+    <p:spTree>
+      <p:nvGrpSpPr>
+        <p:cNvPr id="1" name=""/>
+        <p:cNvGrpSpPr/>
+        <p:nvPr/>
+      </p:nvGrpSpPr>
+      <p:grpSpPr>
+        <a:xfrm>
+          <a:off x="0" y="0"/>
+          <a:ext cx="0" cy="0"/>
+          <a:chOff x="0" y="0"/>
+          <a:chExt cx="0" cy="0"/>
+        </a:xfrm>
+      </p:grpSpPr>
+      <p:grpSp>
+        <p:nvGrpSpPr>
+          <p:cNvPr id="113" name="群組 112"/>
+          <p:cNvGrpSpPr/>
+          <p:nvPr/>
+        </p:nvGrpSpPr>
+        <p:grpSpPr>
+          <a:xfrm>
+            <a:off x="1338075" y="921181"/>
+            <a:ext cx="3890742" cy="4641758"/>
+            <a:chOff x="3625137" y="749311"/>
+            <a:chExt cx="3890742" cy="4641758"/>
+          </a:xfrm>
+        </p:grpSpPr>
+        <p:cxnSp>
+          <p:nvCxnSpPr>
+            <p:cNvPr id="43" name="直線接點 42"/>
+            <p:cNvCxnSpPr/>
+            <p:nvPr/>
+          </p:nvCxnSpPr>
+          <p:spPr>
+            <a:xfrm flipV="1">
+              <a:off x="4657246" y="1023707"/>
+              <a:ext cx="858578" cy="888771"/>
+            </a:xfrm>
+            <a:prstGeom prst="line">
+              <a:avLst/>
+            </a:prstGeom>
+            <a:ln w="76200">
+              <a:solidFill>
+                <a:schemeClr val="tx1">
+                  <a:lumMod val="50000"/>
+                  <a:lumOff val="50000"/>
+                </a:schemeClr>
+              </a:solidFill>
+            </a:ln>
+          </p:spPr>
+          <p:style>
+            <a:lnRef idx="1">
+              <a:schemeClr val="accent1"/>
+            </a:lnRef>
+            <a:fillRef idx="0">
+              <a:schemeClr val="accent1"/>
+            </a:fillRef>
+            <a:effectRef idx="0">
+              <a:schemeClr val="accent1"/>
+            </a:effectRef>
+            <a:fontRef idx="minor">
+              <a:schemeClr val="tx1"/>
+            </a:fontRef>
+          </p:style>
+        </p:cxnSp>
+        <p:cxnSp>
+          <p:nvCxnSpPr>
+            <p:cNvPr id="52" name="直線接點 51"/>
+            <p:cNvCxnSpPr/>
+            <p:nvPr/>
+          </p:nvCxnSpPr>
+          <p:spPr>
+            <a:xfrm flipH="1" flipV="1">
+              <a:off x="5526848" y="1023707"/>
+              <a:ext cx="847555" cy="881135"/>
+            </a:xfrm>
+            <a:prstGeom prst="line">
+              <a:avLst/>
+            </a:prstGeom>
+            <a:ln w="76200">
+              <a:solidFill>
+                <a:schemeClr val="tx1">
+                  <a:lumMod val="50000"/>
+                  <a:lumOff val="50000"/>
+                </a:schemeClr>
+              </a:solidFill>
+            </a:ln>
+          </p:spPr>
+          <p:style>
+            <a:lnRef idx="1">
+              <a:schemeClr val="accent1"/>
+            </a:lnRef>
+            <a:fillRef idx="0">
+              <a:schemeClr val="accent1"/>
+            </a:fillRef>
+            <a:effectRef idx="0">
+              <a:schemeClr val="accent1"/>
+            </a:effectRef>
+            <a:fontRef idx="minor">
+              <a:schemeClr val="tx1"/>
+            </a:fontRef>
+          </p:style>
+        </p:cxnSp>
+        <p:cxnSp>
+          <p:nvCxnSpPr>
+            <p:cNvPr id="55" name="直線接點 54"/>
+            <p:cNvCxnSpPr/>
+            <p:nvPr/>
+          </p:nvCxnSpPr>
+          <p:spPr>
+            <a:xfrm flipH="1" flipV="1">
+              <a:off x="6374403" y="1912478"/>
+              <a:ext cx="858030" cy="808008"/>
+            </a:xfrm>
+            <a:prstGeom prst="line">
+              <a:avLst/>
+            </a:prstGeom>
+            <a:ln w="76200">
+              <a:solidFill>
+                <a:schemeClr val="tx1">
+                  <a:lumMod val="50000"/>
+                  <a:lumOff val="50000"/>
+                </a:schemeClr>
+              </a:solidFill>
+            </a:ln>
+          </p:spPr>
+          <p:style>
+            <a:lnRef idx="1">
+              <a:schemeClr val="accent1"/>
+            </a:lnRef>
+            <a:fillRef idx="0">
+              <a:schemeClr val="accent1"/>
+            </a:fillRef>
+            <a:effectRef idx="0">
+              <a:schemeClr val="accent1"/>
+            </a:effectRef>
+            <a:fontRef idx="minor">
+              <a:schemeClr val="tx1"/>
+            </a:fontRef>
+          </p:style>
+        </p:cxnSp>
+        <p:cxnSp>
+          <p:nvCxnSpPr>
+            <p:cNvPr id="58" name="直線接點 57"/>
+            <p:cNvCxnSpPr/>
+            <p:nvPr/>
+          </p:nvCxnSpPr>
+          <p:spPr>
+            <a:xfrm flipV="1">
+              <a:off x="3898472" y="1912478"/>
+              <a:ext cx="758774" cy="858573"/>
+            </a:xfrm>
+            <a:prstGeom prst="line">
+              <a:avLst/>
+            </a:prstGeom>
+            <a:ln w="76200">
+              <a:solidFill>
+                <a:schemeClr val="tx1">
+                  <a:lumMod val="50000"/>
+                  <a:lumOff val="50000"/>
+                </a:schemeClr>
+              </a:solidFill>
+            </a:ln>
+          </p:spPr>
+          <p:style>
+            <a:lnRef idx="1">
+              <a:schemeClr val="accent1"/>
+            </a:lnRef>
+            <a:fillRef idx="0">
+              <a:schemeClr val="accent1"/>
+            </a:fillRef>
+            <a:effectRef idx="0">
+              <a:schemeClr val="accent1"/>
+            </a:effectRef>
+            <a:fontRef idx="minor">
+              <a:schemeClr val="tx1"/>
+            </a:fontRef>
+          </p:style>
+        </p:cxnSp>
+        <p:cxnSp>
+          <p:nvCxnSpPr>
+            <p:cNvPr id="65" name="直線接點 64"/>
+            <p:cNvCxnSpPr/>
+            <p:nvPr/>
+          </p:nvCxnSpPr>
+          <p:spPr>
+            <a:xfrm flipH="1" flipV="1">
+              <a:off x="4663032" y="1912478"/>
+              <a:ext cx="896602" cy="1132968"/>
+            </a:xfrm>
+            <a:prstGeom prst="line">
+              <a:avLst/>
+            </a:prstGeom>
+            <a:ln w="76200">
+              <a:solidFill>
+                <a:schemeClr val="tx1">
+                  <a:lumMod val="50000"/>
+                  <a:lumOff val="50000"/>
+                </a:schemeClr>
+              </a:solidFill>
+            </a:ln>
+          </p:spPr>
+          <p:style>
+            <a:lnRef idx="1">
+              <a:schemeClr val="accent1"/>
+            </a:lnRef>
+            <a:fillRef idx="0">
+              <a:schemeClr val="accent1"/>
+            </a:fillRef>
+            <a:effectRef idx="0">
+              <a:schemeClr val="accent1"/>
+            </a:effectRef>
+            <a:fontRef idx="minor">
+              <a:schemeClr val="tx1"/>
+            </a:fontRef>
+          </p:style>
+        </p:cxnSp>
+        <p:cxnSp>
+          <p:nvCxnSpPr>
+            <p:cNvPr id="68" name="直線接點 67"/>
+            <p:cNvCxnSpPr/>
+            <p:nvPr/>
+          </p:nvCxnSpPr>
+          <p:spPr>
+            <a:xfrm flipV="1">
+              <a:off x="5570507" y="1912478"/>
+              <a:ext cx="803896" cy="1126123"/>
+            </a:xfrm>
+            <a:prstGeom prst="line">
+              <a:avLst/>
+            </a:prstGeom>
+            <a:ln w="76200">
+              <a:solidFill>
+                <a:schemeClr val="tx1">
+                  <a:lumMod val="50000"/>
+                  <a:lumOff val="50000"/>
+                </a:schemeClr>
+              </a:solidFill>
+            </a:ln>
+          </p:spPr>
+          <p:style>
+            <a:lnRef idx="1">
+              <a:schemeClr val="accent1"/>
+            </a:lnRef>
+            <a:fillRef idx="0">
+              <a:schemeClr val="accent1"/>
+            </a:fillRef>
+            <a:effectRef idx="0">
+              <a:schemeClr val="accent1"/>
+            </a:effectRef>
+            <a:fontRef idx="minor">
+              <a:schemeClr val="tx1"/>
+            </a:fontRef>
+          </p:style>
+        </p:cxnSp>
+        <p:cxnSp>
+          <p:nvCxnSpPr>
+            <p:cNvPr id="71" name="直線接點 70"/>
+            <p:cNvCxnSpPr/>
+            <p:nvPr/>
+          </p:nvCxnSpPr>
+          <p:spPr>
+            <a:xfrm flipH="1">
+              <a:off x="4520580" y="3038601"/>
+              <a:ext cx="1049927" cy="858573"/>
+            </a:xfrm>
+            <a:prstGeom prst="line">
+              <a:avLst/>
+            </a:prstGeom>
+            <a:ln w="76200">
+              <a:solidFill>
+                <a:schemeClr val="tx1">
+                  <a:lumMod val="50000"/>
+                  <a:lumOff val="50000"/>
+                </a:schemeClr>
+              </a:solidFill>
+            </a:ln>
+          </p:spPr>
+          <p:style>
+            <a:lnRef idx="1">
+              <a:schemeClr val="accent1"/>
+            </a:lnRef>
+            <a:fillRef idx="0">
+              <a:schemeClr val="accent1"/>
+            </a:fillRef>
+            <a:effectRef idx="0">
+              <a:schemeClr val="accent1"/>
+            </a:effectRef>
+            <a:fontRef idx="minor">
+              <a:schemeClr val="tx1"/>
+            </a:fontRef>
+          </p:style>
+        </p:cxnSp>
+        <p:cxnSp>
+          <p:nvCxnSpPr>
+            <p:cNvPr id="74" name="直線接點 73"/>
+            <p:cNvCxnSpPr/>
+            <p:nvPr/>
+          </p:nvCxnSpPr>
+          <p:spPr>
+            <a:xfrm flipH="1" flipV="1">
+              <a:off x="4520580" y="3890329"/>
+              <a:ext cx="436752" cy="1233190"/>
+            </a:xfrm>
+            <a:prstGeom prst="line">
+              <a:avLst/>
+            </a:prstGeom>
+            <a:ln w="76200">
+              <a:solidFill>
+                <a:schemeClr val="tx1">
+                  <a:lumMod val="50000"/>
+                  <a:lumOff val="50000"/>
+                </a:schemeClr>
+              </a:solidFill>
+            </a:ln>
+          </p:spPr>
+          <p:style>
+            <a:lnRef idx="1">
+              <a:schemeClr val="accent1"/>
+            </a:lnRef>
+            <a:fillRef idx="0">
+              <a:schemeClr val="accent1"/>
+            </a:fillRef>
+            <a:effectRef idx="0">
+              <a:schemeClr val="accent1"/>
+            </a:effectRef>
+            <a:fontRef idx="minor">
+              <a:schemeClr val="tx1"/>
+            </a:fontRef>
+          </p:style>
+        </p:cxnSp>
+        <p:cxnSp>
+          <p:nvCxnSpPr>
+            <p:cNvPr id="77" name="直線接點 76"/>
+            <p:cNvCxnSpPr/>
+            <p:nvPr/>
+          </p:nvCxnSpPr>
+          <p:spPr>
+            <a:xfrm flipV="1">
+              <a:off x="6288226" y="3890329"/>
+              <a:ext cx="480834" cy="1233190"/>
+            </a:xfrm>
+            <a:prstGeom prst="line">
+              <a:avLst/>
+            </a:prstGeom>
+            <a:ln w="76200">
+              <a:solidFill>
+                <a:schemeClr val="tx1">
+                  <a:lumMod val="50000"/>
+                  <a:lumOff val="50000"/>
+                </a:schemeClr>
+              </a:solidFill>
+            </a:ln>
+          </p:spPr>
+          <p:style>
+            <a:lnRef idx="1">
+              <a:schemeClr val="accent1"/>
+            </a:lnRef>
+            <a:fillRef idx="0">
+              <a:schemeClr val="accent1"/>
+            </a:fillRef>
+            <a:effectRef idx="0">
+              <a:schemeClr val="accent1"/>
+            </a:effectRef>
+            <a:fontRef idx="minor">
+              <a:schemeClr val="tx1"/>
+            </a:fontRef>
+          </p:style>
+        </p:cxnSp>
+        <p:cxnSp>
+          <p:nvCxnSpPr>
+            <p:cNvPr id="80" name="直線接點 79"/>
+            <p:cNvCxnSpPr/>
+            <p:nvPr/>
+          </p:nvCxnSpPr>
+          <p:spPr>
+            <a:xfrm flipH="1">
+              <a:off x="4957332" y="5123519"/>
+              <a:ext cx="1330894" cy="0"/>
+            </a:xfrm>
+            <a:prstGeom prst="line">
+              <a:avLst/>
+            </a:prstGeom>
+            <a:ln w="76200">
+              <a:solidFill>
+                <a:schemeClr val="tx1">
+                  <a:lumMod val="50000"/>
+                  <a:lumOff val="50000"/>
+                </a:schemeClr>
+              </a:solidFill>
+            </a:ln>
+          </p:spPr>
+          <p:style>
+            <a:lnRef idx="1">
+              <a:schemeClr val="accent1"/>
+            </a:lnRef>
+            <a:fillRef idx="0">
+              <a:schemeClr val="accent1"/>
+            </a:fillRef>
+            <a:effectRef idx="0">
+              <a:schemeClr val="accent1"/>
+            </a:effectRef>
+            <a:fontRef idx="minor">
+              <a:schemeClr val="tx1"/>
+            </a:fontRef>
+          </p:style>
+        </p:cxnSp>
+        <p:cxnSp>
+          <p:nvCxnSpPr>
+            <p:cNvPr id="83" name="直線接點 82"/>
+            <p:cNvCxnSpPr/>
+            <p:nvPr/>
+          </p:nvCxnSpPr>
+          <p:spPr>
+            <a:xfrm flipH="1" flipV="1">
+              <a:off x="5559634" y="3038602"/>
+              <a:ext cx="1209426" cy="858572"/>
+            </a:xfrm>
+            <a:prstGeom prst="line">
+              <a:avLst/>
+            </a:prstGeom>
+            <a:ln w="76200">
+              <a:solidFill>
+                <a:schemeClr val="tx1">
+                  <a:lumMod val="50000"/>
+                  <a:lumOff val="50000"/>
+                </a:schemeClr>
+              </a:solidFill>
+            </a:ln>
+          </p:spPr>
+          <p:style>
+            <a:lnRef idx="1">
+              <a:schemeClr val="accent1"/>
+            </a:lnRef>
+            <a:fillRef idx="0">
+              <a:schemeClr val="accent1"/>
+            </a:fillRef>
+            <a:effectRef idx="0">
+              <a:schemeClr val="accent1"/>
+            </a:effectRef>
+            <a:fontRef idx="minor">
+              <a:schemeClr val="tx1"/>
+            </a:fontRef>
+          </p:style>
+        </p:cxnSp>
+        <p:cxnSp>
+          <p:nvCxnSpPr>
+            <p:cNvPr id="86" name="直線接點 85"/>
+            <p:cNvCxnSpPr/>
+            <p:nvPr/>
+          </p:nvCxnSpPr>
+          <p:spPr>
+            <a:xfrm flipH="1" flipV="1">
+              <a:off x="5559634" y="3038601"/>
+              <a:ext cx="728592" cy="2084918"/>
+            </a:xfrm>
+            <a:prstGeom prst="line">
+              <a:avLst/>
+            </a:prstGeom>
+            <a:ln w="76200">
+              <a:solidFill>
+                <a:schemeClr val="tx1">
+                  <a:lumMod val="50000"/>
+                  <a:lumOff val="50000"/>
+                </a:schemeClr>
+              </a:solidFill>
+            </a:ln>
+          </p:spPr>
+          <p:style>
+            <a:lnRef idx="1">
+              <a:schemeClr val="accent1"/>
+            </a:lnRef>
+            <a:fillRef idx="0">
+              <a:schemeClr val="accent1"/>
+            </a:fillRef>
+            <a:effectRef idx="0">
+              <a:schemeClr val="accent1"/>
+            </a:effectRef>
+            <a:fontRef idx="minor">
+              <a:schemeClr val="tx1"/>
+            </a:fontRef>
+          </p:style>
+        </p:cxnSp>
+        <p:sp>
+          <p:nvSpPr>
+            <p:cNvPr id="6" name="橢圓 5"/>
+            <p:cNvSpPr/>
+            <p:nvPr/>
+          </p:nvSpPr>
+          <p:spPr>
+            <a:xfrm>
+              <a:off x="5242489" y="749311"/>
+              <a:ext cx="546671" cy="535100"/>
+            </a:xfrm>
+            <a:prstGeom prst="ellipse">
+              <a:avLst/>
+            </a:prstGeom>
+            <a:solidFill>
+              <a:schemeClr val="tx1">
+                <a:lumMod val="75000"/>
+                <a:lumOff val="25000"/>
+              </a:schemeClr>
+            </a:solidFill>
+            <a:ln>
+              <a:noFill/>
+            </a:ln>
+            <a:effectLst/>
+          </p:spPr>
+          <p:style>
+            <a:lnRef idx="2">
+              <a:schemeClr val="accent1">
+                <a:shade val="50000"/>
+              </a:schemeClr>
+            </a:lnRef>
+            <a:fillRef idx="1">
+              <a:schemeClr val="accent1"/>
+            </a:fillRef>
+            <a:effectRef idx="0">
+              <a:schemeClr val="accent1"/>
+            </a:effectRef>
+            <a:fontRef idx="minor">
+              <a:schemeClr val="lt1"/>
+            </a:fontRef>
+          </p:style>
+          <p:txBody>
+            <a:bodyPr rtlCol="0" anchor="ctr"/>
+            <a:lstStyle/>
+            <a:p>
+              <a:pPr algn="ctr"/>
+              <a:r>
+                <a:rPr lang="en-US" altLang="zh-TW" sz="2400" dirty="0" smtClean="0">
+                  <a:latin typeface="Menlo" panose="020B0609030804020204" pitchFamily="49" charset="0"/>
+                  <a:cs typeface="Menlo" panose="020B0609030804020204" pitchFamily="49" charset="0"/>
+                </a:rPr>
+                <a:t>0</a:t>
+              </a:r>
+              <a:endParaRPr lang="zh-TW" altLang="en-US" sz="2400" dirty="0">
+                <a:latin typeface="Menlo" panose="020B0609030804020204" pitchFamily="49" charset="0"/>
+                <a:cs typeface="Menlo" panose="020B0609030804020204" pitchFamily="49" charset="0"/>
+              </a:endParaRPr>
+            </a:p>
+          </p:txBody>
+        </p:sp>
+        <p:sp>
+          <p:nvSpPr>
+            <p:cNvPr id="10" name="橢圓 9"/>
+            <p:cNvSpPr/>
+            <p:nvPr/>
+          </p:nvSpPr>
+          <p:spPr>
+            <a:xfrm>
+              <a:off x="4389696" y="1638083"/>
+              <a:ext cx="546671" cy="535100"/>
+            </a:xfrm>
+            <a:prstGeom prst="ellipse">
+              <a:avLst/>
+            </a:prstGeom>
+            <a:solidFill>
+              <a:schemeClr val="tx1">
+                <a:lumMod val="75000"/>
+                <a:lumOff val="25000"/>
+              </a:schemeClr>
+            </a:solidFill>
+            <a:ln>
+              <a:noFill/>
+            </a:ln>
+            <a:effectLst/>
+          </p:spPr>
+          <p:style>
+            <a:lnRef idx="2">
+              <a:schemeClr val="accent1">
+                <a:shade val="50000"/>
+              </a:schemeClr>
+            </a:lnRef>
+            <a:fillRef idx="1">
+              <a:schemeClr val="accent1"/>
+            </a:fillRef>
+            <a:effectRef idx="0">
+              <a:schemeClr val="accent1"/>
+            </a:effectRef>
+            <a:fontRef idx="minor">
+              <a:schemeClr val="lt1"/>
+            </a:fontRef>
+          </p:style>
+          <p:txBody>
+            <a:bodyPr rtlCol="0" anchor="ctr"/>
+            <a:lstStyle/>
+            <a:p>
+              <a:pPr algn="ctr"/>
+              <a:r>
+                <a:rPr lang="en-US" altLang="zh-TW" sz="2400" dirty="0" smtClean="0">
+                  <a:latin typeface="Menlo" panose="020B0609030804020204" pitchFamily="49" charset="0"/>
+                  <a:cs typeface="Menlo" panose="020B0609030804020204" pitchFamily="49" charset="0"/>
+                </a:rPr>
+                <a:t>1</a:t>
+              </a:r>
+              <a:endParaRPr lang="zh-TW" altLang="en-US" sz="2400" dirty="0">
+                <a:latin typeface="Menlo" panose="020B0609030804020204" pitchFamily="49" charset="0"/>
+                <a:cs typeface="Menlo" panose="020B0609030804020204" pitchFamily="49" charset="0"/>
+              </a:endParaRPr>
+            </a:p>
+          </p:txBody>
+        </p:sp>
+        <p:sp>
+          <p:nvSpPr>
+            <p:cNvPr id="14" name="橢圓 13"/>
+            <p:cNvSpPr/>
+            <p:nvPr/>
+          </p:nvSpPr>
+          <p:spPr>
+            <a:xfrm>
+              <a:off x="6106305" y="1638083"/>
+              <a:ext cx="546671" cy="535100"/>
+            </a:xfrm>
+            <a:prstGeom prst="ellipse">
+              <a:avLst/>
+            </a:prstGeom>
+            <a:solidFill>
+              <a:schemeClr val="tx1">
+                <a:lumMod val="75000"/>
+                <a:lumOff val="25000"/>
+              </a:schemeClr>
+            </a:solidFill>
+            <a:ln>
+              <a:noFill/>
+            </a:ln>
+            <a:effectLst/>
+          </p:spPr>
+          <p:style>
+            <a:lnRef idx="2">
+              <a:schemeClr val="accent1">
+                <a:shade val="50000"/>
+              </a:schemeClr>
+            </a:lnRef>
+            <a:fillRef idx="1">
+              <a:schemeClr val="accent1"/>
+            </a:fillRef>
+            <a:effectRef idx="0">
+              <a:schemeClr val="accent1"/>
+            </a:effectRef>
+            <a:fontRef idx="minor">
+              <a:schemeClr val="lt1"/>
+            </a:fontRef>
+          </p:style>
+          <p:txBody>
+            <a:bodyPr rtlCol="0" anchor="ctr"/>
+            <a:lstStyle/>
+            <a:p>
+              <a:pPr algn="ctr"/>
+              <a:r>
+                <a:rPr lang="en-US" altLang="zh-TW" sz="2400" dirty="0" smtClean="0">
+                  <a:latin typeface="Menlo" panose="020B0609030804020204" pitchFamily="49" charset="0"/>
+                  <a:cs typeface="Menlo" panose="020B0609030804020204" pitchFamily="49" charset="0"/>
+                </a:rPr>
+                <a:t>2</a:t>
+              </a:r>
+              <a:endParaRPr lang="zh-TW" altLang="en-US" sz="2400" dirty="0">
+                <a:latin typeface="Menlo" panose="020B0609030804020204" pitchFamily="49" charset="0"/>
+                <a:cs typeface="Menlo" panose="020B0609030804020204" pitchFamily="49" charset="0"/>
+              </a:endParaRPr>
+            </a:p>
+          </p:txBody>
+        </p:sp>
+        <p:sp>
+          <p:nvSpPr>
+            <p:cNvPr id="15" name="橢圓 14"/>
+            <p:cNvSpPr/>
+            <p:nvPr/>
+          </p:nvSpPr>
+          <p:spPr>
+            <a:xfrm>
+              <a:off x="3625137" y="2496656"/>
+              <a:ext cx="546671" cy="535100"/>
+            </a:xfrm>
+            <a:prstGeom prst="ellipse">
+              <a:avLst/>
+            </a:prstGeom>
+            <a:solidFill>
+              <a:schemeClr val="tx1">
+                <a:lumMod val="75000"/>
+                <a:lumOff val="25000"/>
+              </a:schemeClr>
+            </a:solidFill>
+            <a:ln>
+              <a:noFill/>
+            </a:ln>
+            <a:effectLst/>
+          </p:spPr>
+          <p:style>
+            <a:lnRef idx="2">
+              <a:schemeClr val="accent1">
+                <a:shade val="50000"/>
+              </a:schemeClr>
+            </a:lnRef>
+            <a:fillRef idx="1">
+              <a:schemeClr val="accent1"/>
+            </a:fillRef>
+            <a:effectRef idx="0">
+              <a:schemeClr val="accent1"/>
+            </a:effectRef>
+            <a:fontRef idx="minor">
+              <a:schemeClr val="lt1"/>
+            </a:fontRef>
+          </p:style>
+          <p:txBody>
+            <a:bodyPr rtlCol="0" anchor="ctr"/>
+            <a:lstStyle/>
+            <a:p>
+              <a:pPr algn="ctr"/>
+              <a:r>
+                <a:rPr lang="en-US" altLang="zh-TW" sz="2400" dirty="0">
+                  <a:latin typeface="Menlo" panose="020B0609030804020204" pitchFamily="49" charset="0"/>
+                  <a:cs typeface="Menlo" panose="020B0609030804020204" pitchFamily="49" charset="0"/>
+                </a:rPr>
+                <a:t>9</a:t>
+              </a:r>
+              <a:endParaRPr lang="zh-TW" altLang="en-US" sz="2400" dirty="0">
+                <a:latin typeface="Menlo" panose="020B0609030804020204" pitchFamily="49" charset="0"/>
+                <a:cs typeface="Menlo" panose="020B0609030804020204" pitchFamily="49" charset="0"/>
+              </a:endParaRPr>
+            </a:p>
+          </p:txBody>
+        </p:sp>
+        <p:sp>
+          <p:nvSpPr>
+            <p:cNvPr id="16" name="橢圓 15"/>
+            <p:cNvSpPr/>
+            <p:nvPr/>
+          </p:nvSpPr>
+          <p:spPr>
+            <a:xfrm>
+              <a:off x="5297172" y="2764206"/>
+              <a:ext cx="546671" cy="535100"/>
+            </a:xfrm>
+            <a:prstGeom prst="ellipse">
+              <a:avLst/>
+            </a:prstGeom>
+            <a:solidFill>
+              <a:schemeClr val="tx1">
+                <a:lumMod val="75000"/>
+                <a:lumOff val="25000"/>
+              </a:schemeClr>
+            </a:solidFill>
+            <a:ln>
+              <a:noFill/>
+            </a:ln>
+            <a:effectLst/>
+          </p:spPr>
+          <p:style>
+            <a:lnRef idx="2">
+              <a:schemeClr val="accent1">
+                <a:shade val="50000"/>
+              </a:schemeClr>
+            </a:lnRef>
+            <a:fillRef idx="1">
+              <a:schemeClr val="accent1"/>
+            </a:fillRef>
+            <a:effectRef idx="0">
+              <a:schemeClr val="accent1"/>
+            </a:effectRef>
+            <a:fontRef idx="minor">
+              <a:schemeClr val="lt1"/>
+            </a:fontRef>
+          </p:style>
+          <p:txBody>
+            <a:bodyPr rtlCol="0" anchor="ctr"/>
+            <a:lstStyle/>
+            <a:p>
+              <a:pPr algn="ctr"/>
+              <a:r>
+                <a:rPr lang="en-US" altLang="zh-TW" sz="2400" dirty="0" smtClean="0">
+                  <a:latin typeface="Menlo" panose="020B0609030804020204" pitchFamily="49" charset="0"/>
+                  <a:cs typeface="Menlo" panose="020B0609030804020204" pitchFamily="49" charset="0"/>
+                </a:rPr>
+                <a:t>4</a:t>
+              </a:r>
+              <a:endParaRPr lang="zh-TW" altLang="en-US" sz="2400" dirty="0">
+                <a:latin typeface="Menlo" panose="020B0609030804020204" pitchFamily="49" charset="0"/>
+                <a:cs typeface="Menlo" panose="020B0609030804020204" pitchFamily="49" charset="0"/>
+              </a:endParaRPr>
+            </a:p>
+          </p:txBody>
+        </p:sp>
+        <p:sp>
+          <p:nvSpPr>
+            <p:cNvPr id="17" name="橢圓 16"/>
+            <p:cNvSpPr/>
+            <p:nvPr/>
+          </p:nvSpPr>
+          <p:spPr>
+            <a:xfrm>
+              <a:off x="6495725" y="3629624"/>
+              <a:ext cx="546671" cy="535100"/>
+            </a:xfrm>
+            <a:prstGeom prst="ellipse">
+              <a:avLst/>
+            </a:prstGeom>
+            <a:solidFill>
+              <a:schemeClr val="tx1">
+                <a:lumMod val="75000"/>
+                <a:lumOff val="25000"/>
+              </a:schemeClr>
+            </a:solidFill>
+            <a:ln>
+              <a:noFill/>
+            </a:ln>
+            <a:effectLst/>
+          </p:spPr>
+          <p:style>
+            <a:lnRef idx="2">
+              <a:schemeClr val="accent1">
+                <a:shade val="50000"/>
+              </a:schemeClr>
+            </a:lnRef>
+            <a:fillRef idx="1">
+              <a:schemeClr val="accent1"/>
+            </a:fillRef>
+            <a:effectRef idx="0">
+              <a:schemeClr val="accent1"/>
+            </a:effectRef>
+            <a:fontRef idx="minor">
+              <a:schemeClr val="lt1"/>
+            </a:fontRef>
+          </p:style>
+          <p:txBody>
+            <a:bodyPr rtlCol="0" anchor="ctr"/>
+            <a:lstStyle/>
+            <a:p>
+              <a:pPr algn="ctr"/>
+              <a:r>
+                <a:rPr lang="en-US" altLang="zh-TW" sz="2400" dirty="0" smtClean="0">
+                  <a:latin typeface="Menlo" panose="020B0609030804020204" pitchFamily="49" charset="0"/>
+                  <a:cs typeface="Menlo" panose="020B0609030804020204" pitchFamily="49" charset="0"/>
+                </a:rPr>
+                <a:t>6</a:t>
+              </a:r>
+              <a:endParaRPr lang="zh-TW" altLang="en-US" sz="2400" dirty="0">
+                <a:latin typeface="Menlo" panose="020B0609030804020204" pitchFamily="49" charset="0"/>
+                <a:cs typeface="Menlo" panose="020B0609030804020204" pitchFamily="49" charset="0"/>
+              </a:endParaRPr>
+            </a:p>
+          </p:txBody>
+        </p:sp>
+        <p:sp>
+          <p:nvSpPr>
+            <p:cNvPr id="18" name="橢圓 17"/>
+            <p:cNvSpPr/>
+            <p:nvPr/>
+          </p:nvSpPr>
+          <p:spPr>
+            <a:xfrm>
+              <a:off x="6014891" y="4855969"/>
+              <a:ext cx="546671" cy="535100"/>
+            </a:xfrm>
+            <a:prstGeom prst="ellipse">
+              <a:avLst/>
+            </a:prstGeom>
+            <a:solidFill>
+              <a:schemeClr val="tx1">
+                <a:lumMod val="75000"/>
+                <a:lumOff val="25000"/>
+              </a:schemeClr>
+            </a:solidFill>
+            <a:ln>
+              <a:noFill/>
+            </a:ln>
+            <a:effectLst/>
+          </p:spPr>
+          <p:style>
+            <a:lnRef idx="2">
+              <a:schemeClr val="accent1">
+                <a:shade val="50000"/>
+              </a:schemeClr>
+            </a:lnRef>
+            <a:fillRef idx="1">
+              <a:schemeClr val="accent1"/>
+            </a:fillRef>
+            <a:effectRef idx="0">
+              <a:schemeClr val="accent1"/>
+            </a:effectRef>
+            <a:fontRef idx="minor">
+              <a:schemeClr val="lt1"/>
+            </a:fontRef>
+          </p:style>
+          <p:txBody>
+            <a:bodyPr rtlCol="0" anchor="ctr"/>
+            <a:lstStyle/>
+            <a:p>
+              <a:pPr algn="ctr"/>
+              <a:r>
+                <a:rPr lang="en-US" altLang="zh-TW" sz="2400" dirty="0" smtClean="0">
+                  <a:latin typeface="Menlo" panose="020B0609030804020204" pitchFamily="49" charset="0"/>
+                  <a:cs typeface="Menlo" panose="020B0609030804020204" pitchFamily="49" charset="0"/>
+                </a:rPr>
+                <a:t>5</a:t>
+              </a:r>
+              <a:endParaRPr lang="zh-TW" altLang="en-US" sz="2400" dirty="0">
+                <a:latin typeface="Menlo" panose="020B0609030804020204" pitchFamily="49" charset="0"/>
+                <a:cs typeface="Menlo" panose="020B0609030804020204" pitchFamily="49" charset="0"/>
+              </a:endParaRPr>
+            </a:p>
+          </p:txBody>
+        </p:sp>
+        <p:sp>
+          <p:nvSpPr>
+            <p:cNvPr id="19" name="橢圓 18"/>
+            <p:cNvSpPr/>
+            <p:nvPr/>
+          </p:nvSpPr>
+          <p:spPr>
+            <a:xfrm>
+              <a:off x="4683997" y="4855969"/>
+              <a:ext cx="546671" cy="535100"/>
+            </a:xfrm>
+            <a:prstGeom prst="ellipse">
+              <a:avLst/>
+            </a:prstGeom>
+            <a:solidFill>
+              <a:schemeClr val="tx1">
+                <a:lumMod val="75000"/>
+                <a:lumOff val="25000"/>
+              </a:schemeClr>
+            </a:solidFill>
+            <a:ln>
+              <a:noFill/>
+            </a:ln>
+            <a:effectLst/>
+          </p:spPr>
+          <p:style>
+            <a:lnRef idx="2">
+              <a:schemeClr val="accent1">
+                <a:shade val="50000"/>
+              </a:schemeClr>
+            </a:lnRef>
+            <a:fillRef idx="1">
+              <a:schemeClr val="accent1"/>
+            </a:fillRef>
+            <a:effectRef idx="0">
+              <a:schemeClr val="accent1"/>
+            </a:effectRef>
+            <a:fontRef idx="minor">
+              <a:schemeClr val="lt1"/>
+            </a:fontRef>
+          </p:style>
+          <p:txBody>
+            <a:bodyPr rtlCol="0" anchor="ctr"/>
+            <a:lstStyle/>
+            <a:p>
+              <a:pPr algn="ctr"/>
+              <a:r>
+                <a:rPr lang="en-US" altLang="zh-TW" sz="2400" dirty="0">
+                  <a:latin typeface="Menlo" panose="020B0609030804020204" pitchFamily="49" charset="0"/>
+                  <a:cs typeface="Menlo" panose="020B0609030804020204" pitchFamily="49" charset="0"/>
+                </a:rPr>
+                <a:t>7</a:t>
+              </a:r>
+              <a:endParaRPr lang="zh-TW" altLang="en-US" sz="2400" dirty="0">
+                <a:latin typeface="Menlo" panose="020B0609030804020204" pitchFamily="49" charset="0"/>
+                <a:cs typeface="Menlo" panose="020B0609030804020204" pitchFamily="49" charset="0"/>
+              </a:endParaRPr>
+            </a:p>
+          </p:txBody>
+        </p:sp>
+        <p:sp>
+          <p:nvSpPr>
+            <p:cNvPr id="20" name="橢圓 19"/>
+            <p:cNvSpPr/>
+            <p:nvPr/>
+          </p:nvSpPr>
+          <p:spPr>
+            <a:xfrm>
+              <a:off x="4250135" y="3629624"/>
+              <a:ext cx="546671" cy="535100"/>
+            </a:xfrm>
+            <a:prstGeom prst="ellipse">
+              <a:avLst/>
+            </a:prstGeom>
+            <a:solidFill>
+              <a:schemeClr val="tx1">
+                <a:lumMod val="75000"/>
+                <a:lumOff val="25000"/>
+              </a:schemeClr>
+            </a:solidFill>
+            <a:ln>
+              <a:noFill/>
+            </a:ln>
+            <a:effectLst/>
+          </p:spPr>
+          <p:style>
+            <a:lnRef idx="2">
+              <a:schemeClr val="accent1">
+                <a:shade val="50000"/>
+              </a:schemeClr>
+            </a:lnRef>
+            <a:fillRef idx="1">
+              <a:schemeClr val="accent1"/>
+            </a:fillRef>
+            <a:effectRef idx="0">
+              <a:schemeClr val="accent1"/>
+            </a:effectRef>
+            <a:fontRef idx="minor">
+              <a:schemeClr val="lt1"/>
+            </a:fontRef>
+          </p:style>
+          <p:txBody>
+            <a:bodyPr rtlCol="0" anchor="ctr"/>
+            <a:lstStyle/>
+            <a:p>
+              <a:pPr algn="ctr"/>
+              <a:r>
+                <a:rPr lang="en-US" altLang="zh-TW" sz="2400" dirty="0" smtClean="0">
+                  <a:latin typeface="Menlo" panose="020B0609030804020204" pitchFamily="49" charset="0"/>
+                  <a:cs typeface="Menlo" panose="020B0609030804020204" pitchFamily="49" charset="0"/>
+                </a:rPr>
+                <a:t>8</a:t>
+              </a:r>
+              <a:endParaRPr lang="zh-TW" altLang="en-US" sz="2400" dirty="0">
+                <a:latin typeface="Menlo" panose="020B0609030804020204" pitchFamily="49" charset="0"/>
+                <a:cs typeface="Menlo" panose="020B0609030804020204" pitchFamily="49" charset="0"/>
+              </a:endParaRPr>
+            </a:p>
+          </p:txBody>
+        </p:sp>
+        <p:sp>
+          <p:nvSpPr>
+            <p:cNvPr id="22" name="橢圓 21"/>
+            <p:cNvSpPr/>
+            <p:nvPr/>
+          </p:nvSpPr>
+          <p:spPr>
+            <a:xfrm>
+              <a:off x="6969208" y="2446091"/>
+              <a:ext cx="546671" cy="535100"/>
+            </a:xfrm>
+            <a:prstGeom prst="ellipse">
+              <a:avLst/>
+            </a:prstGeom>
+            <a:solidFill>
+              <a:schemeClr val="tx1">
+                <a:lumMod val="75000"/>
+                <a:lumOff val="25000"/>
+              </a:schemeClr>
+            </a:solidFill>
+            <a:ln>
+              <a:noFill/>
+            </a:ln>
+            <a:effectLst/>
+          </p:spPr>
+          <p:style>
+            <a:lnRef idx="2">
+              <a:schemeClr val="accent1">
+                <a:shade val="50000"/>
+              </a:schemeClr>
+            </a:lnRef>
+            <a:fillRef idx="1">
+              <a:schemeClr val="accent1"/>
+            </a:fillRef>
+            <a:effectRef idx="0">
+              <a:schemeClr val="accent1"/>
+            </a:effectRef>
+            <a:fontRef idx="minor">
+              <a:schemeClr val="lt1"/>
+            </a:fontRef>
+          </p:style>
+          <p:txBody>
+            <a:bodyPr rtlCol="0" anchor="ctr"/>
+            <a:lstStyle/>
+            <a:p>
+              <a:pPr algn="ctr"/>
+              <a:r>
+                <a:rPr lang="en-US" altLang="zh-TW" sz="2400" dirty="0" smtClean="0">
+                  <a:latin typeface="Menlo" panose="020B0609030804020204" pitchFamily="49" charset="0"/>
+                  <a:cs typeface="Menlo" panose="020B0609030804020204" pitchFamily="49" charset="0"/>
+                </a:rPr>
+                <a:t>3</a:t>
+              </a:r>
+              <a:endParaRPr lang="zh-TW" altLang="en-US" sz="2400" dirty="0">
+                <a:latin typeface="Menlo" panose="020B0609030804020204" pitchFamily="49" charset="0"/>
+                <a:cs typeface="Menlo" panose="020B0609030804020204" pitchFamily="49" charset="0"/>
+              </a:endParaRPr>
+            </a:p>
+          </p:txBody>
+        </p:sp>
+      </p:grpSp>
+      <p:grpSp>
+        <p:nvGrpSpPr>
+          <p:cNvPr id="115" name="群組 114"/>
+          <p:cNvGrpSpPr/>
+          <p:nvPr/>
+        </p:nvGrpSpPr>
+        <p:grpSpPr>
+          <a:xfrm>
+            <a:off x="6711444" y="921181"/>
+            <a:ext cx="3712879" cy="5046751"/>
+            <a:chOff x="6840746" y="528480"/>
+            <a:chExt cx="3712879" cy="5046751"/>
+          </a:xfrm>
+        </p:grpSpPr>
+        <p:sp>
+          <p:nvSpPr>
+            <p:cNvPr id="116" name="弧形 115"/>
+            <p:cNvSpPr/>
+            <p:nvPr/>
+          </p:nvSpPr>
+          <p:spPr>
+            <a:xfrm rot="21390419">
+              <a:off x="8370202" y="2430663"/>
+              <a:ext cx="2183423" cy="2895653"/>
+            </a:xfrm>
+            <a:prstGeom prst="arc">
+              <a:avLst>
+                <a:gd name="adj1" fmla="val 15237009"/>
+                <a:gd name="adj2" fmla="val 5394745"/>
+              </a:avLst>
+            </a:prstGeom>
+            <a:ln w="76200">
+              <a:solidFill>
+                <a:srgbClr val="C00000"/>
+              </a:solidFill>
+            </a:ln>
+          </p:spPr>
+          <p:style>
+            <a:lnRef idx="1">
+              <a:schemeClr val="accent1"/>
+            </a:lnRef>
+            <a:fillRef idx="0">
+              <a:schemeClr val="accent1"/>
+            </a:fillRef>
+            <a:effectRef idx="0">
+              <a:schemeClr val="accent1"/>
+            </a:effectRef>
+            <a:fontRef idx="minor">
+              <a:schemeClr val="tx1"/>
+            </a:fontRef>
+          </p:style>
+          <p:txBody>
+            <a:bodyPr rtlCol="0" anchor="ctr"/>
+            <a:lstStyle/>
+            <a:p>
+              <a:pPr algn="ctr"/>
+              <a:endParaRPr lang="zh-TW" altLang="en-US"/>
+            </a:p>
+          </p:txBody>
+        </p:sp>
+        <p:sp>
+          <p:nvSpPr>
+            <p:cNvPr id="117" name="弧形 116"/>
+            <p:cNvSpPr/>
+            <p:nvPr/>
+          </p:nvSpPr>
+          <p:spPr>
+            <a:xfrm rot="20858719">
+              <a:off x="8472209" y="2572120"/>
+              <a:ext cx="1655086" cy="2047101"/>
+            </a:xfrm>
+            <a:prstGeom prst="arc">
+              <a:avLst>
+                <a:gd name="adj1" fmla="val 16280781"/>
+                <a:gd name="adj2" fmla="val 3690667"/>
+              </a:avLst>
+            </a:prstGeom>
+            <a:ln w="76200">
+              <a:solidFill>
+                <a:srgbClr val="C00000"/>
+              </a:solidFill>
+            </a:ln>
+          </p:spPr>
+          <p:style>
+            <a:lnRef idx="1">
+              <a:schemeClr val="accent1"/>
+            </a:lnRef>
+            <a:fillRef idx="0">
+              <a:schemeClr val="accent1"/>
+            </a:fillRef>
+            <a:effectRef idx="0">
+              <a:schemeClr val="accent1"/>
+            </a:effectRef>
+            <a:fontRef idx="minor">
+              <a:schemeClr val="tx1"/>
+            </a:fontRef>
+          </p:style>
+          <p:txBody>
+            <a:bodyPr rtlCol="0" anchor="ctr"/>
+            <a:lstStyle/>
+            <a:p>
+              <a:pPr algn="ctr"/>
+              <a:endParaRPr lang="zh-TW" altLang="en-US"/>
+            </a:p>
+          </p:txBody>
+        </p:sp>
+        <p:sp>
+          <p:nvSpPr>
+            <p:cNvPr id="118" name="弧形 117"/>
+            <p:cNvSpPr/>
+            <p:nvPr/>
+          </p:nvSpPr>
+          <p:spPr>
+            <a:xfrm flipH="1">
+              <a:off x="6840746" y="796029"/>
+              <a:ext cx="2644771" cy="2662809"/>
+            </a:xfrm>
+            <a:prstGeom prst="arc">
+              <a:avLst>
+                <a:gd name="adj1" fmla="val 16280781"/>
+                <a:gd name="adj2" fmla="val 5328389"/>
+              </a:avLst>
+            </a:prstGeom>
+            <a:ln w="76200">
+              <a:solidFill>
+                <a:srgbClr val="C00000"/>
+              </a:solidFill>
+            </a:ln>
+          </p:spPr>
+          <p:style>
+            <a:lnRef idx="1">
+              <a:schemeClr val="accent1"/>
+            </a:lnRef>
+            <a:fillRef idx="0">
+              <a:schemeClr val="accent1"/>
+            </a:fillRef>
+            <a:effectRef idx="0">
+              <a:schemeClr val="accent1"/>
+            </a:effectRef>
+            <a:fontRef idx="minor">
+              <a:schemeClr val="tx1"/>
+            </a:fontRef>
+          </p:style>
+          <p:txBody>
+            <a:bodyPr rtlCol="0" anchor="ctr"/>
+            <a:lstStyle/>
+            <a:p>
+              <a:pPr algn="ctr"/>
+              <a:endParaRPr lang="zh-TW" altLang="en-US"/>
+            </a:p>
+          </p:txBody>
+        </p:sp>
+        <p:cxnSp>
+          <p:nvCxnSpPr>
+            <p:cNvPr id="119" name="直線接點 118"/>
+            <p:cNvCxnSpPr/>
+            <p:nvPr/>
+          </p:nvCxnSpPr>
+          <p:spPr>
+            <a:xfrm flipH="1">
+              <a:off x="7524975" y="1680025"/>
+              <a:ext cx="694942" cy="880029"/>
+            </a:xfrm>
+            <a:prstGeom prst="line">
+              <a:avLst/>
+            </a:prstGeom>
+            <a:ln w="76200">
+              <a:solidFill>
+                <a:schemeClr val="tx1">
+                  <a:lumMod val="50000"/>
+                  <a:lumOff val="50000"/>
+                </a:schemeClr>
+              </a:solidFill>
+            </a:ln>
+          </p:spPr>
+          <p:style>
+            <a:lnRef idx="1">
+              <a:schemeClr val="accent1"/>
+            </a:lnRef>
+            <a:fillRef idx="0">
+              <a:schemeClr val="accent1"/>
+            </a:fillRef>
+            <a:effectRef idx="0">
+              <a:schemeClr val="accent1"/>
+            </a:effectRef>
+            <a:fontRef idx="minor">
+              <a:schemeClr val="tx1"/>
+            </a:fontRef>
+          </p:style>
+        </p:cxnSp>
+        <p:cxnSp>
+          <p:nvCxnSpPr>
+            <p:cNvPr id="120" name="直線接點 119"/>
+            <p:cNvCxnSpPr/>
+            <p:nvPr/>
+          </p:nvCxnSpPr>
+          <p:spPr>
+            <a:xfrm>
+              <a:off x="8219917" y="1668879"/>
+              <a:ext cx="746145" cy="891175"/>
+            </a:xfrm>
+            <a:prstGeom prst="line">
+              <a:avLst/>
+            </a:prstGeom>
+            <a:ln w="76200">
+              <a:solidFill>
+                <a:schemeClr val="tx1">
+                  <a:lumMod val="50000"/>
+                  <a:lumOff val="50000"/>
+                </a:schemeClr>
+              </a:solidFill>
+            </a:ln>
+          </p:spPr>
+          <p:style>
+            <a:lnRef idx="1">
+              <a:schemeClr val="accent1"/>
+            </a:lnRef>
+            <a:fillRef idx="0">
+              <a:schemeClr val="accent1"/>
+            </a:fillRef>
+            <a:effectRef idx="0">
+              <a:schemeClr val="accent1"/>
+            </a:effectRef>
+            <a:fontRef idx="minor">
+              <a:schemeClr val="tx1"/>
+            </a:fontRef>
+          </p:style>
+        </p:cxnSp>
+        <p:cxnSp>
+          <p:nvCxnSpPr>
+            <p:cNvPr id="121" name="直線接點 120"/>
+            <p:cNvCxnSpPr/>
+            <p:nvPr/>
+          </p:nvCxnSpPr>
+          <p:spPr>
+            <a:xfrm flipV="1">
+              <a:off x="8111427" y="2560054"/>
+              <a:ext cx="854635" cy="872849"/>
+            </a:xfrm>
+            <a:prstGeom prst="line">
+              <a:avLst/>
+            </a:prstGeom>
+            <a:ln w="76200">
+              <a:solidFill>
+                <a:schemeClr val="tx1">
+                  <a:lumMod val="50000"/>
+                  <a:lumOff val="50000"/>
+                </a:schemeClr>
+              </a:solidFill>
+            </a:ln>
+          </p:spPr>
+          <p:style>
+            <a:lnRef idx="1">
+              <a:schemeClr val="accent1"/>
+            </a:lnRef>
+            <a:fillRef idx="0">
+              <a:schemeClr val="accent1"/>
+            </a:fillRef>
+            <a:effectRef idx="0">
+              <a:schemeClr val="accent1"/>
+            </a:effectRef>
+            <a:fontRef idx="minor">
+              <a:schemeClr val="tx1"/>
+            </a:fontRef>
+          </p:style>
+        </p:cxnSp>
+        <p:cxnSp>
+          <p:nvCxnSpPr>
+            <p:cNvPr id="122" name="直線接點 121"/>
+            <p:cNvCxnSpPr/>
+            <p:nvPr/>
+          </p:nvCxnSpPr>
+          <p:spPr>
+            <a:xfrm flipH="1" flipV="1">
+              <a:off x="8966062" y="2560054"/>
+              <a:ext cx="523830" cy="887529"/>
+            </a:xfrm>
+            <a:prstGeom prst="line">
+              <a:avLst/>
+            </a:prstGeom>
+            <a:ln w="76200">
+              <a:solidFill>
+                <a:schemeClr val="tx1">
+                  <a:lumMod val="50000"/>
+                  <a:lumOff val="50000"/>
+                </a:schemeClr>
+              </a:solidFill>
+            </a:ln>
+          </p:spPr>
+          <p:style>
+            <a:lnRef idx="1">
+              <a:schemeClr val="accent1"/>
+            </a:lnRef>
+            <a:fillRef idx="0">
+              <a:schemeClr val="accent1"/>
+            </a:fillRef>
+            <a:effectRef idx="0">
+              <a:schemeClr val="accent1"/>
+            </a:effectRef>
+            <a:fontRef idx="minor">
+              <a:schemeClr val="tx1"/>
+            </a:fontRef>
+          </p:style>
+        </p:cxnSp>
+        <p:cxnSp>
+          <p:nvCxnSpPr>
+            <p:cNvPr id="123" name="直線接點 122"/>
+            <p:cNvCxnSpPr/>
+            <p:nvPr/>
+          </p:nvCxnSpPr>
+          <p:spPr>
+            <a:xfrm flipV="1">
+              <a:off x="7689075" y="3432903"/>
+              <a:ext cx="422351" cy="891175"/>
+            </a:xfrm>
+            <a:prstGeom prst="line">
+              <a:avLst/>
+            </a:prstGeom>
+            <a:ln w="76200">
+              <a:solidFill>
+                <a:schemeClr val="tx1">
+                  <a:lumMod val="50000"/>
+                  <a:lumOff val="50000"/>
+                </a:schemeClr>
+              </a:solidFill>
+            </a:ln>
+          </p:spPr>
+          <p:style>
+            <a:lnRef idx="1">
+              <a:schemeClr val="accent1"/>
+            </a:lnRef>
+            <a:fillRef idx="0">
+              <a:schemeClr val="accent1"/>
+            </a:fillRef>
+            <a:effectRef idx="0">
+              <a:schemeClr val="accent1"/>
+            </a:effectRef>
+            <a:fontRef idx="minor">
+              <a:schemeClr val="tx1"/>
+            </a:fontRef>
+          </p:style>
+        </p:cxnSp>
+        <p:cxnSp>
+          <p:nvCxnSpPr>
+            <p:cNvPr id="124" name="直線接點 123"/>
+            <p:cNvCxnSpPr/>
+            <p:nvPr/>
+          </p:nvCxnSpPr>
+          <p:spPr>
+            <a:xfrm flipV="1">
+              <a:off x="8861237" y="3440083"/>
+              <a:ext cx="628654" cy="883995"/>
+            </a:xfrm>
+            <a:prstGeom prst="line">
+              <a:avLst/>
+            </a:prstGeom>
+            <a:ln w="76200">
+              <a:solidFill>
+                <a:schemeClr val="tx1">
+                  <a:lumMod val="50000"/>
+                  <a:lumOff val="50000"/>
+                </a:schemeClr>
+              </a:solidFill>
+            </a:ln>
+          </p:spPr>
+          <p:style>
+            <a:lnRef idx="1">
+              <a:schemeClr val="accent1"/>
+            </a:lnRef>
+            <a:fillRef idx="0">
+              <a:schemeClr val="accent1"/>
+            </a:fillRef>
+            <a:effectRef idx="0">
+              <a:schemeClr val="accent1"/>
+            </a:effectRef>
+            <a:fontRef idx="minor">
+              <a:schemeClr val="tx1"/>
+            </a:fontRef>
+          </p:style>
+        </p:cxnSp>
+        <p:cxnSp>
+          <p:nvCxnSpPr>
+            <p:cNvPr id="125" name="直線接點 124"/>
+            <p:cNvCxnSpPr/>
+            <p:nvPr/>
+          </p:nvCxnSpPr>
+          <p:spPr>
+            <a:xfrm flipH="1" flipV="1">
+              <a:off x="9489891" y="3440083"/>
+              <a:ext cx="410602" cy="883995"/>
+            </a:xfrm>
+            <a:prstGeom prst="line">
+              <a:avLst/>
+            </a:prstGeom>
+            <a:ln w="76200">
+              <a:solidFill>
+                <a:schemeClr val="tx1">
+                  <a:lumMod val="50000"/>
+                  <a:lumOff val="50000"/>
+                </a:schemeClr>
+              </a:solidFill>
+            </a:ln>
+          </p:spPr>
+          <p:style>
+            <a:lnRef idx="1">
+              <a:schemeClr val="accent1"/>
+            </a:lnRef>
+            <a:fillRef idx="0">
+              <a:schemeClr val="accent1"/>
+            </a:fillRef>
+            <a:effectRef idx="0">
+              <a:schemeClr val="accent1"/>
+            </a:effectRef>
+            <a:fontRef idx="minor">
+              <a:schemeClr val="tx1"/>
+            </a:fontRef>
+          </p:style>
+        </p:cxnSp>
+        <p:cxnSp>
+          <p:nvCxnSpPr>
+            <p:cNvPr id="126" name="直線接點 125"/>
+            <p:cNvCxnSpPr/>
+            <p:nvPr/>
+          </p:nvCxnSpPr>
+          <p:spPr>
+            <a:xfrm flipH="1">
+              <a:off x="9353223" y="4331258"/>
+              <a:ext cx="547270" cy="976423"/>
+            </a:xfrm>
+            <a:prstGeom prst="line">
+              <a:avLst/>
+            </a:prstGeom>
+            <a:ln w="76200">
+              <a:solidFill>
+                <a:schemeClr val="tx1">
+                  <a:lumMod val="50000"/>
+                  <a:lumOff val="50000"/>
+                </a:schemeClr>
+              </a:solidFill>
+            </a:ln>
+          </p:spPr>
+          <p:style>
+            <a:lnRef idx="1">
+              <a:schemeClr val="accent1"/>
+            </a:lnRef>
+            <a:fillRef idx="0">
+              <a:schemeClr val="accent1"/>
+            </a:fillRef>
+            <a:effectRef idx="0">
+              <a:schemeClr val="accent1"/>
+            </a:effectRef>
+            <a:fontRef idx="minor">
+              <a:schemeClr val="tx1"/>
+            </a:fontRef>
+          </p:style>
+        </p:cxnSp>
+        <p:cxnSp>
+          <p:nvCxnSpPr>
+            <p:cNvPr id="127" name="直線接點 126"/>
+            <p:cNvCxnSpPr/>
+            <p:nvPr/>
+          </p:nvCxnSpPr>
+          <p:spPr>
+            <a:xfrm>
+              <a:off x="8219916" y="796030"/>
+              <a:ext cx="0" cy="883995"/>
+            </a:xfrm>
+            <a:prstGeom prst="line">
+              <a:avLst/>
+            </a:prstGeom>
+            <a:ln w="76200">
+              <a:solidFill>
+                <a:schemeClr val="tx1">
+                  <a:lumMod val="50000"/>
+                  <a:lumOff val="50000"/>
+                </a:schemeClr>
+              </a:solidFill>
+            </a:ln>
+          </p:spPr>
+          <p:style>
+            <a:lnRef idx="1">
+              <a:schemeClr val="accent1"/>
+            </a:lnRef>
+            <a:fillRef idx="0">
+              <a:schemeClr val="accent1"/>
+            </a:fillRef>
+            <a:effectRef idx="0">
+              <a:schemeClr val="accent1"/>
+            </a:effectRef>
+            <a:fontRef idx="minor">
+              <a:schemeClr val="tx1"/>
+            </a:fontRef>
+          </p:style>
+        </p:cxnSp>
+        <p:sp>
+          <p:nvSpPr>
+            <p:cNvPr id="128" name="橢圓 127"/>
+            <p:cNvSpPr/>
+            <p:nvPr/>
+          </p:nvSpPr>
+          <p:spPr>
+            <a:xfrm>
+              <a:off x="7946581" y="528480"/>
+              <a:ext cx="546671" cy="535100"/>
+            </a:xfrm>
+            <a:prstGeom prst="ellipse">
+              <a:avLst/>
+            </a:prstGeom>
+            <a:solidFill>
+              <a:schemeClr val="tx1">
+                <a:lumMod val="75000"/>
+                <a:lumOff val="25000"/>
+              </a:schemeClr>
+            </a:solidFill>
+            <a:ln>
+              <a:noFill/>
+            </a:ln>
+            <a:effectLst/>
+          </p:spPr>
+          <p:style>
+            <a:lnRef idx="2">
+              <a:schemeClr val="accent1">
+                <a:shade val="50000"/>
+              </a:schemeClr>
+            </a:lnRef>
+            <a:fillRef idx="1">
+              <a:schemeClr val="accent1"/>
+            </a:fillRef>
+            <a:effectRef idx="0">
+              <a:schemeClr val="accent1"/>
+            </a:effectRef>
+            <a:fontRef idx="minor">
+              <a:schemeClr val="lt1"/>
+            </a:fontRef>
+          </p:style>
+          <p:txBody>
+            <a:bodyPr rtlCol="0" anchor="ctr"/>
+            <a:lstStyle/>
+            <a:p>
+              <a:pPr algn="ctr"/>
+              <a:r>
+                <a:rPr lang="en-US" altLang="zh-TW" sz="2400" dirty="0" smtClean="0">
+                  <a:latin typeface="Menlo" panose="020B0609030804020204" pitchFamily="49" charset="0"/>
+                  <a:cs typeface="Menlo" panose="020B0609030804020204" pitchFamily="49" charset="0"/>
+                </a:rPr>
+                <a:t>0</a:t>
+              </a:r>
+              <a:endParaRPr lang="zh-TW" altLang="en-US" sz="2400" dirty="0">
+                <a:latin typeface="Menlo" panose="020B0609030804020204" pitchFamily="49" charset="0"/>
+                <a:cs typeface="Menlo" panose="020B0609030804020204" pitchFamily="49" charset="0"/>
+              </a:endParaRPr>
+            </a:p>
+          </p:txBody>
+        </p:sp>
+        <p:sp>
+          <p:nvSpPr>
+            <p:cNvPr id="129" name="橢圓 128"/>
+            <p:cNvSpPr/>
+            <p:nvPr/>
+          </p:nvSpPr>
+          <p:spPr>
+            <a:xfrm>
+              <a:off x="7946583" y="1412475"/>
+              <a:ext cx="546671" cy="535100"/>
+            </a:xfrm>
+            <a:prstGeom prst="ellipse">
+              <a:avLst/>
+            </a:prstGeom>
+            <a:solidFill>
+              <a:schemeClr val="tx1">
+                <a:lumMod val="75000"/>
+                <a:lumOff val="25000"/>
+              </a:schemeClr>
+            </a:solidFill>
+            <a:ln>
+              <a:noFill/>
+            </a:ln>
+            <a:effectLst/>
+          </p:spPr>
+          <p:style>
+            <a:lnRef idx="2">
+              <a:schemeClr val="accent1">
+                <a:shade val="50000"/>
+              </a:schemeClr>
+            </a:lnRef>
+            <a:fillRef idx="1">
+              <a:schemeClr val="accent1"/>
+            </a:fillRef>
+            <a:effectRef idx="0">
+              <a:schemeClr val="accent1"/>
+            </a:effectRef>
+            <a:fontRef idx="minor">
+              <a:schemeClr val="lt1"/>
+            </a:fontRef>
+          </p:style>
+          <p:txBody>
+            <a:bodyPr rtlCol="0" anchor="ctr"/>
+            <a:lstStyle/>
+            <a:p>
+              <a:pPr algn="ctr"/>
+              <a:r>
+                <a:rPr lang="en-US" altLang="zh-TW" sz="2400" dirty="0" smtClean="0">
+                  <a:latin typeface="Menlo" panose="020B0609030804020204" pitchFamily="49" charset="0"/>
+                  <a:cs typeface="Menlo" panose="020B0609030804020204" pitchFamily="49" charset="0"/>
+                </a:rPr>
+                <a:t>1</a:t>
+              </a:r>
+              <a:endParaRPr lang="zh-TW" altLang="en-US" sz="2400" dirty="0">
+                <a:latin typeface="Menlo" panose="020B0609030804020204" pitchFamily="49" charset="0"/>
+                <a:cs typeface="Menlo" panose="020B0609030804020204" pitchFamily="49" charset="0"/>
+              </a:endParaRPr>
+            </a:p>
+          </p:txBody>
+        </p:sp>
+        <p:sp>
+          <p:nvSpPr>
+            <p:cNvPr id="130" name="橢圓 129"/>
+            <p:cNvSpPr/>
+            <p:nvPr/>
+          </p:nvSpPr>
+          <p:spPr>
+            <a:xfrm>
+              <a:off x="7251640" y="2298032"/>
+              <a:ext cx="546671" cy="535100"/>
+            </a:xfrm>
+            <a:prstGeom prst="ellipse">
+              <a:avLst/>
+            </a:prstGeom>
+            <a:solidFill>
+              <a:schemeClr val="tx1">
+                <a:lumMod val="75000"/>
+                <a:lumOff val="25000"/>
+              </a:schemeClr>
+            </a:solidFill>
+            <a:ln>
+              <a:noFill/>
+            </a:ln>
+            <a:effectLst/>
+          </p:spPr>
+          <p:style>
+            <a:lnRef idx="2">
+              <a:schemeClr val="accent1">
+                <a:shade val="50000"/>
+              </a:schemeClr>
+            </a:lnRef>
+            <a:fillRef idx="1">
+              <a:schemeClr val="accent1"/>
+            </a:fillRef>
+            <a:effectRef idx="0">
+              <a:schemeClr val="accent1"/>
+            </a:effectRef>
+            <a:fontRef idx="minor">
+              <a:schemeClr val="lt1"/>
+            </a:fontRef>
+          </p:style>
+          <p:txBody>
+            <a:bodyPr rtlCol="0" anchor="ctr"/>
+            <a:lstStyle/>
+            <a:p>
+              <a:pPr algn="ctr"/>
+              <a:r>
+                <a:rPr lang="en-US" altLang="zh-TW" sz="2400" dirty="0">
+                  <a:latin typeface="Menlo" panose="020B0609030804020204" pitchFamily="49" charset="0"/>
+                  <a:cs typeface="Menlo" panose="020B0609030804020204" pitchFamily="49" charset="0"/>
+                </a:rPr>
+                <a:t>9</a:t>
+              </a:r>
+              <a:endParaRPr lang="zh-TW" altLang="en-US" sz="2400" dirty="0">
+                <a:latin typeface="Menlo" panose="020B0609030804020204" pitchFamily="49" charset="0"/>
+                <a:cs typeface="Menlo" panose="020B0609030804020204" pitchFamily="49" charset="0"/>
+              </a:endParaRPr>
+            </a:p>
+          </p:txBody>
+        </p:sp>
+        <p:sp>
+          <p:nvSpPr>
+            <p:cNvPr id="131" name="橢圓 130"/>
+            <p:cNvSpPr/>
+            <p:nvPr/>
+          </p:nvSpPr>
+          <p:spPr>
+            <a:xfrm>
+              <a:off x="8692727" y="2292504"/>
+              <a:ext cx="546671" cy="535100"/>
+            </a:xfrm>
+            <a:prstGeom prst="ellipse">
+              <a:avLst/>
+            </a:prstGeom>
+            <a:solidFill>
+              <a:schemeClr val="tx1">
+                <a:lumMod val="75000"/>
+                <a:lumOff val="25000"/>
+              </a:schemeClr>
+            </a:solidFill>
+            <a:ln>
+              <a:noFill/>
+            </a:ln>
+            <a:effectLst/>
+          </p:spPr>
+          <p:style>
+            <a:lnRef idx="2">
+              <a:schemeClr val="accent1">
+                <a:shade val="50000"/>
+              </a:schemeClr>
+            </a:lnRef>
+            <a:fillRef idx="1">
+              <a:schemeClr val="accent1"/>
+            </a:fillRef>
+            <a:effectRef idx="0">
+              <a:schemeClr val="accent1"/>
+            </a:effectRef>
+            <a:fontRef idx="minor">
+              <a:schemeClr val="lt1"/>
+            </a:fontRef>
+          </p:style>
+          <p:txBody>
+            <a:bodyPr rtlCol="0" anchor="ctr"/>
+            <a:lstStyle/>
+            <a:p>
+              <a:pPr algn="ctr"/>
+              <a:r>
+                <a:rPr lang="en-US" altLang="zh-TW" sz="2400" dirty="0" smtClean="0">
+                  <a:latin typeface="Menlo" panose="020B0609030804020204" pitchFamily="49" charset="0"/>
+                  <a:cs typeface="Menlo" panose="020B0609030804020204" pitchFamily="49" charset="0"/>
+                </a:rPr>
+                <a:t>4</a:t>
+              </a:r>
+              <a:endParaRPr lang="zh-TW" altLang="en-US" sz="2400" dirty="0">
+                <a:latin typeface="Menlo" panose="020B0609030804020204" pitchFamily="49" charset="0"/>
+                <a:cs typeface="Menlo" panose="020B0609030804020204" pitchFamily="49" charset="0"/>
+              </a:endParaRPr>
+            </a:p>
+          </p:txBody>
+        </p:sp>
+        <p:sp>
+          <p:nvSpPr>
+            <p:cNvPr id="132" name="橢圓 131"/>
+            <p:cNvSpPr/>
+            <p:nvPr/>
+          </p:nvSpPr>
+          <p:spPr>
+            <a:xfrm>
+              <a:off x="9631347" y="4061462"/>
+              <a:ext cx="546671" cy="535100"/>
+            </a:xfrm>
+            <a:prstGeom prst="ellipse">
+              <a:avLst/>
+            </a:prstGeom>
+            <a:solidFill>
+              <a:schemeClr val="tx1">
+                <a:lumMod val="75000"/>
+                <a:lumOff val="25000"/>
+              </a:schemeClr>
+            </a:solidFill>
+            <a:ln>
+              <a:noFill/>
+            </a:ln>
+            <a:effectLst/>
+          </p:spPr>
+          <p:style>
+            <a:lnRef idx="2">
+              <a:schemeClr val="accent1">
+                <a:shade val="50000"/>
+              </a:schemeClr>
+            </a:lnRef>
+            <a:fillRef idx="1">
+              <a:schemeClr val="accent1"/>
+            </a:fillRef>
+            <a:effectRef idx="0">
+              <a:schemeClr val="accent1"/>
+            </a:effectRef>
+            <a:fontRef idx="minor">
+              <a:schemeClr val="lt1"/>
+            </a:fontRef>
+          </p:style>
+          <p:txBody>
+            <a:bodyPr rtlCol="0" anchor="ctr"/>
+            <a:lstStyle/>
+            <a:p>
+              <a:pPr algn="ctr"/>
+              <a:r>
+                <a:rPr lang="en-US" altLang="zh-TW" sz="2400" dirty="0" smtClean="0">
+                  <a:latin typeface="Menlo" panose="020B0609030804020204" pitchFamily="49" charset="0"/>
+                  <a:cs typeface="Menlo" panose="020B0609030804020204" pitchFamily="49" charset="0"/>
+                </a:rPr>
+                <a:t>6</a:t>
+              </a:r>
+              <a:endParaRPr lang="zh-TW" altLang="en-US" sz="2400" dirty="0">
+                <a:latin typeface="Menlo" panose="020B0609030804020204" pitchFamily="49" charset="0"/>
+                <a:cs typeface="Menlo" panose="020B0609030804020204" pitchFamily="49" charset="0"/>
+              </a:endParaRPr>
+            </a:p>
+          </p:txBody>
+        </p:sp>
+        <p:sp>
+          <p:nvSpPr>
+            <p:cNvPr id="133" name="橢圓 132"/>
+            <p:cNvSpPr/>
+            <p:nvPr/>
+          </p:nvSpPr>
+          <p:spPr>
+            <a:xfrm>
+              <a:off x="9216557" y="3180033"/>
+              <a:ext cx="546671" cy="535100"/>
+            </a:xfrm>
+            <a:prstGeom prst="ellipse">
+              <a:avLst/>
+            </a:prstGeom>
+            <a:solidFill>
+              <a:schemeClr val="tx1">
+                <a:lumMod val="75000"/>
+                <a:lumOff val="25000"/>
+              </a:schemeClr>
+            </a:solidFill>
+            <a:ln>
+              <a:noFill/>
+            </a:ln>
+            <a:effectLst/>
+          </p:spPr>
+          <p:style>
+            <a:lnRef idx="2">
+              <a:schemeClr val="accent1">
+                <a:shade val="50000"/>
+              </a:schemeClr>
+            </a:lnRef>
+            <a:fillRef idx="1">
+              <a:schemeClr val="accent1"/>
+            </a:fillRef>
+            <a:effectRef idx="0">
+              <a:schemeClr val="accent1"/>
+            </a:effectRef>
+            <a:fontRef idx="minor">
+              <a:schemeClr val="lt1"/>
+            </a:fontRef>
+          </p:style>
+          <p:txBody>
+            <a:bodyPr rtlCol="0" anchor="ctr"/>
+            <a:lstStyle/>
+            <a:p>
+              <a:pPr algn="ctr"/>
+              <a:r>
+                <a:rPr lang="en-US" altLang="zh-TW" sz="2400" dirty="0" smtClean="0">
+                  <a:latin typeface="Menlo" panose="020B0609030804020204" pitchFamily="49" charset="0"/>
+                  <a:cs typeface="Menlo" panose="020B0609030804020204" pitchFamily="49" charset="0"/>
+                </a:rPr>
+                <a:t>5</a:t>
+              </a:r>
+              <a:endParaRPr lang="zh-TW" altLang="en-US" sz="2400" dirty="0">
+                <a:latin typeface="Menlo" panose="020B0609030804020204" pitchFamily="49" charset="0"/>
+                <a:cs typeface="Menlo" panose="020B0609030804020204" pitchFamily="49" charset="0"/>
+              </a:endParaRPr>
+            </a:p>
+          </p:txBody>
+        </p:sp>
+        <p:sp>
+          <p:nvSpPr>
+            <p:cNvPr id="134" name="橢圓 133"/>
+            <p:cNvSpPr/>
+            <p:nvPr/>
+          </p:nvSpPr>
+          <p:spPr>
+            <a:xfrm>
+              <a:off x="8604011" y="4061462"/>
+              <a:ext cx="546671" cy="535100"/>
+            </a:xfrm>
+            <a:prstGeom prst="ellipse">
+              <a:avLst/>
+            </a:prstGeom>
+            <a:solidFill>
+              <a:schemeClr val="tx1">
+                <a:lumMod val="75000"/>
+                <a:lumOff val="25000"/>
+              </a:schemeClr>
+            </a:solidFill>
+            <a:ln>
+              <a:noFill/>
+            </a:ln>
+            <a:effectLst/>
+          </p:spPr>
+          <p:style>
+            <a:lnRef idx="2">
+              <a:schemeClr val="accent1">
+                <a:shade val="50000"/>
+              </a:schemeClr>
+            </a:lnRef>
+            <a:fillRef idx="1">
+              <a:schemeClr val="accent1"/>
+            </a:fillRef>
+            <a:effectRef idx="0">
+              <a:schemeClr val="accent1"/>
+            </a:effectRef>
+            <a:fontRef idx="minor">
+              <a:schemeClr val="lt1"/>
+            </a:fontRef>
+          </p:style>
+          <p:txBody>
+            <a:bodyPr rtlCol="0" anchor="ctr"/>
+            <a:lstStyle/>
+            <a:p>
+              <a:pPr algn="ctr"/>
+              <a:r>
+                <a:rPr lang="en-US" altLang="zh-TW" sz="2400" dirty="0">
+                  <a:latin typeface="Menlo" panose="020B0609030804020204" pitchFamily="49" charset="0"/>
+                  <a:cs typeface="Menlo" panose="020B0609030804020204" pitchFamily="49" charset="0"/>
+                </a:rPr>
+                <a:t>7</a:t>
+              </a:r>
+              <a:endParaRPr lang="zh-TW" altLang="en-US" sz="2400" dirty="0">
+                <a:latin typeface="Menlo" panose="020B0609030804020204" pitchFamily="49" charset="0"/>
+                <a:cs typeface="Menlo" panose="020B0609030804020204" pitchFamily="49" charset="0"/>
+              </a:endParaRPr>
+            </a:p>
+          </p:txBody>
+        </p:sp>
+        <p:sp>
+          <p:nvSpPr>
+            <p:cNvPr id="135" name="橢圓 134"/>
+            <p:cNvSpPr/>
+            <p:nvPr/>
+          </p:nvSpPr>
+          <p:spPr>
+            <a:xfrm>
+              <a:off x="9084676" y="5040131"/>
+              <a:ext cx="546671" cy="535100"/>
+            </a:xfrm>
+            <a:prstGeom prst="ellipse">
+              <a:avLst/>
+            </a:prstGeom>
+            <a:solidFill>
+              <a:schemeClr val="tx1">
+                <a:lumMod val="75000"/>
+                <a:lumOff val="25000"/>
+              </a:schemeClr>
+            </a:solidFill>
+            <a:ln>
+              <a:noFill/>
+            </a:ln>
+            <a:effectLst/>
+          </p:spPr>
+          <p:style>
+            <a:lnRef idx="2">
+              <a:schemeClr val="accent1">
+                <a:shade val="50000"/>
+              </a:schemeClr>
+            </a:lnRef>
+            <a:fillRef idx="1">
+              <a:schemeClr val="accent1"/>
+            </a:fillRef>
+            <a:effectRef idx="0">
+              <a:schemeClr val="accent1"/>
+            </a:effectRef>
+            <a:fontRef idx="minor">
+              <a:schemeClr val="lt1"/>
+            </a:fontRef>
+          </p:style>
+          <p:txBody>
+            <a:bodyPr rtlCol="0" anchor="ctr"/>
+            <a:lstStyle/>
+            <a:p>
+              <a:pPr algn="ctr"/>
+              <a:r>
+                <a:rPr lang="en-US" altLang="zh-TW" sz="2400" dirty="0" smtClean="0">
+                  <a:latin typeface="Menlo" panose="020B0609030804020204" pitchFamily="49" charset="0"/>
+                  <a:cs typeface="Menlo" panose="020B0609030804020204" pitchFamily="49" charset="0"/>
+                </a:rPr>
+                <a:t>8</a:t>
+              </a:r>
+              <a:endParaRPr lang="zh-TW" altLang="en-US" sz="2400" dirty="0">
+                <a:latin typeface="Menlo" panose="020B0609030804020204" pitchFamily="49" charset="0"/>
+                <a:cs typeface="Menlo" panose="020B0609030804020204" pitchFamily="49" charset="0"/>
+              </a:endParaRPr>
+            </a:p>
+          </p:txBody>
+        </p:sp>
+        <p:sp>
+          <p:nvSpPr>
+            <p:cNvPr id="136" name="橢圓 135"/>
+            <p:cNvSpPr/>
+            <p:nvPr/>
+          </p:nvSpPr>
+          <p:spPr>
+            <a:xfrm>
+              <a:off x="7415740" y="4061462"/>
+              <a:ext cx="546671" cy="535100"/>
+            </a:xfrm>
+            <a:prstGeom prst="ellipse">
+              <a:avLst/>
+            </a:prstGeom>
+            <a:solidFill>
+              <a:schemeClr val="tx1">
+                <a:lumMod val="75000"/>
+                <a:lumOff val="25000"/>
+              </a:schemeClr>
+            </a:solidFill>
+            <a:ln>
+              <a:noFill/>
+            </a:ln>
+            <a:effectLst/>
+          </p:spPr>
+          <p:style>
+            <a:lnRef idx="2">
+              <a:schemeClr val="accent1">
+                <a:shade val="50000"/>
+              </a:schemeClr>
+            </a:lnRef>
+            <a:fillRef idx="1">
+              <a:schemeClr val="accent1"/>
+            </a:fillRef>
+            <a:effectRef idx="0">
+              <a:schemeClr val="accent1"/>
+            </a:effectRef>
+            <a:fontRef idx="minor">
+              <a:schemeClr val="lt1"/>
+            </a:fontRef>
+          </p:style>
+          <p:txBody>
+            <a:bodyPr rtlCol="0" anchor="ctr"/>
+            <a:lstStyle/>
+            <a:p>
+              <a:pPr algn="ctr"/>
+              <a:r>
+                <a:rPr lang="en-US" altLang="zh-TW" sz="2400" dirty="0" smtClean="0">
+                  <a:latin typeface="Menlo" panose="020B0609030804020204" pitchFamily="49" charset="0"/>
+                  <a:cs typeface="Menlo" panose="020B0609030804020204" pitchFamily="49" charset="0"/>
+                </a:rPr>
+                <a:t>3</a:t>
+              </a:r>
+              <a:endParaRPr lang="zh-TW" altLang="en-US" sz="2400" dirty="0">
+                <a:latin typeface="Menlo" panose="020B0609030804020204" pitchFamily="49" charset="0"/>
+                <a:cs typeface="Menlo" panose="020B0609030804020204" pitchFamily="49" charset="0"/>
+              </a:endParaRPr>
+            </a:p>
+          </p:txBody>
+        </p:sp>
+        <p:sp>
+          <p:nvSpPr>
+            <p:cNvPr id="137" name="橢圓 136"/>
+            <p:cNvSpPr/>
+            <p:nvPr/>
+          </p:nvSpPr>
+          <p:spPr>
+            <a:xfrm>
+              <a:off x="7838092" y="3165353"/>
+              <a:ext cx="546671" cy="535100"/>
+            </a:xfrm>
+            <a:prstGeom prst="ellipse">
+              <a:avLst/>
+            </a:prstGeom>
+            <a:solidFill>
+              <a:schemeClr val="tx1">
+                <a:lumMod val="75000"/>
+                <a:lumOff val="25000"/>
+              </a:schemeClr>
+            </a:solidFill>
+            <a:ln>
+              <a:noFill/>
+            </a:ln>
+            <a:effectLst/>
+          </p:spPr>
+          <p:style>
+            <a:lnRef idx="2">
+              <a:schemeClr val="accent1">
+                <a:shade val="50000"/>
+              </a:schemeClr>
+            </a:lnRef>
+            <a:fillRef idx="1">
+              <a:schemeClr val="accent1"/>
+            </a:fillRef>
+            <a:effectRef idx="0">
+              <a:schemeClr val="accent1"/>
+            </a:effectRef>
+            <a:fontRef idx="minor">
+              <a:schemeClr val="lt1"/>
+            </a:fontRef>
+          </p:style>
+          <p:txBody>
+            <a:bodyPr rtlCol="0" anchor="ctr"/>
+            <a:lstStyle/>
+            <a:p>
+              <a:pPr algn="ctr"/>
+              <a:r>
+                <a:rPr lang="en-US" altLang="zh-TW" sz="2400" dirty="0" smtClean="0">
+                  <a:latin typeface="Menlo" panose="020B0609030804020204" pitchFamily="49" charset="0"/>
+                  <a:cs typeface="Menlo" panose="020B0609030804020204" pitchFamily="49" charset="0"/>
+                </a:rPr>
+                <a:t>2</a:t>
+              </a:r>
+              <a:endParaRPr lang="zh-TW" altLang="en-US" sz="2400" dirty="0">
+                <a:latin typeface="Menlo" panose="020B0609030804020204" pitchFamily="49" charset="0"/>
+                <a:cs typeface="Menlo" panose="020B0609030804020204" pitchFamily="49" charset="0"/>
+              </a:endParaRPr>
+            </a:p>
+          </p:txBody>
+        </p:sp>
+      </p:grpSp>
+    </p:spTree>
+    <p:extLst>
+      <p:ext uri="{BB962C8B-B14F-4D97-AF65-F5344CB8AC3E}">
+        <p14:creationId xmlns:p14="http://schemas.microsoft.com/office/powerpoint/2010/main" val="3587896368"/>
       </p:ext>
     </p:extLst>
   </p:cSld>

--- a/Illustrations/illustrations.pptx
+++ b/Illustrations/illustrations.pptx
@@ -8913,7 +8913,10 @@
             </a:prstGeom>
             <a:ln w="76200">
               <a:solidFill>
-                <a:schemeClr val="accent6"/>
+                <a:schemeClr val="tx1">
+                  <a:lumMod val="50000"/>
+                  <a:lumOff val="50000"/>
+                </a:schemeClr>
               </a:solidFill>
             </a:ln>
           </p:spPr>
@@ -8986,7 +8989,10 @@
             </a:prstGeom>
             <a:ln w="76200">
               <a:solidFill>
-                <a:schemeClr val="accent6"/>
+                <a:schemeClr val="tx1">
+                  <a:lumMod val="50000"/>
+                  <a:lumOff val="50000"/>
+                </a:schemeClr>
               </a:solidFill>
             </a:ln>
           </p:spPr>
@@ -9021,7 +9027,10 @@
             </a:prstGeom>
             <a:ln w="76200">
               <a:solidFill>
-                <a:schemeClr val="accent6"/>
+                <a:schemeClr val="tx1">
+                  <a:lumMod val="50000"/>
+                  <a:lumOff val="50000"/>
+                </a:schemeClr>
               </a:solidFill>
             </a:ln>
           </p:spPr>
@@ -9056,7 +9065,10 @@
             </a:prstGeom>
             <a:ln w="76200">
               <a:solidFill>
-                <a:schemeClr val="accent6"/>
+                <a:schemeClr val="tx1">
+                  <a:lumMod val="50000"/>
+                  <a:lumOff val="50000"/>
+                </a:schemeClr>
               </a:solidFill>
             </a:ln>
           </p:spPr>
@@ -9091,7 +9103,10 @@
             </a:prstGeom>
             <a:ln w="76200">
               <a:solidFill>
-                <a:schemeClr val="accent6"/>
+                <a:schemeClr val="tx1">
+                  <a:lumMod val="50000"/>
+                  <a:lumOff val="50000"/>
+                </a:schemeClr>
               </a:solidFill>
             </a:ln>
           </p:spPr>
@@ -9164,7 +9179,10 @@
             </a:prstGeom>
             <a:ln w="76200">
               <a:solidFill>
-                <a:schemeClr val="accent6"/>
+                <a:schemeClr val="tx1">
+                  <a:lumMod val="50000"/>
+                  <a:lumOff val="50000"/>
+                </a:schemeClr>
               </a:solidFill>
             </a:ln>
           </p:spPr>
@@ -9199,7 +9217,10 @@
             </a:prstGeom>
             <a:ln w="76200">
               <a:solidFill>
-                <a:schemeClr val="accent6"/>
+                <a:schemeClr val="tx1">
+                  <a:lumMod val="50000"/>
+                  <a:lumOff val="50000"/>
+                </a:schemeClr>
               </a:solidFill>
             </a:ln>
           </p:spPr>
@@ -9234,7 +9255,10 @@
             </a:prstGeom>
             <a:ln w="76200">
               <a:solidFill>
-                <a:schemeClr val="accent6"/>
+                <a:schemeClr val="tx1">
+                  <a:lumMod val="50000"/>
+                  <a:lumOff val="50000"/>
+                </a:schemeClr>
               </a:solidFill>
             </a:ln>
           </p:spPr>
@@ -9307,7 +9331,10 @@
             </a:prstGeom>
             <a:ln w="76200">
               <a:solidFill>
-                <a:schemeClr val="accent6"/>
+                <a:schemeClr val="tx1">
+                  <a:lumMod val="50000"/>
+                  <a:lumOff val="50000"/>
+                </a:schemeClr>
               </a:solidFill>
             </a:ln>
           </p:spPr>
@@ -10352,9 +10379,9 @@
             <p:nvPr/>
           </p:nvCxnSpPr>
           <p:spPr>
-            <a:xfrm flipH="1">
-              <a:off x="9353223" y="4331258"/>
-              <a:ext cx="547270" cy="976423"/>
+            <a:xfrm>
+              <a:off x="8861237" y="4324078"/>
+              <a:ext cx="491986" cy="983603"/>
             </a:xfrm>
             <a:prstGeom prst="line">
               <a:avLst/>
@@ -11054,528 +11081,1159 @@
       </p:grpSpPr>
       <p:grpSp>
         <p:nvGrpSpPr>
-          <p:cNvPr id="113" name="群組 112"/>
+          <p:cNvPr id="7" name="群組 6"/>
           <p:cNvGrpSpPr/>
           <p:nvPr/>
         </p:nvGrpSpPr>
         <p:grpSpPr>
           <a:xfrm>
-            <a:off x="1338075" y="921181"/>
-            <a:ext cx="3890742" cy="4641758"/>
-            <a:chOff x="3625137" y="749311"/>
-            <a:chExt cx="3890742" cy="4641758"/>
+            <a:off x="3564467" y="1031247"/>
+            <a:ext cx="3840011" cy="5046751"/>
+            <a:chOff x="3564467" y="1031247"/>
+            <a:chExt cx="3840011" cy="5046751"/>
           </a:xfrm>
         </p:grpSpPr>
-        <p:cxnSp>
-          <p:nvCxnSpPr>
-            <p:cNvPr id="43" name="直線接點 42"/>
-            <p:cNvCxnSpPr/>
+        <p:grpSp>
+          <p:nvGrpSpPr>
+            <p:cNvPr id="115" name="群組 114"/>
+            <p:cNvGrpSpPr/>
             <p:nvPr/>
-          </p:nvCxnSpPr>
-          <p:spPr>
-            <a:xfrm flipV="1">
-              <a:off x="4657246" y="1023707"/>
-              <a:ext cx="858578" cy="888771"/>
+          </p:nvGrpSpPr>
+          <p:grpSpPr>
+            <a:xfrm>
+              <a:off x="3564467" y="1031247"/>
+              <a:ext cx="3828402" cy="5046751"/>
+              <a:chOff x="6784102" y="528480"/>
+              <a:chExt cx="3828402" cy="5046751"/>
             </a:xfrm>
-            <a:prstGeom prst="line">
-              <a:avLst/>
-            </a:prstGeom>
-            <a:ln w="76200">
+          </p:grpSpPr>
+          <p:sp>
+            <p:nvSpPr>
+              <p:cNvPr id="116" name="弧形 115"/>
+              <p:cNvSpPr/>
+              <p:nvPr/>
+            </p:nvSpPr>
+            <p:spPr>
+              <a:xfrm rot="21390419">
+                <a:off x="8369127" y="2521473"/>
+                <a:ext cx="2243377" cy="2676921"/>
+              </a:xfrm>
+              <a:prstGeom prst="arc">
+                <a:avLst>
+                  <a:gd name="adj1" fmla="val 15510603"/>
+                  <a:gd name="adj2" fmla="val 5394745"/>
+                </a:avLst>
+              </a:prstGeom>
+              <a:ln w="76200">
+                <a:solidFill>
+                  <a:schemeClr val="tx1">
+                    <a:lumMod val="50000"/>
+                    <a:lumOff val="50000"/>
+                  </a:schemeClr>
+                </a:solidFill>
+              </a:ln>
+            </p:spPr>
+            <p:style>
+              <a:lnRef idx="1">
+                <a:schemeClr val="accent1"/>
+              </a:lnRef>
+              <a:fillRef idx="0">
+                <a:schemeClr val="accent1"/>
+              </a:fillRef>
+              <a:effectRef idx="0">
+                <a:schemeClr val="accent1"/>
+              </a:effectRef>
+              <a:fontRef idx="minor">
+                <a:schemeClr val="tx1"/>
+              </a:fontRef>
+            </p:style>
+            <p:txBody>
+              <a:bodyPr rtlCol="0" anchor="ctr"/>
+              <a:lstStyle/>
+              <a:p>
+                <a:pPr algn="ctr"/>
+                <a:endParaRPr lang="zh-TW" altLang="en-US"/>
+              </a:p>
+            </p:txBody>
+          </p:sp>
+          <p:sp>
+            <p:nvSpPr>
+              <p:cNvPr id="117" name="弧形 116"/>
+              <p:cNvSpPr/>
+              <p:nvPr/>
+            </p:nvSpPr>
+            <p:spPr>
+              <a:xfrm rot="20858719">
+                <a:off x="8404937" y="2648245"/>
+                <a:ext cx="1737939" cy="2009695"/>
+              </a:xfrm>
+              <a:prstGeom prst="arc">
+                <a:avLst>
+                  <a:gd name="adj1" fmla="val 16489356"/>
+                  <a:gd name="adj2" fmla="val 3690667"/>
+                </a:avLst>
+              </a:prstGeom>
+              <a:ln w="76200">
+                <a:solidFill>
+                  <a:schemeClr val="tx1">
+                    <a:lumMod val="50000"/>
+                    <a:lumOff val="50000"/>
+                  </a:schemeClr>
+                </a:solidFill>
+              </a:ln>
+            </p:spPr>
+            <p:style>
+              <a:lnRef idx="1">
+                <a:schemeClr val="accent1"/>
+              </a:lnRef>
+              <a:fillRef idx="0">
+                <a:schemeClr val="accent1"/>
+              </a:fillRef>
+              <a:effectRef idx="0">
+                <a:schemeClr val="accent1"/>
+              </a:effectRef>
+              <a:fontRef idx="minor">
+                <a:schemeClr val="tx1"/>
+              </a:fontRef>
+            </p:style>
+            <p:txBody>
+              <a:bodyPr rtlCol="0" anchor="ctr"/>
+              <a:lstStyle/>
+              <a:p>
+                <a:pPr algn="ctr"/>
+                <a:endParaRPr lang="zh-TW" altLang="en-US"/>
+              </a:p>
+            </p:txBody>
+          </p:sp>
+          <p:sp>
+            <p:nvSpPr>
+              <p:cNvPr id="118" name="弧形 117"/>
+              <p:cNvSpPr/>
+              <p:nvPr/>
+            </p:nvSpPr>
+            <p:spPr>
+              <a:xfrm flipH="1">
+                <a:off x="6784102" y="886557"/>
+                <a:ext cx="2580542" cy="2463886"/>
+              </a:xfrm>
+              <a:prstGeom prst="arc">
+                <a:avLst>
+                  <a:gd name="adj1" fmla="val 16280781"/>
+                  <a:gd name="adj2" fmla="val 5328389"/>
+                </a:avLst>
+              </a:prstGeom>
+              <a:ln w="76200">
+                <a:solidFill>
+                  <a:schemeClr val="tx1">
+                    <a:lumMod val="50000"/>
+                    <a:lumOff val="50000"/>
+                  </a:schemeClr>
+                </a:solidFill>
+              </a:ln>
+            </p:spPr>
+            <p:style>
+              <a:lnRef idx="1">
+                <a:schemeClr val="accent1"/>
+              </a:lnRef>
+              <a:fillRef idx="0">
+                <a:schemeClr val="accent1"/>
+              </a:fillRef>
+              <a:effectRef idx="0">
+                <a:schemeClr val="accent1"/>
+              </a:effectRef>
+              <a:fontRef idx="minor">
+                <a:schemeClr val="tx1"/>
+              </a:fontRef>
+            </p:style>
+            <p:txBody>
+              <a:bodyPr rtlCol="0" anchor="ctr"/>
+              <a:lstStyle/>
+              <a:p>
+                <a:pPr algn="ctr"/>
+                <a:endParaRPr lang="zh-TW" altLang="en-US"/>
+              </a:p>
+            </p:txBody>
+          </p:sp>
+          <p:cxnSp>
+            <p:nvCxnSpPr>
+              <p:cNvPr id="119" name="直線接點 118"/>
+              <p:cNvCxnSpPr/>
+              <p:nvPr/>
+            </p:nvCxnSpPr>
+            <p:spPr>
+              <a:xfrm flipH="1">
+                <a:off x="7524975" y="1680025"/>
+                <a:ext cx="694942" cy="880029"/>
+              </a:xfrm>
+              <a:prstGeom prst="line">
+                <a:avLst/>
+              </a:prstGeom>
+              <a:ln w="76200">
+                <a:solidFill>
+                  <a:schemeClr val="tx1">
+                    <a:lumMod val="50000"/>
+                    <a:lumOff val="50000"/>
+                  </a:schemeClr>
+                </a:solidFill>
+              </a:ln>
+            </p:spPr>
+            <p:style>
+              <a:lnRef idx="1">
+                <a:schemeClr val="accent1"/>
+              </a:lnRef>
+              <a:fillRef idx="0">
+                <a:schemeClr val="accent1"/>
+              </a:fillRef>
+              <a:effectRef idx="0">
+                <a:schemeClr val="accent1"/>
+              </a:effectRef>
+              <a:fontRef idx="minor">
+                <a:schemeClr val="tx1"/>
+              </a:fontRef>
+            </p:style>
+          </p:cxnSp>
+          <p:cxnSp>
+            <p:nvCxnSpPr>
+              <p:cNvPr id="120" name="直線接點 119"/>
+              <p:cNvCxnSpPr/>
+              <p:nvPr/>
+            </p:nvCxnSpPr>
+            <p:spPr>
+              <a:xfrm>
+                <a:off x="8219917" y="1668879"/>
+                <a:ext cx="746145" cy="891175"/>
+              </a:xfrm>
+              <a:prstGeom prst="line">
+                <a:avLst/>
+              </a:prstGeom>
+              <a:ln w="76200">
+                <a:solidFill>
+                  <a:schemeClr val="tx1">
+                    <a:lumMod val="50000"/>
+                    <a:lumOff val="50000"/>
+                  </a:schemeClr>
+                </a:solidFill>
+              </a:ln>
+            </p:spPr>
+            <p:style>
+              <a:lnRef idx="1">
+                <a:schemeClr val="accent1"/>
+              </a:lnRef>
+              <a:fillRef idx="0">
+                <a:schemeClr val="accent1"/>
+              </a:fillRef>
+              <a:effectRef idx="0">
+                <a:schemeClr val="accent1"/>
+              </a:effectRef>
+              <a:fontRef idx="minor">
+                <a:schemeClr val="tx1"/>
+              </a:fontRef>
+            </p:style>
+          </p:cxnSp>
+          <p:cxnSp>
+            <p:nvCxnSpPr>
+              <p:cNvPr id="121" name="直線接點 120"/>
+              <p:cNvCxnSpPr/>
+              <p:nvPr/>
+            </p:nvCxnSpPr>
+            <p:spPr>
+              <a:xfrm flipV="1">
+                <a:off x="8111427" y="2560054"/>
+                <a:ext cx="854635" cy="872849"/>
+              </a:xfrm>
+              <a:prstGeom prst="line">
+                <a:avLst/>
+              </a:prstGeom>
+              <a:ln w="76200">
+                <a:solidFill>
+                  <a:schemeClr val="tx1">
+                    <a:lumMod val="50000"/>
+                    <a:lumOff val="50000"/>
+                  </a:schemeClr>
+                </a:solidFill>
+              </a:ln>
+            </p:spPr>
+            <p:style>
+              <a:lnRef idx="1">
+                <a:schemeClr val="accent1"/>
+              </a:lnRef>
+              <a:fillRef idx="0">
+                <a:schemeClr val="accent1"/>
+              </a:fillRef>
+              <a:effectRef idx="0">
+                <a:schemeClr val="accent1"/>
+              </a:effectRef>
+              <a:fontRef idx="minor">
+                <a:schemeClr val="tx1"/>
+              </a:fontRef>
+            </p:style>
+          </p:cxnSp>
+          <p:cxnSp>
+            <p:nvCxnSpPr>
+              <p:cNvPr id="122" name="直線接點 121"/>
+              <p:cNvCxnSpPr/>
+              <p:nvPr/>
+            </p:nvCxnSpPr>
+            <p:spPr>
+              <a:xfrm flipH="1" flipV="1">
+                <a:off x="8966062" y="2560054"/>
+                <a:ext cx="523830" cy="887529"/>
+              </a:xfrm>
+              <a:prstGeom prst="line">
+                <a:avLst/>
+              </a:prstGeom>
+              <a:ln w="76200">
+                <a:solidFill>
+                  <a:schemeClr val="tx1">
+                    <a:lumMod val="50000"/>
+                    <a:lumOff val="50000"/>
+                  </a:schemeClr>
+                </a:solidFill>
+              </a:ln>
+            </p:spPr>
+            <p:style>
+              <a:lnRef idx="1">
+                <a:schemeClr val="accent1"/>
+              </a:lnRef>
+              <a:fillRef idx="0">
+                <a:schemeClr val="accent1"/>
+              </a:fillRef>
+              <a:effectRef idx="0">
+                <a:schemeClr val="accent1"/>
+              </a:effectRef>
+              <a:fontRef idx="minor">
+                <a:schemeClr val="tx1"/>
+              </a:fontRef>
+            </p:style>
+          </p:cxnSp>
+          <p:cxnSp>
+            <p:nvCxnSpPr>
+              <p:cNvPr id="123" name="直線接點 122"/>
+              <p:cNvCxnSpPr/>
+              <p:nvPr/>
+            </p:nvCxnSpPr>
+            <p:spPr>
+              <a:xfrm flipV="1">
+                <a:off x="7548805" y="3432904"/>
+                <a:ext cx="562621" cy="891174"/>
+              </a:xfrm>
+              <a:prstGeom prst="line">
+                <a:avLst/>
+              </a:prstGeom>
+              <a:ln w="76200">
+                <a:solidFill>
+                  <a:schemeClr val="tx1">
+                    <a:lumMod val="50000"/>
+                    <a:lumOff val="50000"/>
+                  </a:schemeClr>
+                </a:solidFill>
+              </a:ln>
+            </p:spPr>
+            <p:style>
+              <a:lnRef idx="1">
+                <a:schemeClr val="accent1"/>
+              </a:lnRef>
+              <a:fillRef idx="0">
+                <a:schemeClr val="accent1"/>
+              </a:fillRef>
+              <a:effectRef idx="0">
+                <a:schemeClr val="accent1"/>
+              </a:effectRef>
+              <a:fontRef idx="minor">
+                <a:schemeClr val="tx1"/>
+              </a:fontRef>
+            </p:style>
+          </p:cxnSp>
+          <p:cxnSp>
+            <p:nvCxnSpPr>
+              <p:cNvPr id="124" name="直線接點 123"/>
+              <p:cNvCxnSpPr/>
+              <p:nvPr/>
+            </p:nvCxnSpPr>
+            <p:spPr>
+              <a:xfrm flipV="1">
+                <a:off x="8787826" y="3440084"/>
+                <a:ext cx="702065" cy="882264"/>
+              </a:xfrm>
+              <a:prstGeom prst="line">
+                <a:avLst/>
+              </a:prstGeom>
+              <a:ln w="76200">
+                <a:solidFill>
+                  <a:schemeClr val="tx1">
+                    <a:lumMod val="50000"/>
+                    <a:lumOff val="50000"/>
+                  </a:schemeClr>
+                </a:solidFill>
+              </a:ln>
+            </p:spPr>
+            <p:style>
+              <a:lnRef idx="1">
+                <a:schemeClr val="accent1"/>
+              </a:lnRef>
+              <a:fillRef idx="0">
+                <a:schemeClr val="accent1"/>
+              </a:fillRef>
+              <a:effectRef idx="0">
+                <a:schemeClr val="accent1"/>
+              </a:effectRef>
+              <a:fontRef idx="minor">
+                <a:schemeClr val="tx1"/>
+              </a:fontRef>
+            </p:style>
+          </p:cxnSp>
+          <p:cxnSp>
+            <p:nvCxnSpPr>
+              <p:cNvPr id="125" name="直線接點 124"/>
+              <p:cNvCxnSpPr/>
+              <p:nvPr/>
+            </p:nvCxnSpPr>
+            <p:spPr>
+              <a:xfrm flipH="1" flipV="1">
+                <a:off x="9489891" y="3440083"/>
+                <a:ext cx="410602" cy="883995"/>
+              </a:xfrm>
+              <a:prstGeom prst="line">
+                <a:avLst/>
+              </a:prstGeom>
+              <a:ln w="76200">
+                <a:solidFill>
+                  <a:schemeClr val="tx1">
+                    <a:lumMod val="50000"/>
+                    <a:lumOff val="50000"/>
+                  </a:schemeClr>
+                </a:solidFill>
+              </a:ln>
+            </p:spPr>
+            <p:style>
+              <a:lnRef idx="1">
+                <a:schemeClr val="accent1"/>
+              </a:lnRef>
+              <a:fillRef idx="0">
+                <a:schemeClr val="accent1"/>
+              </a:fillRef>
+              <a:effectRef idx="0">
+                <a:schemeClr val="accent1"/>
+              </a:effectRef>
+              <a:fontRef idx="minor">
+                <a:schemeClr val="tx1"/>
+              </a:fontRef>
+            </p:style>
+          </p:cxnSp>
+          <p:cxnSp>
+            <p:nvCxnSpPr>
+              <p:cNvPr id="126" name="直線接點 125"/>
+              <p:cNvCxnSpPr/>
+              <p:nvPr/>
+            </p:nvCxnSpPr>
+            <p:spPr>
+              <a:xfrm>
+                <a:off x="8787826" y="4322348"/>
+                <a:ext cx="565397" cy="985333"/>
+              </a:xfrm>
+              <a:prstGeom prst="line">
+                <a:avLst/>
+              </a:prstGeom>
+              <a:ln w="76200">
+                <a:solidFill>
+                  <a:schemeClr val="tx1">
+                    <a:lumMod val="50000"/>
+                    <a:lumOff val="50000"/>
+                  </a:schemeClr>
+                </a:solidFill>
+              </a:ln>
+            </p:spPr>
+            <p:style>
+              <a:lnRef idx="1">
+                <a:schemeClr val="accent1"/>
+              </a:lnRef>
+              <a:fillRef idx="0">
+                <a:schemeClr val="accent1"/>
+              </a:fillRef>
+              <a:effectRef idx="0">
+                <a:schemeClr val="accent1"/>
+              </a:effectRef>
+              <a:fontRef idx="minor">
+                <a:schemeClr val="tx1"/>
+              </a:fontRef>
+            </p:style>
+          </p:cxnSp>
+          <p:cxnSp>
+            <p:nvCxnSpPr>
+              <p:cNvPr id="127" name="直線接點 126"/>
+              <p:cNvCxnSpPr/>
+              <p:nvPr/>
+            </p:nvCxnSpPr>
+            <p:spPr>
+              <a:xfrm>
+                <a:off x="8219916" y="796030"/>
+                <a:ext cx="0" cy="883995"/>
+              </a:xfrm>
+              <a:prstGeom prst="line">
+                <a:avLst/>
+              </a:prstGeom>
+              <a:ln w="76200">
+                <a:solidFill>
+                  <a:schemeClr val="tx1">
+                    <a:lumMod val="50000"/>
+                    <a:lumOff val="50000"/>
+                  </a:schemeClr>
+                </a:solidFill>
+              </a:ln>
+            </p:spPr>
+            <p:style>
+              <a:lnRef idx="1">
+                <a:schemeClr val="accent1"/>
+              </a:lnRef>
+              <a:fillRef idx="0">
+                <a:schemeClr val="accent1"/>
+              </a:fillRef>
+              <a:effectRef idx="0">
+                <a:schemeClr val="accent1"/>
+              </a:effectRef>
+              <a:fontRef idx="minor">
+                <a:schemeClr val="tx1"/>
+              </a:fontRef>
+            </p:style>
+          </p:cxnSp>
+          <p:sp>
+            <p:nvSpPr>
+              <p:cNvPr id="128" name="橢圓 127"/>
+              <p:cNvSpPr/>
+              <p:nvPr/>
+            </p:nvSpPr>
+            <p:spPr>
+              <a:xfrm>
+                <a:off x="7946581" y="528480"/>
+                <a:ext cx="546671" cy="535100"/>
+              </a:xfrm>
+              <a:prstGeom prst="ellipse">
+                <a:avLst/>
+              </a:prstGeom>
               <a:solidFill>
                 <a:schemeClr val="tx1">
-                  <a:lumMod val="50000"/>
-                  <a:lumOff val="50000"/>
+                  <a:lumMod val="75000"/>
+                  <a:lumOff val="25000"/>
                 </a:schemeClr>
               </a:solidFill>
-            </a:ln>
-          </p:spPr>
-          <p:style>
-            <a:lnRef idx="1">
-              <a:schemeClr val="accent1"/>
-            </a:lnRef>
-            <a:fillRef idx="0">
-              <a:schemeClr val="accent1"/>
-            </a:fillRef>
-            <a:effectRef idx="0">
-              <a:schemeClr val="accent1"/>
-            </a:effectRef>
-            <a:fontRef idx="minor">
-              <a:schemeClr val="tx1"/>
-            </a:fontRef>
-          </p:style>
-        </p:cxnSp>
-        <p:cxnSp>
-          <p:nvCxnSpPr>
-            <p:cNvPr id="52" name="直線接點 51"/>
-            <p:cNvCxnSpPr/>
-            <p:nvPr/>
-          </p:nvCxnSpPr>
-          <p:spPr>
-            <a:xfrm flipH="1" flipV="1">
-              <a:off x="5526848" y="1023707"/>
-              <a:ext cx="847555" cy="881135"/>
-            </a:xfrm>
-            <a:prstGeom prst="line">
-              <a:avLst/>
-            </a:prstGeom>
-            <a:ln w="76200">
+              <a:ln>
+                <a:noFill/>
+              </a:ln>
+              <a:effectLst/>
+            </p:spPr>
+            <p:style>
+              <a:lnRef idx="2">
+                <a:schemeClr val="accent1">
+                  <a:shade val="50000"/>
+                </a:schemeClr>
+              </a:lnRef>
+              <a:fillRef idx="1">
+                <a:schemeClr val="accent1"/>
+              </a:fillRef>
+              <a:effectRef idx="0">
+                <a:schemeClr val="accent1"/>
+              </a:effectRef>
+              <a:fontRef idx="minor">
+                <a:schemeClr val="lt1"/>
+              </a:fontRef>
+            </p:style>
+            <p:txBody>
+              <a:bodyPr rtlCol="0" anchor="ctr"/>
+              <a:lstStyle/>
+              <a:p>
+                <a:pPr algn="ctr"/>
+                <a:r>
+                  <a:rPr lang="en-US" altLang="zh-TW" sz="2400" dirty="0" smtClean="0">
+                    <a:latin typeface="Menlo" panose="020B0609030804020204" pitchFamily="49" charset="0"/>
+                    <a:cs typeface="Menlo" panose="020B0609030804020204" pitchFamily="49" charset="0"/>
+                  </a:rPr>
+                  <a:t>0</a:t>
+                </a:r>
+                <a:endParaRPr lang="zh-TW" altLang="en-US" sz="2400" dirty="0">
+                  <a:latin typeface="Menlo" panose="020B0609030804020204" pitchFamily="49" charset="0"/>
+                  <a:cs typeface="Menlo" panose="020B0609030804020204" pitchFamily="49" charset="0"/>
+                </a:endParaRPr>
+              </a:p>
+            </p:txBody>
+          </p:sp>
+          <p:sp>
+            <p:nvSpPr>
+              <p:cNvPr id="129" name="橢圓 128"/>
+              <p:cNvSpPr/>
+              <p:nvPr/>
+            </p:nvSpPr>
+            <p:spPr>
+              <a:xfrm>
+                <a:off x="7946583" y="1412475"/>
+                <a:ext cx="546671" cy="535100"/>
+              </a:xfrm>
+              <a:prstGeom prst="ellipse">
+                <a:avLst/>
+              </a:prstGeom>
               <a:solidFill>
                 <a:schemeClr val="tx1">
-                  <a:lumMod val="50000"/>
-                  <a:lumOff val="50000"/>
+                  <a:lumMod val="75000"/>
+                  <a:lumOff val="25000"/>
                 </a:schemeClr>
               </a:solidFill>
-            </a:ln>
-          </p:spPr>
-          <p:style>
-            <a:lnRef idx="1">
-              <a:schemeClr val="accent1"/>
-            </a:lnRef>
-            <a:fillRef idx="0">
-              <a:schemeClr val="accent1"/>
-            </a:fillRef>
-            <a:effectRef idx="0">
-              <a:schemeClr val="accent1"/>
-            </a:effectRef>
-            <a:fontRef idx="minor">
-              <a:schemeClr val="tx1"/>
-            </a:fontRef>
-          </p:style>
-        </p:cxnSp>
-        <p:cxnSp>
-          <p:nvCxnSpPr>
-            <p:cNvPr id="55" name="直線接點 54"/>
-            <p:cNvCxnSpPr/>
-            <p:nvPr/>
-          </p:nvCxnSpPr>
-          <p:spPr>
-            <a:xfrm flipH="1" flipV="1">
-              <a:off x="6374403" y="1912478"/>
-              <a:ext cx="858030" cy="808008"/>
-            </a:xfrm>
-            <a:prstGeom prst="line">
-              <a:avLst/>
-            </a:prstGeom>
-            <a:ln w="76200">
+              <a:ln>
+                <a:noFill/>
+              </a:ln>
+              <a:effectLst/>
+            </p:spPr>
+            <p:style>
+              <a:lnRef idx="2">
+                <a:schemeClr val="accent1">
+                  <a:shade val="50000"/>
+                </a:schemeClr>
+              </a:lnRef>
+              <a:fillRef idx="1">
+                <a:schemeClr val="accent1"/>
+              </a:fillRef>
+              <a:effectRef idx="0">
+                <a:schemeClr val="accent1"/>
+              </a:effectRef>
+              <a:fontRef idx="minor">
+                <a:schemeClr val="lt1"/>
+              </a:fontRef>
+            </p:style>
+            <p:txBody>
+              <a:bodyPr rtlCol="0" anchor="ctr"/>
+              <a:lstStyle/>
+              <a:p>
+                <a:pPr algn="ctr"/>
+                <a:r>
+                  <a:rPr lang="en-US" altLang="zh-TW" sz="2400" dirty="0" smtClean="0">
+                    <a:latin typeface="Menlo" panose="020B0609030804020204" pitchFamily="49" charset="0"/>
+                    <a:cs typeface="Menlo" panose="020B0609030804020204" pitchFamily="49" charset="0"/>
+                  </a:rPr>
+                  <a:t>1</a:t>
+                </a:r>
+                <a:endParaRPr lang="zh-TW" altLang="en-US" sz="2400" dirty="0">
+                  <a:latin typeface="Menlo" panose="020B0609030804020204" pitchFamily="49" charset="0"/>
+                  <a:cs typeface="Menlo" panose="020B0609030804020204" pitchFamily="49" charset="0"/>
+                </a:endParaRPr>
+              </a:p>
+            </p:txBody>
+          </p:sp>
+          <p:sp>
+            <p:nvSpPr>
+              <p:cNvPr id="130" name="橢圓 129"/>
+              <p:cNvSpPr/>
+              <p:nvPr/>
+            </p:nvSpPr>
+            <p:spPr>
+              <a:xfrm>
+                <a:off x="7251640" y="2298032"/>
+                <a:ext cx="546671" cy="535100"/>
+              </a:xfrm>
+              <a:prstGeom prst="ellipse">
+                <a:avLst/>
+              </a:prstGeom>
               <a:solidFill>
                 <a:schemeClr val="tx1">
-                  <a:lumMod val="50000"/>
-                  <a:lumOff val="50000"/>
+                  <a:lumMod val="75000"/>
+                  <a:lumOff val="25000"/>
                 </a:schemeClr>
               </a:solidFill>
-            </a:ln>
-          </p:spPr>
-          <p:style>
-            <a:lnRef idx="1">
-              <a:schemeClr val="accent1"/>
-            </a:lnRef>
-            <a:fillRef idx="0">
-              <a:schemeClr val="accent1"/>
-            </a:fillRef>
-            <a:effectRef idx="0">
-              <a:schemeClr val="accent1"/>
-            </a:effectRef>
-            <a:fontRef idx="minor">
-              <a:schemeClr val="tx1"/>
-            </a:fontRef>
-          </p:style>
-        </p:cxnSp>
-        <p:cxnSp>
-          <p:nvCxnSpPr>
-            <p:cNvPr id="58" name="直線接點 57"/>
-            <p:cNvCxnSpPr/>
-            <p:nvPr/>
-          </p:nvCxnSpPr>
-          <p:spPr>
-            <a:xfrm flipV="1">
-              <a:off x="3898472" y="1912478"/>
-              <a:ext cx="758774" cy="858573"/>
-            </a:xfrm>
-            <a:prstGeom prst="line">
-              <a:avLst/>
-            </a:prstGeom>
-            <a:ln w="76200">
+              <a:ln>
+                <a:noFill/>
+              </a:ln>
+              <a:effectLst/>
+            </p:spPr>
+            <p:style>
+              <a:lnRef idx="2">
+                <a:schemeClr val="accent1">
+                  <a:shade val="50000"/>
+                </a:schemeClr>
+              </a:lnRef>
+              <a:fillRef idx="1">
+                <a:schemeClr val="accent1"/>
+              </a:fillRef>
+              <a:effectRef idx="0">
+                <a:schemeClr val="accent1"/>
+              </a:effectRef>
+              <a:fontRef idx="minor">
+                <a:schemeClr val="lt1"/>
+              </a:fontRef>
+            </p:style>
+            <p:txBody>
+              <a:bodyPr rtlCol="0" anchor="ctr"/>
+              <a:lstStyle/>
+              <a:p>
+                <a:pPr algn="ctr"/>
+                <a:r>
+                  <a:rPr lang="en-US" altLang="zh-TW" sz="2400" dirty="0">
+                    <a:latin typeface="Menlo" panose="020B0609030804020204" pitchFamily="49" charset="0"/>
+                    <a:cs typeface="Menlo" panose="020B0609030804020204" pitchFamily="49" charset="0"/>
+                  </a:rPr>
+                  <a:t>9</a:t>
+                </a:r>
+                <a:endParaRPr lang="zh-TW" altLang="en-US" sz="2400" dirty="0">
+                  <a:latin typeface="Menlo" panose="020B0609030804020204" pitchFamily="49" charset="0"/>
+                  <a:cs typeface="Menlo" panose="020B0609030804020204" pitchFamily="49" charset="0"/>
+                </a:endParaRPr>
+              </a:p>
+            </p:txBody>
+          </p:sp>
+          <p:sp>
+            <p:nvSpPr>
+              <p:cNvPr id="131" name="橢圓 130"/>
+              <p:cNvSpPr/>
+              <p:nvPr/>
+            </p:nvSpPr>
+            <p:spPr>
+              <a:xfrm>
+                <a:off x="8692727" y="2292504"/>
+                <a:ext cx="546671" cy="535100"/>
+              </a:xfrm>
+              <a:prstGeom prst="ellipse">
+                <a:avLst/>
+              </a:prstGeom>
               <a:solidFill>
                 <a:schemeClr val="tx1">
-                  <a:lumMod val="50000"/>
-                  <a:lumOff val="50000"/>
+                  <a:lumMod val="75000"/>
+                  <a:lumOff val="25000"/>
                 </a:schemeClr>
               </a:solidFill>
-            </a:ln>
-          </p:spPr>
-          <p:style>
-            <a:lnRef idx="1">
-              <a:schemeClr val="accent1"/>
-            </a:lnRef>
-            <a:fillRef idx="0">
-              <a:schemeClr val="accent1"/>
-            </a:fillRef>
-            <a:effectRef idx="0">
-              <a:schemeClr val="accent1"/>
-            </a:effectRef>
-            <a:fontRef idx="minor">
-              <a:schemeClr val="tx1"/>
-            </a:fontRef>
-          </p:style>
-        </p:cxnSp>
-        <p:cxnSp>
-          <p:nvCxnSpPr>
-            <p:cNvPr id="65" name="直線接點 64"/>
-            <p:cNvCxnSpPr/>
-            <p:nvPr/>
-          </p:nvCxnSpPr>
-          <p:spPr>
-            <a:xfrm flipH="1" flipV="1">
-              <a:off x="4663032" y="1912478"/>
-              <a:ext cx="896602" cy="1132968"/>
-            </a:xfrm>
-            <a:prstGeom prst="line">
-              <a:avLst/>
-            </a:prstGeom>
-            <a:ln w="76200">
+              <a:ln>
+                <a:noFill/>
+              </a:ln>
+              <a:effectLst/>
+            </p:spPr>
+            <p:style>
+              <a:lnRef idx="2">
+                <a:schemeClr val="accent1">
+                  <a:shade val="50000"/>
+                </a:schemeClr>
+              </a:lnRef>
+              <a:fillRef idx="1">
+                <a:schemeClr val="accent1"/>
+              </a:fillRef>
+              <a:effectRef idx="0">
+                <a:schemeClr val="accent1"/>
+              </a:effectRef>
+              <a:fontRef idx="minor">
+                <a:schemeClr val="lt1"/>
+              </a:fontRef>
+            </p:style>
+            <p:txBody>
+              <a:bodyPr rtlCol="0" anchor="ctr"/>
+              <a:lstStyle/>
+              <a:p>
+                <a:pPr algn="ctr"/>
+                <a:r>
+                  <a:rPr lang="en-US" altLang="zh-TW" sz="2400" dirty="0" smtClean="0">
+                    <a:latin typeface="Menlo" panose="020B0609030804020204" pitchFamily="49" charset="0"/>
+                    <a:cs typeface="Menlo" panose="020B0609030804020204" pitchFamily="49" charset="0"/>
+                  </a:rPr>
+                  <a:t>4</a:t>
+                </a:r>
+                <a:endParaRPr lang="zh-TW" altLang="en-US" sz="2400" dirty="0">
+                  <a:latin typeface="Menlo" panose="020B0609030804020204" pitchFamily="49" charset="0"/>
+                  <a:cs typeface="Menlo" panose="020B0609030804020204" pitchFamily="49" charset="0"/>
+                </a:endParaRPr>
+              </a:p>
+            </p:txBody>
+          </p:sp>
+          <p:sp>
+            <p:nvSpPr>
+              <p:cNvPr id="132" name="橢圓 131"/>
+              <p:cNvSpPr/>
+              <p:nvPr/>
+            </p:nvSpPr>
+            <p:spPr>
+              <a:xfrm>
+                <a:off x="9631347" y="4061462"/>
+                <a:ext cx="546671" cy="535100"/>
+              </a:xfrm>
+              <a:prstGeom prst="ellipse">
+                <a:avLst/>
+              </a:prstGeom>
               <a:solidFill>
                 <a:schemeClr val="tx1">
-                  <a:lumMod val="50000"/>
-                  <a:lumOff val="50000"/>
+                  <a:lumMod val="75000"/>
+                  <a:lumOff val="25000"/>
                 </a:schemeClr>
               </a:solidFill>
-            </a:ln>
-          </p:spPr>
-          <p:style>
-            <a:lnRef idx="1">
-              <a:schemeClr val="accent1"/>
-            </a:lnRef>
-            <a:fillRef idx="0">
-              <a:schemeClr val="accent1"/>
-            </a:fillRef>
-            <a:effectRef idx="0">
-              <a:schemeClr val="accent1"/>
-            </a:effectRef>
-            <a:fontRef idx="minor">
-              <a:schemeClr val="tx1"/>
-            </a:fontRef>
-          </p:style>
-        </p:cxnSp>
-        <p:cxnSp>
-          <p:nvCxnSpPr>
-            <p:cNvPr id="68" name="直線接點 67"/>
-            <p:cNvCxnSpPr/>
-            <p:nvPr/>
-          </p:nvCxnSpPr>
-          <p:spPr>
-            <a:xfrm flipV="1">
-              <a:off x="5570507" y="1912478"/>
-              <a:ext cx="803896" cy="1126123"/>
-            </a:xfrm>
-            <a:prstGeom prst="line">
-              <a:avLst/>
-            </a:prstGeom>
-            <a:ln w="76200">
+              <a:ln>
+                <a:noFill/>
+              </a:ln>
+              <a:effectLst/>
+            </p:spPr>
+            <p:style>
+              <a:lnRef idx="2">
+                <a:schemeClr val="accent1">
+                  <a:shade val="50000"/>
+                </a:schemeClr>
+              </a:lnRef>
+              <a:fillRef idx="1">
+                <a:schemeClr val="accent1"/>
+              </a:fillRef>
+              <a:effectRef idx="0">
+                <a:schemeClr val="accent1"/>
+              </a:effectRef>
+              <a:fontRef idx="minor">
+                <a:schemeClr val="lt1"/>
+              </a:fontRef>
+            </p:style>
+            <p:txBody>
+              <a:bodyPr rtlCol="0" anchor="ctr"/>
+              <a:lstStyle/>
+              <a:p>
+                <a:pPr algn="ctr"/>
+                <a:r>
+                  <a:rPr lang="en-US" altLang="zh-TW" sz="2400" dirty="0" smtClean="0">
+                    <a:latin typeface="Menlo" panose="020B0609030804020204" pitchFamily="49" charset="0"/>
+                    <a:cs typeface="Menlo" panose="020B0609030804020204" pitchFamily="49" charset="0"/>
+                  </a:rPr>
+                  <a:t>6</a:t>
+                </a:r>
+                <a:endParaRPr lang="zh-TW" altLang="en-US" sz="2400" dirty="0">
+                  <a:latin typeface="Menlo" panose="020B0609030804020204" pitchFamily="49" charset="0"/>
+                  <a:cs typeface="Menlo" panose="020B0609030804020204" pitchFamily="49" charset="0"/>
+                </a:endParaRPr>
+              </a:p>
+            </p:txBody>
+          </p:sp>
+          <p:sp>
+            <p:nvSpPr>
+              <p:cNvPr id="133" name="橢圓 132"/>
+              <p:cNvSpPr/>
+              <p:nvPr/>
+            </p:nvSpPr>
+            <p:spPr>
+              <a:xfrm>
+                <a:off x="9216557" y="3180033"/>
+                <a:ext cx="546671" cy="535100"/>
+              </a:xfrm>
+              <a:prstGeom prst="ellipse">
+                <a:avLst/>
+              </a:prstGeom>
               <a:solidFill>
                 <a:schemeClr val="tx1">
-                  <a:lumMod val="50000"/>
-                  <a:lumOff val="50000"/>
+                  <a:lumMod val="75000"/>
+                  <a:lumOff val="25000"/>
                 </a:schemeClr>
               </a:solidFill>
-            </a:ln>
-          </p:spPr>
-          <p:style>
-            <a:lnRef idx="1">
-              <a:schemeClr val="accent1"/>
-            </a:lnRef>
-            <a:fillRef idx="0">
-              <a:schemeClr val="accent1"/>
-            </a:fillRef>
-            <a:effectRef idx="0">
-              <a:schemeClr val="accent1"/>
-            </a:effectRef>
-            <a:fontRef idx="minor">
-              <a:schemeClr val="tx1"/>
-            </a:fontRef>
-          </p:style>
-        </p:cxnSp>
-        <p:cxnSp>
-          <p:nvCxnSpPr>
-            <p:cNvPr id="71" name="直線接點 70"/>
-            <p:cNvCxnSpPr/>
-            <p:nvPr/>
-          </p:nvCxnSpPr>
-          <p:spPr>
-            <a:xfrm flipH="1">
-              <a:off x="4520580" y="3038601"/>
-              <a:ext cx="1049927" cy="858573"/>
-            </a:xfrm>
-            <a:prstGeom prst="line">
-              <a:avLst/>
-            </a:prstGeom>
-            <a:ln w="76200">
+              <a:ln>
+                <a:noFill/>
+              </a:ln>
+              <a:effectLst/>
+            </p:spPr>
+            <p:style>
+              <a:lnRef idx="2">
+                <a:schemeClr val="accent1">
+                  <a:shade val="50000"/>
+                </a:schemeClr>
+              </a:lnRef>
+              <a:fillRef idx="1">
+                <a:schemeClr val="accent1"/>
+              </a:fillRef>
+              <a:effectRef idx="0">
+                <a:schemeClr val="accent1"/>
+              </a:effectRef>
+              <a:fontRef idx="minor">
+                <a:schemeClr val="lt1"/>
+              </a:fontRef>
+            </p:style>
+            <p:txBody>
+              <a:bodyPr rtlCol="0" anchor="ctr"/>
+              <a:lstStyle/>
+              <a:p>
+                <a:pPr algn="ctr"/>
+                <a:r>
+                  <a:rPr lang="en-US" altLang="zh-TW" sz="2400" dirty="0" smtClean="0">
+                    <a:latin typeface="Menlo" panose="020B0609030804020204" pitchFamily="49" charset="0"/>
+                    <a:cs typeface="Menlo" panose="020B0609030804020204" pitchFamily="49" charset="0"/>
+                  </a:rPr>
+                  <a:t>5</a:t>
+                </a:r>
+                <a:endParaRPr lang="zh-TW" altLang="en-US" sz="2400" dirty="0">
+                  <a:latin typeface="Menlo" panose="020B0609030804020204" pitchFamily="49" charset="0"/>
+                  <a:cs typeface="Menlo" panose="020B0609030804020204" pitchFamily="49" charset="0"/>
+                </a:endParaRPr>
+              </a:p>
+            </p:txBody>
+          </p:sp>
+          <p:sp>
+            <p:nvSpPr>
+              <p:cNvPr id="134" name="橢圓 133"/>
+              <p:cNvSpPr/>
+              <p:nvPr/>
+            </p:nvSpPr>
+            <p:spPr>
+              <a:xfrm>
+                <a:off x="8520192" y="4062573"/>
+                <a:ext cx="546671" cy="535100"/>
+              </a:xfrm>
+              <a:prstGeom prst="ellipse">
+                <a:avLst/>
+              </a:prstGeom>
               <a:solidFill>
                 <a:schemeClr val="tx1">
-                  <a:lumMod val="50000"/>
-                  <a:lumOff val="50000"/>
+                  <a:lumMod val="75000"/>
+                  <a:lumOff val="25000"/>
                 </a:schemeClr>
               </a:solidFill>
-            </a:ln>
-          </p:spPr>
-          <p:style>
-            <a:lnRef idx="1">
-              <a:schemeClr val="accent1"/>
-            </a:lnRef>
-            <a:fillRef idx="0">
-              <a:schemeClr val="accent1"/>
-            </a:fillRef>
-            <a:effectRef idx="0">
-              <a:schemeClr val="accent1"/>
-            </a:effectRef>
-            <a:fontRef idx="minor">
-              <a:schemeClr val="tx1"/>
-            </a:fontRef>
-          </p:style>
-        </p:cxnSp>
-        <p:cxnSp>
-          <p:nvCxnSpPr>
-            <p:cNvPr id="74" name="直線接點 73"/>
-            <p:cNvCxnSpPr/>
-            <p:nvPr/>
-          </p:nvCxnSpPr>
-          <p:spPr>
-            <a:xfrm flipH="1" flipV="1">
-              <a:off x="4520580" y="3890329"/>
-              <a:ext cx="436752" cy="1233190"/>
-            </a:xfrm>
-            <a:prstGeom prst="line">
-              <a:avLst/>
-            </a:prstGeom>
-            <a:ln w="76200">
+              <a:ln>
+                <a:noFill/>
+              </a:ln>
+              <a:effectLst/>
+            </p:spPr>
+            <p:style>
+              <a:lnRef idx="2">
+                <a:schemeClr val="accent1">
+                  <a:shade val="50000"/>
+                </a:schemeClr>
+              </a:lnRef>
+              <a:fillRef idx="1">
+                <a:schemeClr val="accent1"/>
+              </a:fillRef>
+              <a:effectRef idx="0">
+                <a:schemeClr val="accent1"/>
+              </a:effectRef>
+              <a:fontRef idx="minor">
+                <a:schemeClr val="lt1"/>
+              </a:fontRef>
+            </p:style>
+            <p:txBody>
+              <a:bodyPr rtlCol="0" anchor="ctr"/>
+              <a:lstStyle/>
+              <a:p>
+                <a:pPr algn="ctr"/>
+                <a:r>
+                  <a:rPr lang="en-US" altLang="zh-TW" sz="2400" dirty="0">
+                    <a:latin typeface="Menlo" panose="020B0609030804020204" pitchFamily="49" charset="0"/>
+                    <a:cs typeface="Menlo" panose="020B0609030804020204" pitchFamily="49" charset="0"/>
+                  </a:rPr>
+                  <a:t>7</a:t>
+                </a:r>
+                <a:endParaRPr lang="zh-TW" altLang="en-US" sz="2400" dirty="0">
+                  <a:latin typeface="Menlo" panose="020B0609030804020204" pitchFamily="49" charset="0"/>
+                  <a:cs typeface="Menlo" panose="020B0609030804020204" pitchFamily="49" charset="0"/>
+                </a:endParaRPr>
+              </a:p>
+            </p:txBody>
+          </p:sp>
+          <p:sp>
+            <p:nvSpPr>
+              <p:cNvPr id="135" name="橢圓 134"/>
+              <p:cNvSpPr/>
+              <p:nvPr/>
+            </p:nvSpPr>
+            <p:spPr>
+              <a:xfrm>
+                <a:off x="9084676" y="5040131"/>
+                <a:ext cx="546671" cy="535100"/>
+              </a:xfrm>
+              <a:prstGeom prst="ellipse">
+                <a:avLst/>
+              </a:prstGeom>
               <a:solidFill>
                 <a:schemeClr val="tx1">
-                  <a:lumMod val="50000"/>
-                  <a:lumOff val="50000"/>
+                  <a:lumMod val="75000"/>
+                  <a:lumOff val="25000"/>
                 </a:schemeClr>
               </a:solidFill>
-            </a:ln>
-          </p:spPr>
-          <p:style>
-            <a:lnRef idx="1">
-              <a:schemeClr val="accent1"/>
-            </a:lnRef>
-            <a:fillRef idx="0">
-              <a:schemeClr val="accent1"/>
-            </a:fillRef>
-            <a:effectRef idx="0">
-              <a:schemeClr val="accent1"/>
-            </a:effectRef>
-            <a:fontRef idx="minor">
-              <a:schemeClr val="tx1"/>
-            </a:fontRef>
-          </p:style>
-        </p:cxnSp>
-        <p:cxnSp>
-          <p:nvCxnSpPr>
-            <p:cNvPr id="77" name="直線接點 76"/>
-            <p:cNvCxnSpPr/>
-            <p:nvPr/>
-          </p:nvCxnSpPr>
-          <p:spPr>
-            <a:xfrm flipV="1">
-              <a:off x="6288226" y="3890329"/>
-              <a:ext cx="480834" cy="1233190"/>
-            </a:xfrm>
-            <a:prstGeom prst="line">
-              <a:avLst/>
-            </a:prstGeom>
-            <a:ln w="76200">
+              <a:ln>
+                <a:noFill/>
+              </a:ln>
+              <a:effectLst/>
+            </p:spPr>
+            <p:style>
+              <a:lnRef idx="2">
+                <a:schemeClr val="accent1">
+                  <a:shade val="50000"/>
+                </a:schemeClr>
+              </a:lnRef>
+              <a:fillRef idx="1">
+                <a:schemeClr val="accent1"/>
+              </a:fillRef>
+              <a:effectRef idx="0">
+                <a:schemeClr val="accent1"/>
+              </a:effectRef>
+              <a:fontRef idx="minor">
+                <a:schemeClr val="lt1"/>
+              </a:fontRef>
+            </p:style>
+            <p:txBody>
+              <a:bodyPr rtlCol="0" anchor="ctr"/>
+              <a:lstStyle/>
+              <a:p>
+                <a:pPr algn="ctr"/>
+                <a:r>
+                  <a:rPr lang="en-US" altLang="zh-TW" sz="2400" dirty="0" smtClean="0">
+                    <a:latin typeface="Menlo" panose="020B0609030804020204" pitchFamily="49" charset="0"/>
+                    <a:cs typeface="Menlo" panose="020B0609030804020204" pitchFamily="49" charset="0"/>
+                  </a:rPr>
+                  <a:t>8</a:t>
+                </a:r>
+                <a:endParaRPr lang="zh-TW" altLang="en-US" sz="2400" dirty="0">
+                  <a:latin typeface="Menlo" panose="020B0609030804020204" pitchFamily="49" charset="0"/>
+                  <a:cs typeface="Menlo" panose="020B0609030804020204" pitchFamily="49" charset="0"/>
+                </a:endParaRPr>
+              </a:p>
+            </p:txBody>
+          </p:sp>
+          <p:sp>
+            <p:nvSpPr>
+              <p:cNvPr id="136" name="橢圓 135"/>
+              <p:cNvSpPr/>
+              <p:nvPr/>
+            </p:nvSpPr>
+            <p:spPr>
+              <a:xfrm>
+                <a:off x="7269403" y="4056528"/>
+                <a:ext cx="546671" cy="535100"/>
+              </a:xfrm>
+              <a:prstGeom prst="ellipse">
+                <a:avLst/>
+              </a:prstGeom>
               <a:solidFill>
                 <a:schemeClr val="tx1">
-                  <a:lumMod val="50000"/>
-                  <a:lumOff val="50000"/>
+                  <a:lumMod val="75000"/>
+                  <a:lumOff val="25000"/>
                 </a:schemeClr>
               </a:solidFill>
-            </a:ln>
-          </p:spPr>
-          <p:style>
-            <a:lnRef idx="1">
-              <a:schemeClr val="accent1"/>
-            </a:lnRef>
-            <a:fillRef idx="0">
-              <a:schemeClr val="accent1"/>
-            </a:fillRef>
-            <a:effectRef idx="0">
-              <a:schemeClr val="accent1"/>
-            </a:effectRef>
-            <a:fontRef idx="minor">
-              <a:schemeClr val="tx1"/>
-            </a:fontRef>
-          </p:style>
-        </p:cxnSp>
-        <p:cxnSp>
-          <p:nvCxnSpPr>
-            <p:cNvPr id="80" name="直線接點 79"/>
-            <p:cNvCxnSpPr/>
-            <p:nvPr/>
-          </p:nvCxnSpPr>
-          <p:spPr>
-            <a:xfrm flipH="1">
-              <a:off x="4957332" y="5123519"/>
-              <a:ext cx="1330894" cy="0"/>
-            </a:xfrm>
-            <a:prstGeom prst="line">
-              <a:avLst/>
-            </a:prstGeom>
-            <a:ln w="76200">
+              <a:ln>
+                <a:noFill/>
+              </a:ln>
+              <a:effectLst/>
+            </p:spPr>
+            <p:style>
+              <a:lnRef idx="2">
+                <a:schemeClr val="accent1">
+                  <a:shade val="50000"/>
+                </a:schemeClr>
+              </a:lnRef>
+              <a:fillRef idx="1">
+                <a:schemeClr val="accent1"/>
+              </a:fillRef>
+              <a:effectRef idx="0">
+                <a:schemeClr val="accent1"/>
+              </a:effectRef>
+              <a:fontRef idx="minor">
+                <a:schemeClr val="lt1"/>
+              </a:fontRef>
+            </p:style>
+            <p:txBody>
+              <a:bodyPr rtlCol="0" anchor="ctr"/>
+              <a:lstStyle/>
+              <a:p>
+                <a:pPr algn="ctr"/>
+                <a:r>
+                  <a:rPr lang="en-US" altLang="zh-TW" sz="2400" dirty="0" smtClean="0">
+                    <a:latin typeface="Menlo" panose="020B0609030804020204" pitchFamily="49" charset="0"/>
+                    <a:cs typeface="Menlo" panose="020B0609030804020204" pitchFamily="49" charset="0"/>
+                  </a:rPr>
+                  <a:t>3</a:t>
+                </a:r>
+                <a:endParaRPr lang="zh-TW" altLang="en-US" sz="2400" dirty="0">
+                  <a:latin typeface="Menlo" panose="020B0609030804020204" pitchFamily="49" charset="0"/>
+                  <a:cs typeface="Menlo" panose="020B0609030804020204" pitchFamily="49" charset="0"/>
+                </a:endParaRPr>
+              </a:p>
+            </p:txBody>
+          </p:sp>
+          <p:sp>
+            <p:nvSpPr>
+              <p:cNvPr id="137" name="橢圓 136"/>
+              <p:cNvSpPr/>
+              <p:nvPr/>
+            </p:nvSpPr>
+            <p:spPr>
+              <a:xfrm>
+                <a:off x="7838092" y="3165353"/>
+                <a:ext cx="546671" cy="535100"/>
+              </a:xfrm>
+              <a:prstGeom prst="ellipse">
+                <a:avLst/>
+              </a:prstGeom>
               <a:solidFill>
                 <a:schemeClr val="tx1">
-                  <a:lumMod val="50000"/>
-                  <a:lumOff val="50000"/>
+                  <a:lumMod val="75000"/>
+                  <a:lumOff val="25000"/>
                 </a:schemeClr>
               </a:solidFill>
-            </a:ln>
-          </p:spPr>
-          <p:style>
-            <a:lnRef idx="1">
-              <a:schemeClr val="accent1"/>
-            </a:lnRef>
-            <a:fillRef idx="0">
-              <a:schemeClr val="accent1"/>
-            </a:fillRef>
-            <a:effectRef idx="0">
-              <a:schemeClr val="accent1"/>
-            </a:effectRef>
-            <a:fontRef idx="minor">
-              <a:schemeClr val="tx1"/>
-            </a:fontRef>
-          </p:style>
-        </p:cxnSp>
-        <p:cxnSp>
-          <p:nvCxnSpPr>
-            <p:cNvPr id="83" name="直線接點 82"/>
-            <p:cNvCxnSpPr/>
-            <p:nvPr/>
-          </p:nvCxnSpPr>
-          <p:spPr>
-            <a:xfrm flipH="1" flipV="1">
-              <a:off x="5559634" y="3038602"/>
-              <a:ext cx="1209426" cy="858572"/>
-            </a:xfrm>
-            <a:prstGeom prst="line">
-              <a:avLst/>
-            </a:prstGeom>
-            <a:ln w="76200">
-              <a:solidFill>
-                <a:schemeClr val="tx1">
-                  <a:lumMod val="50000"/>
-                  <a:lumOff val="50000"/>
+              <a:ln>
+                <a:noFill/>
+              </a:ln>
+              <a:effectLst/>
+            </p:spPr>
+            <p:style>
+              <a:lnRef idx="2">
+                <a:schemeClr val="accent1">
+                  <a:shade val="50000"/>
                 </a:schemeClr>
-              </a:solidFill>
-            </a:ln>
-          </p:spPr>
-          <p:style>
-            <a:lnRef idx="1">
-              <a:schemeClr val="accent1"/>
-            </a:lnRef>
-            <a:fillRef idx="0">
-              <a:schemeClr val="accent1"/>
-            </a:fillRef>
-            <a:effectRef idx="0">
-              <a:schemeClr val="accent1"/>
-            </a:effectRef>
-            <a:fontRef idx="minor">
-              <a:schemeClr val="tx1"/>
-            </a:fontRef>
-          </p:style>
-        </p:cxnSp>
-        <p:cxnSp>
-          <p:nvCxnSpPr>
-            <p:cNvPr id="86" name="直線接點 85"/>
-            <p:cNvCxnSpPr/>
-            <p:nvPr/>
-          </p:nvCxnSpPr>
-          <p:spPr>
-            <a:xfrm flipH="1" flipV="1">
-              <a:off x="5559634" y="3038601"/>
-              <a:ext cx="728592" cy="2084918"/>
-            </a:xfrm>
-            <a:prstGeom prst="line">
-              <a:avLst/>
-            </a:prstGeom>
-            <a:ln w="76200">
-              <a:solidFill>
-                <a:schemeClr val="tx1">
-                  <a:lumMod val="50000"/>
-                  <a:lumOff val="50000"/>
-                </a:schemeClr>
-              </a:solidFill>
-            </a:ln>
-          </p:spPr>
-          <p:style>
-            <a:lnRef idx="1">
-              <a:schemeClr val="accent1"/>
-            </a:lnRef>
-            <a:fillRef idx="0">
-              <a:schemeClr val="accent1"/>
-            </a:fillRef>
-            <a:effectRef idx="0">
-              <a:schemeClr val="accent1"/>
-            </a:effectRef>
-            <a:fontRef idx="minor">
-              <a:schemeClr val="tx1"/>
-            </a:fontRef>
-          </p:style>
-        </p:cxnSp>
+              </a:lnRef>
+              <a:fillRef idx="1">
+                <a:schemeClr val="accent1"/>
+              </a:fillRef>
+              <a:effectRef idx="0">
+                <a:schemeClr val="accent1"/>
+              </a:effectRef>
+              <a:fontRef idx="minor">
+                <a:schemeClr val="lt1"/>
+              </a:fontRef>
+            </p:style>
+            <p:txBody>
+              <a:bodyPr rtlCol="0" anchor="ctr"/>
+              <a:lstStyle/>
+              <a:p>
+                <a:pPr algn="ctr"/>
+                <a:r>
+                  <a:rPr lang="en-US" altLang="zh-TW" sz="2400" dirty="0" smtClean="0">
+                    <a:latin typeface="Menlo" panose="020B0609030804020204" pitchFamily="49" charset="0"/>
+                    <a:cs typeface="Menlo" panose="020B0609030804020204" pitchFamily="49" charset="0"/>
+                  </a:rPr>
+                  <a:t>2</a:t>
+                </a:r>
+                <a:endParaRPr lang="zh-TW" altLang="en-US" sz="2400" dirty="0">
+                  <a:latin typeface="Menlo" panose="020B0609030804020204" pitchFamily="49" charset="0"/>
+                  <a:cs typeface="Menlo" panose="020B0609030804020204" pitchFamily="49" charset="0"/>
+                </a:endParaRPr>
+              </a:p>
+            </p:txBody>
+          </p:sp>
+        </p:grpSp>
         <p:sp>
           <p:nvSpPr>
-            <p:cNvPr id="6" name="橢圓 5"/>
-            <p:cNvSpPr/>
+            <p:cNvPr id="2" name="文字方塊 1"/>
+            <p:cNvSpPr txBox="1"/>
             <p:nvPr/>
           </p:nvSpPr>
           <p:spPr>
             <a:xfrm>
-              <a:off x="5242489" y="749311"/>
-              <a:ext cx="546671" cy="535100"/>
+              <a:off x="4469440" y="1037867"/>
+              <a:ext cx="287867" cy="323165"/>
             </a:xfrm>
-            <a:prstGeom prst="ellipse">
+            <a:prstGeom prst="rect">
               <a:avLst/>
             </a:prstGeom>
-            <a:solidFill>
-              <a:schemeClr val="tx1">
-                <a:lumMod val="75000"/>
-                <a:lumOff val="25000"/>
-              </a:schemeClr>
-            </a:solidFill>
-            <a:ln>
-              <a:noFill/>
-            </a:ln>
-            <a:effectLst/>
+            <a:noFill/>
           </p:spPr>
-          <p:style>
-            <a:lnRef idx="2">
-              <a:schemeClr val="accent1">
-                <a:shade val="50000"/>
-              </a:schemeClr>
-            </a:lnRef>
-            <a:fillRef idx="1">
-              <a:schemeClr val="accent1"/>
-            </a:fillRef>
-            <a:effectRef idx="0">
-              <a:schemeClr val="accent1"/>
-            </a:effectRef>
-            <a:fontRef idx="minor">
-              <a:schemeClr val="lt1"/>
-            </a:fontRef>
-          </p:style>
           <p:txBody>
-            <a:bodyPr rtlCol="0" anchor="ctr"/>
+            <a:bodyPr wrap="square" rtlCol="0">
+              <a:spAutoFit/>
+            </a:bodyPr>
             <a:lstStyle/>
             <a:p>
-              <a:pPr algn="ctr"/>
               <a:r>
-                <a:rPr lang="en-US" altLang="zh-TW" sz="2400" dirty="0" smtClean="0">
+                <a:rPr lang="en-US" altLang="zh-TW" sz="1500" b="1" u="sng" dirty="0" smtClean="0">
+                  <a:solidFill>
+                    <a:srgbClr val="005FEA"/>
+                  </a:solidFill>
                   <a:latin typeface="Menlo" panose="020B0609030804020204" pitchFamily="49" charset="0"/>
+                  <a:ea typeface="Menlo" panose="020B0609030804020204" pitchFamily="49" charset="0"/>
                   <a:cs typeface="Menlo" panose="020B0609030804020204" pitchFamily="49" charset="0"/>
                 </a:rPr>
                 <a:t>0</a:t>
               </a:r>
-              <a:endParaRPr lang="zh-TW" altLang="en-US" sz="2400" dirty="0">
+              <a:endParaRPr lang="zh-TW" altLang="en-US" sz="1500" b="1" u="sng" dirty="0">
+                <a:solidFill>
+                  <a:srgbClr val="005FEA"/>
+                </a:solidFill>
                 <a:latin typeface="Menlo" panose="020B0609030804020204" pitchFamily="49" charset="0"/>
                 <a:cs typeface="Menlo" panose="020B0609030804020204" pitchFamily="49" charset="0"/>
               </a:endParaRPr>
@@ -11584,58 +12242,41 @@
         </p:sp>
         <p:sp>
           <p:nvSpPr>
-            <p:cNvPr id="10" name="橢圓 9"/>
-            <p:cNvSpPr/>
+            <p:cNvPr id="49" name="文字方塊 48"/>
+            <p:cNvSpPr txBox="1"/>
             <p:nvPr/>
           </p:nvSpPr>
           <p:spPr>
             <a:xfrm>
-              <a:off x="4389696" y="1638083"/>
-              <a:ext cx="546671" cy="535100"/>
+              <a:off x="4472958" y="2089780"/>
+              <a:ext cx="287867" cy="323165"/>
             </a:xfrm>
-            <a:prstGeom prst="ellipse">
+            <a:prstGeom prst="rect">
               <a:avLst/>
             </a:prstGeom>
-            <a:solidFill>
-              <a:schemeClr val="tx1">
-                <a:lumMod val="75000"/>
-                <a:lumOff val="25000"/>
-              </a:schemeClr>
-            </a:solidFill>
-            <a:ln>
-              <a:noFill/>
-            </a:ln>
-            <a:effectLst/>
+            <a:noFill/>
           </p:spPr>
-          <p:style>
-            <a:lnRef idx="2">
-              <a:schemeClr val="accent1">
-                <a:shade val="50000"/>
-              </a:schemeClr>
-            </a:lnRef>
-            <a:fillRef idx="1">
-              <a:schemeClr val="accent1"/>
-            </a:fillRef>
-            <a:effectRef idx="0">
-              <a:schemeClr val="accent1"/>
-            </a:effectRef>
-            <a:fontRef idx="minor">
-              <a:schemeClr val="lt1"/>
-            </a:fontRef>
-          </p:style>
           <p:txBody>
-            <a:bodyPr rtlCol="0" anchor="ctr"/>
+            <a:bodyPr wrap="square" rtlCol="0">
+              <a:spAutoFit/>
+            </a:bodyPr>
             <a:lstStyle/>
             <a:p>
-              <a:pPr algn="ctr"/>
               <a:r>
-                <a:rPr lang="en-US" altLang="zh-TW" sz="2400" dirty="0" smtClean="0">
+                <a:rPr lang="en-US" altLang="zh-TW" sz="1500" b="1" u="sng" dirty="0" smtClean="0">
+                  <a:solidFill>
+                    <a:srgbClr val="005FEA"/>
+                  </a:solidFill>
                   <a:latin typeface="Menlo" panose="020B0609030804020204" pitchFamily="49" charset="0"/>
+                  <a:ea typeface="Menlo" panose="020B0609030804020204" pitchFamily="49" charset="0"/>
                   <a:cs typeface="Menlo" panose="020B0609030804020204" pitchFamily="49" charset="0"/>
                 </a:rPr>
                 <a:t>1</a:t>
               </a:r>
-              <a:endParaRPr lang="zh-TW" altLang="en-US" sz="2400" dirty="0">
+              <a:endParaRPr lang="zh-TW" altLang="en-US" sz="1500" b="1" u="sng" dirty="0">
+                <a:solidFill>
+                  <a:srgbClr val="005FEA"/>
+                </a:solidFill>
                 <a:latin typeface="Menlo" panose="020B0609030804020204" pitchFamily="49" charset="0"/>
                 <a:cs typeface="Menlo" panose="020B0609030804020204" pitchFamily="49" charset="0"/>
               </a:endParaRPr>
@@ -11644,58 +12285,41 @@
         </p:sp>
         <p:sp>
           <p:nvSpPr>
-            <p:cNvPr id="14" name="橢圓 13"/>
-            <p:cNvSpPr/>
+            <p:cNvPr id="50" name="文字方塊 49"/>
+            <p:cNvSpPr txBox="1"/>
             <p:nvPr/>
           </p:nvSpPr>
           <p:spPr>
             <a:xfrm>
-              <a:off x="6106305" y="1638083"/>
-              <a:ext cx="546671" cy="535100"/>
+              <a:off x="3758669" y="2988355"/>
+              <a:ext cx="287867" cy="323165"/>
             </a:xfrm>
-            <a:prstGeom prst="ellipse">
+            <a:prstGeom prst="rect">
               <a:avLst/>
             </a:prstGeom>
-            <a:solidFill>
-              <a:schemeClr val="tx1">
-                <a:lumMod val="75000"/>
-                <a:lumOff val="25000"/>
-              </a:schemeClr>
-            </a:solidFill>
-            <a:ln>
-              <a:noFill/>
-            </a:ln>
-            <a:effectLst/>
+            <a:noFill/>
           </p:spPr>
-          <p:style>
-            <a:lnRef idx="2">
-              <a:schemeClr val="accent1">
-                <a:shade val="50000"/>
-              </a:schemeClr>
-            </a:lnRef>
-            <a:fillRef idx="1">
-              <a:schemeClr val="accent1"/>
-            </a:fillRef>
-            <a:effectRef idx="0">
-              <a:schemeClr val="accent1"/>
-            </a:effectRef>
-            <a:fontRef idx="minor">
-              <a:schemeClr val="lt1"/>
-            </a:fontRef>
-          </p:style>
           <p:txBody>
-            <a:bodyPr rtlCol="0" anchor="ctr"/>
+            <a:bodyPr wrap="square" rtlCol="0">
+              <a:spAutoFit/>
+            </a:bodyPr>
             <a:lstStyle/>
             <a:p>
-              <a:pPr algn="ctr"/>
               <a:r>
-                <a:rPr lang="en-US" altLang="zh-TW" sz="2400" dirty="0" smtClean="0">
+                <a:rPr lang="en-US" altLang="zh-TW" sz="1500" b="1" u="sng" dirty="0" smtClean="0">
+                  <a:solidFill>
+                    <a:srgbClr val="005FEA"/>
+                  </a:solidFill>
                   <a:latin typeface="Menlo" panose="020B0609030804020204" pitchFamily="49" charset="0"/>
+                  <a:ea typeface="Menlo" panose="020B0609030804020204" pitchFamily="49" charset="0"/>
                   <a:cs typeface="Menlo" panose="020B0609030804020204" pitchFamily="49" charset="0"/>
                 </a:rPr>
                 <a:t>2</a:t>
               </a:r>
-              <a:endParaRPr lang="zh-TW" altLang="en-US" sz="2400" dirty="0">
+              <a:endParaRPr lang="zh-TW" altLang="en-US" sz="1500" b="1" u="sng" dirty="0">
+                <a:solidFill>
+                  <a:srgbClr val="005FEA"/>
+                </a:solidFill>
                 <a:latin typeface="Menlo" panose="020B0609030804020204" pitchFamily="49" charset="0"/>
                 <a:cs typeface="Menlo" panose="020B0609030804020204" pitchFamily="49" charset="0"/>
               </a:endParaRPr>
@@ -11704,58 +12328,41 @@
         </p:sp>
         <p:sp>
           <p:nvSpPr>
-            <p:cNvPr id="15" name="橢圓 14"/>
-            <p:cNvSpPr/>
+            <p:cNvPr id="51" name="文字方塊 50"/>
+            <p:cNvSpPr txBox="1"/>
             <p:nvPr/>
           </p:nvSpPr>
           <p:spPr>
             <a:xfrm>
-              <a:off x="3625137" y="2496656"/>
-              <a:ext cx="546671" cy="535100"/>
+              <a:off x="4524898" y="2993642"/>
+              <a:ext cx="287867" cy="323165"/>
             </a:xfrm>
-            <a:prstGeom prst="ellipse">
+            <a:prstGeom prst="rect">
               <a:avLst/>
             </a:prstGeom>
-            <a:solidFill>
-              <a:schemeClr val="tx1">
-                <a:lumMod val="75000"/>
-                <a:lumOff val="25000"/>
-              </a:schemeClr>
-            </a:solidFill>
-            <a:ln>
-              <a:noFill/>
-            </a:ln>
-            <a:effectLst/>
+            <a:noFill/>
           </p:spPr>
-          <p:style>
-            <a:lnRef idx="2">
-              <a:schemeClr val="accent1">
-                <a:shade val="50000"/>
-              </a:schemeClr>
-            </a:lnRef>
-            <a:fillRef idx="1">
-              <a:schemeClr val="accent1"/>
-            </a:fillRef>
-            <a:effectRef idx="0">
-              <a:schemeClr val="accent1"/>
-            </a:effectRef>
-            <a:fontRef idx="minor">
-              <a:schemeClr val="lt1"/>
-            </a:fontRef>
-          </p:style>
           <p:txBody>
-            <a:bodyPr rtlCol="0" anchor="ctr"/>
+            <a:bodyPr wrap="square" rtlCol="0">
+              <a:spAutoFit/>
+            </a:bodyPr>
             <a:lstStyle/>
             <a:p>
-              <a:pPr algn="ctr"/>
               <a:r>
-                <a:rPr lang="en-US" altLang="zh-TW" sz="2400" dirty="0">
+                <a:rPr lang="en-US" altLang="zh-TW" sz="1500" b="1" u="sng" dirty="0" smtClean="0">
+                  <a:solidFill>
+                    <a:srgbClr val="158D05"/>
+                  </a:solidFill>
                   <a:latin typeface="Menlo" panose="020B0609030804020204" pitchFamily="49" charset="0"/>
+                  <a:ea typeface="Menlo" panose="020B0609030804020204" pitchFamily="49" charset="0"/>
                   <a:cs typeface="Menlo" panose="020B0609030804020204" pitchFamily="49" charset="0"/>
                 </a:rPr>
-                <a:t>9</a:t>
+                <a:t>3</a:t>
               </a:r>
-              <a:endParaRPr lang="zh-TW" altLang="en-US" sz="2400" dirty="0">
+              <a:endParaRPr lang="zh-TW" altLang="en-US" sz="1500" b="1" u="sng" dirty="0">
+                <a:solidFill>
+                  <a:srgbClr val="158D05"/>
+                </a:solidFill>
                 <a:latin typeface="Menlo" panose="020B0609030804020204" pitchFamily="49" charset="0"/>
                 <a:cs typeface="Menlo" panose="020B0609030804020204" pitchFamily="49" charset="0"/>
               </a:endParaRPr>
@@ -11764,58 +12371,41 @@
         </p:sp>
         <p:sp>
           <p:nvSpPr>
-            <p:cNvPr id="16" name="橢圓 15"/>
-            <p:cNvSpPr/>
+            <p:cNvPr id="53" name="文字方塊 52"/>
+            <p:cNvSpPr txBox="1"/>
             <p:nvPr/>
           </p:nvSpPr>
           <p:spPr>
             <a:xfrm>
-              <a:off x="5297172" y="2764206"/>
-              <a:ext cx="546671" cy="535100"/>
+              <a:off x="5204995" y="2965518"/>
+              <a:ext cx="287867" cy="323165"/>
             </a:xfrm>
-            <a:prstGeom prst="ellipse">
+            <a:prstGeom prst="rect">
               <a:avLst/>
             </a:prstGeom>
-            <a:solidFill>
-              <a:schemeClr val="tx1">
-                <a:lumMod val="75000"/>
-                <a:lumOff val="25000"/>
-              </a:schemeClr>
-            </a:solidFill>
-            <a:ln>
-              <a:noFill/>
-            </a:ln>
-            <a:effectLst/>
+            <a:noFill/>
           </p:spPr>
-          <p:style>
-            <a:lnRef idx="2">
-              <a:schemeClr val="accent1">
-                <a:shade val="50000"/>
-              </a:schemeClr>
-            </a:lnRef>
-            <a:fillRef idx="1">
-              <a:schemeClr val="accent1"/>
-            </a:fillRef>
-            <a:effectRef idx="0">
-              <a:schemeClr val="accent1"/>
-            </a:effectRef>
-            <a:fontRef idx="minor">
-              <a:schemeClr val="lt1"/>
-            </a:fontRef>
-          </p:style>
           <p:txBody>
-            <a:bodyPr rtlCol="0" anchor="ctr"/>
+            <a:bodyPr wrap="square" rtlCol="0">
+              <a:spAutoFit/>
+            </a:bodyPr>
             <a:lstStyle/>
             <a:p>
-              <a:pPr algn="ctr"/>
               <a:r>
-                <a:rPr lang="en-US" altLang="zh-TW" sz="2400" dirty="0" smtClean="0">
+                <a:rPr lang="en-US" altLang="zh-TW" sz="1500" b="1" u="sng" dirty="0" smtClean="0">
+                  <a:solidFill>
+                    <a:srgbClr val="005FEA"/>
+                  </a:solidFill>
                   <a:latin typeface="Menlo" panose="020B0609030804020204" pitchFamily="49" charset="0"/>
+                  <a:ea typeface="Menlo" panose="020B0609030804020204" pitchFamily="49" charset="0"/>
                   <a:cs typeface="Menlo" panose="020B0609030804020204" pitchFamily="49" charset="0"/>
                 </a:rPr>
                 <a:t>4</a:t>
               </a:r>
-              <a:endParaRPr lang="zh-TW" altLang="en-US" sz="2400" dirty="0">
+              <a:endParaRPr lang="zh-TW" altLang="en-US" sz="1500" b="1" u="sng" dirty="0">
+                <a:solidFill>
+                  <a:srgbClr val="005FEA"/>
+                </a:solidFill>
                 <a:latin typeface="Menlo" panose="020B0609030804020204" pitchFamily="49" charset="0"/>
                 <a:cs typeface="Menlo" panose="020B0609030804020204" pitchFamily="49" charset="0"/>
               </a:endParaRPr>
@@ -11824,58 +12414,41 @@
         </p:sp>
         <p:sp>
           <p:nvSpPr>
-            <p:cNvPr id="17" name="橢圓 16"/>
-            <p:cNvSpPr/>
+            <p:cNvPr id="54" name="文字方塊 53"/>
+            <p:cNvSpPr txBox="1"/>
             <p:nvPr/>
           </p:nvSpPr>
           <p:spPr>
             <a:xfrm>
-              <a:off x="6495725" y="3629624"/>
-              <a:ext cx="546671" cy="535100"/>
+              <a:off x="4358957" y="3862252"/>
+              <a:ext cx="287867" cy="323165"/>
             </a:xfrm>
-            <a:prstGeom prst="ellipse">
+            <a:prstGeom prst="rect">
               <a:avLst/>
             </a:prstGeom>
-            <a:solidFill>
-              <a:schemeClr val="tx1">
-                <a:lumMod val="75000"/>
-                <a:lumOff val="25000"/>
-              </a:schemeClr>
-            </a:solidFill>
-            <a:ln>
-              <a:noFill/>
-            </a:ln>
-            <a:effectLst/>
+            <a:noFill/>
           </p:spPr>
-          <p:style>
-            <a:lnRef idx="2">
-              <a:schemeClr val="accent1">
-                <a:shade val="50000"/>
-              </a:schemeClr>
-            </a:lnRef>
-            <a:fillRef idx="1">
-              <a:schemeClr val="accent1"/>
-            </a:fillRef>
-            <a:effectRef idx="0">
-              <a:schemeClr val="accent1"/>
-            </a:effectRef>
-            <a:fontRef idx="minor">
-              <a:schemeClr val="lt1"/>
-            </a:fontRef>
-          </p:style>
           <p:txBody>
-            <a:bodyPr rtlCol="0" anchor="ctr"/>
+            <a:bodyPr wrap="square" rtlCol="0">
+              <a:spAutoFit/>
+            </a:bodyPr>
             <a:lstStyle/>
             <a:p>
-              <a:pPr algn="ctr"/>
               <a:r>
-                <a:rPr lang="en-US" altLang="zh-TW" sz="2400" dirty="0" smtClean="0">
+                <a:rPr lang="en-US" altLang="zh-TW" sz="1500" b="1" u="sng" dirty="0" smtClean="0">
+                  <a:solidFill>
+                    <a:srgbClr val="005FEA"/>
+                  </a:solidFill>
                   <a:latin typeface="Menlo" panose="020B0609030804020204" pitchFamily="49" charset="0"/>
+                  <a:ea typeface="Menlo" panose="020B0609030804020204" pitchFamily="49" charset="0"/>
                   <a:cs typeface="Menlo" panose="020B0609030804020204" pitchFamily="49" charset="0"/>
                 </a:rPr>
-                <a:t>6</a:t>
+                <a:t>5</a:t>
               </a:r>
-              <a:endParaRPr lang="zh-TW" altLang="en-US" sz="2400" dirty="0">
+              <a:endParaRPr lang="zh-TW" altLang="en-US" sz="1500" b="1" u="sng" dirty="0">
+                <a:solidFill>
+                  <a:srgbClr val="005FEA"/>
+                </a:solidFill>
                 <a:latin typeface="Menlo" panose="020B0609030804020204" pitchFamily="49" charset="0"/>
                 <a:cs typeface="Menlo" panose="020B0609030804020204" pitchFamily="49" charset="0"/>
               </a:endParaRPr>
@@ -11884,58 +12457,41 @@
         </p:sp>
         <p:sp>
           <p:nvSpPr>
-            <p:cNvPr id="18" name="橢圓 17"/>
-            <p:cNvSpPr/>
+            <p:cNvPr id="56" name="文字方塊 55"/>
+            <p:cNvSpPr txBox="1"/>
             <p:nvPr/>
           </p:nvSpPr>
           <p:spPr>
             <a:xfrm>
-              <a:off x="6014891" y="4855969"/>
-              <a:ext cx="546671" cy="535100"/>
+              <a:off x="3774634" y="4755841"/>
+              <a:ext cx="287867" cy="323165"/>
             </a:xfrm>
-            <a:prstGeom prst="ellipse">
+            <a:prstGeom prst="rect">
               <a:avLst/>
             </a:prstGeom>
-            <a:solidFill>
-              <a:schemeClr val="tx1">
-                <a:lumMod val="75000"/>
-                <a:lumOff val="25000"/>
-              </a:schemeClr>
-            </a:solidFill>
-            <a:ln>
-              <a:noFill/>
-            </a:ln>
-            <a:effectLst/>
+            <a:noFill/>
           </p:spPr>
-          <p:style>
-            <a:lnRef idx="2">
-              <a:schemeClr val="accent1">
-                <a:shade val="50000"/>
-              </a:schemeClr>
-            </a:lnRef>
-            <a:fillRef idx="1">
-              <a:schemeClr val="accent1"/>
-            </a:fillRef>
-            <a:effectRef idx="0">
-              <a:schemeClr val="accent1"/>
-            </a:effectRef>
-            <a:fontRef idx="minor">
-              <a:schemeClr val="lt1"/>
-            </a:fontRef>
-          </p:style>
           <p:txBody>
-            <a:bodyPr rtlCol="0" anchor="ctr"/>
+            <a:bodyPr wrap="square" rtlCol="0">
+              <a:spAutoFit/>
+            </a:bodyPr>
             <a:lstStyle/>
             <a:p>
-              <a:pPr algn="ctr"/>
               <a:r>
-                <a:rPr lang="en-US" altLang="zh-TW" sz="2400" dirty="0" smtClean="0">
+                <a:rPr lang="en-US" altLang="zh-TW" sz="1500" b="1" u="sng" dirty="0" smtClean="0">
+                  <a:solidFill>
+                    <a:srgbClr val="005FEA"/>
+                  </a:solidFill>
                   <a:latin typeface="Menlo" panose="020B0609030804020204" pitchFamily="49" charset="0"/>
+                  <a:ea typeface="Menlo" panose="020B0609030804020204" pitchFamily="49" charset="0"/>
                   <a:cs typeface="Menlo" panose="020B0609030804020204" pitchFamily="49" charset="0"/>
                 </a:rPr>
-                <a:t>5</a:t>
+                <a:t>6</a:t>
               </a:r>
-              <a:endParaRPr lang="zh-TW" altLang="en-US" sz="2400" dirty="0">
+              <a:endParaRPr lang="zh-TW" altLang="en-US" sz="1500" b="1" u="sng" dirty="0">
+                <a:solidFill>
+                  <a:srgbClr val="005FEA"/>
+                </a:solidFill>
                 <a:latin typeface="Menlo" panose="020B0609030804020204" pitchFamily="49" charset="0"/>
                 <a:cs typeface="Menlo" panose="020B0609030804020204" pitchFamily="49" charset="0"/>
               </a:endParaRPr>
@@ -11944,58 +12500,41 @@
         </p:sp>
         <p:sp>
           <p:nvSpPr>
-            <p:cNvPr id="19" name="橢圓 18"/>
-            <p:cNvSpPr/>
+            <p:cNvPr id="57" name="文字方塊 56"/>
+            <p:cNvSpPr txBox="1"/>
             <p:nvPr/>
           </p:nvSpPr>
           <p:spPr>
             <a:xfrm>
-              <a:off x="4683997" y="4855969"/>
-              <a:ext cx="546671" cy="535100"/>
+              <a:off x="4557676" y="4747374"/>
+              <a:ext cx="287867" cy="323165"/>
             </a:xfrm>
-            <a:prstGeom prst="ellipse">
+            <a:prstGeom prst="rect">
               <a:avLst/>
             </a:prstGeom>
-            <a:solidFill>
-              <a:schemeClr val="tx1">
-                <a:lumMod val="75000"/>
-                <a:lumOff val="25000"/>
-              </a:schemeClr>
-            </a:solidFill>
-            <a:ln>
-              <a:noFill/>
-            </a:ln>
-            <a:effectLst/>
+            <a:noFill/>
           </p:spPr>
-          <p:style>
-            <a:lnRef idx="2">
-              <a:schemeClr val="accent1">
-                <a:shade val="50000"/>
-              </a:schemeClr>
-            </a:lnRef>
-            <a:fillRef idx="1">
-              <a:schemeClr val="accent1"/>
-            </a:fillRef>
-            <a:effectRef idx="0">
-              <a:schemeClr val="accent1"/>
-            </a:effectRef>
-            <a:fontRef idx="minor">
-              <a:schemeClr val="lt1"/>
-            </a:fontRef>
-          </p:style>
           <p:txBody>
-            <a:bodyPr rtlCol="0" anchor="ctr"/>
+            <a:bodyPr wrap="square" rtlCol="0">
+              <a:spAutoFit/>
+            </a:bodyPr>
             <a:lstStyle/>
             <a:p>
-              <a:pPr algn="ctr"/>
               <a:r>
-                <a:rPr lang="en-US" altLang="zh-TW" sz="2400" dirty="0">
+                <a:rPr lang="en-US" altLang="zh-TW" sz="1500" b="1" u="sng" dirty="0" smtClean="0">
+                  <a:solidFill>
+                    <a:srgbClr val="158D05"/>
+                  </a:solidFill>
                   <a:latin typeface="Menlo" panose="020B0609030804020204" pitchFamily="49" charset="0"/>
+                  <a:ea typeface="Menlo" panose="020B0609030804020204" pitchFamily="49" charset="0"/>
                   <a:cs typeface="Menlo" panose="020B0609030804020204" pitchFamily="49" charset="0"/>
                 </a:rPr>
                 <a:t>7</a:t>
               </a:r>
-              <a:endParaRPr lang="zh-TW" altLang="en-US" sz="2400" dirty="0">
+              <a:endParaRPr lang="zh-TW" altLang="en-US" sz="1500" b="1" u="sng" dirty="0">
+                <a:solidFill>
+                  <a:srgbClr val="158D05"/>
+                </a:solidFill>
                 <a:latin typeface="Menlo" panose="020B0609030804020204" pitchFamily="49" charset="0"/>
                 <a:cs typeface="Menlo" panose="020B0609030804020204" pitchFamily="49" charset="0"/>
               </a:endParaRPr>
@@ -12004,58 +12543,41 @@
         </p:sp>
         <p:sp>
           <p:nvSpPr>
-            <p:cNvPr id="20" name="橢圓 19"/>
-            <p:cNvSpPr/>
+            <p:cNvPr id="59" name="文字方塊 58"/>
+            <p:cNvSpPr txBox="1"/>
             <p:nvPr/>
           </p:nvSpPr>
           <p:spPr>
             <a:xfrm>
-              <a:off x="4250135" y="3629624"/>
-              <a:ext cx="546671" cy="535100"/>
+              <a:off x="5103240" y="3863858"/>
+              <a:ext cx="287867" cy="323165"/>
             </a:xfrm>
-            <a:prstGeom prst="ellipse">
+            <a:prstGeom prst="rect">
               <a:avLst/>
             </a:prstGeom>
-            <a:solidFill>
-              <a:schemeClr val="tx1">
-                <a:lumMod val="75000"/>
-                <a:lumOff val="25000"/>
-              </a:schemeClr>
-            </a:solidFill>
-            <a:ln>
-              <a:noFill/>
-            </a:ln>
-            <a:effectLst/>
+            <a:noFill/>
           </p:spPr>
-          <p:style>
-            <a:lnRef idx="2">
-              <a:schemeClr val="accent1">
-                <a:shade val="50000"/>
-              </a:schemeClr>
-            </a:lnRef>
-            <a:fillRef idx="1">
-              <a:schemeClr val="accent1"/>
-            </a:fillRef>
-            <a:effectRef idx="0">
-              <a:schemeClr val="accent1"/>
-            </a:effectRef>
-            <a:fontRef idx="minor">
-              <a:schemeClr val="lt1"/>
-            </a:fontRef>
-          </p:style>
           <p:txBody>
-            <a:bodyPr rtlCol="0" anchor="ctr"/>
+            <a:bodyPr wrap="square" rtlCol="0">
+              <a:spAutoFit/>
+            </a:bodyPr>
             <a:lstStyle/>
             <a:p>
-              <a:pPr algn="ctr"/>
               <a:r>
-                <a:rPr lang="en-US" altLang="zh-TW" sz="2400" dirty="0" smtClean="0">
+                <a:rPr lang="en-US" altLang="zh-TW" sz="1500" b="1" u="sng" dirty="0">
+                  <a:solidFill>
+                    <a:srgbClr val="158D05"/>
+                  </a:solidFill>
                   <a:latin typeface="Menlo" panose="020B0609030804020204" pitchFamily="49" charset="0"/>
+                  <a:ea typeface="Menlo" panose="020B0609030804020204" pitchFamily="49" charset="0"/>
                   <a:cs typeface="Menlo" panose="020B0609030804020204" pitchFamily="49" charset="0"/>
                 </a:rPr>
                 <a:t>8</a:t>
               </a:r>
-              <a:endParaRPr lang="zh-TW" altLang="en-US" sz="2400" dirty="0">
+              <a:endParaRPr lang="zh-TW" altLang="en-US" sz="1500" b="1" u="sng" dirty="0">
+                <a:solidFill>
+                  <a:srgbClr val="158D05"/>
+                </a:solidFill>
                 <a:latin typeface="Menlo" panose="020B0609030804020204" pitchFamily="49" charset="0"/>
                 <a:cs typeface="Menlo" panose="020B0609030804020204" pitchFamily="49" charset="0"/>
               </a:endParaRPr>
@@ -12064,613 +12586,41 @@
         </p:sp>
         <p:sp>
           <p:nvSpPr>
-            <p:cNvPr id="22" name="橢圓 21"/>
-            <p:cNvSpPr/>
+            <p:cNvPr id="60" name="文字方塊 59"/>
+            <p:cNvSpPr txBox="1"/>
             <p:nvPr/>
           </p:nvSpPr>
           <p:spPr>
             <a:xfrm>
-              <a:off x="6969208" y="2446091"/>
-              <a:ext cx="546671" cy="535100"/>
+              <a:off x="5726727" y="3856891"/>
+              <a:ext cx="287867" cy="323165"/>
             </a:xfrm>
-            <a:prstGeom prst="ellipse">
+            <a:prstGeom prst="rect">
               <a:avLst/>
             </a:prstGeom>
-            <a:solidFill>
-              <a:schemeClr val="tx1">
-                <a:lumMod val="75000"/>
-                <a:lumOff val="25000"/>
-              </a:schemeClr>
-            </a:solidFill>
-            <a:ln>
-              <a:noFill/>
-            </a:ln>
-            <a:effectLst/>
+            <a:noFill/>
           </p:spPr>
-          <p:style>
-            <a:lnRef idx="2">
-              <a:schemeClr val="accent1">
-                <a:shade val="50000"/>
-              </a:schemeClr>
-            </a:lnRef>
-            <a:fillRef idx="1">
-              <a:schemeClr val="accent1"/>
-            </a:fillRef>
-            <a:effectRef idx="0">
-              <a:schemeClr val="accent1"/>
-            </a:effectRef>
-            <a:fontRef idx="minor">
-              <a:schemeClr val="lt1"/>
-            </a:fontRef>
-          </p:style>
           <p:txBody>
-            <a:bodyPr rtlCol="0" anchor="ctr"/>
+            <a:bodyPr wrap="square" rtlCol="0">
+              <a:spAutoFit/>
+            </a:bodyPr>
             <a:lstStyle/>
             <a:p>
-              <a:pPr algn="ctr"/>
               <a:r>
-                <a:rPr lang="en-US" altLang="zh-TW" sz="2400" dirty="0" smtClean="0">
+                <a:rPr lang="en-US" altLang="zh-TW" sz="1500" b="1" u="sng" dirty="0" smtClean="0">
+                  <a:solidFill>
+                    <a:srgbClr val="005FEA"/>
+                  </a:solidFill>
                   <a:latin typeface="Menlo" panose="020B0609030804020204" pitchFamily="49" charset="0"/>
+                  <a:ea typeface="Menlo" panose="020B0609030804020204" pitchFamily="49" charset="0"/>
                   <a:cs typeface="Menlo" panose="020B0609030804020204" pitchFamily="49" charset="0"/>
                 </a:rPr>
-                <a:t>3</a:t>
+                <a:t>9</a:t>
               </a:r>
-              <a:endParaRPr lang="zh-TW" altLang="en-US" sz="2400" dirty="0">
-                <a:latin typeface="Menlo" panose="020B0609030804020204" pitchFamily="49" charset="0"/>
-                <a:cs typeface="Menlo" panose="020B0609030804020204" pitchFamily="49" charset="0"/>
-              </a:endParaRPr>
-            </a:p>
-          </p:txBody>
-        </p:sp>
-      </p:grpSp>
-      <p:grpSp>
-        <p:nvGrpSpPr>
-          <p:cNvPr id="115" name="群組 114"/>
-          <p:cNvGrpSpPr/>
-          <p:nvPr/>
-        </p:nvGrpSpPr>
-        <p:grpSpPr>
-          <a:xfrm>
-            <a:off x="6711444" y="921181"/>
-            <a:ext cx="3712879" cy="5046751"/>
-            <a:chOff x="6840746" y="528480"/>
-            <a:chExt cx="3712879" cy="5046751"/>
-          </a:xfrm>
-        </p:grpSpPr>
-        <p:sp>
-          <p:nvSpPr>
-            <p:cNvPr id="116" name="弧形 115"/>
-            <p:cNvSpPr/>
-            <p:nvPr/>
-          </p:nvSpPr>
-          <p:spPr>
-            <a:xfrm rot="21390419">
-              <a:off x="8370202" y="2430663"/>
-              <a:ext cx="2183423" cy="2895653"/>
-            </a:xfrm>
-            <a:prstGeom prst="arc">
-              <a:avLst>
-                <a:gd name="adj1" fmla="val 15237009"/>
-                <a:gd name="adj2" fmla="val 5394745"/>
-              </a:avLst>
-            </a:prstGeom>
-            <a:ln w="76200">
-              <a:solidFill>
-                <a:srgbClr val="C00000"/>
-              </a:solidFill>
-            </a:ln>
-          </p:spPr>
-          <p:style>
-            <a:lnRef idx="1">
-              <a:schemeClr val="accent1"/>
-            </a:lnRef>
-            <a:fillRef idx="0">
-              <a:schemeClr val="accent1"/>
-            </a:fillRef>
-            <a:effectRef idx="0">
-              <a:schemeClr val="accent1"/>
-            </a:effectRef>
-            <a:fontRef idx="minor">
-              <a:schemeClr val="tx1"/>
-            </a:fontRef>
-          </p:style>
-          <p:txBody>
-            <a:bodyPr rtlCol="0" anchor="ctr"/>
-            <a:lstStyle/>
-            <a:p>
-              <a:pPr algn="ctr"/>
-              <a:endParaRPr lang="zh-TW" altLang="en-US"/>
-            </a:p>
-          </p:txBody>
-        </p:sp>
-        <p:sp>
-          <p:nvSpPr>
-            <p:cNvPr id="117" name="弧形 116"/>
-            <p:cNvSpPr/>
-            <p:nvPr/>
-          </p:nvSpPr>
-          <p:spPr>
-            <a:xfrm rot="20858719">
-              <a:off x="8472209" y="2572120"/>
-              <a:ext cx="1655086" cy="2047101"/>
-            </a:xfrm>
-            <a:prstGeom prst="arc">
-              <a:avLst>
-                <a:gd name="adj1" fmla="val 16280781"/>
-                <a:gd name="adj2" fmla="val 3690667"/>
-              </a:avLst>
-            </a:prstGeom>
-            <a:ln w="76200">
-              <a:solidFill>
-                <a:srgbClr val="C00000"/>
-              </a:solidFill>
-            </a:ln>
-          </p:spPr>
-          <p:style>
-            <a:lnRef idx="1">
-              <a:schemeClr val="accent1"/>
-            </a:lnRef>
-            <a:fillRef idx="0">
-              <a:schemeClr val="accent1"/>
-            </a:fillRef>
-            <a:effectRef idx="0">
-              <a:schemeClr val="accent1"/>
-            </a:effectRef>
-            <a:fontRef idx="minor">
-              <a:schemeClr val="tx1"/>
-            </a:fontRef>
-          </p:style>
-          <p:txBody>
-            <a:bodyPr rtlCol="0" anchor="ctr"/>
-            <a:lstStyle/>
-            <a:p>
-              <a:pPr algn="ctr"/>
-              <a:endParaRPr lang="zh-TW" altLang="en-US"/>
-            </a:p>
-          </p:txBody>
-        </p:sp>
-        <p:sp>
-          <p:nvSpPr>
-            <p:cNvPr id="118" name="弧形 117"/>
-            <p:cNvSpPr/>
-            <p:nvPr/>
-          </p:nvSpPr>
-          <p:spPr>
-            <a:xfrm flipH="1">
-              <a:off x="6840746" y="796029"/>
-              <a:ext cx="2644771" cy="2662809"/>
-            </a:xfrm>
-            <a:prstGeom prst="arc">
-              <a:avLst>
-                <a:gd name="adj1" fmla="val 16280781"/>
-                <a:gd name="adj2" fmla="val 5328389"/>
-              </a:avLst>
-            </a:prstGeom>
-            <a:ln w="76200">
-              <a:solidFill>
-                <a:srgbClr val="C00000"/>
-              </a:solidFill>
-            </a:ln>
-          </p:spPr>
-          <p:style>
-            <a:lnRef idx="1">
-              <a:schemeClr val="accent1"/>
-            </a:lnRef>
-            <a:fillRef idx="0">
-              <a:schemeClr val="accent1"/>
-            </a:fillRef>
-            <a:effectRef idx="0">
-              <a:schemeClr val="accent1"/>
-            </a:effectRef>
-            <a:fontRef idx="minor">
-              <a:schemeClr val="tx1"/>
-            </a:fontRef>
-          </p:style>
-          <p:txBody>
-            <a:bodyPr rtlCol="0" anchor="ctr"/>
-            <a:lstStyle/>
-            <a:p>
-              <a:pPr algn="ctr"/>
-              <a:endParaRPr lang="zh-TW" altLang="en-US"/>
-            </a:p>
-          </p:txBody>
-        </p:sp>
-        <p:cxnSp>
-          <p:nvCxnSpPr>
-            <p:cNvPr id="119" name="直線接點 118"/>
-            <p:cNvCxnSpPr/>
-            <p:nvPr/>
-          </p:nvCxnSpPr>
-          <p:spPr>
-            <a:xfrm flipH="1">
-              <a:off x="7524975" y="1680025"/>
-              <a:ext cx="694942" cy="880029"/>
-            </a:xfrm>
-            <a:prstGeom prst="line">
-              <a:avLst/>
-            </a:prstGeom>
-            <a:ln w="76200">
-              <a:solidFill>
-                <a:schemeClr val="tx1">
-                  <a:lumMod val="50000"/>
-                  <a:lumOff val="50000"/>
-                </a:schemeClr>
-              </a:solidFill>
-            </a:ln>
-          </p:spPr>
-          <p:style>
-            <a:lnRef idx="1">
-              <a:schemeClr val="accent1"/>
-            </a:lnRef>
-            <a:fillRef idx="0">
-              <a:schemeClr val="accent1"/>
-            </a:fillRef>
-            <a:effectRef idx="0">
-              <a:schemeClr val="accent1"/>
-            </a:effectRef>
-            <a:fontRef idx="minor">
-              <a:schemeClr val="tx1"/>
-            </a:fontRef>
-          </p:style>
-        </p:cxnSp>
-        <p:cxnSp>
-          <p:nvCxnSpPr>
-            <p:cNvPr id="120" name="直線接點 119"/>
-            <p:cNvCxnSpPr/>
-            <p:nvPr/>
-          </p:nvCxnSpPr>
-          <p:spPr>
-            <a:xfrm>
-              <a:off x="8219917" y="1668879"/>
-              <a:ext cx="746145" cy="891175"/>
-            </a:xfrm>
-            <a:prstGeom prst="line">
-              <a:avLst/>
-            </a:prstGeom>
-            <a:ln w="76200">
-              <a:solidFill>
-                <a:schemeClr val="tx1">
-                  <a:lumMod val="50000"/>
-                  <a:lumOff val="50000"/>
-                </a:schemeClr>
-              </a:solidFill>
-            </a:ln>
-          </p:spPr>
-          <p:style>
-            <a:lnRef idx="1">
-              <a:schemeClr val="accent1"/>
-            </a:lnRef>
-            <a:fillRef idx="0">
-              <a:schemeClr val="accent1"/>
-            </a:fillRef>
-            <a:effectRef idx="0">
-              <a:schemeClr val="accent1"/>
-            </a:effectRef>
-            <a:fontRef idx="minor">
-              <a:schemeClr val="tx1"/>
-            </a:fontRef>
-          </p:style>
-        </p:cxnSp>
-        <p:cxnSp>
-          <p:nvCxnSpPr>
-            <p:cNvPr id="121" name="直線接點 120"/>
-            <p:cNvCxnSpPr/>
-            <p:nvPr/>
-          </p:nvCxnSpPr>
-          <p:spPr>
-            <a:xfrm flipV="1">
-              <a:off x="8111427" y="2560054"/>
-              <a:ext cx="854635" cy="872849"/>
-            </a:xfrm>
-            <a:prstGeom prst="line">
-              <a:avLst/>
-            </a:prstGeom>
-            <a:ln w="76200">
-              <a:solidFill>
-                <a:schemeClr val="tx1">
-                  <a:lumMod val="50000"/>
-                  <a:lumOff val="50000"/>
-                </a:schemeClr>
-              </a:solidFill>
-            </a:ln>
-          </p:spPr>
-          <p:style>
-            <a:lnRef idx="1">
-              <a:schemeClr val="accent1"/>
-            </a:lnRef>
-            <a:fillRef idx="0">
-              <a:schemeClr val="accent1"/>
-            </a:fillRef>
-            <a:effectRef idx="0">
-              <a:schemeClr val="accent1"/>
-            </a:effectRef>
-            <a:fontRef idx="minor">
-              <a:schemeClr val="tx1"/>
-            </a:fontRef>
-          </p:style>
-        </p:cxnSp>
-        <p:cxnSp>
-          <p:nvCxnSpPr>
-            <p:cNvPr id="122" name="直線接點 121"/>
-            <p:cNvCxnSpPr/>
-            <p:nvPr/>
-          </p:nvCxnSpPr>
-          <p:spPr>
-            <a:xfrm flipH="1" flipV="1">
-              <a:off x="8966062" y="2560054"/>
-              <a:ext cx="523830" cy="887529"/>
-            </a:xfrm>
-            <a:prstGeom prst="line">
-              <a:avLst/>
-            </a:prstGeom>
-            <a:ln w="76200">
-              <a:solidFill>
-                <a:schemeClr val="tx1">
-                  <a:lumMod val="50000"/>
-                  <a:lumOff val="50000"/>
-                </a:schemeClr>
-              </a:solidFill>
-            </a:ln>
-          </p:spPr>
-          <p:style>
-            <a:lnRef idx="1">
-              <a:schemeClr val="accent1"/>
-            </a:lnRef>
-            <a:fillRef idx="0">
-              <a:schemeClr val="accent1"/>
-            </a:fillRef>
-            <a:effectRef idx="0">
-              <a:schemeClr val="accent1"/>
-            </a:effectRef>
-            <a:fontRef idx="minor">
-              <a:schemeClr val="tx1"/>
-            </a:fontRef>
-          </p:style>
-        </p:cxnSp>
-        <p:cxnSp>
-          <p:nvCxnSpPr>
-            <p:cNvPr id="123" name="直線接點 122"/>
-            <p:cNvCxnSpPr/>
-            <p:nvPr/>
-          </p:nvCxnSpPr>
-          <p:spPr>
-            <a:xfrm flipV="1">
-              <a:off x="7689075" y="3432903"/>
-              <a:ext cx="422351" cy="891175"/>
-            </a:xfrm>
-            <a:prstGeom prst="line">
-              <a:avLst/>
-            </a:prstGeom>
-            <a:ln w="76200">
-              <a:solidFill>
-                <a:schemeClr val="tx1">
-                  <a:lumMod val="50000"/>
-                  <a:lumOff val="50000"/>
-                </a:schemeClr>
-              </a:solidFill>
-            </a:ln>
-          </p:spPr>
-          <p:style>
-            <a:lnRef idx="1">
-              <a:schemeClr val="accent1"/>
-            </a:lnRef>
-            <a:fillRef idx="0">
-              <a:schemeClr val="accent1"/>
-            </a:fillRef>
-            <a:effectRef idx="0">
-              <a:schemeClr val="accent1"/>
-            </a:effectRef>
-            <a:fontRef idx="minor">
-              <a:schemeClr val="tx1"/>
-            </a:fontRef>
-          </p:style>
-        </p:cxnSp>
-        <p:cxnSp>
-          <p:nvCxnSpPr>
-            <p:cNvPr id="124" name="直線接點 123"/>
-            <p:cNvCxnSpPr/>
-            <p:nvPr/>
-          </p:nvCxnSpPr>
-          <p:spPr>
-            <a:xfrm flipV="1">
-              <a:off x="8861237" y="3440083"/>
-              <a:ext cx="628654" cy="883995"/>
-            </a:xfrm>
-            <a:prstGeom prst="line">
-              <a:avLst/>
-            </a:prstGeom>
-            <a:ln w="76200">
-              <a:solidFill>
-                <a:schemeClr val="tx1">
-                  <a:lumMod val="50000"/>
-                  <a:lumOff val="50000"/>
-                </a:schemeClr>
-              </a:solidFill>
-            </a:ln>
-          </p:spPr>
-          <p:style>
-            <a:lnRef idx="1">
-              <a:schemeClr val="accent1"/>
-            </a:lnRef>
-            <a:fillRef idx="0">
-              <a:schemeClr val="accent1"/>
-            </a:fillRef>
-            <a:effectRef idx="0">
-              <a:schemeClr val="accent1"/>
-            </a:effectRef>
-            <a:fontRef idx="minor">
-              <a:schemeClr val="tx1"/>
-            </a:fontRef>
-          </p:style>
-        </p:cxnSp>
-        <p:cxnSp>
-          <p:nvCxnSpPr>
-            <p:cNvPr id="125" name="直線接點 124"/>
-            <p:cNvCxnSpPr/>
-            <p:nvPr/>
-          </p:nvCxnSpPr>
-          <p:spPr>
-            <a:xfrm flipH="1" flipV="1">
-              <a:off x="9489891" y="3440083"/>
-              <a:ext cx="410602" cy="883995"/>
-            </a:xfrm>
-            <a:prstGeom prst="line">
-              <a:avLst/>
-            </a:prstGeom>
-            <a:ln w="76200">
-              <a:solidFill>
-                <a:schemeClr val="tx1">
-                  <a:lumMod val="50000"/>
-                  <a:lumOff val="50000"/>
-                </a:schemeClr>
-              </a:solidFill>
-            </a:ln>
-          </p:spPr>
-          <p:style>
-            <a:lnRef idx="1">
-              <a:schemeClr val="accent1"/>
-            </a:lnRef>
-            <a:fillRef idx="0">
-              <a:schemeClr val="accent1"/>
-            </a:fillRef>
-            <a:effectRef idx="0">
-              <a:schemeClr val="accent1"/>
-            </a:effectRef>
-            <a:fontRef idx="minor">
-              <a:schemeClr val="tx1"/>
-            </a:fontRef>
-          </p:style>
-        </p:cxnSp>
-        <p:cxnSp>
-          <p:nvCxnSpPr>
-            <p:cNvPr id="126" name="直線接點 125"/>
-            <p:cNvCxnSpPr/>
-            <p:nvPr/>
-          </p:nvCxnSpPr>
-          <p:spPr>
-            <a:xfrm flipH="1">
-              <a:off x="9353223" y="4331258"/>
-              <a:ext cx="547270" cy="976423"/>
-            </a:xfrm>
-            <a:prstGeom prst="line">
-              <a:avLst/>
-            </a:prstGeom>
-            <a:ln w="76200">
-              <a:solidFill>
-                <a:schemeClr val="tx1">
-                  <a:lumMod val="50000"/>
-                  <a:lumOff val="50000"/>
-                </a:schemeClr>
-              </a:solidFill>
-            </a:ln>
-          </p:spPr>
-          <p:style>
-            <a:lnRef idx="1">
-              <a:schemeClr val="accent1"/>
-            </a:lnRef>
-            <a:fillRef idx="0">
-              <a:schemeClr val="accent1"/>
-            </a:fillRef>
-            <a:effectRef idx="0">
-              <a:schemeClr val="accent1"/>
-            </a:effectRef>
-            <a:fontRef idx="minor">
-              <a:schemeClr val="tx1"/>
-            </a:fontRef>
-          </p:style>
-        </p:cxnSp>
-        <p:cxnSp>
-          <p:nvCxnSpPr>
-            <p:cNvPr id="127" name="直線接點 126"/>
-            <p:cNvCxnSpPr/>
-            <p:nvPr/>
-          </p:nvCxnSpPr>
-          <p:spPr>
-            <a:xfrm>
-              <a:off x="8219916" y="796030"/>
-              <a:ext cx="0" cy="883995"/>
-            </a:xfrm>
-            <a:prstGeom prst="line">
-              <a:avLst/>
-            </a:prstGeom>
-            <a:ln w="76200">
-              <a:solidFill>
-                <a:schemeClr val="tx1">
-                  <a:lumMod val="50000"/>
-                  <a:lumOff val="50000"/>
-                </a:schemeClr>
-              </a:solidFill>
-            </a:ln>
-          </p:spPr>
-          <p:style>
-            <a:lnRef idx="1">
-              <a:schemeClr val="accent1"/>
-            </a:lnRef>
-            <a:fillRef idx="0">
-              <a:schemeClr val="accent1"/>
-            </a:fillRef>
-            <a:effectRef idx="0">
-              <a:schemeClr val="accent1"/>
-            </a:effectRef>
-            <a:fontRef idx="minor">
-              <a:schemeClr val="tx1"/>
-            </a:fontRef>
-          </p:style>
-        </p:cxnSp>
-        <p:sp>
-          <p:nvSpPr>
-            <p:cNvPr id="128" name="橢圓 127"/>
-            <p:cNvSpPr/>
-            <p:nvPr/>
-          </p:nvSpPr>
-          <p:spPr>
-            <a:xfrm>
-              <a:off x="7946581" y="528480"/>
-              <a:ext cx="546671" cy="535100"/>
-            </a:xfrm>
-            <a:prstGeom prst="ellipse">
-              <a:avLst/>
-            </a:prstGeom>
-            <a:solidFill>
-              <a:schemeClr val="tx1">
-                <a:lumMod val="75000"/>
-                <a:lumOff val="25000"/>
-              </a:schemeClr>
-            </a:solidFill>
-            <a:ln>
-              <a:noFill/>
-            </a:ln>
-            <a:effectLst/>
-          </p:spPr>
-          <p:style>
-            <a:lnRef idx="2">
-              <a:schemeClr val="accent1">
-                <a:shade val="50000"/>
-              </a:schemeClr>
-            </a:lnRef>
-            <a:fillRef idx="1">
-              <a:schemeClr val="accent1"/>
-            </a:fillRef>
-            <a:effectRef idx="0">
-              <a:schemeClr val="accent1"/>
-            </a:effectRef>
-            <a:fontRef idx="minor">
-              <a:schemeClr val="lt1"/>
-            </a:fontRef>
-          </p:style>
-          <p:txBody>
-            <a:bodyPr rtlCol="0" anchor="ctr"/>
-            <a:lstStyle/>
-            <a:p>
-              <a:pPr algn="ctr"/>
-              <a:r>
-                <a:rPr lang="en-US" altLang="zh-TW" sz="2400" dirty="0" smtClean="0">
-                  <a:latin typeface="Menlo" panose="020B0609030804020204" pitchFamily="49" charset="0"/>
-                  <a:cs typeface="Menlo" panose="020B0609030804020204" pitchFamily="49" charset="0"/>
-                </a:rPr>
-                <a:t>0</a:t>
-              </a:r>
-              <a:endParaRPr lang="zh-TW" altLang="en-US" sz="2400" dirty="0">
+              <a:endParaRPr lang="zh-TW" altLang="en-US" sz="1500" b="1" u="sng" dirty="0">
+                <a:solidFill>
+                  <a:srgbClr val="005FEA"/>
+                </a:solidFill>
                 <a:latin typeface="Menlo" panose="020B0609030804020204" pitchFamily="49" charset="0"/>
                 <a:cs typeface="Menlo" panose="020B0609030804020204" pitchFamily="49" charset="0"/>
               </a:endParaRPr>
@@ -12679,58 +12629,52 @@
         </p:sp>
         <p:sp>
           <p:nvSpPr>
-            <p:cNvPr id="129" name="橢圓 128"/>
-            <p:cNvSpPr/>
+            <p:cNvPr id="61" name="文字方塊 60"/>
+            <p:cNvSpPr txBox="1"/>
             <p:nvPr/>
           </p:nvSpPr>
           <p:spPr>
             <a:xfrm>
-              <a:off x="7946583" y="1412475"/>
-              <a:ext cx="546671" cy="535100"/>
+              <a:off x="4922728" y="4750806"/>
+              <a:ext cx="518719" cy="323165"/>
             </a:xfrm>
-            <a:prstGeom prst="ellipse">
+            <a:prstGeom prst="rect">
               <a:avLst/>
             </a:prstGeom>
-            <a:solidFill>
-              <a:schemeClr val="tx1">
-                <a:lumMod val="75000"/>
-                <a:lumOff val="25000"/>
-              </a:schemeClr>
-            </a:solidFill>
-            <a:ln>
-              <a:noFill/>
-            </a:ln>
-            <a:effectLst/>
+            <a:noFill/>
           </p:spPr>
-          <p:style>
-            <a:lnRef idx="2">
-              <a:schemeClr val="accent1">
-                <a:shade val="50000"/>
-              </a:schemeClr>
-            </a:lnRef>
-            <a:fillRef idx="1">
-              <a:schemeClr val="accent1"/>
-            </a:fillRef>
-            <a:effectRef idx="0">
-              <a:schemeClr val="accent1"/>
-            </a:effectRef>
-            <a:fontRef idx="minor">
-              <a:schemeClr val="lt1"/>
-            </a:fontRef>
-          </p:style>
           <p:txBody>
-            <a:bodyPr rtlCol="0" anchor="ctr"/>
+            <a:bodyPr wrap="square" rtlCol="0">
+              <a:spAutoFit/>
+            </a:bodyPr>
             <a:lstStyle/>
             <a:p>
-              <a:pPr algn="ctr"/>
               <a:r>
-                <a:rPr lang="en-US" altLang="zh-TW" sz="2400" dirty="0" smtClean="0">
+                <a:rPr lang="en-US" altLang="zh-TW" sz="1500" b="1" u="sng" dirty="0">
+                  <a:solidFill>
+                    <a:srgbClr val="005FEA"/>
+                  </a:solidFill>
                   <a:latin typeface="Menlo" panose="020B0609030804020204" pitchFamily="49" charset="0"/>
+                  <a:ea typeface="Menlo" panose="020B0609030804020204" pitchFamily="49" charset="0"/>
                   <a:cs typeface="Menlo" panose="020B0609030804020204" pitchFamily="49" charset="0"/>
                 </a:rPr>
                 <a:t>1</a:t>
               </a:r>
-              <a:endParaRPr lang="zh-TW" altLang="en-US" sz="2400" dirty="0">
+              <a:r>
+                <a:rPr lang="en-US" altLang="zh-TW" sz="1500" b="1" u="sng" dirty="0" smtClean="0">
+                  <a:solidFill>
+                    <a:srgbClr val="005FEA"/>
+                  </a:solidFill>
+                  <a:latin typeface="Menlo" panose="020B0609030804020204" pitchFamily="49" charset="0"/>
+                  <a:ea typeface="Menlo" panose="020B0609030804020204" pitchFamily="49" charset="0"/>
+                  <a:cs typeface="Menlo" panose="020B0609030804020204" pitchFamily="49" charset="0"/>
+                </a:rPr>
+                <a:t>0</a:t>
+              </a:r>
+              <a:endParaRPr lang="zh-TW" altLang="en-US" sz="1500" b="1" u="sng" dirty="0">
+                <a:solidFill>
+                  <a:srgbClr val="005FEA"/>
+                </a:solidFill>
                 <a:latin typeface="Menlo" panose="020B0609030804020204" pitchFamily="49" charset="0"/>
                 <a:cs typeface="Menlo" panose="020B0609030804020204" pitchFamily="49" charset="0"/>
               </a:endParaRPr>
@@ -12739,58 +12683,41 @@
         </p:sp>
         <p:sp>
           <p:nvSpPr>
-            <p:cNvPr id="130" name="橢圓 129"/>
-            <p:cNvSpPr/>
+            <p:cNvPr id="62" name="文字方塊 61"/>
+            <p:cNvSpPr txBox="1"/>
             <p:nvPr/>
           </p:nvSpPr>
           <p:spPr>
             <a:xfrm>
-              <a:off x="7251640" y="2298032"/>
-              <a:ext cx="546671" cy="535100"/>
+              <a:off x="5780656" y="4753006"/>
+              <a:ext cx="518719" cy="323165"/>
             </a:xfrm>
-            <a:prstGeom prst="ellipse">
+            <a:prstGeom prst="rect">
               <a:avLst/>
             </a:prstGeom>
-            <a:solidFill>
-              <a:schemeClr val="tx1">
-                <a:lumMod val="75000"/>
-                <a:lumOff val="25000"/>
-              </a:schemeClr>
-            </a:solidFill>
-            <a:ln>
-              <a:noFill/>
-            </a:ln>
-            <a:effectLst/>
+            <a:noFill/>
           </p:spPr>
-          <p:style>
-            <a:lnRef idx="2">
-              <a:schemeClr val="accent1">
-                <a:shade val="50000"/>
-              </a:schemeClr>
-            </a:lnRef>
-            <a:fillRef idx="1">
-              <a:schemeClr val="accent1"/>
-            </a:fillRef>
-            <a:effectRef idx="0">
-              <a:schemeClr val="accent1"/>
-            </a:effectRef>
-            <a:fontRef idx="minor">
-              <a:schemeClr val="lt1"/>
-            </a:fontRef>
-          </p:style>
           <p:txBody>
-            <a:bodyPr rtlCol="0" anchor="ctr"/>
+            <a:bodyPr wrap="square" rtlCol="0">
+              <a:spAutoFit/>
+            </a:bodyPr>
             <a:lstStyle/>
             <a:p>
-              <a:pPr algn="ctr"/>
               <a:r>
-                <a:rPr lang="en-US" altLang="zh-TW" sz="2400" dirty="0">
+                <a:rPr lang="en-US" altLang="zh-TW" sz="1500" b="1" u="sng" dirty="0" smtClean="0">
+                  <a:solidFill>
+                    <a:srgbClr val="158D05"/>
+                  </a:solidFill>
                   <a:latin typeface="Menlo" panose="020B0609030804020204" pitchFamily="49" charset="0"/>
+                  <a:ea typeface="Menlo" panose="020B0609030804020204" pitchFamily="49" charset="0"/>
                   <a:cs typeface="Menlo" panose="020B0609030804020204" pitchFamily="49" charset="0"/>
                 </a:rPr>
-                <a:t>9</a:t>
+                <a:t>13</a:t>
               </a:r>
-              <a:endParaRPr lang="zh-TW" altLang="en-US" sz="2400" dirty="0">
+              <a:endParaRPr lang="zh-TW" altLang="en-US" sz="1500" b="1" u="sng" dirty="0">
+                <a:solidFill>
+                  <a:srgbClr val="158D05"/>
+                </a:solidFill>
                 <a:latin typeface="Menlo" panose="020B0609030804020204" pitchFamily="49" charset="0"/>
                 <a:cs typeface="Menlo" panose="020B0609030804020204" pitchFamily="49" charset="0"/>
               </a:endParaRPr>
@@ -12799,58 +12726,41 @@
         </p:sp>
         <p:sp>
           <p:nvSpPr>
-            <p:cNvPr id="131" name="橢圓 130"/>
-            <p:cNvSpPr/>
+            <p:cNvPr id="63" name="文字方塊 62"/>
+            <p:cNvSpPr txBox="1"/>
             <p:nvPr/>
           </p:nvSpPr>
           <p:spPr>
             <a:xfrm>
-              <a:off x="8692727" y="2292504"/>
-              <a:ext cx="546671" cy="535100"/>
+              <a:off x="6046255" y="4493225"/>
+              <a:ext cx="518719" cy="323165"/>
             </a:xfrm>
-            <a:prstGeom prst="ellipse">
+            <a:prstGeom prst="rect">
               <a:avLst/>
             </a:prstGeom>
-            <a:solidFill>
-              <a:schemeClr val="tx1">
-                <a:lumMod val="75000"/>
-                <a:lumOff val="25000"/>
-              </a:schemeClr>
-            </a:solidFill>
-            <a:ln>
-              <a:noFill/>
-            </a:ln>
-            <a:effectLst/>
+            <a:noFill/>
           </p:spPr>
-          <p:style>
-            <a:lnRef idx="2">
-              <a:schemeClr val="accent1">
-                <a:shade val="50000"/>
-              </a:schemeClr>
-            </a:lnRef>
-            <a:fillRef idx="1">
-              <a:schemeClr val="accent1"/>
-            </a:fillRef>
-            <a:effectRef idx="0">
-              <a:schemeClr val="accent1"/>
-            </a:effectRef>
-            <a:fontRef idx="minor">
-              <a:schemeClr val="lt1"/>
-            </a:fontRef>
-          </p:style>
           <p:txBody>
-            <a:bodyPr rtlCol="0" anchor="ctr"/>
+            <a:bodyPr wrap="square" rtlCol="0">
+              <a:spAutoFit/>
+            </a:bodyPr>
             <a:lstStyle/>
             <a:p>
-              <a:pPr algn="ctr"/>
               <a:r>
-                <a:rPr lang="en-US" altLang="zh-TW" sz="2400" dirty="0" smtClean="0">
+                <a:rPr lang="en-US" altLang="zh-TW" sz="1500" b="1" u="sng" dirty="0" smtClean="0">
+                  <a:solidFill>
+                    <a:srgbClr val="005FEA"/>
+                  </a:solidFill>
                   <a:latin typeface="Menlo" panose="020B0609030804020204" pitchFamily="49" charset="0"/>
+                  <a:ea typeface="Menlo" panose="020B0609030804020204" pitchFamily="49" charset="0"/>
                   <a:cs typeface="Menlo" panose="020B0609030804020204" pitchFamily="49" charset="0"/>
                 </a:rPr>
-                <a:t>4</a:t>
+                <a:t>14</a:t>
               </a:r>
-              <a:endParaRPr lang="zh-TW" altLang="en-US" sz="2400" dirty="0">
+              <a:endParaRPr lang="zh-TW" altLang="en-US" sz="1500" b="1" u="sng" dirty="0">
+                <a:solidFill>
+                  <a:srgbClr val="005FEA"/>
+                </a:solidFill>
                 <a:latin typeface="Menlo" panose="020B0609030804020204" pitchFamily="49" charset="0"/>
                 <a:cs typeface="Menlo" panose="020B0609030804020204" pitchFamily="49" charset="0"/>
               </a:endParaRPr>
@@ -12859,58 +12769,41 @@
         </p:sp>
         <p:sp>
           <p:nvSpPr>
-            <p:cNvPr id="132" name="橢圓 131"/>
-            <p:cNvSpPr/>
+            <p:cNvPr id="64" name="文字方塊 63"/>
+            <p:cNvSpPr txBox="1"/>
             <p:nvPr/>
           </p:nvSpPr>
           <p:spPr>
             <a:xfrm>
-              <a:off x="9631347" y="4061462"/>
-              <a:ext cx="546671" cy="535100"/>
+              <a:off x="5467367" y="5739444"/>
+              <a:ext cx="518719" cy="323165"/>
             </a:xfrm>
-            <a:prstGeom prst="ellipse">
+            <a:prstGeom prst="rect">
               <a:avLst/>
             </a:prstGeom>
-            <a:solidFill>
-              <a:schemeClr val="tx1">
-                <a:lumMod val="75000"/>
-                <a:lumOff val="25000"/>
-              </a:schemeClr>
-            </a:solidFill>
-            <a:ln>
-              <a:noFill/>
-            </a:ln>
-            <a:effectLst/>
+            <a:noFill/>
           </p:spPr>
-          <p:style>
-            <a:lnRef idx="2">
-              <a:schemeClr val="accent1">
-                <a:shade val="50000"/>
-              </a:schemeClr>
-            </a:lnRef>
-            <a:fillRef idx="1">
-              <a:schemeClr val="accent1"/>
-            </a:fillRef>
-            <a:effectRef idx="0">
-              <a:schemeClr val="accent1"/>
-            </a:effectRef>
-            <a:fontRef idx="minor">
-              <a:schemeClr val="lt1"/>
-            </a:fontRef>
-          </p:style>
           <p:txBody>
-            <a:bodyPr rtlCol="0" anchor="ctr"/>
+            <a:bodyPr wrap="square" rtlCol="0">
+              <a:spAutoFit/>
+            </a:bodyPr>
             <a:lstStyle/>
             <a:p>
-              <a:pPr algn="ctr"/>
               <a:r>
-                <a:rPr lang="en-US" altLang="zh-TW" sz="2400" dirty="0" smtClean="0">
+                <a:rPr lang="en-US" altLang="zh-TW" sz="1500" b="1" u="sng" dirty="0" smtClean="0">
+                  <a:solidFill>
+                    <a:srgbClr val="005FEA"/>
+                  </a:solidFill>
                   <a:latin typeface="Menlo" panose="020B0609030804020204" pitchFamily="49" charset="0"/>
+                  <a:ea typeface="Menlo" panose="020B0609030804020204" pitchFamily="49" charset="0"/>
                   <a:cs typeface="Menlo" panose="020B0609030804020204" pitchFamily="49" charset="0"/>
                 </a:rPr>
-                <a:t>6</a:t>
+                <a:t>11</a:t>
               </a:r>
-              <a:endParaRPr lang="zh-TW" altLang="en-US" sz="2400" dirty="0">
+              <a:endParaRPr lang="zh-TW" altLang="en-US" sz="1500" b="1" u="sng" dirty="0">
+                <a:solidFill>
+                  <a:srgbClr val="005FEA"/>
+                </a:solidFill>
                 <a:latin typeface="Menlo" panose="020B0609030804020204" pitchFamily="49" charset="0"/>
                 <a:cs typeface="Menlo" panose="020B0609030804020204" pitchFamily="49" charset="0"/>
               </a:endParaRPr>
@@ -12919,58 +12812,41 @@
         </p:sp>
         <p:sp>
           <p:nvSpPr>
-            <p:cNvPr id="133" name="橢圓 132"/>
-            <p:cNvSpPr/>
+            <p:cNvPr id="66" name="文字方塊 65"/>
+            <p:cNvSpPr txBox="1"/>
             <p:nvPr/>
           </p:nvSpPr>
           <p:spPr>
             <a:xfrm>
-              <a:off x="9216557" y="3180033"/>
-              <a:ext cx="546671" cy="535100"/>
+              <a:off x="6349019" y="5740269"/>
+              <a:ext cx="518719" cy="323165"/>
             </a:xfrm>
-            <a:prstGeom prst="ellipse">
+            <a:prstGeom prst="rect">
               <a:avLst/>
             </a:prstGeom>
-            <a:solidFill>
-              <a:schemeClr val="tx1">
-                <a:lumMod val="75000"/>
-                <a:lumOff val="25000"/>
-              </a:schemeClr>
-            </a:solidFill>
-            <a:ln>
-              <a:noFill/>
-            </a:ln>
-            <a:effectLst/>
+            <a:noFill/>
           </p:spPr>
-          <p:style>
-            <a:lnRef idx="2">
-              <a:schemeClr val="accent1">
-                <a:shade val="50000"/>
-              </a:schemeClr>
-            </a:lnRef>
-            <a:fillRef idx="1">
-              <a:schemeClr val="accent1"/>
-            </a:fillRef>
-            <a:effectRef idx="0">
-              <a:schemeClr val="accent1"/>
-            </a:effectRef>
-            <a:fontRef idx="minor">
-              <a:schemeClr val="lt1"/>
-            </a:fontRef>
-          </p:style>
           <p:txBody>
-            <a:bodyPr rtlCol="0" anchor="ctr"/>
+            <a:bodyPr wrap="square" rtlCol="0">
+              <a:spAutoFit/>
+            </a:bodyPr>
             <a:lstStyle/>
             <a:p>
-              <a:pPr algn="ctr"/>
               <a:r>
-                <a:rPr lang="en-US" altLang="zh-TW" sz="2400" dirty="0" smtClean="0">
+                <a:rPr lang="en-US" altLang="zh-TW" sz="1500" b="1" u="sng" dirty="0" smtClean="0">
+                  <a:solidFill>
+                    <a:srgbClr val="158D05"/>
+                  </a:solidFill>
                   <a:latin typeface="Menlo" panose="020B0609030804020204" pitchFamily="49" charset="0"/>
+                  <a:ea typeface="Menlo" panose="020B0609030804020204" pitchFamily="49" charset="0"/>
                   <a:cs typeface="Menlo" panose="020B0609030804020204" pitchFamily="49" charset="0"/>
                 </a:rPr>
-                <a:t>5</a:t>
+                <a:t>12</a:t>
               </a:r>
-              <a:endParaRPr lang="zh-TW" altLang="en-US" sz="2400" dirty="0">
+              <a:endParaRPr lang="zh-TW" altLang="en-US" sz="1500" b="1" u="sng" dirty="0">
+                <a:solidFill>
+                  <a:srgbClr val="158D05"/>
+                </a:solidFill>
                 <a:latin typeface="Menlo" panose="020B0609030804020204" pitchFamily="49" charset="0"/>
                 <a:cs typeface="Menlo" panose="020B0609030804020204" pitchFamily="49" charset="0"/>
               </a:endParaRPr>
@@ -12979,58 +12855,41 @@
         </p:sp>
         <p:sp>
           <p:nvSpPr>
-            <p:cNvPr id="134" name="橢圓 133"/>
-            <p:cNvSpPr/>
+            <p:cNvPr id="67" name="文字方塊 66"/>
+            <p:cNvSpPr txBox="1"/>
             <p:nvPr/>
           </p:nvSpPr>
           <p:spPr>
             <a:xfrm>
-              <a:off x="8604011" y="4061462"/>
-              <a:ext cx="546671" cy="535100"/>
+              <a:off x="6885759" y="4493225"/>
+              <a:ext cx="518719" cy="323165"/>
             </a:xfrm>
-            <a:prstGeom prst="ellipse">
+            <a:prstGeom prst="rect">
               <a:avLst/>
             </a:prstGeom>
-            <a:solidFill>
-              <a:schemeClr val="tx1">
-                <a:lumMod val="75000"/>
-                <a:lumOff val="25000"/>
-              </a:schemeClr>
-            </a:solidFill>
-            <a:ln>
-              <a:noFill/>
-            </a:ln>
-            <a:effectLst/>
+            <a:noFill/>
           </p:spPr>
-          <p:style>
-            <a:lnRef idx="2">
-              <a:schemeClr val="accent1">
-                <a:shade val="50000"/>
-              </a:schemeClr>
-            </a:lnRef>
-            <a:fillRef idx="1">
-              <a:schemeClr val="accent1"/>
-            </a:fillRef>
-            <a:effectRef idx="0">
-              <a:schemeClr val="accent1"/>
-            </a:effectRef>
-            <a:fontRef idx="minor">
-              <a:schemeClr val="lt1"/>
-            </a:fontRef>
-          </p:style>
           <p:txBody>
-            <a:bodyPr rtlCol="0" anchor="ctr"/>
+            <a:bodyPr wrap="square" rtlCol="0">
+              <a:spAutoFit/>
+            </a:bodyPr>
             <a:lstStyle/>
             <a:p>
-              <a:pPr algn="ctr"/>
               <a:r>
-                <a:rPr lang="en-US" altLang="zh-TW" sz="2400" dirty="0">
+                <a:rPr lang="en-US" altLang="zh-TW" sz="1500" b="1" u="sng" dirty="0" smtClean="0">
+                  <a:solidFill>
+                    <a:srgbClr val="158D05"/>
+                  </a:solidFill>
                   <a:latin typeface="Menlo" panose="020B0609030804020204" pitchFamily="49" charset="0"/>
+                  <a:ea typeface="Menlo" panose="020B0609030804020204" pitchFamily="49" charset="0"/>
                   <a:cs typeface="Menlo" panose="020B0609030804020204" pitchFamily="49" charset="0"/>
                 </a:rPr>
-                <a:t>7</a:t>
+                <a:t>15</a:t>
               </a:r>
-              <a:endParaRPr lang="zh-TW" altLang="en-US" sz="2400" dirty="0">
+              <a:endParaRPr lang="zh-TW" altLang="en-US" sz="1500" b="1" u="sng" dirty="0">
+                <a:solidFill>
+                  <a:srgbClr val="158D05"/>
+                </a:solidFill>
                 <a:latin typeface="Menlo" panose="020B0609030804020204" pitchFamily="49" charset="0"/>
                 <a:cs typeface="Menlo" panose="020B0609030804020204" pitchFamily="49" charset="0"/>
               </a:endParaRPr>
@@ -13039,58 +12898,41 @@
         </p:sp>
         <p:sp>
           <p:nvSpPr>
-            <p:cNvPr id="135" name="橢圓 134"/>
-            <p:cNvSpPr/>
+            <p:cNvPr id="69" name="文字方塊 68"/>
+            <p:cNvSpPr txBox="1"/>
             <p:nvPr/>
           </p:nvSpPr>
           <p:spPr>
             <a:xfrm>
-              <a:off x="9084676" y="5040131"/>
-              <a:ext cx="546671" cy="535100"/>
+              <a:off x="6475047" y="3863858"/>
+              <a:ext cx="518719" cy="323165"/>
             </a:xfrm>
-            <a:prstGeom prst="ellipse">
+            <a:prstGeom prst="rect">
               <a:avLst/>
             </a:prstGeom>
-            <a:solidFill>
-              <a:schemeClr val="tx1">
-                <a:lumMod val="75000"/>
-                <a:lumOff val="25000"/>
-              </a:schemeClr>
-            </a:solidFill>
-            <a:ln>
-              <a:noFill/>
-            </a:ln>
-            <a:effectLst/>
+            <a:noFill/>
           </p:spPr>
-          <p:style>
-            <a:lnRef idx="2">
-              <a:schemeClr val="accent1">
-                <a:shade val="50000"/>
-              </a:schemeClr>
-            </a:lnRef>
-            <a:fillRef idx="1">
-              <a:schemeClr val="accent1"/>
-            </a:fillRef>
-            <a:effectRef idx="0">
-              <a:schemeClr val="accent1"/>
-            </a:effectRef>
-            <a:fontRef idx="minor">
-              <a:schemeClr val="lt1"/>
-            </a:fontRef>
-          </p:style>
           <p:txBody>
-            <a:bodyPr rtlCol="0" anchor="ctr"/>
+            <a:bodyPr wrap="square" rtlCol="0">
+              <a:spAutoFit/>
+            </a:bodyPr>
             <a:lstStyle/>
             <a:p>
-              <a:pPr algn="ctr"/>
               <a:r>
-                <a:rPr lang="en-US" altLang="zh-TW" sz="2400" dirty="0" smtClean="0">
+                <a:rPr lang="en-US" altLang="zh-TW" sz="1500" b="1" u="sng" dirty="0" smtClean="0">
+                  <a:solidFill>
+                    <a:srgbClr val="158D05"/>
+                  </a:solidFill>
                   <a:latin typeface="Menlo" panose="020B0609030804020204" pitchFamily="49" charset="0"/>
+                  <a:ea typeface="Menlo" panose="020B0609030804020204" pitchFamily="49" charset="0"/>
                   <a:cs typeface="Menlo" panose="020B0609030804020204" pitchFamily="49" charset="0"/>
                 </a:rPr>
-                <a:t>8</a:t>
+                <a:t>16</a:t>
               </a:r>
-              <a:endParaRPr lang="zh-TW" altLang="en-US" sz="2400" dirty="0">
+              <a:endParaRPr lang="zh-TW" altLang="en-US" sz="1500" b="1" u="sng" dirty="0">
+                <a:solidFill>
+                  <a:srgbClr val="158D05"/>
+                </a:solidFill>
                 <a:latin typeface="Menlo" panose="020B0609030804020204" pitchFamily="49" charset="0"/>
                 <a:cs typeface="Menlo" panose="020B0609030804020204" pitchFamily="49" charset="0"/>
               </a:endParaRPr>
@@ -13099,58 +12941,41 @@
         </p:sp>
         <p:sp>
           <p:nvSpPr>
-            <p:cNvPr id="136" name="橢圓 135"/>
-            <p:cNvSpPr/>
+            <p:cNvPr id="70" name="文字方塊 69"/>
+            <p:cNvSpPr txBox="1"/>
             <p:nvPr/>
           </p:nvSpPr>
           <p:spPr>
             <a:xfrm>
-              <a:off x="7415740" y="4061462"/>
-              <a:ext cx="546671" cy="535100"/>
+              <a:off x="5903584" y="2687034"/>
+              <a:ext cx="518719" cy="323165"/>
             </a:xfrm>
-            <a:prstGeom prst="ellipse">
+            <a:prstGeom prst="rect">
               <a:avLst/>
             </a:prstGeom>
-            <a:solidFill>
-              <a:schemeClr val="tx1">
-                <a:lumMod val="75000"/>
-                <a:lumOff val="25000"/>
-              </a:schemeClr>
-            </a:solidFill>
-            <a:ln>
-              <a:noFill/>
-            </a:ln>
-            <a:effectLst/>
+            <a:noFill/>
           </p:spPr>
-          <p:style>
-            <a:lnRef idx="2">
-              <a:schemeClr val="accent1">
-                <a:shade val="50000"/>
-              </a:schemeClr>
-            </a:lnRef>
-            <a:fillRef idx="1">
-              <a:schemeClr val="accent1"/>
-            </a:fillRef>
-            <a:effectRef idx="0">
-              <a:schemeClr val="accent1"/>
-            </a:effectRef>
-            <a:fontRef idx="minor">
-              <a:schemeClr val="lt1"/>
-            </a:fontRef>
-          </p:style>
           <p:txBody>
-            <a:bodyPr rtlCol="0" anchor="ctr"/>
+            <a:bodyPr wrap="square" rtlCol="0">
+              <a:spAutoFit/>
+            </a:bodyPr>
             <a:lstStyle/>
             <a:p>
-              <a:pPr algn="ctr"/>
               <a:r>
-                <a:rPr lang="en-US" altLang="zh-TW" sz="2400" dirty="0" smtClean="0">
+                <a:rPr lang="en-US" altLang="zh-TW" sz="1500" b="1" u="sng" dirty="0" smtClean="0">
+                  <a:solidFill>
+                    <a:srgbClr val="158D05"/>
+                  </a:solidFill>
                   <a:latin typeface="Menlo" panose="020B0609030804020204" pitchFamily="49" charset="0"/>
+                  <a:ea typeface="Menlo" panose="020B0609030804020204" pitchFamily="49" charset="0"/>
                   <a:cs typeface="Menlo" panose="020B0609030804020204" pitchFamily="49" charset="0"/>
                 </a:rPr>
-                <a:t>3</a:t>
+                <a:t>17</a:t>
               </a:r>
-              <a:endParaRPr lang="zh-TW" altLang="en-US" sz="2400" dirty="0">
+              <a:endParaRPr lang="zh-TW" altLang="en-US" sz="1500" b="1" u="sng" dirty="0">
+                <a:solidFill>
+                  <a:srgbClr val="158D05"/>
+                </a:solidFill>
                 <a:latin typeface="Menlo" panose="020B0609030804020204" pitchFamily="49" charset="0"/>
                 <a:cs typeface="Menlo" panose="020B0609030804020204" pitchFamily="49" charset="0"/>
               </a:endParaRPr>
@@ -13159,58 +12984,84 @@
         </p:sp>
         <p:sp>
           <p:nvSpPr>
-            <p:cNvPr id="137" name="橢圓 136"/>
-            <p:cNvSpPr/>
+            <p:cNvPr id="72" name="文字方塊 71"/>
+            <p:cNvSpPr txBox="1"/>
             <p:nvPr/>
           </p:nvSpPr>
           <p:spPr>
             <a:xfrm>
-              <a:off x="7838092" y="3165353"/>
-              <a:ext cx="546671" cy="535100"/>
+              <a:off x="5218753" y="2093789"/>
+              <a:ext cx="518719" cy="323165"/>
             </a:xfrm>
-            <a:prstGeom prst="ellipse">
+            <a:prstGeom prst="rect">
               <a:avLst/>
             </a:prstGeom>
-            <a:solidFill>
-              <a:schemeClr val="tx1">
-                <a:lumMod val="75000"/>
-                <a:lumOff val="25000"/>
-              </a:schemeClr>
-            </a:solidFill>
-            <a:ln>
-              <a:noFill/>
-            </a:ln>
-            <a:effectLst/>
+            <a:noFill/>
           </p:spPr>
-          <p:style>
-            <a:lnRef idx="2">
-              <a:schemeClr val="accent1">
-                <a:shade val="50000"/>
-              </a:schemeClr>
-            </a:lnRef>
-            <a:fillRef idx="1">
-              <a:schemeClr val="accent1"/>
-            </a:fillRef>
-            <a:effectRef idx="0">
-              <a:schemeClr val="accent1"/>
-            </a:effectRef>
-            <a:fontRef idx="minor">
-              <a:schemeClr val="lt1"/>
-            </a:fontRef>
-          </p:style>
           <p:txBody>
-            <a:bodyPr rtlCol="0" anchor="ctr"/>
+            <a:bodyPr wrap="square" rtlCol="0">
+              <a:spAutoFit/>
+            </a:bodyPr>
             <a:lstStyle/>
             <a:p>
-              <a:pPr algn="ctr"/>
               <a:r>
-                <a:rPr lang="en-US" altLang="zh-TW" sz="2400" dirty="0" smtClean="0">
+                <a:rPr lang="en-US" altLang="zh-TW" sz="1500" b="1" u="sng" dirty="0" smtClean="0">
+                  <a:solidFill>
+                    <a:srgbClr val="158D05"/>
+                  </a:solidFill>
                   <a:latin typeface="Menlo" panose="020B0609030804020204" pitchFamily="49" charset="0"/>
+                  <a:ea typeface="Menlo" panose="020B0609030804020204" pitchFamily="49" charset="0"/>
                   <a:cs typeface="Menlo" panose="020B0609030804020204" pitchFamily="49" charset="0"/>
                 </a:rPr>
-                <a:t>2</a:t>
+                <a:t>18</a:t>
               </a:r>
-              <a:endParaRPr lang="zh-TW" altLang="en-US" sz="2400" dirty="0">
+              <a:endParaRPr lang="zh-TW" altLang="en-US" sz="1500" b="1" u="sng" dirty="0">
+                <a:solidFill>
+                  <a:srgbClr val="158D05"/>
+                </a:solidFill>
+                <a:latin typeface="Menlo" panose="020B0609030804020204" pitchFamily="49" charset="0"/>
+                <a:cs typeface="Menlo" panose="020B0609030804020204" pitchFamily="49" charset="0"/>
+              </a:endParaRPr>
+            </a:p>
+          </p:txBody>
+        </p:sp>
+        <p:sp>
+          <p:nvSpPr>
+            <p:cNvPr id="73" name="文字方塊 72"/>
+            <p:cNvSpPr txBox="1"/>
+            <p:nvPr/>
+          </p:nvSpPr>
+          <p:spPr>
+            <a:xfrm>
+              <a:off x="5205079" y="1279209"/>
+              <a:ext cx="518719" cy="323165"/>
+            </a:xfrm>
+            <a:prstGeom prst="rect">
+              <a:avLst/>
+            </a:prstGeom>
+            <a:noFill/>
+          </p:spPr>
+          <p:txBody>
+            <a:bodyPr wrap="square" rtlCol="0">
+              <a:spAutoFit/>
+            </a:bodyPr>
+            <a:lstStyle/>
+            <a:p>
+              <a:r>
+                <a:rPr lang="en-US" altLang="zh-TW" sz="1500" b="1" u="sng" dirty="0" smtClean="0">
+                  <a:solidFill>
+                    <a:srgbClr val="158D05"/>
+                  </a:solidFill>
+                  <a:latin typeface="Menlo" panose="020B0609030804020204" pitchFamily="49" charset="0"/>
+                  <a:ea typeface="Menlo" panose="020B0609030804020204" pitchFamily="49" charset="0"/>
+                  <a:cs typeface="Menlo" panose="020B0609030804020204" pitchFamily="49" charset="0"/>
+                </a:rPr>
+                <a:t>19</a:t>
+              </a:r>
+              <a:endParaRPr lang="zh-TW" altLang="en-US" sz="1500" b="1" u="sng" dirty="0">
+                <a:solidFill>
+                  <a:srgbClr val="158D05"/>
+                </a:solidFill>
                 <a:latin typeface="Menlo" panose="020B0609030804020204" pitchFamily="49" charset="0"/>
                 <a:cs typeface="Menlo" panose="020B0609030804020204" pitchFamily="49" charset="0"/>
               </a:endParaRPr>

--- a/Illustrations/illustrations.pptx
+++ b/Illustrations/illustrations.pptx
@@ -12212,12 +12212,12 @@
         </p:nvSpPr>
         <p:spPr>
           <a:xfrm rot="21390419">
-            <a:off x="5128820" y="2938581"/>
-            <a:ext cx="2265096" cy="2883147"/>
+            <a:off x="5139746" y="2881576"/>
+            <a:ext cx="2401887" cy="2983573"/>
           </a:xfrm>
           <a:prstGeom prst="arc">
             <a:avLst>
-              <a:gd name="adj1" fmla="val 15510603"/>
+              <a:gd name="adj1" fmla="val 15347787"/>
               <a:gd name="adj2" fmla="val 5398781"/>
             </a:avLst>
           </a:prstGeom>
@@ -12261,12 +12261,12 @@
         </p:nvSpPr>
         <p:spPr>
           <a:xfrm rot="20858719">
-            <a:off x="5176353" y="3068326"/>
-            <a:ext cx="1831832" cy="2083189"/>
+            <a:off x="5172876" y="3036200"/>
+            <a:ext cx="1831832" cy="2115692"/>
           </a:xfrm>
           <a:prstGeom prst="arc">
             <a:avLst>
-              <a:gd name="adj1" fmla="val 16489356"/>
+              <a:gd name="adj1" fmla="val 16388594"/>
               <a:gd name="adj2" fmla="val 3690667"/>
             </a:avLst>
           </a:prstGeom>
@@ -12310,13 +12310,13 @@
         </p:nvSpPr>
         <p:spPr>
           <a:xfrm rot="649815" flipH="1">
-            <a:off x="3672117" y="1309297"/>
-            <a:ext cx="2485613" cy="2612665"/>
+            <a:off x="3602771" y="1335042"/>
+            <a:ext cx="2551409" cy="2592023"/>
           </a:xfrm>
           <a:prstGeom prst="arc">
             <a:avLst>
               <a:gd name="adj1" fmla="val 16280781"/>
-              <a:gd name="adj2" fmla="val 5328389"/>
+              <a:gd name="adj2" fmla="val 5525388"/>
             </a:avLst>
           </a:prstGeom>
           <a:ln w="76200">
@@ -12400,7 +12400,7 @@
         <p:spPr>
           <a:xfrm>
             <a:off x="4974701" y="2227100"/>
-            <a:ext cx="763180" cy="844267"/>
+            <a:ext cx="712401" cy="854179"/>
           </a:xfrm>
           <a:prstGeom prst="line">
             <a:avLst/>
@@ -12439,8 +12439,8 @@
         </p:nvCxnSpPr>
         <p:spPr>
           <a:xfrm flipV="1">
-            <a:off x="4891792" y="3068087"/>
-            <a:ext cx="865633" cy="867584"/>
+            <a:off x="4891792" y="3060615"/>
+            <a:ext cx="795310" cy="875056"/>
           </a:xfrm>
           <a:prstGeom prst="line">
             <a:avLst/>
@@ -12472,13 +12472,15 @@
       <p:cxnSp>
         <p:nvCxnSpPr>
           <p:cNvPr id="122" name="直線接點 121"/>
-          <p:cNvCxnSpPr/>
+          <p:cNvCxnSpPr>
+            <a:cxnSpLocks/>
+          </p:cNvCxnSpPr>
           <p:nvPr/>
         </p:nvCxnSpPr>
         <p:spPr>
           <a:xfrm flipH="1" flipV="1">
-            <a:off x="5746427" y="3062821"/>
-            <a:ext cx="523830" cy="887529"/>
+            <a:off x="5687102" y="3059176"/>
+            <a:ext cx="583155" cy="891175"/>
           </a:xfrm>
           <a:prstGeom prst="line">
             <a:avLst/>
@@ -12548,13 +12550,15 @@
       <p:cxnSp>
         <p:nvCxnSpPr>
           <p:cNvPr id="125" name="直線接點 124"/>
-          <p:cNvCxnSpPr/>
+          <p:cNvCxnSpPr>
+            <a:cxnSpLocks/>
+          </p:cNvCxnSpPr>
           <p:nvPr/>
         </p:nvCxnSpPr>
         <p:spPr>
           <a:xfrm flipH="1" flipV="1">
-            <a:off x="6270256" y="3942850"/>
-            <a:ext cx="410602" cy="883995"/>
+            <a:off x="6270256" y="3942852"/>
+            <a:ext cx="518380" cy="986132"/>
           </a:xfrm>
           <a:prstGeom prst="line">
             <a:avLst/>
@@ -12586,13 +12590,15 @@
       <p:cxnSp>
         <p:nvCxnSpPr>
           <p:cNvPr id="126" name="直線接點 125"/>
-          <p:cNvCxnSpPr/>
+          <p:cNvCxnSpPr>
+            <a:cxnSpLocks/>
+          </p:cNvCxnSpPr>
           <p:nvPr/>
         </p:nvCxnSpPr>
         <p:spPr>
           <a:xfrm>
-            <a:off x="5568191" y="4825115"/>
-            <a:ext cx="565397" cy="985333"/>
+            <a:off x="5582225" y="4887381"/>
+            <a:ext cx="551363" cy="923067"/>
           </a:xfrm>
           <a:prstGeom prst="line">
             <a:avLst/>
@@ -12668,13 +12674,15 @@
               </a:ext>
             </a:extLst>
           </p:cNvPr>
-          <p:cNvCxnSpPr/>
+          <p:cNvCxnSpPr>
+            <a:cxnSpLocks/>
+          </p:cNvCxnSpPr>
           <p:nvPr/>
         </p:nvCxnSpPr>
         <p:spPr>
           <a:xfrm flipV="1">
-            <a:off x="5641601" y="3948116"/>
-            <a:ext cx="628654" cy="883995"/>
+            <a:off x="5590220" y="3948117"/>
+            <a:ext cx="680035" cy="955381"/>
           </a:xfrm>
           <a:prstGeom prst="line">
             <a:avLst/>
@@ -13089,7 +13097,7 @@
         </p:nvGrpSpPr>
         <p:grpSpPr>
           <a:xfrm>
-            <a:off x="5488718" y="2791891"/>
+            <a:off x="5407747" y="2791891"/>
             <a:ext cx="546671" cy="542736"/>
             <a:chOff x="2644061" y="765657"/>
             <a:chExt cx="546671" cy="542736"/>
@@ -13461,7 +13469,7 @@
         </p:nvGrpSpPr>
         <p:grpSpPr>
           <a:xfrm>
-            <a:off x="5370396" y="4622852"/>
+            <a:off x="5313240" y="4622852"/>
             <a:ext cx="546671" cy="542736"/>
             <a:chOff x="2644061" y="765657"/>
             <a:chExt cx="546671" cy="542736"/>
@@ -13703,7 +13711,7 @@
         </p:nvGrpSpPr>
         <p:grpSpPr>
           <a:xfrm>
-            <a:off x="6435109" y="4622359"/>
+            <a:off x="6492265" y="4622359"/>
             <a:ext cx="546671" cy="542736"/>
             <a:chOff x="2644061" y="765657"/>
             <a:chExt cx="546671" cy="542736"/>
@@ -14974,9 +14982,9 @@
         <p:grpSpPr>
           <a:xfrm>
             <a:off x="3695314" y="1326333"/>
-            <a:ext cx="2850051" cy="4880428"/>
+            <a:ext cx="2907207" cy="4941984"/>
             <a:chOff x="3774054" y="1345383"/>
-            <a:chExt cx="2850051" cy="4880428"/>
+            <a:chExt cx="2907207" cy="4941984"/>
           </a:xfrm>
         </p:grpSpPr>
         <p:sp>
@@ -14993,8 +15001,8 @@
           </p:nvSpPr>
           <p:spPr>
             <a:xfrm>
-              <a:off x="5668893" y="5887257"/>
-              <a:ext cx="434728" cy="338554"/>
+              <a:off x="5537236" y="5887257"/>
+              <a:ext cx="566385" cy="400110"/>
             </a:xfrm>
             <a:prstGeom prst="rect">
               <a:avLst/>
@@ -15009,7 +15017,7 @@
             <a:p>
               <a:pPr algn="r"/>
               <a:r>
-                <a:rPr lang="en-US" altLang="zh-TW" sz="1600" b="1" dirty="0">
+                <a:rPr lang="en-US" altLang="zh-TW" sz="2000" b="1" dirty="0">
                   <a:solidFill>
                     <a:srgbClr val="1565C0"/>
                   </a:solidFill>
@@ -15018,7 +15026,7 @@
                 </a:rPr>
                 <a:t>11</a:t>
               </a:r>
-              <a:endParaRPr lang="zh-TW" altLang="en-US" sz="1600" b="1" dirty="0">
+              <a:endParaRPr lang="zh-TW" altLang="en-US" sz="2000" b="1" dirty="0">
                 <a:solidFill>
                   <a:srgbClr val="1565C0"/>
                 </a:solidFill>
@@ -15043,7 +15051,7 @@
           <p:spPr>
             <a:xfrm>
               <a:off x="4473979" y="1345383"/>
-              <a:ext cx="434728" cy="338554"/>
+              <a:ext cx="434728" cy="400110"/>
             </a:xfrm>
             <a:prstGeom prst="rect">
               <a:avLst/>
@@ -15058,7 +15066,7 @@
             <a:p>
               <a:pPr algn="r"/>
               <a:r>
-                <a:rPr lang="en-US" altLang="zh-TW" sz="1600" b="1" dirty="0">
+                <a:rPr lang="en-US" altLang="zh-TW" sz="2000" b="1" dirty="0">
                   <a:solidFill>
                     <a:srgbClr val="1565C0"/>
                   </a:solidFill>
@@ -15067,7 +15075,7 @@
                 </a:rPr>
                 <a:t>0</a:t>
               </a:r>
-              <a:endParaRPr lang="zh-TW" altLang="en-US" sz="1600" b="1" dirty="0">
+              <a:endParaRPr lang="zh-TW" altLang="en-US" sz="2000" b="1" dirty="0">
                 <a:solidFill>
                   <a:srgbClr val="1565C0"/>
                 </a:solidFill>
@@ -15092,7 +15100,7 @@
           <p:spPr>
             <a:xfrm>
               <a:off x="3792541" y="3113312"/>
-              <a:ext cx="434728" cy="338554"/>
+              <a:ext cx="434728" cy="400110"/>
             </a:xfrm>
             <a:prstGeom prst="rect">
               <a:avLst/>
@@ -15107,7 +15115,7 @@
             <a:p>
               <a:pPr algn="r"/>
               <a:r>
-                <a:rPr lang="en-US" altLang="zh-TW" sz="1600" b="1" dirty="0">
+                <a:rPr lang="en-US" altLang="zh-TW" sz="2000" b="1" dirty="0">
                   <a:solidFill>
                     <a:srgbClr val="1565C0"/>
                   </a:solidFill>
@@ -15116,7 +15124,7 @@
                 </a:rPr>
                 <a:t>2</a:t>
               </a:r>
-              <a:endParaRPr lang="zh-TW" altLang="en-US" sz="1600" b="1" dirty="0">
+              <a:endParaRPr lang="zh-TW" altLang="en-US" sz="2000" b="1" dirty="0">
                 <a:solidFill>
                   <a:srgbClr val="1565C0"/>
                 </a:solidFill>
@@ -15140,8 +15148,8 @@
           </p:nvSpPr>
           <p:spPr>
             <a:xfrm>
-              <a:off x="5236636" y="3082005"/>
-              <a:ext cx="434728" cy="338554"/>
+              <a:off x="5155665" y="3082005"/>
+              <a:ext cx="434728" cy="400110"/>
             </a:xfrm>
             <a:prstGeom prst="rect">
               <a:avLst/>
@@ -15156,7 +15164,7 @@
             <a:p>
               <a:pPr algn="r"/>
               <a:r>
-                <a:rPr lang="en-US" altLang="zh-TW" sz="1600" b="1" dirty="0">
+                <a:rPr lang="en-US" altLang="zh-TW" sz="2000" b="1" dirty="0">
                   <a:solidFill>
                     <a:srgbClr val="1565C0"/>
                   </a:solidFill>
@@ -15165,7 +15173,7 @@
                 </a:rPr>
                 <a:t>4</a:t>
               </a:r>
-              <a:endParaRPr lang="zh-TW" altLang="en-US" sz="1600" b="1" dirty="0">
+              <a:endParaRPr lang="zh-TW" altLang="en-US" sz="2000" b="1" dirty="0">
                 <a:solidFill>
                   <a:srgbClr val="1565C0"/>
                 </a:solidFill>
@@ -15190,7 +15198,7 @@
           <p:spPr>
             <a:xfrm>
               <a:off x="4366997" y="3958658"/>
-              <a:ext cx="434728" cy="338554"/>
+              <a:ext cx="434728" cy="400110"/>
             </a:xfrm>
             <a:prstGeom prst="rect">
               <a:avLst/>
@@ -15205,7 +15213,7 @@
             <a:p>
               <a:pPr algn="r"/>
               <a:r>
-                <a:rPr lang="en-US" altLang="zh-TW" sz="1600" b="1" dirty="0">
+                <a:rPr lang="en-US" altLang="zh-TW" sz="2000" b="1" dirty="0">
                   <a:solidFill>
                     <a:srgbClr val="1565C0"/>
                   </a:solidFill>
@@ -15214,7 +15222,7 @@
                 </a:rPr>
                 <a:t>5</a:t>
               </a:r>
-              <a:endParaRPr lang="zh-TW" altLang="en-US" sz="1600" b="1" dirty="0">
+              <a:endParaRPr lang="zh-TW" altLang="en-US" sz="2000" b="1" dirty="0">
                 <a:solidFill>
                   <a:srgbClr val="1565C0"/>
                 </a:solidFill>
@@ -15239,7 +15247,7 @@
           <p:spPr>
             <a:xfrm>
               <a:off x="3774054" y="4909148"/>
-              <a:ext cx="434728" cy="338554"/>
+              <a:ext cx="434728" cy="400110"/>
             </a:xfrm>
             <a:prstGeom prst="rect">
               <a:avLst/>
@@ -15254,7 +15262,7 @@
             <a:p>
               <a:pPr algn="r"/>
               <a:r>
-                <a:rPr lang="en-US" altLang="zh-TW" sz="1600" b="1" dirty="0">
+                <a:rPr lang="en-US" altLang="zh-TW" sz="2000" b="1" dirty="0">
                   <a:solidFill>
                     <a:srgbClr val="1565C0"/>
                   </a:solidFill>
@@ -15263,7 +15271,7 @@
                 </a:rPr>
                 <a:t>6</a:t>
               </a:r>
-              <a:endParaRPr lang="zh-TW" altLang="en-US" sz="1600" b="1" dirty="0">
+              <a:endParaRPr lang="zh-TW" altLang="en-US" sz="2000" b="1" dirty="0">
                 <a:solidFill>
                   <a:srgbClr val="1565C0"/>
                 </a:solidFill>
@@ -15287,8 +15295,8 @@
           </p:nvSpPr>
           <p:spPr>
             <a:xfrm>
-              <a:off x="5124664" y="4912966"/>
-              <a:ext cx="434728" cy="338554"/>
+              <a:off x="4833126" y="4912966"/>
+              <a:ext cx="664347" cy="400110"/>
             </a:xfrm>
             <a:prstGeom prst="rect">
               <a:avLst/>
@@ -15303,7 +15311,7 @@
             <a:p>
               <a:pPr algn="r"/>
               <a:r>
-                <a:rPr lang="en-US" altLang="zh-TW" sz="1600" b="1" dirty="0">
+                <a:rPr lang="en-US" altLang="zh-TW" sz="2000" b="1" dirty="0">
                   <a:solidFill>
                     <a:srgbClr val="1565C0"/>
                   </a:solidFill>
@@ -15312,7 +15320,7 @@
                 </a:rPr>
                 <a:t>10</a:t>
               </a:r>
-              <a:endParaRPr lang="zh-TW" altLang="en-US" sz="1600" b="1" dirty="0">
+              <a:endParaRPr lang="zh-TW" altLang="en-US" sz="2000" b="1" dirty="0">
                 <a:solidFill>
                   <a:srgbClr val="1565C0"/>
                 </a:solidFill>
@@ -15337,7 +15345,7 @@
           <p:spPr>
             <a:xfrm>
               <a:off x="4470804" y="2238611"/>
-              <a:ext cx="434728" cy="338554"/>
+              <a:ext cx="434728" cy="400110"/>
             </a:xfrm>
             <a:prstGeom prst="rect">
               <a:avLst/>
@@ -15352,7 +15360,7 @@
             <a:p>
               <a:pPr algn="r"/>
               <a:r>
-                <a:rPr lang="en-US" altLang="zh-TW" sz="1600" b="1" dirty="0">
+                <a:rPr lang="en-US" altLang="zh-TW" sz="2000" b="1" dirty="0">
                   <a:solidFill>
                     <a:srgbClr val="1565C0"/>
                   </a:solidFill>
@@ -15361,7 +15369,7 @@
                 </a:rPr>
                 <a:t>1</a:t>
               </a:r>
-              <a:endParaRPr lang="zh-TW" altLang="en-US" sz="1600" b="1" dirty="0">
+              <a:endParaRPr lang="zh-TW" altLang="en-US" sz="2000" b="1" dirty="0">
                 <a:solidFill>
                   <a:srgbClr val="1565C0"/>
                 </a:solidFill>
@@ -15385,8 +15393,8 @@
           </p:nvSpPr>
           <p:spPr>
             <a:xfrm>
-              <a:off x="6189377" y="4912473"/>
-              <a:ext cx="434728" cy="338554"/>
+              <a:off x="6192541" y="4912473"/>
+              <a:ext cx="488720" cy="400110"/>
             </a:xfrm>
             <a:prstGeom prst="rect">
               <a:avLst/>
@@ -15401,7 +15409,7 @@
             <a:p>
               <a:pPr algn="r"/>
               <a:r>
-                <a:rPr lang="en-US" altLang="zh-TW" sz="1600" b="1" dirty="0">
+                <a:rPr lang="en-US" altLang="zh-TW" sz="2000" b="1" dirty="0">
                   <a:solidFill>
                     <a:srgbClr val="1565C0"/>
                   </a:solidFill>
@@ -15410,7 +15418,7 @@
                 </a:rPr>
                 <a:t>14</a:t>
               </a:r>
-              <a:endParaRPr lang="zh-TW" altLang="en-US" sz="1600" b="1" dirty="0">
+              <a:endParaRPr lang="zh-TW" altLang="en-US" sz="2000" b="1" dirty="0">
                 <a:solidFill>
                   <a:srgbClr val="1565C0"/>
                 </a:solidFill>
@@ -15435,7 +15443,7 @@
           <p:spPr>
             <a:xfrm>
               <a:off x="5754465" y="3961480"/>
-              <a:ext cx="434728" cy="338554"/>
+              <a:ext cx="434728" cy="400110"/>
             </a:xfrm>
             <a:prstGeom prst="rect">
               <a:avLst/>
@@ -15450,7 +15458,7 @@
             <a:p>
               <a:pPr algn="r"/>
               <a:r>
-                <a:rPr lang="en-US" altLang="zh-TW" sz="1600" b="1" dirty="0">
+                <a:rPr lang="en-US" altLang="zh-TW" sz="2000" b="1" dirty="0">
                   <a:solidFill>
                     <a:srgbClr val="1565C0"/>
                   </a:solidFill>
@@ -15459,7 +15467,7 @@
                 </a:rPr>
                 <a:t>9</a:t>
               </a:r>
-              <a:endParaRPr lang="zh-TW" altLang="en-US" sz="1600" b="1" dirty="0">
+              <a:endParaRPr lang="zh-TW" altLang="en-US" sz="2000" b="1" dirty="0">
                 <a:solidFill>
                   <a:srgbClr val="1565C0"/>
                 </a:solidFill>
@@ -15485,9 +15493,9 @@
         <p:grpSpPr>
           <a:xfrm>
             <a:off x="4463330" y="1326333"/>
-            <a:ext cx="2840526" cy="4880428"/>
+            <a:ext cx="2951674" cy="4941984"/>
             <a:chOff x="4385860" y="1345383"/>
-            <a:chExt cx="2840526" cy="4880428"/>
+            <a:chExt cx="2951674" cy="4941984"/>
           </a:xfrm>
         </p:grpSpPr>
         <p:sp>
@@ -15504,8 +15512,8 @@
           </p:nvSpPr>
           <p:spPr>
             <a:xfrm>
-              <a:off x="6271173" y="5887257"/>
-              <a:ext cx="434728" cy="338554"/>
+              <a:off x="6271172" y="5887257"/>
+              <a:ext cx="546671" cy="400110"/>
             </a:xfrm>
             <a:prstGeom prst="rect">
               <a:avLst/>
@@ -15519,7 +15527,7 @@
             <a:lstStyle/>
             <a:p>
               <a:r>
-                <a:rPr lang="en-US" altLang="zh-TW" sz="1600" b="1" dirty="0">
+                <a:rPr lang="en-US" altLang="zh-TW" sz="2000" b="1" dirty="0">
                   <a:solidFill>
                     <a:srgbClr val="388E3C"/>
                   </a:solidFill>
@@ -15528,7 +15536,7 @@
                 </a:rPr>
                 <a:t>12</a:t>
               </a:r>
-              <a:endParaRPr lang="zh-TW" altLang="en-US" sz="1600" b="1" dirty="0">
+              <a:endParaRPr lang="zh-TW" altLang="en-US" sz="2000" b="1" dirty="0">
                 <a:solidFill>
                   <a:srgbClr val="388E3C"/>
                 </a:solidFill>
@@ -15552,8 +15560,8 @@
           </p:nvSpPr>
           <p:spPr>
             <a:xfrm>
-              <a:off x="5082610" y="1345383"/>
-              <a:ext cx="434728" cy="338554"/>
+              <a:off x="5082609" y="1345383"/>
+              <a:ext cx="527023" cy="400110"/>
             </a:xfrm>
             <a:prstGeom prst="rect">
               <a:avLst/>
@@ -15567,7 +15575,7 @@
             <a:lstStyle/>
             <a:p>
               <a:r>
-                <a:rPr lang="en-US" altLang="zh-TW" sz="1600" b="1" dirty="0">
+                <a:rPr lang="en-US" altLang="zh-TW" sz="2000" b="1" dirty="0">
                   <a:solidFill>
                     <a:srgbClr val="388E3C"/>
                   </a:solidFill>
@@ -15576,7 +15584,7 @@
                 </a:rPr>
                 <a:t>19</a:t>
               </a:r>
-              <a:endParaRPr lang="zh-TW" altLang="en-US" sz="1600" b="1" dirty="0">
+              <a:endParaRPr lang="zh-TW" altLang="en-US" sz="2000" b="1" dirty="0">
                 <a:solidFill>
                   <a:srgbClr val="388E3C"/>
                 </a:solidFill>
@@ -15601,7 +15609,7 @@
           <p:spPr>
             <a:xfrm>
               <a:off x="4401172" y="3113312"/>
-              <a:ext cx="434728" cy="338554"/>
+              <a:ext cx="434728" cy="400110"/>
             </a:xfrm>
             <a:prstGeom prst="rect">
               <a:avLst/>
@@ -15615,7 +15623,7 @@
             <a:lstStyle/>
             <a:p>
               <a:r>
-                <a:rPr lang="en-US" altLang="zh-TW" sz="1600" b="1" dirty="0">
+                <a:rPr lang="en-US" altLang="zh-TW" sz="2000" b="1" dirty="0">
                   <a:solidFill>
                     <a:srgbClr val="388E3C"/>
                   </a:solidFill>
@@ -15624,7 +15632,7 @@
                 </a:rPr>
                 <a:t>3</a:t>
               </a:r>
-              <a:endParaRPr lang="zh-TW" altLang="en-US" sz="1600" b="1" dirty="0">
+              <a:endParaRPr lang="zh-TW" altLang="en-US" sz="2000" b="1" dirty="0">
                 <a:solidFill>
                   <a:srgbClr val="388E3C"/>
                 </a:solidFill>
@@ -15648,8 +15656,8 @@
           </p:nvSpPr>
           <p:spPr>
             <a:xfrm>
-              <a:off x="5842092" y="3082005"/>
-              <a:ext cx="434728" cy="338554"/>
+              <a:off x="5761121" y="3082005"/>
+              <a:ext cx="621006" cy="400110"/>
             </a:xfrm>
             <a:prstGeom prst="rect">
               <a:avLst/>
@@ -15663,7 +15671,7 @@
             <a:lstStyle/>
             <a:p>
               <a:r>
-                <a:rPr lang="en-US" altLang="zh-TW" sz="1600" b="1" dirty="0">
+                <a:rPr lang="en-US" altLang="zh-TW" sz="2000" b="1" dirty="0">
                   <a:solidFill>
                     <a:srgbClr val="388E3C"/>
                   </a:solidFill>
@@ -15672,7 +15680,7 @@
                 </a:rPr>
                 <a:t>17</a:t>
               </a:r>
-              <a:endParaRPr lang="zh-TW" altLang="en-US" sz="1600" b="1" dirty="0">
+              <a:endParaRPr lang="zh-TW" altLang="en-US" sz="2000" b="1" dirty="0">
                 <a:solidFill>
                   <a:srgbClr val="388E3C"/>
                 </a:solidFill>
@@ -15697,7 +15705,7 @@
           <p:spPr>
             <a:xfrm>
               <a:off x="4969278" y="3958658"/>
-              <a:ext cx="434728" cy="338554"/>
+              <a:ext cx="434728" cy="400110"/>
             </a:xfrm>
             <a:prstGeom prst="rect">
               <a:avLst/>
@@ -15711,7 +15719,7 @@
             <a:lstStyle/>
             <a:p>
               <a:r>
-                <a:rPr lang="en-US" altLang="zh-TW" sz="1600" b="1" dirty="0">
+                <a:rPr lang="en-US" altLang="zh-TW" sz="2000" b="1" dirty="0">
                   <a:solidFill>
                     <a:srgbClr val="388E3C"/>
                   </a:solidFill>
@@ -15720,7 +15728,7 @@
                 </a:rPr>
                 <a:t>8</a:t>
               </a:r>
-              <a:endParaRPr lang="zh-TW" altLang="en-US" sz="1600" b="1" dirty="0">
+              <a:endParaRPr lang="zh-TW" altLang="en-US" sz="2000" b="1" dirty="0">
                 <a:solidFill>
                   <a:srgbClr val="388E3C"/>
                 </a:solidFill>
@@ -15745,7 +15753,7 @@
           <p:spPr>
             <a:xfrm>
               <a:off x="4385860" y="4909148"/>
-              <a:ext cx="434728" cy="338554"/>
+              <a:ext cx="434728" cy="400110"/>
             </a:xfrm>
             <a:prstGeom prst="rect">
               <a:avLst/>
@@ -15759,7 +15767,7 @@
             <a:lstStyle/>
             <a:p>
               <a:r>
-                <a:rPr lang="en-US" altLang="zh-TW" sz="1600" b="1" dirty="0">
+                <a:rPr lang="en-US" altLang="zh-TW" sz="2000" b="1" dirty="0">
                   <a:solidFill>
                     <a:srgbClr val="388E3C"/>
                   </a:solidFill>
@@ -15768,7 +15776,7 @@
                 </a:rPr>
                 <a:t>7</a:t>
               </a:r>
-              <a:endParaRPr lang="zh-TW" altLang="en-US" sz="1600" b="1" dirty="0">
+              <a:endParaRPr lang="zh-TW" altLang="en-US" sz="2000" b="1" dirty="0">
                 <a:solidFill>
                   <a:srgbClr val="388E3C"/>
                 </a:solidFill>
@@ -15792,8 +15800,8 @@
           </p:nvSpPr>
           <p:spPr>
             <a:xfrm>
-              <a:off x="5726945" y="4912966"/>
-              <a:ext cx="434728" cy="338554"/>
+              <a:off x="5669789" y="4912966"/>
+              <a:ext cx="531962" cy="400110"/>
             </a:xfrm>
             <a:prstGeom prst="rect">
               <a:avLst/>
@@ -15807,7 +15815,7 @@
             <a:lstStyle/>
             <a:p>
               <a:r>
-                <a:rPr lang="en-US" altLang="zh-TW" sz="1600" b="1" dirty="0">
+                <a:rPr lang="en-US" altLang="zh-TW" sz="2000" b="1" dirty="0">
                   <a:solidFill>
                     <a:srgbClr val="388E3C"/>
                   </a:solidFill>
@@ -15816,7 +15824,7 @@
                 </a:rPr>
                 <a:t>13</a:t>
               </a:r>
-              <a:endParaRPr lang="zh-TW" altLang="en-US" sz="1600" b="1" dirty="0">
+              <a:endParaRPr lang="zh-TW" altLang="en-US" sz="2000" b="1" dirty="0">
                 <a:solidFill>
                   <a:srgbClr val="388E3C"/>
                 </a:solidFill>
@@ -15840,8 +15848,8 @@
           </p:nvSpPr>
           <p:spPr>
             <a:xfrm>
-              <a:off x="5076260" y="2238611"/>
-              <a:ext cx="434728" cy="338554"/>
+              <a:off x="5076259" y="2238611"/>
+              <a:ext cx="603695" cy="400110"/>
             </a:xfrm>
             <a:prstGeom prst="rect">
               <a:avLst/>
@@ -15855,7 +15863,7 @@
             <a:lstStyle/>
             <a:p>
               <a:r>
-                <a:rPr lang="en-US" altLang="zh-TW" sz="1600" b="1" dirty="0">
+                <a:rPr lang="en-US" altLang="zh-TW" sz="2000" b="1" dirty="0">
                   <a:solidFill>
                     <a:srgbClr val="388E3C"/>
                   </a:solidFill>
@@ -15864,7 +15872,7 @@
                 </a:rPr>
                 <a:t>18</a:t>
               </a:r>
-              <a:endParaRPr lang="zh-TW" altLang="en-US" sz="1600" b="1" dirty="0">
+              <a:endParaRPr lang="zh-TW" altLang="en-US" sz="2000" b="1" dirty="0">
                 <a:solidFill>
                   <a:srgbClr val="388E3C"/>
                 </a:solidFill>
@@ -15888,8 +15896,8 @@
           </p:nvSpPr>
           <p:spPr>
             <a:xfrm>
-              <a:off x="6791658" y="4912473"/>
-              <a:ext cx="434728" cy="338554"/>
+              <a:off x="6848814" y="4912473"/>
+              <a:ext cx="488720" cy="400110"/>
             </a:xfrm>
             <a:prstGeom prst="rect">
               <a:avLst/>
@@ -15903,7 +15911,7 @@
             <a:lstStyle/>
             <a:p>
               <a:r>
-                <a:rPr lang="en-US" altLang="zh-TW" sz="1600" b="1" dirty="0">
+                <a:rPr lang="en-US" altLang="zh-TW" sz="2000" b="1" dirty="0">
                   <a:solidFill>
                     <a:srgbClr val="388E3C"/>
                   </a:solidFill>
@@ -15912,7 +15920,7 @@
                 </a:rPr>
                 <a:t>15</a:t>
               </a:r>
-              <a:endParaRPr lang="zh-TW" altLang="en-US" sz="1600" b="1" dirty="0">
+              <a:endParaRPr lang="zh-TW" altLang="en-US" sz="2000" b="1" dirty="0">
                 <a:solidFill>
                   <a:srgbClr val="388E3C"/>
                 </a:solidFill>
@@ -15937,7 +15945,7 @@
           <p:spPr>
             <a:xfrm>
               <a:off x="6356746" y="3961480"/>
-              <a:ext cx="434728" cy="338554"/>
+              <a:ext cx="545346" cy="400110"/>
             </a:xfrm>
             <a:prstGeom prst="rect">
               <a:avLst/>
@@ -15951,7 +15959,7 @@
             <a:lstStyle/>
             <a:p>
               <a:r>
-                <a:rPr lang="en-US" altLang="zh-TW" sz="1600" b="1" dirty="0">
+                <a:rPr lang="en-US" altLang="zh-TW" sz="2000" b="1" dirty="0">
                   <a:solidFill>
                     <a:srgbClr val="388E3C"/>
                   </a:solidFill>
@@ -15960,7 +15968,7 @@
                 </a:rPr>
                 <a:t>16</a:t>
               </a:r>
-              <a:endParaRPr lang="zh-TW" altLang="en-US" sz="1600" b="1" dirty="0">
+              <a:endParaRPr lang="zh-TW" altLang="en-US" sz="2000" b="1" dirty="0">
                 <a:solidFill>
                   <a:srgbClr val="388E3C"/>
                 </a:solidFill>

--- a/Illustrations/illustrations.pptx
+++ b/Illustrations/illustrations.pptx
@@ -8,9 +8,6 @@
     <p:sldId id="256" r:id="rId2"/>
     <p:sldId id="257" r:id="rId3"/>
     <p:sldId id="258" r:id="rId4"/>
-    <p:sldId id="260" r:id="rId5"/>
-    <p:sldId id="259" r:id="rId6"/>
-    <p:sldId id="261" r:id="rId7"/>
   </p:sldIdLst>
   <p:sldSz cx="12192000" cy="6858000"/>
   <p:notesSz cx="6858000" cy="9144000"/>
@@ -7183,6 +7180,36 @@
           </a:p>
         </p:txBody>
       </p:sp>
+      <p:pic>
+        <p:nvPicPr>
+          <p:cNvPr id="3" name="Picture 2">
+            <a:extLst>
+              <a:ext uri="{FF2B5EF4-FFF2-40B4-BE49-F238E27FC236}">
+                <a16:creationId xmlns:a16="http://schemas.microsoft.com/office/drawing/2014/main" id="{716E8EE8-52DA-4DB2-BAC6-561DE22788A3}"/>
+              </a:ext>
+            </a:extLst>
+          </p:cNvPr>
+          <p:cNvPicPr>
+            <a:picLocks noChangeAspect="1"/>
+          </p:cNvPicPr>
+          <p:nvPr/>
+        </p:nvPicPr>
+        <p:blipFill>
+          <a:blip r:embed="rId3"/>
+          <a:stretch>
+            <a:fillRect/>
+          </a:stretch>
+        </p:blipFill>
+        <p:spPr>
+          <a:xfrm>
+            <a:off x="-9682544" y="2211752"/>
+            <a:ext cx="12192000" cy="6673850"/>
+          </a:xfrm>
+          <a:prstGeom prst="rect">
+            <a:avLst/>
+          </a:prstGeom>
+        </p:spPr>
+      </p:pic>
     </p:spTree>
     <p:extLst>
       <p:ext uri="{BB962C8B-B14F-4D97-AF65-F5344CB8AC3E}">
@@ -8814,7185 +8841,6 @@
 </file>
 
 <file path=ppt/slides/slide3.xml><?xml version="1.0" encoding="utf-8"?>
-<p:sld xmlns:a="http://schemas.openxmlformats.org/drawingml/2006/main" xmlns:r="http://schemas.openxmlformats.org/officeDocument/2006/relationships" xmlns:p="http://schemas.openxmlformats.org/presentationml/2006/main">
-  <p:cSld>
-    <p:spTree>
-      <p:nvGrpSpPr>
-        <p:cNvPr id="1" name=""/>
-        <p:cNvGrpSpPr/>
-        <p:nvPr/>
-      </p:nvGrpSpPr>
-      <p:grpSpPr>
-        <a:xfrm>
-          <a:off x="0" y="0"/>
-          <a:ext cx="0" cy="0"/>
-          <a:chOff x="0" y="0"/>
-          <a:chExt cx="0" cy="0"/>
-        </a:xfrm>
-      </p:grpSpPr>
-      <p:pic>
-        <p:nvPicPr>
-          <p:cNvPr id="2" name="圖片 1"/>
-          <p:cNvPicPr>
-            <a:picLocks noChangeAspect="1"/>
-          </p:cNvPicPr>
-          <p:nvPr/>
-        </p:nvPicPr>
-        <p:blipFill>
-          <a:blip r:embed="rId2"/>
-          <a:stretch>
-            <a:fillRect/>
-          </a:stretch>
-        </p:blipFill>
-        <p:spPr>
-          <a:xfrm>
-            <a:off x="126061" y="161553"/>
-            <a:ext cx="6918206" cy="6256660"/>
-          </a:xfrm>
-          <a:prstGeom prst="rect">
-            <a:avLst/>
-          </a:prstGeom>
-        </p:spPr>
-      </p:pic>
-    </p:spTree>
-    <p:extLst>
-      <p:ext uri="{BB962C8B-B14F-4D97-AF65-F5344CB8AC3E}">
-        <p14:creationId xmlns:p14="http://schemas.microsoft.com/office/powerpoint/2010/main" val="1772680098"/>
-      </p:ext>
-    </p:extLst>
-  </p:cSld>
-  <p:clrMapOvr>
-    <a:masterClrMapping/>
-  </p:clrMapOvr>
-</p:sld>
-</file>
-
-<file path=ppt/slides/slide4.xml><?xml version="1.0" encoding="utf-8"?>
-<p:sld xmlns:a="http://schemas.openxmlformats.org/drawingml/2006/main" xmlns:r="http://schemas.openxmlformats.org/officeDocument/2006/relationships" xmlns:p="http://schemas.openxmlformats.org/presentationml/2006/main">
-  <p:cSld>
-    <p:spTree>
-      <p:nvGrpSpPr>
-        <p:cNvPr id="1" name=""/>
-        <p:cNvGrpSpPr/>
-        <p:nvPr/>
-      </p:nvGrpSpPr>
-      <p:grpSpPr>
-        <a:xfrm>
-          <a:off x="0" y="0"/>
-          <a:ext cx="0" cy="0"/>
-          <a:chOff x="0" y="0"/>
-          <a:chExt cx="0" cy="0"/>
-        </a:xfrm>
-      </p:grpSpPr>
-      <p:cxnSp>
-        <p:nvCxnSpPr>
-          <p:cNvPr id="27" name="直線接點 26"/>
-          <p:cNvCxnSpPr/>
-          <p:nvPr/>
-        </p:nvCxnSpPr>
-        <p:spPr>
-          <a:xfrm flipV="1">
-            <a:off x="2058818" y="1047689"/>
-            <a:ext cx="858578" cy="888771"/>
-          </a:xfrm>
-          <a:prstGeom prst="line">
-            <a:avLst/>
-          </a:prstGeom>
-          <a:ln w="76200">
-            <a:solidFill>
-              <a:schemeClr val="tx1">
-                <a:lumMod val="50000"/>
-                <a:lumOff val="50000"/>
-              </a:schemeClr>
-            </a:solidFill>
-          </a:ln>
-        </p:spPr>
-        <p:style>
-          <a:lnRef idx="1">
-            <a:schemeClr val="accent1"/>
-          </a:lnRef>
-          <a:fillRef idx="0">
-            <a:schemeClr val="accent1"/>
-          </a:fillRef>
-          <a:effectRef idx="0">
-            <a:schemeClr val="accent1"/>
-          </a:effectRef>
-          <a:fontRef idx="minor">
-            <a:schemeClr val="tx1"/>
-          </a:fontRef>
-        </p:style>
-      </p:cxnSp>
-      <p:cxnSp>
-        <p:nvCxnSpPr>
-          <p:cNvPr id="28" name="直線接點 27"/>
-          <p:cNvCxnSpPr/>
-          <p:nvPr/>
-        </p:nvCxnSpPr>
-        <p:spPr>
-          <a:xfrm flipH="1" flipV="1">
-            <a:off x="2928420" y="1047689"/>
-            <a:ext cx="847555" cy="881135"/>
-          </a:xfrm>
-          <a:prstGeom prst="line">
-            <a:avLst/>
-          </a:prstGeom>
-          <a:ln w="76200">
-            <a:solidFill>
-              <a:schemeClr val="tx1">
-                <a:lumMod val="50000"/>
-                <a:lumOff val="50000"/>
-              </a:schemeClr>
-            </a:solidFill>
-          </a:ln>
-        </p:spPr>
-        <p:style>
-          <a:lnRef idx="1">
-            <a:schemeClr val="accent1"/>
-          </a:lnRef>
-          <a:fillRef idx="0">
-            <a:schemeClr val="accent1"/>
-          </a:fillRef>
-          <a:effectRef idx="0">
-            <a:schemeClr val="accent1"/>
-          </a:effectRef>
-          <a:fontRef idx="minor">
-            <a:schemeClr val="tx1"/>
-          </a:fontRef>
-        </p:style>
-      </p:cxnSp>
-      <p:cxnSp>
-        <p:nvCxnSpPr>
-          <p:cNvPr id="29" name="直線接點 28"/>
-          <p:cNvCxnSpPr/>
-          <p:nvPr/>
-        </p:nvCxnSpPr>
-        <p:spPr>
-          <a:xfrm flipH="1" flipV="1">
-            <a:off x="3775975" y="1936460"/>
-            <a:ext cx="858030" cy="808008"/>
-          </a:xfrm>
-          <a:prstGeom prst="line">
-            <a:avLst/>
-          </a:prstGeom>
-          <a:ln w="76200">
-            <a:solidFill>
-              <a:schemeClr val="tx1">
-                <a:lumMod val="50000"/>
-                <a:lumOff val="50000"/>
-              </a:schemeClr>
-            </a:solidFill>
-          </a:ln>
-        </p:spPr>
-        <p:style>
-          <a:lnRef idx="1">
-            <a:schemeClr val="accent1"/>
-          </a:lnRef>
-          <a:fillRef idx="0">
-            <a:schemeClr val="accent1"/>
-          </a:fillRef>
-          <a:effectRef idx="0">
-            <a:schemeClr val="accent1"/>
-          </a:effectRef>
-          <a:fontRef idx="minor">
-            <a:schemeClr val="tx1"/>
-          </a:fontRef>
-        </p:style>
-      </p:cxnSp>
-      <p:cxnSp>
-        <p:nvCxnSpPr>
-          <p:cNvPr id="30" name="直線接點 29"/>
-          <p:cNvCxnSpPr/>
-          <p:nvPr/>
-        </p:nvCxnSpPr>
-        <p:spPr>
-          <a:xfrm flipV="1">
-            <a:off x="1300044" y="1936460"/>
-            <a:ext cx="758774" cy="858573"/>
-          </a:xfrm>
-          <a:prstGeom prst="line">
-            <a:avLst/>
-          </a:prstGeom>
-          <a:ln w="76200">
-            <a:solidFill>
-              <a:schemeClr val="tx1">
-                <a:lumMod val="50000"/>
-                <a:lumOff val="50000"/>
-              </a:schemeClr>
-            </a:solidFill>
-          </a:ln>
-        </p:spPr>
-        <p:style>
-          <a:lnRef idx="1">
-            <a:schemeClr val="accent1"/>
-          </a:lnRef>
-          <a:fillRef idx="0">
-            <a:schemeClr val="accent1"/>
-          </a:fillRef>
-          <a:effectRef idx="0">
-            <a:schemeClr val="accent1"/>
-          </a:effectRef>
-          <a:fontRef idx="minor">
-            <a:schemeClr val="tx1"/>
-          </a:fontRef>
-        </p:style>
-      </p:cxnSp>
-      <p:cxnSp>
-        <p:nvCxnSpPr>
-          <p:cNvPr id="31" name="直線接點 30"/>
-          <p:cNvCxnSpPr/>
-          <p:nvPr/>
-        </p:nvCxnSpPr>
-        <p:spPr>
-          <a:xfrm flipH="1" flipV="1">
-            <a:off x="2064604" y="1936460"/>
-            <a:ext cx="896602" cy="1132968"/>
-          </a:xfrm>
-          <a:prstGeom prst="line">
-            <a:avLst/>
-          </a:prstGeom>
-          <a:ln w="76200">
-            <a:solidFill>
-              <a:schemeClr val="tx1">
-                <a:lumMod val="50000"/>
-                <a:lumOff val="50000"/>
-              </a:schemeClr>
-            </a:solidFill>
-          </a:ln>
-        </p:spPr>
-        <p:style>
-          <a:lnRef idx="1">
-            <a:schemeClr val="accent1"/>
-          </a:lnRef>
-          <a:fillRef idx="0">
-            <a:schemeClr val="accent1"/>
-          </a:fillRef>
-          <a:effectRef idx="0">
-            <a:schemeClr val="accent1"/>
-          </a:effectRef>
-          <a:fontRef idx="minor">
-            <a:schemeClr val="tx1"/>
-          </a:fontRef>
-        </p:style>
-      </p:cxnSp>
-      <p:cxnSp>
-        <p:nvCxnSpPr>
-          <p:cNvPr id="32" name="直線接點 31"/>
-          <p:cNvCxnSpPr/>
-          <p:nvPr/>
-        </p:nvCxnSpPr>
-        <p:spPr>
-          <a:xfrm flipV="1">
-            <a:off x="2972079" y="1936460"/>
-            <a:ext cx="803896" cy="1126123"/>
-          </a:xfrm>
-          <a:prstGeom prst="line">
-            <a:avLst/>
-          </a:prstGeom>
-          <a:ln w="76200">
-            <a:solidFill>
-              <a:schemeClr val="tx1">
-                <a:lumMod val="50000"/>
-                <a:lumOff val="50000"/>
-              </a:schemeClr>
-            </a:solidFill>
-          </a:ln>
-        </p:spPr>
-        <p:style>
-          <a:lnRef idx="1">
-            <a:schemeClr val="accent1"/>
-          </a:lnRef>
-          <a:fillRef idx="0">
-            <a:schemeClr val="accent1"/>
-          </a:fillRef>
-          <a:effectRef idx="0">
-            <a:schemeClr val="accent1"/>
-          </a:effectRef>
-          <a:fontRef idx="minor">
-            <a:schemeClr val="tx1"/>
-          </a:fontRef>
-        </p:style>
-      </p:cxnSp>
-      <p:cxnSp>
-        <p:nvCxnSpPr>
-          <p:cNvPr id="33" name="直線接點 32"/>
-          <p:cNvCxnSpPr/>
-          <p:nvPr/>
-        </p:nvCxnSpPr>
-        <p:spPr>
-          <a:xfrm flipH="1">
-            <a:off x="1922152" y="3062583"/>
-            <a:ext cx="1049927" cy="858573"/>
-          </a:xfrm>
-          <a:prstGeom prst="line">
-            <a:avLst/>
-          </a:prstGeom>
-          <a:ln w="76200">
-            <a:solidFill>
-              <a:schemeClr val="tx1">
-                <a:lumMod val="50000"/>
-                <a:lumOff val="50000"/>
-              </a:schemeClr>
-            </a:solidFill>
-          </a:ln>
-        </p:spPr>
-        <p:style>
-          <a:lnRef idx="1">
-            <a:schemeClr val="accent1"/>
-          </a:lnRef>
-          <a:fillRef idx="0">
-            <a:schemeClr val="accent1"/>
-          </a:fillRef>
-          <a:effectRef idx="0">
-            <a:schemeClr val="accent1"/>
-          </a:effectRef>
-          <a:fontRef idx="minor">
-            <a:schemeClr val="tx1"/>
-          </a:fontRef>
-        </p:style>
-      </p:cxnSp>
-      <p:cxnSp>
-        <p:nvCxnSpPr>
-          <p:cNvPr id="34" name="直線接點 33"/>
-          <p:cNvCxnSpPr/>
-          <p:nvPr/>
-        </p:nvCxnSpPr>
-        <p:spPr>
-          <a:xfrm flipH="1" flipV="1">
-            <a:off x="1922152" y="3914311"/>
-            <a:ext cx="436752" cy="1233190"/>
-          </a:xfrm>
-          <a:prstGeom prst="line">
-            <a:avLst/>
-          </a:prstGeom>
-          <a:ln w="76200">
-            <a:solidFill>
-              <a:schemeClr val="tx1">
-                <a:lumMod val="50000"/>
-                <a:lumOff val="50000"/>
-              </a:schemeClr>
-            </a:solidFill>
-          </a:ln>
-        </p:spPr>
-        <p:style>
-          <a:lnRef idx="1">
-            <a:schemeClr val="accent1"/>
-          </a:lnRef>
-          <a:fillRef idx="0">
-            <a:schemeClr val="accent1"/>
-          </a:fillRef>
-          <a:effectRef idx="0">
-            <a:schemeClr val="accent1"/>
-          </a:effectRef>
-          <a:fontRef idx="minor">
-            <a:schemeClr val="tx1"/>
-          </a:fontRef>
-        </p:style>
-      </p:cxnSp>
-      <p:cxnSp>
-        <p:nvCxnSpPr>
-          <p:cNvPr id="35" name="直線接點 34"/>
-          <p:cNvCxnSpPr/>
-          <p:nvPr/>
-        </p:nvCxnSpPr>
-        <p:spPr>
-          <a:xfrm flipV="1">
-            <a:off x="3689798" y="3914311"/>
-            <a:ext cx="480834" cy="1233190"/>
-          </a:xfrm>
-          <a:prstGeom prst="line">
-            <a:avLst/>
-          </a:prstGeom>
-          <a:ln w="76200">
-            <a:solidFill>
-              <a:schemeClr val="tx1">
-                <a:lumMod val="50000"/>
-                <a:lumOff val="50000"/>
-              </a:schemeClr>
-            </a:solidFill>
-          </a:ln>
-        </p:spPr>
-        <p:style>
-          <a:lnRef idx="1">
-            <a:schemeClr val="accent1"/>
-          </a:lnRef>
-          <a:fillRef idx="0">
-            <a:schemeClr val="accent1"/>
-          </a:fillRef>
-          <a:effectRef idx="0">
-            <a:schemeClr val="accent1"/>
-          </a:effectRef>
-          <a:fontRef idx="minor">
-            <a:schemeClr val="tx1"/>
-          </a:fontRef>
-        </p:style>
-      </p:cxnSp>
-      <p:cxnSp>
-        <p:nvCxnSpPr>
-          <p:cNvPr id="36" name="直線接點 35"/>
-          <p:cNvCxnSpPr/>
-          <p:nvPr/>
-        </p:nvCxnSpPr>
-        <p:spPr>
-          <a:xfrm flipH="1">
-            <a:off x="2358904" y="5147501"/>
-            <a:ext cx="1330894" cy="0"/>
-          </a:xfrm>
-          <a:prstGeom prst="line">
-            <a:avLst/>
-          </a:prstGeom>
-          <a:ln w="76200">
-            <a:solidFill>
-              <a:schemeClr val="tx1">
-                <a:lumMod val="50000"/>
-                <a:lumOff val="50000"/>
-              </a:schemeClr>
-            </a:solidFill>
-          </a:ln>
-        </p:spPr>
-        <p:style>
-          <a:lnRef idx="1">
-            <a:schemeClr val="accent1"/>
-          </a:lnRef>
-          <a:fillRef idx="0">
-            <a:schemeClr val="accent1"/>
-          </a:fillRef>
-          <a:effectRef idx="0">
-            <a:schemeClr val="accent1"/>
-          </a:effectRef>
-          <a:fontRef idx="minor">
-            <a:schemeClr val="tx1"/>
-          </a:fontRef>
-        </p:style>
-      </p:cxnSp>
-      <p:cxnSp>
-        <p:nvCxnSpPr>
-          <p:cNvPr id="37" name="直線接點 36"/>
-          <p:cNvCxnSpPr/>
-          <p:nvPr/>
-        </p:nvCxnSpPr>
-        <p:spPr>
-          <a:xfrm flipH="1" flipV="1">
-            <a:off x="2961206" y="3062584"/>
-            <a:ext cx="1209426" cy="858572"/>
-          </a:xfrm>
-          <a:prstGeom prst="line">
-            <a:avLst/>
-          </a:prstGeom>
-          <a:ln w="76200">
-            <a:solidFill>
-              <a:schemeClr val="tx1">
-                <a:lumMod val="50000"/>
-                <a:lumOff val="50000"/>
-              </a:schemeClr>
-            </a:solidFill>
-          </a:ln>
-        </p:spPr>
-        <p:style>
-          <a:lnRef idx="1">
-            <a:schemeClr val="accent1"/>
-          </a:lnRef>
-          <a:fillRef idx="0">
-            <a:schemeClr val="accent1"/>
-          </a:fillRef>
-          <a:effectRef idx="0">
-            <a:schemeClr val="accent1"/>
-          </a:effectRef>
-          <a:fontRef idx="minor">
-            <a:schemeClr val="tx1"/>
-          </a:fontRef>
-        </p:style>
-      </p:cxnSp>
-      <p:cxnSp>
-        <p:nvCxnSpPr>
-          <p:cNvPr id="38" name="直線接點 37"/>
-          <p:cNvCxnSpPr/>
-          <p:nvPr/>
-        </p:nvCxnSpPr>
-        <p:spPr>
-          <a:xfrm flipH="1" flipV="1">
-            <a:off x="2961206" y="3062583"/>
-            <a:ext cx="728592" cy="2084918"/>
-          </a:xfrm>
-          <a:prstGeom prst="line">
-            <a:avLst/>
-          </a:prstGeom>
-          <a:ln w="76200">
-            <a:solidFill>
-              <a:schemeClr val="tx1">
-                <a:lumMod val="50000"/>
-                <a:lumOff val="50000"/>
-              </a:schemeClr>
-            </a:solidFill>
-          </a:ln>
-        </p:spPr>
-        <p:style>
-          <a:lnRef idx="1">
-            <a:schemeClr val="accent1"/>
-          </a:lnRef>
-          <a:fillRef idx="0">
-            <a:schemeClr val="accent1"/>
-          </a:fillRef>
-          <a:effectRef idx="0">
-            <a:schemeClr val="accent1"/>
-          </a:effectRef>
-          <a:fontRef idx="minor">
-            <a:schemeClr val="tx1"/>
-          </a:fontRef>
-        </p:style>
-      </p:cxnSp>
-      <p:sp>
-        <p:nvSpPr>
-          <p:cNvPr id="138" name="弧形 137"/>
-          <p:cNvSpPr/>
-          <p:nvPr/>
-        </p:nvSpPr>
-        <p:spPr>
-          <a:xfrm rot="21390419">
-            <a:off x="8370202" y="2430663"/>
-            <a:ext cx="2183423" cy="2895653"/>
-          </a:xfrm>
-          <a:prstGeom prst="arc">
-            <a:avLst>
-              <a:gd name="adj1" fmla="val 15237009"/>
-              <a:gd name="adj2" fmla="val 5394745"/>
-            </a:avLst>
-          </a:prstGeom>
-          <a:ln w="76200">
-            <a:solidFill>
-              <a:srgbClr val="E53935"/>
-            </a:solidFill>
-          </a:ln>
-        </p:spPr>
-        <p:style>
-          <a:lnRef idx="1">
-            <a:schemeClr val="accent1"/>
-          </a:lnRef>
-          <a:fillRef idx="0">
-            <a:schemeClr val="accent1"/>
-          </a:fillRef>
-          <a:effectRef idx="0">
-            <a:schemeClr val="accent1"/>
-          </a:effectRef>
-          <a:fontRef idx="minor">
-            <a:schemeClr val="tx1"/>
-          </a:fontRef>
-        </p:style>
-        <p:txBody>
-          <a:bodyPr rtlCol="0" anchor="ctr"/>
-          <a:lstStyle/>
-          <a:p>
-            <a:pPr algn="ctr"/>
-            <a:endParaRPr lang="zh-TW" altLang="en-US"/>
-          </a:p>
-        </p:txBody>
-      </p:sp>
-      <p:sp>
-        <p:nvSpPr>
-          <p:cNvPr id="137" name="弧形 136"/>
-          <p:cNvSpPr/>
-          <p:nvPr/>
-        </p:nvSpPr>
-        <p:spPr>
-          <a:xfrm rot="20858719">
-            <a:off x="8472209" y="2572120"/>
-            <a:ext cx="1655086" cy="2047101"/>
-          </a:xfrm>
-          <a:prstGeom prst="arc">
-            <a:avLst>
-              <a:gd name="adj1" fmla="val 16280781"/>
-              <a:gd name="adj2" fmla="val 3690667"/>
-            </a:avLst>
-          </a:prstGeom>
-          <a:ln w="76200">
-            <a:solidFill>
-              <a:srgbClr val="E53935"/>
-            </a:solidFill>
-          </a:ln>
-        </p:spPr>
-        <p:style>
-          <a:lnRef idx="1">
-            <a:schemeClr val="accent1"/>
-          </a:lnRef>
-          <a:fillRef idx="0">
-            <a:schemeClr val="accent1"/>
-          </a:fillRef>
-          <a:effectRef idx="0">
-            <a:schemeClr val="accent1"/>
-          </a:effectRef>
-          <a:fontRef idx="minor">
-            <a:schemeClr val="tx1"/>
-          </a:fontRef>
-        </p:style>
-        <p:txBody>
-          <a:bodyPr rtlCol="0" anchor="ctr"/>
-          <a:lstStyle/>
-          <a:p>
-            <a:pPr algn="ctr"/>
-            <a:endParaRPr lang="zh-TW" altLang="en-US"/>
-          </a:p>
-        </p:txBody>
-      </p:sp>
-      <p:sp>
-        <p:nvSpPr>
-          <p:cNvPr id="136" name="弧形 135"/>
-          <p:cNvSpPr/>
-          <p:nvPr/>
-        </p:nvSpPr>
-        <p:spPr>
-          <a:xfrm flipH="1">
-            <a:off x="6840746" y="796029"/>
-            <a:ext cx="2644771" cy="2662809"/>
-          </a:xfrm>
-          <a:prstGeom prst="arc">
-            <a:avLst>
-              <a:gd name="adj1" fmla="val 16280781"/>
-              <a:gd name="adj2" fmla="val 5328389"/>
-            </a:avLst>
-          </a:prstGeom>
-          <a:ln w="76200">
-            <a:solidFill>
-              <a:srgbClr val="E53935"/>
-            </a:solidFill>
-          </a:ln>
-        </p:spPr>
-        <p:style>
-          <a:lnRef idx="1">
-            <a:schemeClr val="accent1"/>
-          </a:lnRef>
-          <a:fillRef idx="0">
-            <a:schemeClr val="accent1"/>
-          </a:fillRef>
-          <a:effectRef idx="0">
-            <a:schemeClr val="accent1"/>
-          </a:effectRef>
-          <a:fontRef idx="minor">
-            <a:schemeClr val="tx1"/>
-          </a:fontRef>
-        </p:style>
-        <p:txBody>
-          <a:bodyPr rtlCol="0" anchor="ctr"/>
-          <a:lstStyle/>
-          <a:p>
-            <a:pPr algn="ctr"/>
-            <a:endParaRPr lang="zh-TW" altLang="en-US"/>
-          </a:p>
-        </p:txBody>
-      </p:sp>
-      <p:cxnSp>
-        <p:nvCxnSpPr>
-          <p:cNvPr id="104" name="直線接點 103"/>
-          <p:cNvCxnSpPr/>
-          <p:nvPr/>
-        </p:nvCxnSpPr>
-        <p:spPr>
-          <a:xfrm flipH="1">
-            <a:off x="7524975" y="1680025"/>
-            <a:ext cx="694942" cy="880029"/>
-          </a:xfrm>
-          <a:prstGeom prst="line">
-            <a:avLst/>
-          </a:prstGeom>
-          <a:ln w="76200">
-            <a:solidFill>
-              <a:schemeClr val="tx1">
-                <a:lumMod val="50000"/>
-                <a:lumOff val="50000"/>
-              </a:schemeClr>
-            </a:solidFill>
-          </a:ln>
-        </p:spPr>
-        <p:style>
-          <a:lnRef idx="1">
-            <a:schemeClr val="accent1"/>
-          </a:lnRef>
-          <a:fillRef idx="0">
-            <a:schemeClr val="accent1"/>
-          </a:fillRef>
-          <a:effectRef idx="0">
-            <a:schemeClr val="accent1"/>
-          </a:effectRef>
-          <a:fontRef idx="minor">
-            <a:schemeClr val="tx1"/>
-          </a:fontRef>
-        </p:style>
-      </p:cxnSp>
-      <p:cxnSp>
-        <p:nvCxnSpPr>
-          <p:cNvPr id="107" name="直線接點 106"/>
-          <p:cNvCxnSpPr/>
-          <p:nvPr/>
-        </p:nvCxnSpPr>
-        <p:spPr>
-          <a:xfrm>
-            <a:off x="8219917" y="1668879"/>
-            <a:ext cx="746145" cy="891175"/>
-          </a:xfrm>
-          <a:prstGeom prst="line">
-            <a:avLst/>
-          </a:prstGeom>
-          <a:ln w="76200">
-            <a:solidFill>
-              <a:schemeClr val="tx1">
-                <a:lumMod val="50000"/>
-                <a:lumOff val="50000"/>
-              </a:schemeClr>
-            </a:solidFill>
-          </a:ln>
-        </p:spPr>
-        <p:style>
-          <a:lnRef idx="1">
-            <a:schemeClr val="accent1"/>
-          </a:lnRef>
-          <a:fillRef idx="0">
-            <a:schemeClr val="accent1"/>
-          </a:fillRef>
-          <a:effectRef idx="0">
-            <a:schemeClr val="accent1"/>
-          </a:effectRef>
-          <a:fontRef idx="minor">
-            <a:schemeClr val="tx1"/>
-          </a:fontRef>
-        </p:style>
-      </p:cxnSp>
-      <p:cxnSp>
-        <p:nvCxnSpPr>
-          <p:cNvPr id="110" name="直線接點 109"/>
-          <p:cNvCxnSpPr/>
-          <p:nvPr/>
-        </p:nvCxnSpPr>
-        <p:spPr>
-          <a:xfrm flipV="1">
-            <a:off x="8111427" y="2560054"/>
-            <a:ext cx="854635" cy="872849"/>
-          </a:xfrm>
-          <a:prstGeom prst="line">
-            <a:avLst/>
-          </a:prstGeom>
-          <a:ln w="76200">
-            <a:solidFill>
-              <a:schemeClr val="tx1">
-                <a:lumMod val="50000"/>
-                <a:lumOff val="50000"/>
-              </a:schemeClr>
-            </a:solidFill>
-          </a:ln>
-        </p:spPr>
-        <p:style>
-          <a:lnRef idx="1">
-            <a:schemeClr val="accent1"/>
-          </a:lnRef>
-          <a:fillRef idx="0">
-            <a:schemeClr val="accent1"/>
-          </a:fillRef>
-          <a:effectRef idx="0">
-            <a:schemeClr val="accent1"/>
-          </a:effectRef>
-          <a:fontRef idx="minor">
-            <a:schemeClr val="tx1"/>
-          </a:fontRef>
-        </p:style>
-      </p:cxnSp>
-      <p:cxnSp>
-        <p:nvCxnSpPr>
-          <p:cNvPr id="113" name="直線接點 112"/>
-          <p:cNvCxnSpPr/>
-          <p:nvPr/>
-        </p:nvCxnSpPr>
-        <p:spPr>
-          <a:xfrm flipH="1" flipV="1">
-            <a:off x="8966062" y="2560054"/>
-            <a:ext cx="523830" cy="887529"/>
-          </a:xfrm>
-          <a:prstGeom prst="line">
-            <a:avLst/>
-          </a:prstGeom>
-          <a:ln w="76200">
-            <a:solidFill>
-              <a:schemeClr val="tx1">
-                <a:lumMod val="50000"/>
-                <a:lumOff val="50000"/>
-              </a:schemeClr>
-            </a:solidFill>
-          </a:ln>
-        </p:spPr>
-        <p:style>
-          <a:lnRef idx="1">
-            <a:schemeClr val="accent1"/>
-          </a:lnRef>
-          <a:fillRef idx="0">
-            <a:schemeClr val="accent1"/>
-          </a:fillRef>
-          <a:effectRef idx="0">
-            <a:schemeClr val="accent1"/>
-          </a:effectRef>
-          <a:fontRef idx="minor">
-            <a:schemeClr val="tx1"/>
-          </a:fontRef>
-        </p:style>
-      </p:cxnSp>
-      <p:cxnSp>
-        <p:nvCxnSpPr>
-          <p:cNvPr id="116" name="直線接點 115"/>
-          <p:cNvCxnSpPr/>
-          <p:nvPr/>
-        </p:nvCxnSpPr>
-        <p:spPr>
-          <a:xfrm flipV="1">
-            <a:off x="7689075" y="3432903"/>
-            <a:ext cx="422351" cy="891175"/>
-          </a:xfrm>
-          <a:prstGeom prst="line">
-            <a:avLst/>
-          </a:prstGeom>
-          <a:ln w="76200">
-            <a:solidFill>
-              <a:schemeClr val="tx1">
-                <a:lumMod val="50000"/>
-                <a:lumOff val="50000"/>
-              </a:schemeClr>
-            </a:solidFill>
-          </a:ln>
-        </p:spPr>
-        <p:style>
-          <a:lnRef idx="1">
-            <a:schemeClr val="accent1"/>
-          </a:lnRef>
-          <a:fillRef idx="0">
-            <a:schemeClr val="accent1"/>
-          </a:fillRef>
-          <a:effectRef idx="0">
-            <a:schemeClr val="accent1"/>
-          </a:effectRef>
-          <a:fontRef idx="minor">
-            <a:schemeClr val="tx1"/>
-          </a:fontRef>
-        </p:style>
-      </p:cxnSp>
-      <p:cxnSp>
-        <p:nvCxnSpPr>
-          <p:cNvPr id="122" name="直線接點 121"/>
-          <p:cNvCxnSpPr/>
-          <p:nvPr/>
-        </p:nvCxnSpPr>
-        <p:spPr>
-          <a:xfrm flipV="1">
-            <a:off x="8861237" y="3440083"/>
-            <a:ext cx="628654" cy="883995"/>
-          </a:xfrm>
-          <a:prstGeom prst="line">
-            <a:avLst/>
-          </a:prstGeom>
-          <a:ln w="76200">
-            <a:solidFill>
-              <a:schemeClr val="tx1">
-                <a:lumMod val="50000"/>
-                <a:lumOff val="50000"/>
-              </a:schemeClr>
-            </a:solidFill>
-          </a:ln>
-        </p:spPr>
-        <p:style>
-          <a:lnRef idx="1">
-            <a:schemeClr val="accent1"/>
-          </a:lnRef>
-          <a:fillRef idx="0">
-            <a:schemeClr val="accent1"/>
-          </a:fillRef>
-          <a:effectRef idx="0">
-            <a:schemeClr val="accent1"/>
-          </a:effectRef>
-          <a:fontRef idx="minor">
-            <a:schemeClr val="tx1"/>
-          </a:fontRef>
-        </p:style>
-      </p:cxnSp>
-      <p:cxnSp>
-        <p:nvCxnSpPr>
-          <p:cNvPr id="125" name="直線接點 124"/>
-          <p:cNvCxnSpPr/>
-          <p:nvPr/>
-        </p:nvCxnSpPr>
-        <p:spPr>
-          <a:xfrm flipH="1" flipV="1">
-            <a:off x="9489891" y="3440083"/>
-            <a:ext cx="410602" cy="883995"/>
-          </a:xfrm>
-          <a:prstGeom prst="line">
-            <a:avLst/>
-          </a:prstGeom>
-          <a:ln w="76200">
-            <a:solidFill>
-              <a:schemeClr val="tx1">
-                <a:lumMod val="50000"/>
-                <a:lumOff val="50000"/>
-              </a:schemeClr>
-            </a:solidFill>
-          </a:ln>
-        </p:spPr>
-        <p:style>
-          <a:lnRef idx="1">
-            <a:schemeClr val="accent1"/>
-          </a:lnRef>
-          <a:fillRef idx="0">
-            <a:schemeClr val="accent1"/>
-          </a:fillRef>
-          <a:effectRef idx="0">
-            <a:schemeClr val="accent1"/>
-          </a:effectRef>
-          <a:fontRef idx="minor">
-            <a:schemeClr val="tx1"/>
-          </a:fontRef>
-        </p:style>
-      </p:cxnSp>
-      <p:cxnSp>
-        <p:nvCxnSpPr>
-          <p:cNvPr id="128" name="直線接點 127"/>
-          <p:cNvCxnSpPr/>
-          <p:nvPr/>
-        </p:nvCxnSpPr>
-        <p:spPr>
-          <a:xfrm>
-            <a:off x="8861237" y="4324078"/>
-            <a:ext cx="491986" cy="983603"/>
-          </a:xfrm>
-          <a:prstGeom prst="line">
-            <a:avLst/>
-          </a:prstGeom>
-          <a:ln w="76200">
-            <a:solidFill>
-              <a:schemeClr val="tx1">
-                <a:lumMod val="50000"/>
-                <a:lumOff val="50000"/>
-              </a:schemeClr>
-            </a:solidFill>
-          </a:ln>
-        </p:spPr>
-        <p:style>
-          <a:lnRef idx="1">
-            <a:schemeClr val="accent1"/>
-          </a:lnRef>
-          <a:fillRef idx="0">
-            <a:schemeClr val="accent1"/>
-          </a:fillRef>
-          <a:effectRef idx="0">
-            <a:schemeClr val="accent1"/>
-          </a:effectRef>
-          <a:fontRef idx="minor">
-            <a:schemeClr val="tx1"/>
-          </a:fontRef>
-        </p:style>
-      </p:cxnSp>
-      <p:cxnSp>
-        <p:nvCxnSpPr>
-          <p:cNvPr id="80" name="直線接點 79"/>
-          <p:cNvCxnSpPr/>
-          <p:nvPr/>
-        </p:nvCxnSpPr>
-        <p:spPr>
-          <a:xfrm>
-            <a:off x="8219916" y="796030"/>
-            <a:ext cx="0" cy="883995"/>
-          </a:xfrm>
-          <a:prstGeom prst="line">
-            <a:avLst/>
-          </a:prstGeom>
-          <a:ln w="76200">
-            <a:solidFill>
-              <a:schemeClr val="tx1">
-                <a:lumMod val="50000"/>
-                <a:lumOff val="50000"/>
-              </a:schemeClr>
-            </a:solidFill>
-          </a:ln>
-        </p:spPr>
-        <p:style>
-          <a:lnRef idx="1">
-            <a:schemeClr val="accent1"/>
-          </a:lnRef>
-          <a:fillRef idx="0">
-            <a:schemeClr val="accent1"/>
-          </a:fillRef>
-          <a:effectRef idx="0">
-            <a:schemeClr val="accent1"/>
-          </a:effectRef>
-          <a:fontRef idx="minor">
-            <a:schemeClr val="tx1"/>
-          </a:fontRef>
-        </p:style>
-      </p:cxnSp>
-      <p:grpSp>
-        <p:nvGrpSpPr>
-          <p:cNvPr id="3" name="Group 2">
-            <a:extLst>
-              <a:ext uri="{FF2B5EF4-FFF2-40B4-BE49-F238E27FC236}">
-                <a16:creationId xmlns:a16="http://schemas.microsoft.com/office/drawing/2014/main" id="{8D93E30D-0198-4270-A206-24ACB0AF816A}"/>
-              </a:ext>
-            </a:extLst>
-          </p:cNvPr>
-          <p:cNvGrpSpPr/>
-          <p:nvPr/>
-        </p:nvGrpSpPr>
-        <p:grpSpPr>
-          <a:xfrm>
-            <a:off x="2644061" y="765657"/>
-            <a:ext cx="546671" cy="542736"/>
-            <a:chOff x="2644061" y="765657"/>
-            <a:chExt cx="546671" cy="542736"/>
-          </a:xfrm>
-        </p:grpSpPr>
-        <p:sp>
-          <p:nvSpPr>
-            <p:cNvPr id="39" name="橢圓 38"/>
-            <p:cNvSpPr/>
-            <p:nvPr/>
-          </p:nvSpPr>
-          <p:spPr>
-            <a:xfrm>
-              <a:off x="2644061" y="773293"/>
-              <a:ext cx="546671" cy="535100"/>
-            </a:xfrm>
-            <a:prstGeom prst="ellipse">
-              <a:avLst/>
-            </a:prstGeom>
-            <a:solidFill>
-              <a:srgbClr val="263238"/>
-            </a:solidFill>
-            <a:ln>
-              <a:noFill/>
-            </a:ln>
-            <a:effectLst/>
-          </p:spPr>
-          <p:style>
-            <a:lnRef idx="2">
-              <a:schemeClr val="accent1">
-                <a:shade val="50000"/>
-              </a:schemeClr>
-            </a:lnRef>
-            <a:fillRef idx="1">
-              <a:schemeClr val="accent1"/>
-            </a:fillRef>
-            <a:effectRef idx="0">
-              <a:schemeClr val="accent1"/>
-            </a:effectRef>
-            <a:fontRef idx="minor">
-              <a:schemeClr val="lt1"/>
-            </a:fontRef>
-          </p:style>
-          <p:txBody>
-            <a:bodyPr rtlCol="0" anchor="ctr"/>
-            <a:lstStyle/>
-            <a:p>
-              <a:pPr algn="ctr"/>
-              <a:endParaRPr lang="zh-TW" altLang="en-US" sz="2400" dirty="0">
-                <a:latin typeface="Menlo" panose="020B0609030804020204" pitchFamily="49" charset="0"/>
-                <a:cs typeface="Menlo" panose="020B0609030804020204" pitchFamily="49" charset="0"/>
-              </a:endParaRPr>
-            </a:p>
-          </p:txBody>
-        </p:sp>
-        <p:sp>
-          <p:nvSpPr>
-            <p:cNvPr id="2" name="TextBox 1">
-              <a:extLst>
-                <a:ext uri="{FF2B5EF4-FFF2-40B4-BE49-F238E27FC236}">
-                  <a16:creationId xmlns:a16="http://schemas.microsoft.com/office/drawing/2014/main" id="{E6898E17-5BD1-495B-B914-B424D6FEC4AB}"/>
-                </a:ext>
-              </a:extLst>
-            </p:cNvPr>
-            <p:cNvSpPr txBox="1"/>
-            <p:nvPr/>
-          </p:nvSpPr>
-          <p:spPr>
-            <a:xfrm>
-              <a:off x="2730192" y="765657"/>
-              <a:ext cx="388248" cy="523220"/>
-            </a:xfrm>
-            <a:prstGeom prst="rect">
-              <a:avLst/>
-            </a:prstGeom>
-            <a:noFill/>
-          </p:spPr>
-          <p:txBody>
-            <a:bodyPr wrap="none" rtlCol="0">
-              <a:spAutoFit/>
-            </a:bodyPr>
-            <a:lstStyle/>
-            <a:p>
-              <a:pPr algn="ctr"/>
-              <a:r>
-                <a:rPr lang="en-US" sz="2800" dirty="0">
-                  <a:solidFill>
-                    <a:schemeClr val="bg1"/>
-                  </a:solidFill>
-                  <a:latin typeface="Barlow" panose="00000500000000000000" pitchFamily="2" charset="0"/>
-                </a:rPr>
-                <a:t>0</a:t>
-              </a:r>
-            </a:p>
-          </p:txBody>
-        </p:sp>
-      </p:grpSp>
-      <p:grpSp>
-        <p:nvGrpSpPr>
-          <p:cNvPr id="50" name="Group 49">
-            <a:extLst>
-              <a:ext uri="{FF2B5EF4-FFF2-40B4-BE49-F238E27FC236}">
-                <a16:creationId xmlns:a16="http://schemas.microsoft.com/office/drawing/2014/main" id="{810923EB-E6D4-4743-B81C-F8483D9867BA}"/>
-              </a:ext>
-            </a:extLst>
-          </p:cNvPr>
-          <p:cNvGrpSpPr/>
-          <p:nvPr/>
-        </p:nvGrpSpPr>
-        <p:grpSpPr>
-          <a:xfrm>
-            <a:off x="1810360" y="1672728"/>
-            <a:ext cx="546671" cy="542736"/>
-            <a:chOff x="2644061" y="765657"/>
-            <a:chExt cx="546671" cy="542736"/>
-          </a:xfrm>
-        </p:grpSpPr>
-        <p:sp>
-          <p:nvSpPr>
-            <p:cNvPr id="51" name="橢圓 38">
-              <a:extLst>
-                <a:ext uri="{FF2B5EF4-FFF2-40B4-BE49-F238E27FC236}">
-                  <a16:creationId xmlns:a16="http://schemas.microsoft.com/office/drawing/2014/main" id="{8B9A2AC6-3C5F-4B78-82BC-C3ED92872DD9}"/>
-                </a:ext>
-              </a:extLst>
-            </p:cNvPr>
-            <p:cNvSpPr/>
-            <p:nvPr/>
-          </p:nvSpPr>
-          <p:spPr>
-            <a:xfrm>
-              <a:off x="2644061" y="773293"/>
-              <a:ext cx="546671" cy="535100"/>
-            </a:xfrm>
-            <a:prstGeom prst="ellipse">
-              <a:avLst/>
-            </a:prstGeom>
-            <a:solidFill>
-              <a:srgbClr val="263238"/>
-            </a:solidFill>
-            <a:ln>
-              <a:noFill/>
-            </a:ln>
-            <a:effectLst/>
-          </p:spPr>
-          <p:style>
-            <a:lnRef idx="2">
-              <a:schemeClr val="accent1">
-                <a:shade val="50000"/>
-              </a:schemeClr>
-            </a:lnRef>
-            <a:fillRef idx="1">
-              <a:schemeClr val="accent1"/>
-            </a:fillRef>
-            <a:effectRef idx="0">
-              <a:schemeClr val="accent1"/>
-            </a:effectRef>
-            <a:fontRef idx="minor">
-              <a:schemeClr val="lt1"/>
-            </a:fontRef>
-          </p:style>
-          <p:txBody>
-            <a:bodyPr rtlCol="0" anchor="ctr"/>
-            <a:lstStyle/>
-            <a:p>
-              <a:pPr algn="ctr"/>
-              <a:endParaRPr lang="zh-TW" altLang="en-US" sz="2400" dirty="0">
-                <a:latin typeface="Menlo" panose="020B0609030804020204" pitchFamily="49" charset="0"/>
-                <a:cs typeface="Menlo" panose="020B0609030804020204" pitchFamily="49" charset="0"/>
-              </a:endParaRPr>
-            </a:p>
-          </p:txBody>
-        </p:sp>
-        <p:sp>
-          <p:nvSpPr>
-            <p:cNvPr id="52" name="TextBox 51">
-              <a:extLst>
-                <a:ext uri="{FF2B5EF4-FFF2-40B4-BE49-F238E27FC236}">
-                  <a16:creationId xmlns:a16="http://schemas.microsoft.com/office/drawing/2014/main" id="{8C5F8E6C-65DE-4769-B7FC-82D84816A5BA}"/>
-                </a:ext>
-              </a:extLst>
-            </p:cNvPr>
-            <p:cNvSpPr txBox="1"/>
-            <p:nvPr/>
-          </p:nvSpPr>
-          <p:spPr>
-            <a:xfrm>
-              <a:off x="2769466" y="765657"/>
-              <a:ext cx="309700" cy="523220"/>
-            </a:xfrm>
-            <a:prstGeom prst="rect">
-              <a:avLst/>
-            </a:prstGeom>
-            <a:noFill/>
-          </p:spPr>
-          <p:txBody>
-            <a:bodyPr wrap="none" rtlCol="0">
-              <a:spAutoFit/>
-            </a:bodyPr>
-            <a:lstStyle/>
-            <a:p>
-              <a:pPr algn="ctr"/>
-              <a:r>
-                <a:rPr lang="en-US" sz="2800" dirty="0">
-                  <a:solidFill>
-                    <a:schemeClr val="bg1"/>
-                  </a:solidFill>
-                  <a:latin typeface="Barlow" panose="00000500000000000000" pitchFamily="2" charset="0"/>
-                </a:rPr>
-                <a:t>1</a:t>
-              </a:r>
-            </a:p>
-          </p:txBody>
-        </p:sp>
-      </p:grpSp>
-      <p:grpSp>
-        <p:nvGrpSpPr>
-          <p:cNvPr id="53" name="Group 52">
-            <a:extLst>
-              <a:ext uri="{FF2B5EF4-FFF2-40B4-BE49-F238E27FC236}">
-                <a16:creationId xmlns:a16="http://schemas.microsoft.com/office/drawing/2014/main" id="{27DED7B0-7C8C-4A89-B346-01F2A588C12C}"/>
-              </a:ext>
-            </a:extLst>
-          </p:cNvPr>
-          <p:cNvGrpSpPr/>
-          <p:nvPr/>
-        </p:nvGrpSpPr>
-        <p:grpSpPr>
-          <a:xfrm>
-            <a:off x="3520497" y="1657457"/>
-            <a:ext cx="546671" cy="542736"/>
-            <a:chOff x="2644061" y="765657"/>
-            <a:chExt cx="546671" cy="542736"/>
-          </a:xfrm>
-        </p:grpSpPr>
-        <p:sp>
-          <p:nvSpPr>
-            <p:cNvPr id="54" name="橢圓 38">
-              <a:extLst>
-                <a:ext uri="{FF2B5EF4-FFF2-40B4-BE49-F238E27FC236}">
-                  <a16:creationId xmlns:a16="http://schemas.microsoft.com/office/drawing/2014/main" id="{16E4C669-0504-4CFE-9A34-EEA598A28A82}"/>
-                </a:ext>
-              </a:extLst>
-            </p:cNvPr>
-            <p:cNvSpPr/>
-            <p:nvPr/>
-          </p:nvSpPr>
-          <p:spPr>
-            <a:xfrm>
-              <a:off x="2644061" y="773293"/>
-              <a:ext cx="546671" cy="535100"/>
-            </a:xfrm>
-            <a:prstGeom prst="ellipse">
-              <a:avLst/>
-            </a:prstGeom>
-            <a:solidFill>
-              <a:srgbClr val="263238"/>
-            </a:solidFill>
-            <a:ln>
-              <a:noFill/>
-            </a:ln>
-            <a:effectLst/>
-          </p:spPr>
-          <p:style>
-            <a:lnRef idx="2">
-              <a:schemeClr val="accent1">
-                <a:shade val="50000"/>
-              </a:schemeClr>
-            </a:lnRef>
-            <a:fillRef idx="1">
-              <a:schemeClr val="accent1"/>
-            </a:fillRef>
-            <a:effectRef idx="0">
-              <a:schemeClr val="accent1"/>
-            </a:effectRef>
-            <a:fontRef idx="minor">
-              <a:schemeClr val="lt1"/>
-            </a:fontRef>
-          </p:style>
-          <p:txBody>
-            <a:bodyPr rtlCol="0" anchor="ctr"/>
-            <a:lstStyle/>
-            <a:p>
-              <a:pPr algn="ctr"/>
-              <a:endParaRPr lang="zh-TW" altLang="en-US" sz="2400" dirty="0">
-                <a:latin typeface="Menlo" panose="020B0609030804020204" pitchFamily="49" charset="0"/>
-                <a:cs typeface="Menlo" panose="020B0609030804020204" pitchFamily="49" charset="0"/>
-              </a:endParaRPr>
-            </a:p>
-          </p:txBody>
-        </p:sp>
-        <p:sp>
-          <p:nvSpPr>
-            <p:cNvPr id="55" name="TextBox 54">
-              <a:extLst>
-                <a:ext uri="{FF2B5EF4-FFF2-40B4-BE49-F238E27FC236}">
-                  <a16:creationId xmlns:a16="http://schemas.microsoft.com/office/drawing/2014/main" id="{68BEB869-241E-46FD-906B-B3AE48CC5FA3}"/>
-                </a:ext>
-              </a:extLst>
-            </p:cNvPr>
-            <p:cNvSpPr txBox="1"/>
-            <p:nvPr/>
-          </p:nvSpPr>
-          <p:spPr>
-            <a:xfrm>
-              <a:off x="2730192" y="765657"/>
-              <a:ext cx="388248" cy="523220"/>
-            </a:xfrm>
-            <a:prstGeom prst="rect">
-              <a:avLst/>
-            </a:prstGeom>
-            <a:noFill/>
-          </p:spPr>
-          <p:txBody>
-            <a:bodyPr wrap="none" rtlCol="0">
-              <a:spAutoFit/>
-            </a:bodyPr>
-            <a:lstStyle/>
-            <a:p>
-              <a:pPr algn="ctr"/>
-              <a:r>
-                <a:rPr lang="en-US" sz="2800" dirty="0">
-                  <a:solidFill>
-                    <a:schemeClr val="bg1"/>
-                  </a:solidFill>
-                  <a:latin typeface="Barlow" panose="00000500000000000000" pitchFamily="2" charset="0"/>
-                </a:rPr>
-                <a:t>2</a:t>
-              </a:r>
-            </a:p>
-          </p:txBody>
-        </p:sp>
-      </p:grpSp>
-      <p:grpSp>
-        <p:nvGrpSpPr>
-          <p:cNvPr id="56" name="Group 55">
-            <a:extLst>
-              <a:ext uri="{FF2B5EF4-FFF2-40B4-BE49-F238E27FC236}">
-                <a16:creationId xmlns:a16="http://schemas.microsoft.com/office/drawing/2014/main" id="{A27063B6-FE8F-44BB-B640-21D075D8586B}"/>
-              </a:ext>
-            </a:extLst>
-          </p:cNvPr>
-          <p:cNvGrpSpPr/>
-          <p:nvPr/>
-        </p:nvGrpSpPr>
-        <p:grpSpPr>
-          <a:xfrm>
-            <a:off x="4358277" y="2473099"/>
-            <a:ext cx="546671" cy="542736"/>
-            <a:chOff x="2644061" y="765657"/>
-            <a:chExt cx="546671" cy="542736"/>
-          </a:xfrm>
-        </p:grpSpPr>
-        <p:sp>
-          <p:nvSpPr>
-            <p:cNvPr id="57" name="橢圓 38">
-              <a:extLst>
-                <a:ext uri="{FF2B5EF4-FFF2-40B4-BE49-F238E27FC236}">
-                  <a16:creationId xmlns:a16="http://schemas.microsoft.com/office/drawing/2014/main" id="{D386157D-9523-492A-BD81-F627316F56BF}"/>
-                </a:ext>
-              </a:extLst>
-            </p:cNvPr>
-            <p:cNvSpPr/>
-            <p:nvPr/>
-          </p:nvSpPr>
-          <p:spPr>
-            <a:xfrm>
-              <a:off x="2644061" y="773293"/>
-              <a:ext cx="546671" cy="535100"/>
-            </a:xfrm>
-            <a:prstGeom prst="ellipse">
-              <a:avLst/>
-            </a:prstGeom>
-            <a:solidFill>
-              <a:srgbClr val="263238"/>
-            </a:solidFill>
-            <a:ln>
-              <a:noFill/>
-            </a:ln>
-            <a:effectLst/>
-          </p:spPr>
-          <p:style>
-            <a:lnRef idx="2">
-              <a:schemeClr val="accent1">
-                <a:shade val="50000"/>
-              </a:schemeClr>
-            </a:lnRef>
-            <a:fillRef idx="1">
-              <a:schemeClr val="accent1"/>
-            </a:fillRef>
-            <a:effectRef idx="0">
-              <a:schemeClr val="accent1"/>
-            </a:effectRef>
-            <a:fontRef idx="minor">
-              <a:schemeClr val="lt1"/>
-            </a:fontRef>
-          </p:style>
-          <p:txBody>
-            <a:bodyPr rtlCol="0" anchor="ctr"/>
-            <a:lstStyle/>
-            <a:p>
-              <a:pPr algn="ctr"/>
-              <a:endParaRPr lang="zh-TW" altLang="en-US" sz="2400" dirty="0">
-                <a:latin typeface="Menlo" panose="020B0609030804020204" pitchFamily="49" charset="0"/>
-                <a:cs typeface="Menlo" panose="020B0609030804020204" pitchFamily="49" charset="0"/>
-              </a:endParaRPr>
-            </a:p>
-          </p:txBody>
-        </p:sp>
-        <p:sp>
-          <p:nvSpPr>
-            <p:cNvPr id="58" name="TextBox 57">
-              <a:extLst>
-                <a:ext uri="{FF2B5EF4-FFF2-40B4-BE49-F238E27FC236}">
-                  <a16:creationId xmlns:a16="http://schemas.microsoft.com/office/drawing/2014/main" id="{C23409FE-306D-43D7-B950-BF0AAFC2525B}"/>
-                </a:ext>
-              </a:extLst>
-            </p:cNvPr>
-            <p:cNvSpPr txBox="1"/>
-            <p:nvPr/>
-          </p:nvSpPr>
-          <p:spPr>
-            <a:xfrm>
-              <a:off x="2739810" y="765657"/>
-              <a:ext cx="369012" cy="523220"/>
-            </a:xfrm>
-            <a:prstGeom prst="rect">
-              <a:avLst/>
-            </a:prstGeom>
-            <a:noFill/>
-          </p:spPr>
-          <p:txBody>
-            <a:bodyPr wrap="none" rtlCol="0">
-              <a:spAutoFit/>
-            </a:bodyPr>
-            <a:lstStyle/>
-            <a:p>
-              <a:pPr algn="ctr"/>
-              <a:r>
-                <a:rPr lang="en-US" sz="2800" dirty="0">
-                  <a:solidFill>
-                    <a:schemeClr val="bg1"/>
-                  </a:solidFill>
-                  <a:latin typeface="Barlow" panose="00000500000000000000" pitchFamily="2" charset="0"/>
-                </a:rPr>
-                <a:t>3</a:t>
-              </a:r>
-            </a:p>
-          </p:txBody>
-        </p:sp>
-      </p:grpSp>
-      <p:grpSp>
-        <p:nvGrpSpPr>
-          <p:cNvPr id="59" name="Group 58">
-            <a:extLst>
-              <a:ext uri="{FF2B5EF4-FFF2-40B4-BE49-F238E27FC236}">
-                <a16:creationId xmlns:a16="http://schemas.microsoft.com/office/drawing/2014/main" id="{81FF9813-071F-44CE-A539-5F78F9B79882}"/>
-              </a:ext>
-            </a:extLst>
-          </p:cNvPr>
-          <p:cNvGrpSpPr/>
-          <p:nvPr/>
-        </p:nvGrpSpPr>
-        <p:grpSpPr>
-          <a:xfrm>
-            <a:off x="2698153" y="2783579"/>
-            <a:ext cx="546671" cy="542736"/>
-            <a:chOff x="2644061" y="765657"/>
-            <a:chExt cx="546671" cy="542736"/>
-          </a:xfrm>
-        </p:grpSpPr>
-        <p:sp>
-          <p:nvSpPr>
-            <p:cNvPr id="60" name="橢圓 38">
-              <a:extLst>
-                <a:ext uri="{FF2B5EF4-FFF2-40B4-BE49-F238E27FC236}">
-                  <a16:creationId xmlns:a16="http://schemas.microsoft.com/office/drawing/2014/main" id="{7F8FFEA8-1D70-4478-83B9-1EFDAB162D46}"/>
-                </a:ext>
-              </a:extLst>
-            </p:cNvPr>
-            <p:cNvSpPr/>
-            <p:nvPr/>
-          </p:nvSpPr>
-          <p:spPr>
-            <a:xfrm>
-              <a:off x="2644061" y="773293"/>
-              <a:ext cx="546671" cy="535100"/>
-            </a:xfrm>
-            <a:prstGeom prst="ellipse">
-              <a:avLst/>
-            </a:prstGeom>
-            <a:solidFill>
-              <a:srgbClr val="263238"/>
-            </a:solidFill>
-            <a:ln>
-              <a:noFill/>
-            </a:ln>
-            <a:effectLst/>
-          </p:spPr>
-          <p:style>
-            <a:lnRef idx="2">
-              <a:schemeClr val="accent1">
-                <a:shade val="50000"/>
-              </a:schemeClr>
-            </a:lnRef>
-            <a:fillRef idx="1">
-              <a:schemeClr val="accent1"/>
-            </a:fillRef>
-            <a:effectRef idx="0">
-              <a:schemeClr val="accent1"/>
-            </a:effectRef>
-            <a:fontRef idx="minor">
-              <a:schemeClr val="lt1"/>
-            </a:fontRef>
-          </p:style>
-          <p:txBody>
-            <a:bodyPr rtlCol="0" anchor="ctr"/>
-            <a:lstStyle/>
-            <a:p>
-              <a:pPr algn="ctr"/>
-              <a:endParaRPr lang="zh-TW" altLang="en-US" sz="2400" dirty="0">
-                <a:latin typeface="Menlo" panose="020B0609030804020204" pitchFamily="49" charset="0"/>
-                <a:cs typeface="Menlo" panose="020B0609030804020204" pitchFamily="49" charset="0"/>
-              </a:endParaRPr>
-            </a:p>
-          </p:txBody>
-        </p:sp>
-        <p:sp>
-          <p:nvSpPr>
-            <p:cNvPr id="61" name="TextBox 60">
-              <a:extLst>
-                <a:ext uri="{FF2B5EF4-FFF2-40B4-BE49-F238E27FC236}">
-                  <a16:creationId xmlns:a16="http://schemas.microsoft.com/office/drawing/2014/main" id="{41346FBE-7301-4C73-8C08-0695E794CAB6}"/>
-                </a:ext>
-              </a:extLst>
-            </p:cNvPr>
-            <p:cNvSpPr txBox="1"/>
-            <p:nvPr/>
-          </p:nvSpPr>
-          <p:spPr>
-            <a:xfrm>
-              <a:off x="2730192" y="765657"/>
-              <a:ext cx="388248" cy="523220"/>
-            </a:xfrm>
-            <a:prstGeom prst="rect">
-              <a:avLst/>
-            </a:prstGeom>
-            <a:noFill/>
-          </p:spPr>
-          <p:txBody>
-            <a:bodyPr wrap="none" rtlCol="0">
-              <a:spAutoFit/>
-            </a:bodyPr>
-            <a:lstStyle/>
-            <a:p>
-              <a:pPr algn="ctr"/>
-              <a:r>
-                <a:rPr lang="en-US" sz="2800" dirty="0">
-                  <a:solidFill>
-                    <a:schemeClr val="bg1"/>
-                  </a:solidFill>
-                  <a:latin typeface="Barlow" panose="00000500000000000000" pitchFamily="2" charset="0"/>
-                </a:rPr>
-                <a:t>4</a:t>
-              </a:r>
-            </a:p>
-          </p:txBody>
-        </p:sp>
-      </p:grpSp>
-      <p:grpSp>
-        <p:nvGrpSpPr>
-          <p:cNvPr id="62" name="Group 61">
-            <a:extLst>
-              <a:ext uri="{FF2B5EF4-FFF2-40B4-BE49-F238E27FC236}">
-                <a16:creationId xmlns:a16="http://schemas.microsoft.com/office/drawing/2014/main" id="{2BE3448E-EB2D-4AD6-80B4-803F3F3C0A6F}"/>
-              </a:ext>
-            </a:extLst>
-          </p:cNvPr>
-          <p:cNvGrpSpPr/>
-          <p:nvPr/>
-        </p:nvGrpSpPr>
-        <p:grpSpPr>
-          <a:xfrm>
-            <a:off x="3428109" y="4876134"/>
-            <a:ext cx="546671" cy="542736"/>
-            <a:chOff x="2644061" y="765657"/>
-            <a:chExt cx="546671" cy="542736"/>
-          </a:xfrm>
-        </p:grpSpPr>
-        <p:sp>
-          <p:nvSpPr>
-            <p:cNvPr id="63" name="橢圓 38">
-              <a:extLst>
-                <a:ext uri="{FF2B5EF4-FFF2-40B4-BE49-F238E27FC236}">
-                  <a16:creationId xmlns:a16="http://schemas.microsoft.com/office/drawing/2014/main" id="{00A69537-B779-4457-B157-F7F53F310812}"/>
-                </a:ext>
-              </a:extLst>
-            </p:cNvPr>
-            <p:cNvSpPr/>
-            <p:nvPr/>
-          </p:nvSpPr>
-          <p:spPr>
-            <a:xfrm>
-              <a:off x="2644061" y="773293"/>
-              <a:ext cx="546671" cy="535100"/>
-            </a:xfrm>
-            <a:prstGeom prst="ellipse">
-              <a:avLst/>
-            </a:prstGeom>
-            <a:solidFill>
-              <a:srgbClr val="263238"/>
-            </a:solidFill>
-            <a:ln>
-              <a:noFill/>
-            </a:ln>
-            <a:effectLst/>
-          </p:spPr>
-          <p:style>
-            <a:lnRef idx="2">
-              <a:schemeClr val="accent1">
-                <a:shade val="50000"/>
-              </a:schemeClr>
-            </a:lnRef>
-            <a:fillRef idx="1">
-              <a:schemeClr val="accent1"/>
-            </a:fillRef>
-            <a:effectRef idx="0">
-              <a:schemeClr val="accent1"/>
-            </a:effectRef>
-            <a:fontRef idx="minor">
-              <a:schemeClr val="lt1"/>
-            </a:fontRef>
-          </p:style>
-          <p:txBody>
-            <a:bodyPr rtlCol="0" anchor="ctr"/>
-            <a:lstStyle/>
-            <a:p>
-              <a:pPr algn="ctr"/>
-              <a:endParaRPr lang="zh-TW" altLang="en-US" sz="2400" dirty="0">
-                <a:latin typeface="Menlo" panose="020B0609030804020204" pitchFamily="49" charset="0"/>
-                <a:cs typeface="Menlo" panose="020B0609030804020204" pitchFamily="49" charset="0"/>
-              </a:endParaRPr>
-            </a:p>
-          </p:txBody>
-        </p:sp>
-        <p:sp>
-          <p:nvSpPr>
-            <p:cNvPr id="64" name="TextBox 63">
-              <a:extLst>
-                <a:ext uri="{FF2B5EF4-FFF2-40B4-BE49-F238E27FC236}">
-                  <a16:creationId xmlns:a16="http://schemas.microsoft.com/office/drawing/2014/main" id="{0434D426-9087-4AD5-9C85-4067CD5AF25D}"/>
-                </a:ext>
-              </a:extLst>
-            </p:cNvPr>
-            <p:cNvSpPr txBox="1"/>
-            <p:nvPr/>
-          </p:nvSpPr>
-          <p:spPr>
-            <a:xfrm>
-              <a:off x="2739810" y="765657"/>
-              <a:ext cx="369011" cy="523220"/>
-            </a:xfrm>
-            <a:prstGeom prst="rect">
-              <a:avLst/>
-            </a:prstGeom>
-            <a:noFill/>
-          </p:spPr>
-          <p:txBody>
-            <a:bodyPr wrap="none" rtlCol="0">
-              <a:spAutoFit/>
-            </a:bodyPr>
-            <a:lstStyle/>
-            <a:p>
-              <a:pPr algn="ctr"/>
-              <a:r>
-                <a:rPr lang="en-US" sz="2800" dirty="0">
-                  <a:solidFill>
-                    <a:schemeClr val="bg1"/>
-                  </a:solidFill>
-                  <a:latin typeface="Barlow" panose="00000500000000000000" pitchFamily="2" charset="0"/>
-                </a:rPr>
-                <a:t>5</a:t>
-              </a:r>
-            </a:p>
-          </p:txBody>
-        </p:sp>
-      </p:grpSp>
-      <p:grpSp>
-        <p:nvGrpSpPr>
-          <p:cNvPr id="65" name="Group 64">
-            <a:extLst>
-              <a:ext uri="{FF2B5EF4-FFF2-40B4-BE49-F238E27FC236}">
-                <a16:creationId xmlns:a16="http://schemas.microsoft.com/office/drawing/2014/main" id="{E91001CA-53FA-439C-9911-FE887B3DC8F4}"/>
-              </a:ext>
-            </a:extLst>
-          </p:cNvPr>
-          <p:cNvGrpSpPr/>
-          <p:nvPr/>
-        </p:nvGrpSpPr>
-        <p:grpSpPr>
-          <a:xfrm>
-            <a:off x="3889403" y="3657424"/>
-            <a:ext cx="546671" cy="542736"/>
-            <a:chOff x="2644061" y="765657"/>
-            <a:chExt cx="546671" cy="542736"/>
-          </a:xfrm>
-        </p:grpSpPr>
-        <p:sp>
-          <p:nvSpPr>
-            <p:cNvPr id="66" name="橢圓 38">
-              <a:extLst>
-                <a:ext uri="{FF2B5EF4-FFF2-40B4-BE49-F238E27FC236}">
-                  <a16:creationId xmlns:a16="http://schemas.microsoft.com/office/drawing/2014/main" id="{2A2A9230-5372-411A-BAE1-1C6865976325}"/>
-                </a:ext>
-              </a:extLst>
-            </p:cNvPr>
-            <p:cNvSpPr/>
-            <p:nvPr/>
-          </p:nvSpPr>
-          <p:spPr>
-            <a:xfrm>
-              <a:off x="2644061" y="773293"/>
-              <a:ext cx="546671" cy="535100"/>
-            </a:xfrm>
-            <a:prstGeom prst="ellipse">
-              <a:avLst/>
-            </a:prstGeom>
-            <a:solidFill>
-              <a:srgbClr val="263238"/>
-            </a:solidFill>
-            <a:ln>
-              <a:noFill/>
-            </a:ln>
-            <a:effectLst/>
-          </p:spPr>
-          <p:style>
-            <a:lnRef idx="2">
-              <a:schemeClr val="accent1">
-                <a:shade val="50000"/>
-              </a:schemeClr>
-            </a:lnRef>
-            <a:fillRef idx="1">
-              <a:schemeClr val="accent1"/>
-            </a:fillRef>
-            <a:effectRef idx="0">
-              <a:schemeClr val="accent1"/>
-            </a:effectRef>
-            <a:fontRef idx="minor">
-              <a:schemeClr val="lt1"/>
-            </a:fontRef>
-          </p:style>
-          <p:txBody>
-            <a:bodyPr rtlCol="0" anchor="ctr"/>
-            <a:lstStyle/>
-            <a:p>
-              <a:pPr algn="ctr"/>
-              <a:endParaRPr lang="zh-TW" altLang="en-US" sz="2400" dirty="0">
-                <a:latin typeface="Menlo" panose="020B0609030804020204" pitchFamily="49" charset="0"/>
-                <a:cs typeface="Menlo" panose="020B0609030804020204" pitchFamily="49" charset="0"/>
-              </a:endParaRPr>
-            </a:p>
-          </p:txBody>
-        </p:sp>
-        <p:sp>
-          <p:nvSpPr>
-            <p:cNvPr id="67" name="TextBox 66">
-              <a:extLst>
-                <a:ext uri="{FF2B5EF4-FFF2-40B4-BE49-F238E27FC236}">
-                  <a16:creationId xmlns:a16="http://schemas.microsoft.com/office/drawing/2014/main" id="{C55D94FE-3EB2-422D-9EB1-0AC8499673EC}"/>
-                </a:ext>
-              </a:extLst>
-            </p:cNvPr>
-            <p:cNvSpPr txBox="1"/>
-            <p:nvPr/>
-          </p:nvSpPr>
-          <p:spPr>
-            <a:xfrm>
-              <a:off x="2739810" y="765657"/>
-              <a:ext cx="369011" cy="523220"/>
-            </a:xfrm>
-            <a:prstGeom prst="rect">
-              <a:avLst/>
-            </a:prstGeom>
-            <a:noFill/>
-          </p:spPr>
-          <p:txBody>
-            <a:bodyPr wrap="none" rtlCol="0">
-              <a:spAutoFit/>
-            </a:bodyPr>
-            <a:lstStyle/>
-            <a:p>
-              <a:pPr algn="ctr"/>
-              <a:r>
-                <a:rPr lang="en-US" sz="2800" dirty="0">
-                  <a:solidFill>
-                    <a:schemeClr val="bg1"/>
-                  </a:solidFill>
-                  <a:latin typeface="Barlow" panose="00000500000000000000" pitchFamily="2" charset="0"/>
-                </a:rPr>
-                <a:t>6</a:t>
-              </a:r>
-            </a:p>
-          </p:txBody>
-        </p:sp>
-      </p:grpSp>
-      <p:grpSp>
-        <p:nvGrpSpPr>
-          <p:cNvPr id="68" name="Group 67">
-            <a:extLst>
-              <a:ext uri="{FF2B5EF4-FFF2-40B4-BE49-F238E27FC236}">
-                <a16:creationId xmlns:a16="http://schemas.microsoft.com/office/drawing/2014/main" id="{CD6E1206-FD53-49CA-B59B-1F754F0219C9}"/>
-              </a:ext>
-            </a:extLst>
-          </p:cNvPr>
-          <p:cNvGrpSpPr/>
-          <p:nvPr/>
-        </p:nvGrpSpPr>
-        <p:grpSpPr>
-          <a:xfrm>
-            <a:off x="2097215" y="4883770"/>
-            <a:ext cx="546671" cy="542736"/>
-            <a:chOff x="2644061" y="765657"/>
-            <a:chExt cx="546671" cy="542736"/>
-          </a:xfrm>
-        </p:grpSpPr>
-        <p:sp>
-          <p:nvSpPr>
-            <p:cNvPr id="69" name="橢圓 38">
-              <a:extLst>
-                <a:ext uri="{FF2B5EF4-FFF2-40B4-BE49-F238E27FC236}">
-                  <a16:creationId xmlns:a16="http://schemas.microsoft.com/office/drawing/2014/main" id="{C064E894-F1C4-496F-AC59-7400B4E56AED}"/>
-                </a:ext>
-              </a:extLst>
-            </p:cNvPr>
-            <p:cNvSpPr/>
-            <p:nvPr/>
-          </p:nvSpPr>
-          <p:spPr>
-            <a:xfrm>
-              <a:off x="2644061" y="773293"/>
-              <a:ext cx="546671" cy="535100"/>
-            </a:xfrm>
-            <a:prstGeom prst="ellipse">
-              <a:avLst/>
-            </a:prstGeom>
-            <a:solidFill>
-              <a:srgbClr val="263238"/>
-            </a:solidFill>
-            <a:ln>
-              <a:noFill/>
-            </a:ln>
-            <a:effectLst/>
-          </p:spPr>
-          <p:style>
-            <a:lnRef idx="2">
-              <a:schemeClr val="accent1">
-                <a:shade val="50000"/>
-              </a:schemeClr>
-            </a:lnRef>
-            <a:fillRef idx="1">
-              <a:schemeClr val="accent1"/>
-            </a:fillRef>
-            <a:effectRef idx="0">
-              <a:schemeClr val="accent1"/>
-            </a:effectRef>
-            <a:fontRef idx="minor">
-              <a:schemeClr val="lt1"/>
-            </a:fontRef>
-          </p:style>
-          <p:txBody>
-            <a:bodyPr rtlCol="0" anchor="ctr"/>
-            <a:lstStyle/>
-            <a:p>
-              <a:pPr algn="ctr"/>
-              <a:endParaRPr lang="zh-TW" altLang="en-US" sz="2400" dirty="0">
-                <a:latin typeface="Menlo" panose="020B0609030804020204" pitchFamily="49" charset="0"/>
-                <a:cs typeface="Menlo" panose="020B0609030804020204" pitchFamily="49" charset="0"/>
-              </a:endParaRPr>
-            </a:p>
-          </p:txBody>
-        </p:sp>
-        <p:sp>
-          <p:nvSpPr>
-            <p:cNvPr id="70" name="TextBox 69">
-              <a:extLst>
-                <a:ext uri="{FF2B5EF4-FFF2-40B4-BE49-F238E27FC236}">
-                  <a16:creationId xmlns:a16="http://schemas.microsoft.com/office/drawing/2014/main" id="{01DC3D0B-F745-4E2D-AF95-63F64906A0EF}"/>
-                </a:ext>
-              </a:extLst>
-            </p:cNvPr>
-            <p:cNvSpPr txBox="1"/>
-            <p:nvPr/>
-          </p:nvSpPr>
-          <p:spPr>
-            <a:xfrm>
-              <a:off x="2747024" y="765657"/>
-              <a:ext cx="354584" cy="523220"/>
-            </a:xfrm>
-            <a:prstGeom prst="rect">
-              <a:avLst/>
-            </a:prstGeom>
-            <a:noFill/>
-          </p:spPr>
-          <p:txBody>
-            <a:bodyPr wrap="none" rtlCol="0">
-              <a:spAutoFit/>
-            </a:bodyPr>
-            <a:lstStyle/>
-            <a:p>
-              <a:pPr algn="ctr"/>
-              <a:r>
-                <a:rPr lang="en-US" sz="2800" dirty="0">
-                  <a:solidFill>
-                    <a:schemeClr val="bg1"/>
-                  </a:solidFill>
-                  <a:latin typeface="Barlow" panose="00000500000000000000" pitchFamily="2" charset="0"/>
-                </a:rPr>
-                <a:t>7</a:t>
-              </a:r>
-            </a:p>
-          </p:txBody>
-        </p:sp>
-      </p:grpSp>
-      <p:grpSp>
-        <p:nvGrpSpPr>
-          <p:cNvPr id="71" name="Group 70">
-            <a:extLst>
-              <a:ext uri="{FF2B5EF4-FFF2-40B4-BE49-F238E27FC236}">
-                <a16:creationId xmlns:a16="http://schemas.microsoft.com/office/drawing/2014/main" id="{15C9E2B5-82EC-4ACF-B6CE-E46E9791B8CF}"/>
-              </a:ext>
-            </a:extLst>
-          </p:cNvPr>
-          <p:cNvGrpSpPr/>
-          <p:nvPr/>
-        </p:nvGrpSpPr>
-        <p:grpSpPr>
-          <a:xfrm>
-            <a:off x="1647036" y="3667633"/>
-            <a:ext cx="546671" cy="542736"/>
-            <a:chOff x="2644061" y="765657"/>
-            <a:chExt cx="546671" cy="542736"/>
-          </a:xfrm>
-        </p:grpSpPr>
-        <p:sp>
-          <p:nvSpPr>
-            <p:cNvPr id="72" name="橢圓 38">
-              <a:extLst>
-                <a:ext uri="{FF2B5EF4-FFF2-40B4-BE49-F238E27FC236}">
-                  <a16:creationId xmlns:a16="http://schemas.microsoft.com/office/drawing/2014/main" id="{4E1DC213-7C01-4733-A537-D05E9BC0E121}"/>
-                </a:ext>
-              </a:extLst>
-            </p:cNvPr>
-            <p:cNvSpPr/>
-            <p:nvPr/>
-          </p:nvSpPr>
-          <p:spPr>
-            <a:xfrm>
-              <a:off x="2644061" y="773293"/>
-              <a:ext cx="546671" cy="535100"/>
-            </a:xfrm>
-            <a:prstGeom prst="ellipse">
-              <a:avLst/>
-            </a:prstGeom>
-            <a:solidFill>
-              <a:srgbClr val="263238"/>
-            </a:solidFill>
-            <a:ln>
-              <a:noFill/>
-            </a:ln>
-            <a:effectLst/>
-          </p:spPr>
-          <p:style>
-            <a:lnRef idx="2">
-              <a:schemeClr val="accent1">
-                <a:shade val="50000"/>
-              </a:schemeClr>
-            </a:lnRef>
-            <a:fillRef idx="1">
-              <a:schemeClr val="accent1"/>
-            </a:fillRef>
-            <a:effectRef idx="0">
-              <a:schemeClr val="accent1"/>
-            </a:effectRef>
-            <a:fontRef idx="minor">
-              <a:schemeClr val="lt1"/>
-            </a:fontRef>
-          </p:style>
-          <p:txBody>
-            <a:bodyPr rtlCol="0" anchor="ctr"/>
-            <a:lstStyle/>
-            <a:p>
-              <a:pPr algn="ctr"/>
-              <a:endParaRPr lang="zh-TW" altLang="en-US" sz="2400" dirty="0">
-                <a:latin typeface="Menlo" panose="020B0609030804020204" pitchFamily="49" charset="0"/>
-                <a:cs typeface="Menlo" panose="020B0609030804020204" pitchFamily="49" charset="0"/>
-              </a:endParaRPr>
-            </a:p>
-          </p:txBody>
-        </p:sp>
-        <p:sp>
-          <p:nvSpPr>
-            <p:cNvPr id="73" name="TextBox 72">
-              <a:extLst>
-                <a:ext uri="{FF2B5EF4-FFF2-40B4-BE49-F238E27FC236}">
-                  <a16:creationId xmlns:a16="http://schemas.microsoft.com/office/drawing/2014/main" id="{240117F4-F1E9-4FDC-BC30-104DE34A8854}"/>
-                </a:ext>
-              </a:extLst>
-            </p:cNvPr>
-            <p:cNvSpPr txBox="1"/>
-            <p:nvPr/>
-          </p:nvSpPr>
-          <p:spPr>
-            <a:xfrm>
-              <a:off x="2738207" y="765657"/>
-              <a:ext cx="372218" cy="523220"/>
-            </a:xfrm>
-            <a:prstGeom prst="rect">
-              <a:avLst/>
-            </a:prstGeom>
-            <a:noFill/>
-          </p:spPr>
-          <p:txBody>
-            <a:bodyPr wrap="none" rtlCol="0">
-              <a:spAutoFit/>
-            </a:bodyPr>
-            <a:lstStyle/>
-            <a:p>
-              <a:pPr algn="ctr"/>
-              <a:r>
-                <a:rPr lang="en-US" sz="2800" dirty="0">
-                  <a:solidFill>
-                    <a:schemeClr val="bg1"/>
-                  </a:solidFill>
-                  <a:latin typeface="Barlow" panose="00000500000000000000" pitchFamily="2" charset="0"/>
-                </a:rPr>
-                <a:t>8</a:t>
-              </a:r>
-            </a:p>
-          </p:txBody>
-        </p:sp>
-      </p:grpSp>
-      <p:grpSp>
-        <p:nvGrpSpPr>
-          <p:cNvPr id="74" name="Group 73">
-            <a:extLst>
-              <a:ext uri="{FF2B5EF4-FFF2-40B4-BE49-F238E27FC236}">
-                <a16:creationId xmlns:a16="http://schemas.microsoft.com/office/drawing/2014/main" id="{3A6E9017-7F8E-42D5-AC25-5FCF3ED845DB}"/>
-              </a:ext>
-            </a:extLst>
-          </p:cNvPr>
-          <p:cNvGrpSpPr/>
-          <p:nvPr/>
-        </p:nvGrpSpPr>
-        <p:grpSpPr>
-          <a:xfrm>
-            <a:off x="1028866" y="2519847"/>
-            <a:ext cx="546671" cy="542736"/>
-            <a:chOff x="2644061" y="765657"/>
-            <a:chExt cx="546671" cy="542736"/>
-          </a:xfrm>
-        </p:grpSpPr>
-        <p:sp>
-          <p:nvSpPr>
-            <p:cNvPr id="75" name="橢圓 38">
-              <a:extLst>
-                <a:ext uri="{FF2B5EF4-FFF2-40B4-BE49-F238E27FC236}">
-                  <a16:creationId xmlns:a16="http://schemas.microsoft.com/office/drawing/2014/main" id="{B876FCFA-5E34-493C-8421-901DB832EF0B}"/>
-                </a:ext>
-              </a:extLst>
-            </p:cNvPr>
-            <p:cNvSpPr/>
-            <p:nvPr/>
-          </p:nvSpPr>
-          <p:spPr>
-            <a:xfrm>
-              <a:off x="2644061" y="773293"/>
-              <a:ext cx="546671" cy="535100"/>
-            </a:xfrm>
-            <a:prstGeom prst="ellipse">
-              <a:avLst/>
-            </a:prstGeom>
-            <a:solidFill>
-              <a:srgbClr val="263238"/>
-            </a:solidFill>
-            <a:ln>
-              <a:noFill/>
-            </a:ln>
-            <a:effectLst/>
-          </p:spPr>
-          <p:style>
-            <a:lnRef idx="2">
-              <a:schemeClr val="accent1">
-                <a:shade val="50000"/>
-              </a:schemeClr>
-            </a:lnRef>
-            <a:fillRef idx="1">
-              <a:schemeClr val="accent1"/>
-            </a:fillRef>
-            <a:effectRef idx="0">
-              <a:schemeClr val="accent1"/>
-            </a:effectRef>
-            <a:fontRef idx="minor">
-              <a:schemeClr val="lt1"/>
-            </a:fontRef>
-          </p:style>
-          <p:txBody>
-            <a:bodyPr rtlCol="0" anchor="ctr"/>
-            <a:lstStyle/>
-            <a:p>
-              <a:pPr algn="ctr"/>
-              <a:endParaRPr lang="zh-TW" altLang="en-US" sz="2400" dirty="0">
-                <a:latin typeface="Menlo" panose="020B0609030804020204" pitchFamily="49" charset="0"/>
-                <a:cs typeface="Menlo" panose="020B0609030804020204" pitchFamily="49" charset="0"/>
-              </a:endParaRPr>
-            </a:p>
-          </p:txBody>
-        </p:sp>
-        <p:sp>
-          <p:nvSpPr>
-            <p:cNvPr id="76" name="TextBox 75">
-              <a:extLst>
-                <a:ext uri="{FF2B5EF4-FFF2-40B4-BE49-F238E27FC236}">
-                  <a16:creationId xmlns:a16="http://schemas.microsoft.com/office/drawing/2014/main" id="{5DA80164-6BAE-4184-8FE5-C6FBA8C7638F}"/>
-                </a:ext>
-              </a:extLst>
-            </p:cNvPr>
-            <p:cNvSpPr txBox="1"/>
-            <p:nvPr/>
-          </p:nvSpPr>
-          <p:spPr>
-            <a:xfrm>
-              <a:off x="2738207" y="765657"/>
-              <a:ext cx="372218" cy="523220"/>
-            </a:xfrm>
-            <a:prstGeom prst="rect">
-              <a:avLst/>
-            </a:prstGeom>
-            <a:noFill/>
-          </p:spPr>
-          <p:txBody>
-            <a:bodyPr wrap="none" rtlCol="0">
-              <a:spAutoFit/>
-            </a:bodyPr>
-            <a:lstStyle/>
-            <a:p>
-              <a:pPr algn="ctr"/>
-              <a:r>
-                <a:rPr lang="en-US" sz="2800" dirty="0">
-                  <a:solidFill>
-                    <a:schemeClr val="bg1"/>
-                  </a:solidFill>
-                  <a:latin typeface="Barlow" panose="00000500000000000000" pitchFamily="2" charset="0"/>
-                </a:rPr>
-                <a:t>9</a:t>
-              </a:r>
-            </a:p>
-          </p:txBody>
-        </p:sp>
-      </p:grpSp>
-      <p:grpSp>
-        <p:nvGrpSpPr>
-          <p:cNvPr id="77" name="Group 76">
-            <a:extLst>
-              <a:ext uri="{FF2B5EF4-FFF2-40B4-BE49-F238E27FC236}">
-                <a16:creationId xmlns:a16="http://schemas.microsoft.com/office/drawing/2014/main" id="{1F7DCC5C-D74B-4662-AA53-9938BAE10DBF}"/>
-              </a:ext>
-            </a:extLst>
-          </p:cNvPr>
-          <p:cNvGrpSpPr/>
-          <p:nvPr/>
-        </p:nvGrpSpPr>
-        <p:grpSpPr>
-          <a:xfrm>
-            <a:off x="7951719" y="547235"/>
-            <a:ext cx="546671" cy="544037"/>
-            <a:chOff x="2644061" y="764356"/>
-            <a:chExt cx="546671" cy="544037"/>
-          </a:xfrm>
-        </p:grpSpPr>
-        <p:sp>
-          <p:nvSpPr>
-            <p:cNvPr id="78" name="橢圓 38">
-              <a:extLst>
-                <a:ext uri="{FF2B5EF4-FFF2-40B4-BE49-F238E27FC236}">
-                  <a16:creationId xmlns:a16="http://schemas.microsoft.com/office/drawing/2014/main" id="{BDB9BF22-7074-4473-AE85-D99680925020}"/>
-                </a:ext>
-              </a:extLst>
-            </p:cNvPr>
-            <p:cNvSpPr/>
-            <p:nvPr/>
-          </p:nvSpPr>
-          <p:spPr>
-            <a:xfrm>
-              <a:off x="2644061" y="773293"/>
-              <a:ext cx="546671" cy="535100"/>
-            </a:xfrm>
-            <a:prstGeom prst="ellipse">
-              <a:avLst/>
-            </a:prstGeom>
-            <a:solidFill>
-              <a:srgbClr val="263238"/>
-            </a:solidFill>
-            <a:ln>
-              <a:noFill/>
-            </a:ln>
-            <a:effectLst/>
-          </p:spPr>
-          <p:style>
-            <a:lnRef idx="2">
-              <a:schemeClr val="accent1">
-                <a:shade val="50000"/>
-              </a:schemeClr>
-            </a:lnRef>
-            <a:fillRef idx="1">
-              <a:schemeClr val="accent1"/>
-            </a:fillRef>
-            <a:effectRef idx="0">
-              <a:schemeClr val="accent1"/>
-            </a:effectRef>
-            <a:fontRef idx="minor">
-              <a:schemeClr val="lt1"/>
-            </a:fontRef>
-          </p:style>
-          <p:txBody>
-            <a:bodyPr rtlCol="0" anchor="ctr"/>
-            <a:lstStyle/>
-            <a:p>
-              <a:pPr algn="ctr"/>
-              <a:endParaRPr lang="zh-TW" altLang="en-US" sz="2400" dirty="0">
-                <a:latin typeface="Menlo" panose="020B0609030804020204" pitchFamily="49" charset="0"/>
-                <a:cs typeface="Menlo" panose="020B0609030804020204" pitchFamily="49" charset="0"/>
-              </a:endParaRPr>
-            </a:p>
-          </p:txBody>
-        </p:sp>
-        <p:sp>
-          <p:nvSpPr>
-            <p:cNvPr id="79" name="TextBox 78">
-              <a:extLst>
-                <a:ext uri="{FF2B5EF4-FFF2-40B4-BE49-F238E27FC236}">
-                  <a16:creationId xmlns:a16="http://schemas.microsoft.com/office/drawing/2014/main" id="{85927045-DC4A-4308-82E4-9A1AF5A0F6E4}"/>
-                </a:ext>
-              </a:extLst>
-            </p:cNvPr>
-            <p:cNvSpPr txBox="1"/>
-            <p:nvPr/>
-          </p:nvSpPr>
-          <p:spPr>
-            <a:xfrm>
-              <a:off x="2723272" y="764356"/>
-              <a:ext cx="388248" cy="523220"/>
-            </a:xfrm>
-            <a:prstGeom prst="rect">
-              <a:avLst/>
-            </a:prstGeom>
-            <a:noFill/>
-          </p:spPr>
-          <p:txBody>
-            <a:bodyPr wrap="none" rtlCol="0">
-              <a:spAutoFit/>
-            </a:bodyPr>
-            <a:lstStyle/>
-            <a:p>
-              <a:pPr algn="ctr"/>
-              <a:r>
-                <a:rPr lang="en-US" sz="2800" dirty="0">
-                  <a:solidFill>
-                    <a:schemeClr val="bg1"/>
-                  </a:solidFill>
-                  <a:latin typeface="Barlow" panose="00000500000000000000" pitchFamily="2" charset="0"/>
-                </a:rPr>
-                <a:t>0</a:t>
-              </a:r>
-            </a:p>
-          </p:txBody>
-        </p:sp>
-      </p:grpSp>
-      <p:grpSp>
-        <p:nvGrpSpPr>
-          <p:cNvPr id="81" name="Group 80">
-            <a:extLst>
-              <a:ext uri="{FF2B5EF4-FFF2-40B4-BE49-F238E27FC236}">
-                <a16:creationId xmlns:a16="http://schemas.microsoft.com/office/drawing/2014/main" id="{80B16FAE-4AAA-4E61-BF81-0ED65271530C}"/>
-              </a:ext>
-            </a:extLst>
-          </p:cNvPr>
-          <p:cNvGrpSpPr/>
-          <p:nvPr/>
-        </p:nvGrpSpPr>
-        <p:grpSpPr>
-          <a:xfrm>
-            <a:off x="7951718" y="1430437"/>
-            <a:ext cx="546671" cy="542736"/>
-            <a:chOff x="2644061" y="765657"/>
-            <a:chExt cx="546671" cy="542736"/>
-          </a:xfrm>
-        </p:grpSpPr>
-        <p:sp>
-          <p:nvSpPr>
-            <p:cNvPr id="82" name="橢圓 38">
-              <a:extLst>
-                <a:ext uri="{FF2B5EF4-FFF2-40B4-BE49-F238E27FC236}">
-                  <a16:creationId xmlns:a16="http://schemas.microsoft.com/office/drawing/2014/main" id="{58EB74CE-BADC-4454-887D-DAE2D7CC63D4}"/>
-                </a:ext>
-              </a:extLst>
-            </p:cNvPr>
-            <p:cNvSpPr/>
-            <p:nvPr/>
-          </p:nvSpPr>
-          <p:spPr>
-            <a:xfrm>
-              <a:off x="2644061" y="773293"/>
-              <a:ext cx="546671" cy="535100"/>
-            </a:xfrm>
-            <a:prstGeom prst="ellipse">
-              <a:avLst/>
-            </a:prstGeom>
-            <a:solidFill>
-              <a:srgbClr val="263238"/>
-            </a:solidFill>
-            <a:ln>
-              <a:noFill/>
-            </a:ln>
-            <a:effectLst/>
-          </p:spPr>
-          <p:style>
-            <a:lnRef idx="2">
-              <a:schemeClr val="accent1">
-                <a:shade val="50000"/>
-              </a:schemeClr>
-            </a:lnRef>
-            <a:fillRef idx="1">
-              <a:schemeClr val="accent1"/>
-            </a:fillRef>
-            <a:effectRef idx="0">
-              <a:schemeClr val="accent1"/>
-            </a:effectRef>
-            <a:fontRef idx="minor">
-              <a:schemeClr val="lt1"/>
-            </a:fontRef>
-          </p:style>
-          <p:txBody>
-            <a:bodyPr rtlCol="0" anchor="ctr"/>
-            <a:lstStyle/>
-            <a:p>
-              <a:pPr algn="ctr"/>
-              <a:endParaRPr lang="zh-TW" altLang="en-US" sz="2400" dirty="0">
-                <a:latin typeface="Menlo" panose="020B0609030804020204" pitchFamily="49" charset="0"/>
-                <a:cs typeface="Menlo" panose="020B0609030804020204" pitchFamily="49" charset="0"/>
-              </a:endParaRPr>
-            </a:p>
-          </p:txBody>
-        </p:sp>
-        <p:sp>
-          <p:nvSpPr>
-            <p:cNvPr id="83" name="TextBox 82">
-              <a:extLst>
-                <a:ext uri="{FF2B5EF4-FFF2-40B4-BE49-F238E27FC236}">
-                  <a16:creationId xmlns:a16="http://schemas.microsoft.com/office/drawing/2014/main" id="{34A9DD20-451C-4097-8C52-166DA0B3B7A9}"/>
-                </a:ext>
-              </a:extLst>
-            </p:cNvPr>
-            <p:cNvSpPr txBox="1"/>
-            <p:nvPr/>
-          </p:nvSpPr>
-          <p:spPr>
-            <a:xfrm>
-              <a:off x="2769466" y="765657"/>
-              <a:ext cx="309700" cy="523220"/>
-            </a:xfrm>
-            <a:prstGeom prst="rect">
-              <a:avLst/>
-            </a:prstGeom>
-            <a:noFill/>
-          </p:spPr>
-          <p:txBody>
-            <a:bodyPr wrap="none" rtlCol="0">
-              <a:spAutoFit/>
-            </a:bodyPr>
-            <a:lstStyle/>
-            <a:p>
-              <a:pPr algn="ctr"/>
-              <a:r>
-                <a:rPr lang="en-US" sz="2800" dirty="0">
-                  <a:solidFill>
-                    <a:schemeClr val="bg1"/>
-                  </a:solidFill>
-                  <a:latin typeface="Barlow" panose="00000500000000000000" pitchFamily="2" charset="0"/>
-                </a:rPr>
-                <a:t>1</a:t>
-              </a:r>
-            </a:p>
-          </p:txBody>
-        </p:sp>
-      </p:grpSp>
-      <p:grpSp>
-        <p:nvGrpSpPr>
-          <p:cNvPr id="84" name="Group 83">
-            <a:extLst>
-              <a:ext uri="{FF2B5EF4-FFF2-40B4-BE49-F238E27FC236}">
-                <a16:creationId xmlns:a16="http://schemas.microsoft.com/office/drawing/2014/main" id="{D6F38B1A-A782-4DFC-975B-B4A7E4387A7F}"/>
-              </a:ext>
-            </a:extLst>
-          </p:cNvPr>
-          <p:cNvGrpSpPr/>
-          <p:nvPr/>
-        </p:nvGrpSpPr>
-        <p:grpSpPr>
-          <a:xfrm>
-            <a:off x="7842464" y="3193655"/>
-            <a:ext cx="546671" cy="542736"/>
-            <a:chOff x="2644061" y="765657"/>
-            <a:chExt cx="546671" cy="542736"/>
-          </a:xfrm>
-        </p:grpSpPr>
-        <p:sp>
-          <p:nvSpPr>
-            <p:cNvPr id="85" name="橢圓 38">
-              <a:extLst>
-                <a:ext uri="{FF2B5EF4-FFF2-40B4-BE49-F238E27FC236}">
-                  <a16:creationId xmlns:a16="http://schemas.microsoft.com/office/drawing/2014/main" id="{62A43652-6763-4549-8711-55D8AF34D35E}"/>
-                </a:ext>
-              </a:extLst>
-            </p:cNvPr>
-            <p:cNvSpPr/>
-            <p:nvPr/>
-          </p:nvSpPr>
-          <p:spPr>
-            <a:xfrm>
-              <a:off x="2644061" y="773293"/>
-              <a:ext cx="546671" cy="535100"/>
-            </a:xfrm>
-            <a:prstGeom prst="ellipse">
-              <a:avLst/>
-            </a:prstGeom>
-            <a:solidFill>
-              <a:srgbClr val="263238"/>
-            </a:solidFill>
-            <a:ln>
-              <a:noFill/>
-            </a:ln>
-            <a:effectLst/>
-          </p:spPr>
-          <p:style>
-            <a:lnRef idx="2">
-              <a:schemeClr val="accent1">
-                <a:shade val="50000"/>
-              </a:schemeClr>
-            </a:lnRef>
-            <a:fillRef idx="1">
-              <a:schemeClr val="accent1"/>
-            </a:fillRef>
-            <a:effectRef idx="0">
-              <a:schemeClr val="accent1"/>
-            </a:effectRef>
-            <a:fontRef idx="minor">
-              <a:schemeClr val="lt1"/>
-            </a:fontRef>
-          </p:style>
-          <p:txBody>
-            <a:bodyPr rtlCol="0" anchor="ctr"/>
-            <a:lstStyle/>
-            <a:p>
-              <a:pPr algn="ctr"/>
-              <a:endParaRPr lang="zh-TW" altLang="en-US" sz="2400" dirty="0">
-                <a:latin typeface="Menlo" panose="020B0609030804020204" pitchFamily="49" charset="0"/>
-                <a:cs typeface="Menlo" panose="020B0609030804020204" pitchFamily="49" charset="0"/>
-              </a:endParaRPr>
-            </a:p>
-          </p:txBody>
-        </p:sp>
-        <p:sp>
-          <p:nvSpPr>
-            <p:cNvPr id="88" name="TextBox 87">
-              <a:extLst>
-                <a:ext uri="{FF2B5EF4-FFF2-40B4-BE49-F238E27FC236}">
-                  <a16:creationId xmlns:a16="http://schemas.microsoft.com/office/drawing/2014/main" id="{0472CE36-AE03-4684-B7A1-A273C00F3A2C}"/>
-                </a:ext>
-              </a:extLst>
-            </p:cNvPr>
-            <p:cNvSpPr txBox="1"/>
-            <p:nvPr/>
-          </p:nvSpPr>
-          <p:spPr>
-            <a:xfrm>
-              <a:off x="2730192" y="765657"/>
-              <a:ext cx="388248" cy="523220"/>
-            </a:xfrm>
-            <a:prstGeom prst="rect">
-              <a:avLst/>
-            </a:prstGeom>
-            <a:noFill/>
-          </p:spPr>
-          <p:txBody>
-            <a:bodyPr wrap="none" rtlCol="0">
-              <a:spAutoFit/>
-            </a:bodyPr>
-            <a:lstStyle/>
-            <a:p>
-              <a:pPr algn="ctr"/>
-              <a:r>
-                <a:rPr lang="en-US" sz="2800" dirty="0">
-                  <a:solidFill>
-                    <a:schemeClr val="bg1"/>
-                  </a:solidFill>
-                  <a:latin typeface="Barlow" panose="00000500000000000000" pitchFamily="2" charset="0"/>
-                </a:rPr>
-                <a:t>2</a:t>
-              </a:r>
-            </a:p>
-          </p:txBody>
-        </p:sp>
-      </p:grpSp>
-      <p:grpSp>
-        <p:nvGrpSpPr>
-          <p:cNvPr id="96" name="Group 95">
-            <a:extLst>
-              <a:ext uri="{FF2B5EF4-FFF2-40B4-BE49-F238E27FC236}">
-                <a16:creationId xmlns:a16="http://schemas.microsoft.com/office/drawing/2014/main" id="{F371144E-6912-4B23-A757-174B053867DA}"/>
-              </a:ext>
-            </a:extLst>
-          </p:cNvPr>
-          <p:cNvGrpSpPr/>
-          <p:nvPr/>
-        </p:nvGrpSpPr>
-        <p:grpSpPr>
-          <a:xfrm>
-            <a:off x="7433350" y="4043289"/>
-            <a:ext cx="546671" cy="542736"/>
-            <a:chOff x="2644061" y="765657"/>
-            <a:chExt cx="546671" cy="542736"/>
-          </a:xfrm>
-        </p:grpSpPr>
-        <p:sp>
-          <p:nvSpPr>
-            <p:cNvPr id="98" name="橢圓 38">
-              <a:extLst>
-                <a:ext uri="{FF2B5EF4-FFF2-40B4-BE49-F238E27FC236}">
-                  <a16:creationId xmlns:a16="http://schemas.microsoft.com/office/drawing/2014/main" id="{59003CF3-8685-4ECD-8D89-A99BCBCBF096}"/>
-                </a:ext>
-              </a:extLst>
-            </p:cNvPr>
-            <p:cNvSpPr/>
-            <p:nvPr/>
-          </p:nvSpPr>
-          <p:spPr>
-            <a:xfrm>
-              <a:off x="2644061" y="773293"/>
-              <a:ext cx="546671" cy="535100"/>
-            </a:xfrm>
-            <a:prstGeom prst="ellipse">
-              <a:avLst/>
-            </a:prstGeom>
-            <a:solidFill>
-              <a:srgbClr val="263238"/>
-            </a:solidFill>
-            <a:ln>
-              <a:noFill/>
-            </a:ln>
-            <a:effectLst/>
-          </p:spPr>
-          <p:style>
-            <a:lnRef idx="2">
-              <a:schemeClr val="accent1">
-                <a:shade val="50000"/>
-              </a:schemeClr>
-            </a:lnRef>
-            <a:fillRef idx="1">
-              <a:schemeClr val="accent1"/>
-            </a:fillRef>
-            <a:effectRef idx="0">
-              <a:schemeClr val="accent1"/>
-            </a:effectRef>
-            <a:fontRef idx="minor">
-              <a:schemeClr val="lt1"/>
-            </a:fontRef>
-          </p:style>
-          <p:txBody>
-            <a:bodyPr rtlCol="0" anchor="ctr"/>
-            <a:lstStyle/>
-            <a:p>
-              <a:pPr algn="ctr"/>
-              <a:endParaRPr lang="zh-TW" altLang="en-US" sz="2400" dirty="0">
-                <a:latin typeface="Menlo" panose="020B0609030804020204" pitchFamily="49" charset="0"/>
-                <a:cs typeface="Menlo" panose="020B0609030804020204" pitchFamily="49" charset="0"/>
-              </a:endParaRPr>
-            </a:p>
-          </p:txBody>
-        </p:sp>
-        <p:sp>
-          <p:nvSpPr>
-            <p:cNvPr id="99" name="TextBox 98">
-              <a:extLst>
-                <a:ext uri="{FF2B5EF4-FFF2-40B4-BE49-F238E27FC236}">
-                  <a16:creationId xmlns:a16="http://schemas.microsoft.com/office/drawing/2014/main" id="{C4F9696A-5A84-4CAB-9B6A-74B7F9969A7F}"/>
-                </a:ext>
-              </a:extLst>
-            </p:cNvPr>
-            <p:cNvSpPr txBox="1"/>
-            <p:nvPr/>
-          </p:nvSpPr>
-          <p:spPr>
-            <a:xfrm>
-              <a:off x="2739810" y="765657"/>
-              <a:ext cx="369012" cy="523220"/>
-            </a:xfrm>
-            <a:prstGeom prst="rect">
-              <a:avLst/>
-            </a:prstGeom>
-            <a:noFill/>
-          </p:spPr>
-          <p:txBody>
-            <a:bodyPr wrap="none" rtlCol="0">
-              <a:spAutoFit/>
-            </a:bodyPr>
-            <a:lstStyle/>
-            <a:p>
-              <a:pPr algn="ctr"/>
-              <a:r>
-                <a:rPr lang="en-US" sz="2800" dirty="0">
-                  <a:solidFill>
-                    <a:schemeClr val="bg1"/>
-                  </a:solidFill>
-                  <a:latin typeface="Barlow" panose="00000500000000000000" pitchFamily="2" charset="0"/>
-                </a:rPr>
-                <a:t>3</a:t>
-              </a:r>
-            </a:p>
-          </p:txBody>
-        </p:sp>
-      </p:grpSp>
-      <p:grpSp>
-        <p:nvGrpSpPr>
-          <p:cNvPr id="100" name="Group 99">
-            <a:extLst>
-              <a:ext uri="{FF2B5EF4-FFF2-40B4-BE49-F238E27FC236}">
-                <a16:creationId xmlns:a16="http://schemas.microsoft.com/office/drawing/2014/main" id="{E3425587-40D8-4066-AF9E-645D6F475648}"/>
-              </a:ext>
-            </a:extLst>
-          </p:cNvPr>
-          <p:cNvGrpSpPr/>
-          <p:nvPr/>
-        </p:nvGrpSpPr>
-        <p:grpSpPr>
-          <a:xfrm>
-            <a:off x="8713444" y="2339968"/>
-            <a:ext cx="546671" cy="542736"/>
-            <a:chOff x="2644061" y="765657"/>
-            <a:chExt cx="546671" cy="542736"/>
-          </a:xfrm>
-        </p:grpSpPr>
-        <p:sp>
-          <p:nvSpPr>
-            <p:cNvPr id="101" name="橢圓 38">
-              <a:extLst>
-                <a:ext uri="{FF2B5EF4-FFF2-40B4-BE49-F238E27FC236}">
-                  <a16:creationId xmlns:a16="http://schemas.microsoft.com/office/drawing/2014/main" id="{5C029009-0C56-4A20-B5C6-0C5F90A627FD}"/>
-                </a:ext>
-              </a:extLst>
-            </p:cNvPr>
-            <p:cNvSpPr/>
-            <p:nvPr/>
-          </p:nvSpPr>
-          <p:spPr>
-            <a:xfrm>
-              <a:off x="2644061" y="773293"/>
-              <a:ext cx="546671" cy="535100"/>
-            </a:xfrm>
-            <a:prstGeom prst="ellipse">
-              <a:avLst/>
-            </a:prstGeom>
-            <a:solidFill>
-              <a:srgbClr val="263238"/>
-            </a:solidFill>
-            <a:ln>
-              <a:noFill/>
-            </a:ln>
-            <a:effectLst/>
-          </p:spPr>
-          <p:style>
-            <a:lnRef idx="2">
-              <a:schemeClr val="accent1">
-                <a:shade val="50000"/>
-              </a:schemeClr>
-            </a:lnRef>
-            <a:fillRef idx="1">
-              <a:schemeClr val="accent1"/>
-            </a:fillRef>
-            <a:effectRef idx="0">
-              <a:schemeClr val="accent1"/>
-            </a:effectRef>
-            <a:fontRef idx="minor">
-              <a:schemeClr val="lt1"/>
-            </a:fontRef>
-          </p:style>
-          <p:txBody>
-            <a:bodyPr rtlCol="0" anchor="ctr"/>
-            <a:lstStyle/>
-            <a:p>
-              <a:pPr algn="ctr"/>
-              <a:endParaRPr lang="zh-TW" altLang="en-US" sz="2400" dirty="0">
-                <a:latin typeface="Menlo" panose="020B0609030804020204" pitchFamily="49" charset="0"/>
-                <a:cs typeface="Menlo" panose="020B0609030804020204" pitchFamily="49" charset="0"/>
-              </a:endParaRPr>
-            </a:p>
-          </p:txBody>
-        </p:sp>
-        <p:sp>
-          <p:nvSpPr>
-            <p:cNvPr id="102" name="TextBox 101">
-              <a:extLst>
-                <a:ext uri="{FF2B5EF4-FFF2-40B4-BE49-F238E27FC236}">
-                  <a16:creationId xmlns:a16="http://schemas.microsoft.com/office/drawing/2014/main" id="{C7E1E799-0AFB-4B2B-98BF-8A2AFCE14D68}"/>
-                </a:ext>
-              </a:extLst>
-            </p:cNvPr>
-            <p:cNvSpPr txBox="1"/>
-            <p:nvPr/>
-          </p:nvSpPr>
-          <p:spPr>
-            <a:xfrm>
-              <a:off x="2730192" y="765657"/>
-              <a:ext cx="388248" cy="523220"/>
-            </a:xfrm>
-            <a:prstGeom prst="rect">
-              <a:avLst/>
-            </a:prstGeom>
-            <a:noFill/>
-          </p:spPr>
-          <p:txBody>
-            <a:bodyPr wrap="none" rtlCol="0">
-              <a:spAutoFit/>
-            </a:bodyPr>
-            <a:lstStyle/>
-            <a:p>
-              <a:pPr algn="ctr"/>
-              <a:r>
-                <a:rPr lang="en-US" sz="2800" dirty="0">
-                  <a:solidFill>
-                    <a:schemeClr val="bg1"/>
-                  </a:solidFill>
-                  <a:latin typeface="Barlow" panose="00000500000000000000" pitchFamily="2" charset="0"/>
-                </a:rPr>
-                <a:t>4</a:t>
-              </a:r>
-            </a:p>
-          </p:txBody>
-        </p:sp>
-      </p:grpSp>
-      <p:grpSp>
-        <p:nvGrpSpPr>
-          <p:cNvPr id="103" name="Group 102">
-            <a:extLst>
-              <a:ext uri="{FF2B5EF4-FFF2-40B4-BE49-F238E27FC236}">
-                <a16:creationId xmlns:a16="http://schemas.microsoft.com/office/drawing/2014/main" id="{D9AE73E0-6769-42A9-9B45-C2E3B9220465}"/>
-              </a:ext>
-            </a:extLst>
-          </p:cNvPr>
-          <p:cNvGrpSpPr/>
-          <p:nvPr/>
-        </p:nvGrpSpPr>
-        <p:grpSpPr>
-          <a:xfrm>
-            <a:off x="9228214" y="3205032"/>
-            <a:ext cx="546671" cy="542736"/>
-            <a:chOff x="2644061" y="765657"/>
-            <a:chExt cx="546671" cy="542736"/>
-          </a:xfrm>
-        </p:grpSpPr>
-        <p:sp>
-          <p:nvSpPr>
-            <p:cNvPr id="105" name="橢圓 38">
-              <a:extLst>
-                <a:ext uri="{FF2B5EF4-FFF2-40B4-BE49-F238E27FC236}">
-                  <a16:creationId xmlns:a16="http://schemas.microsoft.com/office/drawing/2014/main" id="{AE11BB34-F9C8-4B19-AC66-A6D7F25F3FE0}"/>
-                </a:ext>
-              </a:extLst>
-            </p:cNvPr>
-            <p:cNvSpPr/>
-            <p:nvPr/>
-          </p:nvSpPr>
-          <p:spPr>
-            <a:xfrm>
-              <a:off x="2644061" y="773293"/>
-              <a:ext cx="546671" cy="535100"/>
-            </a:xfrm>
-            <a:prstGeom prst="ellipse">
-              <a:avLst/>
-            </a:prstGeom>
-            <a:solidFill>
-              <a:srgbClr val="263238"/>
-            </a:solidFill>
-            <a:ln>
-              <a:noFill/>
-            </a:ln>
-            <a:effectLst/>
-          </p:spPr>
-          <p:style>
-            <a:lnRef idx="2">
-              <a:schemeClr val="accent1">
-                <a:shade val="50000"/>
-              </a:schemeClr>
-            </a:lnRef>
-            <a:fillRef idx="1">
-              <a:schemeClr val="accent1"/>
-            </a:fillRef>
-            <a:effectRef idx="0">
-              <a:schemeClr val="accent1"/>
-            </a:effectRef>
-            <a:fontRef idx="minor">
-              <a:schemeClr val="lt1"/>
-            </a:fontRef>
-          </p:style>
-          <p:txBody>
-            <a:bodyPr rtlCol="0" anchor="ctr"/>
-            <a:lstStyle/>
-            <a:p>
-              <a:pPr algn="ctr"/>
-              <a:endParaRPr lang="zh-TW" altLang="en-US" sz="2400" dirty="0">
-                <a:latin typeface="Menlo" panose="020B0609030804020204" pitchFamily="49" charset="0"/>
-                <a:cs typeface="Menlo" panose="020B0609030804020204" pitchFamily="49" charset="0"/>
-              </a:endParaRPr>
-            </a:p>
-          </p:txBody>
-        </p:sp>
-        <p:sp>
-          <p:nvSpPr>
-            <p:cNvPr id="106" name="TextBox 105">
-              <a:extLst>
-                <a:ext uri="{FF2B5EF4-FFF2-40B4-BE49-F238E27FC236}">
-                  <a16:creationId xmlns:a16="http://schemas.microsoft.com/office/drawing/2014/main" id="{38250C5A-9CA0-4652-95E8-A55BE6C7E64D}"/>
-                </a:ext>
-              </a:extLst>
-            </p:cNvPr>
-            <p:cNvSpPr txBox="1"/>
-            <p:nvPr/>
-          </p:nvSpPr>
-          <p:spPr>
-            <a:xfrm>
-              <a:off x="2739810" y="765657"/>
-              <a:ext cx="369011" cy="523220"/>
-            </a:xfrm>
-            <a:prstGeom prst="rect">
-              <a:avLst/>
-            </a:prstGeom>
-            <a:noFill/>
-          </p:spPr>
-          <p:txBody>
-            <a:bodyPr wrap="none" rtlCol="0">
-              <a:spAutoFit/>
-            </a:bodyPr>
-            <a:lstStyle/>
-            <a:p>
-              <a:pPr algn="ctr"/>
-              <a:r>
-                <a:rPr lang="en-US" sz="2800" dirty="0">
-                  <a:solidFill>
-                    <a:schemeClr val="bg1"/>
-                  </a:solidFill>
-                  <a:latin typeface="Barlow" panose="00000500000000000000" pitchFamily="2" charset="0"/>
-                </a:rPr>
-                <a:t>5</a:t>
-              </a:r>
-            </a:p>
-          </p:txBody>
-        </p:sp>
-      </p:grpSp>
-      <p:grpSp>
-        <p:nvGrpSpPr>
-          <p:cNvPr id="108" name="Group 107">
-            <a:extLst>
-              <a:ext uri="{FF2B5EF4-FFF2-40B4-BE49-F238E27FC236}">
-                <a16:creationId xmlns:a16="http://schemas.microsoft.com/office/drawing/2014/main" id="{D0D799FA-DFE0-4741-A8B3-5270B0130A14}"/>
-              </a:ext>
-            </a:extLst>
-          </p:cNvPr>
-          <p:cNvGrpSpPr/>
-          <p:nvPr/>
-        </p:nvGrpSpPr>
-        <p:grpSpPr>
-          <a:xfrm>
-            <a:off x="9648125" y="4082117"/>
-            <a:ext cx="546671" cy="542736"/>
-            <a:chOff x="2644061" y="765657"/>
-            <a:chExt cx="546671" cy="542736"/>
-          </a:xfrm>
-        </p:grpSpPr>
-        <p:sp>
-          <p:nvSpPr>
-            <p:cNvPr id="109" name="橢圓 38">
-              <a:extLst>
-                <a:ext uri="{FF2B5EF4-FFF2-40B4-BE49-F238E27FC236}">
-                  <a16:creationId xmlns:a16="http://schemas.microsoft.com/office/drawing/2014/main" id="{8D47BBCB-6B85-4875-BC91-E3682F7599B6}"/>
-                </a:ext>
-              </a:extLst>
-            </p:cNvPr>
-            <p:cNvSpPr/>
-            <p:nvPr/>
-          </p:nvSpPr>
-          <p:spPr>
-            <a:xfrm>
-              <a:off x="2644061" y="773293"/>
-              <a:ext cx="546671" cy="535100"/>
-            </a:xfrm>
-            <a:prstGeom prst="ellipse">
-              <a:avLst/>
-            </a:prstGeom>
-            <a:solidFill>
-              <a:srgbClr val="263238"/>
-            </a:solidFill>
-            <a:ln>
-              <a:noFill/>
-            </a:ln>
-            <a:effectLst/>
-          </p:spPr>
-          <p:style>
-            <a:lnRef idx="2">
-              <a:schemeClr val="accent1">
-                <a:shade val="50000"/>
-              </a:schemeClr>
-            </a:lnRef>
-            <a:fillRef idx="1">
-              <a:schemeClr val="accent1"/>
-            </a:fillRef>
-            <a:effectRef idx="0">
-              <a:schemeClr val="accent1"/>
-            </a:effectRef>
-            <a:fontRef idx="minor">
-              <a:schemeClr val="lt1"/>
-            </a:fontRef>
-          </p:style>
-          <p:txBody>
-            <a:bodyPr rtlCol="0" anchor="ctr"/>
-            <a:lstStyle/>
-            <a:p>
-              <a:pPr algn="ctr"/>
-              <a:endParaRPr lang="zh-TW" altLang="en-US" sz="2400" dirty="0">
-                <a:latin typeface="Menlo" panose="020B0609030804020204" pitchFamily="49" charset="0"/>
-                <a:cs typeface="Menlo" panose="020B0609030804020204" pitchFamily="49" charset="0"/>
-              </a:endParaRPr>
-            </a:p>
-          </p:txBody>
-        </p:sp>
-        <p:sp>
-          <p:nvSpPr>
-            <p:cNvPr id="111" name="TextBox 110">
-              <a:extLst>
-                <a:ext uri="{FF2B5EF4-FFF2-40B4-BE49-F238E27FC236}">
-                  <a16:creationId xmlns:a16="http://schemas.microsoft.com/office/drawing/2014/main" id="{A789DC7B-4951-483F-AD36-003AC07E4A6F}"/>
-                </a:ext>
-              </a:extLst>
-            </p:cNvPr>
-            <p:cNvSpPr txBox="1"/>
-            <p:nvPr/>
-          </p:nvSpPr>
-          <p:spPr>
-            <a:xfrm>
-              <a:off x="2739810" y="765657"/>
-              <a:ext cx="369011" cy="523220"/>
-            </a:xfrm>
-            <a:prstGeom prst="rect">
-              <a:avLst/>
-            </a:prstGeom>
-            <a:noFill/>
-          </p:spPr>
-          <p:txBody>
-            <a:bodyPr wrap="none" rtlCol="0">
-              <a:spAutoFit/>
-            </a:bodyPr>
-            <a:lstStyle/>
-            <a:p>
-              <a:pPr algn="ctr"/>
-              <a:r>
-                <a:rPr lang="en-US" sz="2800" dirty="0">
-                  <a:solidFill>
-                    <a:schemeClr val="bg1"/>
-                  </a:solidFill>
-                  <a:latin typeface="Barlow" panose="00000500000000000000" pitchFamily="2" charset="0"/>
-                </a:rPr>
-                <a:t>6</a:t>
-              </a:r>
-            </a:p>
-          </p:txBody>
-        </p:sp>
-      </p:grpSp>
-      <p:grpSp>
-        <p:nvGrpSpPr>
-          <p:cNvPr id="112" name="Group 111">
-            <a:extLst>
-              <a:ext uri="{FF2B5EF4-FFF2-40B4-BE49-F238E27FC236}">
-                <a16:creationId xmlns:a16="http://schemas.microsoft.com/office/drawing/2014/main" id="{09322335-AD5A-4258-A974-4BCC96026ED3}"/>
-              </a:ext>
-            </a:extLst>
-          </p:cNvPr>
-          <p:cNvGrpSpPr/>
-          <p:nvPr/>
-        </p:nvGrpSpPr>
-        <p:grpSpPr>
-          <a:xfrm>
-            <a:off x="8591314" y="4098812"/>
-            <a:ext cx="546671" cy="542736"/>
-            <a:chOff x="2644061" y="765657"/>
-            <a:chExt cx="546671" cy="542736"/>
-          </a:xfrm>
-        </p:grpSpPr>
-        <p:sp>
-          <p:nvSpPr>
-            <p:cNvPr id="114" name="橢圓 38">
-              <a:extLst>
-                <a:ext uri="{FF2B5EF4-FFF2-40B4-BE49-F238E27FC236}">
-                  <a16:creationId xmlns:a16="http://schemas.microsoft.com/office/drawing/2014/main" id="{EEC9CBB2-2C60-412B-B517-E17AACF12C71}"/>
-                </a:ext>
-              </a:extLst>
-            </p:cNvPr>
-            <p:cNvSpPr/>
-            <p:nvPr/>
-          </p:nvSpPr>
-          <p:spPr>
-            <a:xfrm>
-              <a:off x="2644061" y="773293"/>
-              <a:ext cx="546671" cy="535100"/>
-            </a:xfrm>
-            <a:prstGeom prst="ellipse">
-              <a:avLst/>
-            </a:prstGeom>
-            <a:solidFill>
-              <a:srgbClr val="263238"/>
-            </a:solidFill>
-            <a:ln>
-              <a:noFill/>
-            </a:ln>
-            <a:effectLst/>
-          </p:spPr>
-          <p:style>
-            <a:lnRef idx="2">
-              <a:schemeClr val="accent1">
-                <a:shade val="50000"/>
-              </a:schemeClr>
-            </a:lnRef>
-            <a:fillRef idx="1">
-              <a:schemeClr val="accent1"/>
-            </a:fillRef>
-            <a:effectRef idx="0">
-              <a:schemeClr val="accent1"/>
-            </a:effectRef>
-            <a:fontRef idx="minor">
-              <a:schemeClr val="lt1"/>
-            </a:fontRef>
-          </p:style>
-          <p:txBody>
-            <a:bodyPr rtlCol="0" anchor="ctr"/>
-            <a:lstStyle/>
-            <a:p>
-              <a:pPr algn="ctr"/>
-              <a:endParaRPr lang="zh-TW" altLang="en-US" sz="2400" dirty="0">
-                <a:latin typeface="Menlo" panose="020B0609030804020204" pitchFamily="49" charset="0"/>
-                <a:cs typeface="Menlo" panose="020B0609030804020204" pitchFamily="49" charset="0"/>
-              </a:endParaRPr>
-            </a:p>
-          </p:txBody>
-        </p:sp>
-        <p:sp>
-          <p:nvSpPr>
-            <p:cNvPr id="115" name="TextBox 114">
-              <a:extLst>
-                <a:ext uri="{FF2B5EF4-FFF2-40B4-BE49-F238E27FC236}">
-                  <a16:creationId xmlns:a16="http://schemas.microsoft.com/office/drawing/2014/main" id="{5E450EC8-A39F-4B91-B984-5A5E81702FAE}"/>
-                </a:ext>
-              </a:extLst>
-            </p:cNvPr>
-            <p:cNvSpPr txBox="1"/>
-            <p:nvPr/>
-          </p:nvSpPr>
-          <p:spPr>
-            <a:xfrm>
-              <a:off x="2747024" y="765657"/>
-              <a:ext cx="354584" cy="523220"/>
-            </a:xfrm>
-            <a:prstGeom prst="rect">
-              <a:avLst/>
-            </a:prstGeom>
-            <a:noFill/>
-          </p:spPr>
-          <p:txBody>
-            <a:bodyPr wrap="none" rtlCol="0">
-              <a:spAutoFit/>
-            </a:bodyPr>
-            <a:lstStyle/>
-            <a:p>
-              <a:pPr algn="ctr"/>
-              <a:r>
-                <a:rPr lang="en-US" sz="2800" dirty="0">
-                  <a:solidFill>
-                    <a:schemeClr val="bg1"/>
-                  </a:solidFill>
-                  <a:latin typeface="Barlow" panose="00000500000000000000" pitchFamily="2" charset="0"/>
-                </a:rPr>
-                <a:t>7</a:t>
-              </a:r>
-            </a:p>
-          </p:txBody>
-        </p:sp>
-      </p:grpSp>
-      <p:grpSp>
-        <p:nvGrpSpPr>
-          <p:cNvPr id="117" name="Group 116">
-            <a:extLst>
-              <a:ext uri="{FF2B5EF4-FFF2-40B4-BE49-F238E27FC236}">
-                <a16:creationId xmlns:a16="http://schemas.microsoft.com/office/drawing/2014/main" id="{A460DBA6-DF4C-4482-9F53-2123D0C6AB26}"/>
-              </a:ext>
-            </a:extLst>
-          </p:cNvPr>
-          <p:cNvGrpSpPr/>
-          <p:nvPr/>
-        </p:nvGrpSpPr>
-        <p:grpSpPr>
-          <a:xfrm>
-            <a:off x="9107230" y="5034510"/>
-            <a:ext cx="546671" cy="542736"/>
-            <a:chOff x="2644061" y="765657"/>
-            <a:chExt cx="546671" cy="542736"/>
-          </a:xfrm>
-        </p:grpSpPr>
-        <p:sp>
-          <p:nvSpPr>
-            <p:cNvPr id="118" name="橢圓 38">
-              <a:extLst>
-                <a:ext uri="{FF2B5EF4-FFF2-40B4-BE49-F238E27FC236}">
-                  <a16:creationId xmlns:a16="http://schemas.microsoft.com/office/drawing/2014/main" id="{AAC4866D-50E4-4FE6-A8DC-2640B7F4CEBD}"/>
-                </a:ext>
-              </a:extLst>
-            </p:cNvPr>
-            <p:cNvSpPr/>
-            <p:nvPr/>
-          </p:nvSpPr>
-          <p:spPr>
-            <a:xfrm>
-              <a:off x="2644061" y="773293"/>
-              <a:ext cx="546671" cy="535100"/>
-            </a:xfrm>
-            <a:prstGeom prst="ellipse">
-              <a:avLst/>
-            </a:prstGeom>
-            <a:solidFill>
-              <a:srgbClr val="263238"/>
-            </a:solidFill>
-            <a:ln>
-              <a:noFill/>
-            </a:ln>
-            <a:effectLst/>
-          </p:spPr>
-          <p:style>
-            <a:lnRef idx="2">
-              <a:schemeClr val="accent1">
-                <a:shade val="50000"/>
-              </a:schemeClr>
-            </a:lnRef>
-            <a:fillRef idx="1">
-              <a:schemeClr val="accent1"/>
-            </a:fillRef>
-            <a:effectRef idx="0">
-              <a:schemeClr val="accent1"/>
-            </a:effectRef>
-            <a:fontRef idx="minor">
-              <a:schemeClr val="lt1"/>
-            </a:fontRef>
-          </p:style>
-          <p:txBody>
-            <a:bodyPr rtlCol="0" anchor="ctr"/>
-            <a:lstStyle/>
-            <a:p>
-              <a:pPr algn="ctr"/>
-              <a:endParaRPr lang="zh-TW" altLang="en-US" sz="2400" dirty="0">
-                <a:latin typeface="Menlo" panose="020B0609030804020204" pitchFamily="49" charset="0"/>
-                <a:cs typeface="Menlo" panose="020B0609030804020204" pitchFamily="49" charset="0"/>
-              </a:endParaRPr>
-            </a:p>
-          </p:txBody>
-        </p:sp>
-        <p:sp>
-          <p:nvSpPr>
-            <p:cNvPr id="119" name="TextBox 118">
-              <a:extLst>
-                <a:ext uri="{FF2B5EF4-FFF2-40B4-BE49-F238E27FC236}">
-                  <a16:creationId xmlns:a16="http://schemas.microsoft.com/office/drawing/2014/main" id="{5A8C0974-A808-4931-AE6C-4D9B414D79DC}"/>
-                </a:ext>
-              </a:extLst>
-            </p:cNvPr>
-            <p:cNvSpPr txBox="1"/>
-            <p:nvPr/>
-          </p:nvSpPr>
-          <p:spPr>
-            <a:xfrm>
-              <a:off x="2738207" y="765657"/>
-              <a:ext cx="372218" cy="523220"/>
-            </a:xfrm>
-            <a:prstGeom prst="rect">
-              <a:avLst/>
-            </a:prstGeom>
-            <a:noFill/>
-          </p:spPr>
-          <p:txBody>
-            <a:bodyPr wrap="none" rtlCol="0">
-              <a:spAutoFit/>
-            </a:bodyPr>
-            <a:lstStyle/>
-            <a:p>
-              <a:pPr algn="ctr"/>
-              <a:r>
-                <a:rPr lang="en-US" sz="2800" dirty="0">
-                  <a:solidFill>
-                    <a:schemeClr val="bg1"/>
-                  </a:solidFill>
-                  <a:latin typeface="Barlow" panose="00000500000000000000" pitchFamily="2" charset="0"/>
-                </a:rPr>
-                <a:t>8</a:t>
-              </a:r>
-            </a:p>
-          </p:txBody>
-        </p:sp>
-      </p:grpSp>
-      <p:grpSp>
-        <p:nvGrpSpPr>
-          <p:cNvPr id="120" name="Group 119">
-            <a:extLst>
-              <a:ext uri="{FF2B5EF4-FFF2-40B4-BE49-F238E27FC236}">
-                <a16:creationId xmlns:a16="http://schemas.microsoft.com/office/drawing/2014/main" id="{C74DC30C-2919-4059-9439-CC8A72BC0ECD}"/>
-              </a:ext>
-            </a:extLst>
-          </p:cNvPr>
-          <p:cNvGrpSpPr/>
-          <p:nvPr/>
-        </p:nvGrpSpPr>
-        <p:grpSpPr>
-          <a:xfrm>
-            <a:off x="7265811" y="2296295"/>
-            <a:ext cx="546671" cy="542736"/>
-            <a:chOff x="2644061" y="765657"/>
-            <a:chExt cx="546671" cy="542736"/>
-          </a:xfrm>
-        </p:grpSpPr>
-        <p:sp>
-          <p:nvSpPr>
-            <p:cNvPr id="121" name="橢圓 38">
-              <a:extLst>
-                <a:ext uri="{FF2B5EF4-FFF2-40B4-BE49-F238E27FC236}">
-                  <a16:creationId xmlns:a16="http://schemas.microsoft.com/office/drawing/2014/main" id="{ED69F105-4AF4-4A6F-9FC8-440987A101DD}"/>
-                </a:ext>
-              </a:extLst>
-            </p:cNvPr>
-            <p:cNvSpPr/>
-            <p:nvPr/>
-          </p:nvSpPr>
-          <p:spPr>
-            <a:xfrm>
-              <a:off x="2644061" y="773293"/>
-              <a:ext cx="546671" cy="535100"/>
-            </a:xfrm>
-            <a:prstGeom prst="ellipse">
-              <a:avLst/>
-            </a:prstGeom>
-            <a:solidFill>
-              <a:srgbClr val="263238"/>
-            </a:solidFill>
-            <a:ln>
-              <a:noFill/>
-            </a:ln>
-            <a:effectLst/>
-          </p:spPr>
-          <p:style>
-            <a:lnRef idx="2">
-              <a:schemeClr val="accent1">
-                <a:shade val="50000"/>
-              </a:schemeClr>
-            </a:lnRef>
-            <a:fillRef idx="1">
-              <a:schemeClr val="accent1"/>
-            </a:fillRef>
-            <a:effectRef idx="0">
-              <a:schemeClr val="accent1"/>
-            </a:effectRef>
-            <a:fontRef idx="minor">
-              <a:schemeClr val="lt1"/>
-            </a:fontRef>
-          </p:style>
-          <p:txBody>
-            <a:bodyPr rtlCol="0" anchor="ctr"/>
-            <a:lstStyle/>
-            <a:p>
-              <a:pPr algn="ctr"/>
-              <a:endParaRPr lang="zh-TW" altLang="en-US" sz="2400" dirty="0">
-                <a:latin typeface="Menlo" panose="020B0609030804020204" pitchFamily="49" charset="0"/>
-                <a:cs typeface="Menlo" panose="020B0609030804020204" pitchFamily="49" charset="0"/>
-              </a:endParaRPr>
-            </a:p>
-          </p:txBody>
-        </p:sp>
-        <p:sp>
-          <p:nvSpPr>
-            <p:cNvPr id="123" name="TextBox 122">
-              <a:extLst>
-                <a:ext uri="{FF2B5EF4-FFF2-40B4-BE49-F238E27FC236}">
-                  <a16:creationId xmlns:a16="http://schemas.microsoft.com/office/drawing/2014/main" id="{37AC9F66-81A2-4042-8937-A4305182DE02}"/>
-                </a:ext>
-              </a:extLst>
-            </p:cNvPr>
-            <p:cNvSpPr txBox="1"/>
-            <p:nvPr/>
-          </p:nvSpPr>
-          <p:spPr>
-            <a:xfrm>
-              <a:off x="2738207" y="765657"/>
-              <a:ext cx="372218" cy="523220"/>
-            </a:xfrm>
-            <a:prstGeom prst="rect">
-              <a:avLst/>
-            </a:prstGeom>
-            <a:noFill/>
-          </p:spPr>
-          <p:txBody>
-            <a:bodyPr wrap="none" rtlCol="0">
-              <a:spAutoFit/>
-            </a:bodyPr>
-            <a:lstStyle/>
-            <a:p>
-              <a:pPr algn="ctr"/>
-              <a:r>
-                <a:rPr lang="en-US" sz="2800" dirty="0">
-                  <a:solidFill>
-                    <a:schemeClr val="bg1"/>
-                  </a:solidFill>
-                  <a:latin typeface="Barlow" panose="00000500000000000000" pitchFamily="2" charset="0"/>
-                </a:rPr>
-                <a:t>9</a:t>
-              </a:r>
-            </a:p>
-          </p:txBody>
-        </p:sp>
-      </p:grpSp>
-    </p:spTree>
-    <p:extLst>
-      <p:ext uri="{BB962C8B-B14F-4D97-AF65-F5344CB8AC3E}">
-        <p14:creationId xmlns:p14="http://schemas.microsoft.com/office/powerpoint/2010/main" val="1435335403"/>
-      </p:ext>
-    </p:extLst>
-  </p:cSld>
-  <p:clrMapOvr>
-    <a:masterClrMapping/>
-  </p:clrMapOvr>
-</p:sld>
-</file>
-
-<file path=ppt/slides/slide5.xml><?xml version="1.0" encoding="utf-8"?>
-<p:sld xmlns:a="http://schemas.openxmlformats.org/drawingml/2006/main" xmlns:r="http://schemas.openxmlformats.org/officeDocument/2006/relationships" xmlns:p="http://schemas.openxmlformats.org/presentationml/2006/main">
-  <p:cSld>
-    <p:spTree>
-      <p:nvGrpSpPr>
-        <p:cNvPr id="1" name=""/>
-        <p:cNvGrpSpPr/>
-        <p:nvPr/>
-      </p:nvGrpSpPr>
-      <p:grpSpPr>
-        <a:xfrm>
-          <a:off x="0" y="0"/>
-          <a:ext cx="0" cy="0"/>
-          <a:chOff x="0" y="0"/>
-          <a:chExt cx="0" cy="0"/>
-        </a:xfrm>
-      </p:grpSpPr>
-      <p:sp>
-        <p:nvSpPr>
-          <p:cNvPr id="116" name="弧形 115"/>
-          <p:cNvSpPr/>
-          <p:nvPr/>
-        </p:nvSpPr>
-        <p:spPr>
-          <a:xfrm rot="21390419">
-            <a:off x="5139746" y="2881576"/>
-            <a:ext cx="2401887" cy="2983573"/>
-          </a:xfrm>
-          <a:prstGeom prst="arc">
-            <a:avLst>
-              <a:gd name="adj1" fmla="val 15347787"/>
-              <a:gd name="adj2" fmla="val 5398781"/>
-            </a:avLst>
-          </a:prstGeom>
-          <a:ln w="76200">
-            <a:solidFill>
-              <a:schemeClr val="tx1">
-                <a:lumMod val="50000"/>
-                <a:lumOff val="50000"/>
-              </a:schemeClr>
-            </a:solidFill>
-          </a:ln>
-        </p:spPr>
-        <p:style>
-          <a:lnRef idx="1">
-            <a:schemeClr val="accent1"/>
-          </a:lnRef>
-          <a:fillRef idx="0">
-            <a:schemeClr val="accent1"/>
-          </a:fillRef>
-          <a:effectRef idx="0">
-            <a:schemeClr val="accent1"/>
-          </a:effectRef>
-          <a:fontRef idx="minor">
-            <a:schemeClr val="tx1"/>
-          </a:fontRef>
-        </p:style>
-        <p:txBody>
-          <a:bodyPr rtlCol="0" anchor="ctr"/>
-          <a:lstStyle/>
-          <a:p>
-            <a:pPr algn="ctr"/>
-            <a:endParaRPr lang="zh-TW" altLang="en-US"/>
-          </a:p>
-        </p:txBody>
-      </p:sp>
-      <p:sp>
-        <p:nvSpPr>
-          <p:cNvPr id="117" name="弧形 116"/>
-          <p:cNvSpPr/>
-          <p:nvPr/>
-        </p:nvSpPr>
-        <p:spPr>
-          <a:xfrm rot="20858719">
-            <a:off x="5172876" y="3036200"/>
-            <a:ext cx="1831832" cy="2115692"/>
-          </a:xfrm>
-          <a:prstGeom prst="arc">
-            <a:avLst>
-              <a:gd name="adj1" fmla="val 16388594"/>
-              <a:gd name="adj2" fmla="val 3690667"/>
-            </a:avLst>
-          </a:prstGeom>
-          <a:ln w="76200">
-            <a:solidFill>
-              <a:schemeClr val="tx1">
-                <a:lumMod val="50000"/>
-                <a:lumOff val="50000"/>
-              </a:schemeClr>
-            </a:solidFill>
-          </a:ln>
-        </p:spPr>
-        <p:style>
-          <a:lnRef idx="1">
-            <a:schemeClr val="accent1"/>
-          </a:lnRef>
-          <a:fillRef idx="0">
-            <a:schemeClr val="accent1"/>
-          </a:fillRef>
-          <a:effectRef idx="0">
-            <a:schemeClr val="accent1"/>
-          </a:effectRef>
-          <a:fontRef idx="minor">
-            <a:schemeClr val="tx1"/>
-          </a:fontRef>
-        </p:style>
-        <p:txBody>
-          <a:bodyPr rtlCol="0" anchor="ctr"/>
-          <a:lstStyle/>
-          <a:p>
-            <a:pPr algn="ctr"/>
-            <a:endParaRPr lang="zh-TW" altLang="en-US"/>
-          </a:p>
-        </p:txBody>
-      </p:sp>
-      <p:sp>
-        <p:nvSpPr>
-          <p:cNvPr id="118" name="弧形 117"/>
-          <p:cNvSpPr/>
-          <p:nvPr/>
-        </p:nvSpPr>
-        <p:spPr>
-          <a:xfrm rot="649815" flipH="1">
-            <a:off x="3602771" y="1335042"/>
-            <a:ext cx="2551409" cy="2592023"/>
-          </a:xfrm>
-          <a:prstGeom prst="arc">
-            <a:avLst>
-              <a:gd name="adj1" fmla="val 16280781"/>
-              <a:gd name="adj2" fmla="val 5525388"/>
-            </a:avLst>
-          </a:prstGeom>
-          <a:ln w="76200">
-            <a:solidFill>
-              <a:schemeClr val="tx1">
-                <a:lumMod val="50000"/>
-                <a:lumOff val="50000"/>
-              </a:schemeClr>
-            </a:solidFill>
-          </a:ln>
-        </p:spPr>
-        <p:style>
-          <a:lnRef idx="1">
-            <a:schemeClr val="accent1"/>
-          </a:lnRef>
-          <a:fillRef idx="0">
-            <a:schemeClr val="accent1"/>
-          </a:fillRef>
-          <a:effectRef idx="0">
-            <a:schemeClr val="accent1"/>
-          </a:effectRef>
-          <a:fontRef idx="minor">
-            <a:schemeClr val="tx1"/>
-          </a:fontRef>
-        </p:style>
-        <p:txBody>
-          <a:bodyPr rtlCol="0" anchor="ctr"/>
-          <a:lstStyle/>
-          <a:p>
-            <a:pPr algn="ctr"/>
-            <a:endParaRPr lang="zh-TW" altLang="en-US"/>
-          </a:p>
-        </p:txBody>
-      </p:sp>
-      <p:cxnSp>
-        <p:nvCxnSpPr>
-          <p:cNvPr id="119" name="直線接點 118"/>
-          <p:cNvCxnSpPr/>
-          <p:nvPr/>
-        </p:nvCxnSpPr>
-        <p:spPr>
-          <a:xfrm flipH="1">
-            <a:off x="4305340" y="2182792"/>
-            <a:ext cx="694942" cy="880029"/>
-          </a:xfrm>
-          <a:prstGeom prst="line">
-            <a:avLst/>
-          </a:prstGeom>
-          <a:ln w="76200">
-            <a:solidFill>
-              <a:schemeClr val="tx1">
-                <a:lumMod val="50000"/>
-                <a:lumOff val="50000"/>
-              </a:schemeClr>
-            </a:solidFill>
-          </a:ln>
-        </p:spPr>
-        <p:style>
-          <a:lnRef idx="1">
-            <a:schemeClr val="accent1"/>
-          </a:lnRef>
-          <a:fillRef idx="0">
-            <a:schemeClr val="accent1"/>
-          </a:fillRef>
-          <a:effectRef idx="0">
-            <a:schemeClr val="accent1"/>
-          </a:effectRef>
-          <a:fontRef idx="minor">
-            <a:schemeClr val="tx1"/>
-          </a:fontRef>
-        </p:style>
-      </p:cxnSp>
-      <p:cxnSp>
-        <p:nvCxnSpPr>
-          <p:cNvPr id="120" name="直線接點 119"/>
-          <p:cNvCxnSpPr>
-            <a:cxnSpLocks/>
-          </p:cNvCxnSpPr>
-          <p:nvPr/>
-        </p:nvCxnSpPr>
-        <p:spPr>
-          <a:xfrm>
-            <a:off x="4974701" y="2227100"/>
-            <a:ext cx="712401" cy="854179"/>
-          </a:xfrm>
-          <a:prstGeom prst="line">
-            <a:avLst/>
-          </a:prstGeom>
-          <a:ln w="76200">
-            <a:solidFill>
-              <a:schemeClr val="tx1">
-                <a:lumMod val="50000"/>
-                <a:lumOff val="50000"/>
-              </a:schemeClr>
-            </a:solidFill>
-          </a:ln>
-        </p:spPr>
-        <p:style>
-          <a:lnRef idx="1">
-            <a:schemeClr val="accent1"/>
-          </a:lnRef>
-          <a:fillRef idx="0">
-            <a:schemeClr val="accent1"/>
-          </a:fillRef>
-          <a:effectRef idx="0">
-            <a:schemeClr val="accent1"/>
-          </a:effectRef>
-          <a:fontRef idx="minor">
-            <a:schemeClr val="tx1"/>
-          </a:fontRef>
-        </p:style>
-      </p:cxnSp>
-      <p:cxnSp>
-        <p:nvCxnSpPr>
-          <p:cNvPr id="121" name="直線接點 120"/>
-          <p:cNvCxnSpPr>
-            <a:cxnSpLocks/>
-          </p:cNvCxnSpPr>
-          <p:nvPr/>
-        </p:nvCxnSpPr>
-        <p:spPr>
-          <a:xfrm flipV="1">
-            <a:off x="4891792" y="3060615"/>
-            <a:ext cx="795310" cy="875056"/>
-          </a:xfrm>
-          <a:prstGeom prst="line">
-            <a:avLst/>
-          </a:prstGeom>
-          <a:ln w="76200">
-            <a:solidFill>
-              <a:schemeClr val="tx1">
-                <a:lumMod val="50000"/>
-                <a:lumOff val="50000"/>
-              </a:schemeClr>
-            </a:solidFill>
-          </a:ln>
-        </p:spPr>
-        <p:style>
-          <a:lnRef idx="1">
-            <a:schemeClr val="accent1"/>
-          </a:lnRef>
-          <a:fillRef idx="0">
-            <a:schemeClr val="accent1"/>
-          </a:fillRef>
-          <a:effectRef idx="0">
-            <a:schemeClr val="accent1"/>
-          </a:effectRef>
-          <a:fontRef idx="minor">
-            <a:schemeClr val="tx1"/>
-          </a:fontRef>
-        </p:style>
-      </p:cxnSp>
-      <p:cxnSp>
-        <p:nvCxnSpPr>
-          <p:cNvPr id="122" name="直線接點 121"/>
-          <p:cNvCxnSpPr>
-            <a:cxnSpLocks/>
-          </p:cNvCxnSpPr>
-          <p:nvPr/>
-        </p:nvCxnSpPr>
-        <p:spPr>
-          <a:xfrm flipH="1" flipV="1">
-            <a:off x="5687102" y="3059176"/>
-            <a:ext cx="583155" cy="891175"/>
-          </a:xfrm>
-          <a:prstGeom prst="line">
-            <a:avLst/>
-          </a:prstGeom>
-          <a:ln w="76200">
-            <a:solidFill>
-              <a:schemeClr val="tx1">
-                <a:lumMod val="50000"/>
-                <a:lumOff val="50000"/>
-              </a:schemeClr>
-            </a:solidFill>
-          </a:ln>
-        </p:spPr>
-        <p:style>
-          <a:lnRef idx="1">
-            <a:schemeClr val="accent1"/>
-          </a:lnRef>
-          <a:fillRef idx="0">
-            <a:schemeClr val="accent1"/>
-          </a:fillRef>
-          <a:effectRef idx="0">
-            <a:schemeClr val="accent1"/>
-          </a:effectRef>
-          <a:fontRef idx="minor">
-            <a:schemeClr val="tx1"/>
-          </a:fontRef>
-        </p:style>
-      </p:cxnSp>
-      <p:cxnSp>
-        <p:nvCxnSpPr>
-          <p:cNvPr id="123" name="直線接點 122"/>
-          <p:cNvCxnSpPr/>
-          <p:nvPr/>
-        </p:nvCxnSpPr>
-        <p:spPr>
-          <a:xfrm flipV="1">
-            <a:off x="4329170" y="3935671"/>
-            <a:ext cx="562621" cy="891174"/>
-          </a:xfrm>
-          <a:prstGeom prst="line">
-            <a:avLst/>
-          </a:prstGeom>
-          <a:ln w="76200">
-            <a:solidFill>
-              <a:schemeClr val="tx1">
-                <a:lumMod val="50000"/>
-                <a:lumOff val="50000"/>
-              </a:schemeClr>
-            </a:solidFill>
-          </a:ln>
-        </p:spPr>
-        <p:style>
-          <a:lnRef idx="1">
-            <a:schemeClr val="accent1"/>
-          </a:lnRef>
-          <a:fillRef idx="0">
-            <a:schemeClr val="accent1"/>
-          </a:fillRef>
-          <a:effectRef idx="0">
-            <a:schemeClr val="accent1"/>
-          </a:effectRef>
-          <a:fontRef idx="minor">
-            <a:schemeClr val="tx1"/>
-          </a:fontRef>
-        </p:style>
-      </p:cxnSp>
-      <p:cxnSp>
-        <p:nvCxnSpPr>
-          <p:cNvPr id="125" name="直線接點 124"/>
-          <p:cNvCxnSpPr>
-            <a:cxnSpLocks/>
-          </p:cNvCxnSpPr>
-          <p:nvPr/>
-        </p:nvCxnSpPr>
-        <p:spPr>
-          <a:xfrm flipH="1" flipV="1">
-            <a:off x="6270256" y="3942852"/>
-            <a:ext cx="518380" cy="986132"/>
-          </a:xfrm>
-          <a:prstGeom prst="line">
-            <a:avLst/>
-          </a:prstGeom>
-          <a:ln w="76200">
-            <a:solidFill>
-              <a:schemeClr val="tx1">
-                <a:lumMod val="50000"/>
-                <a:lumOff val="50000"/>
-              </a:schemeClr>
-            </a:solidFill>
-          </a:ln>
-        </p:spPr>
-        <p:style>
-          <a:lnRef idx="1">
-            <a:schemeClr val="accent1"/>
-          </a:lnRef>
-          <a:fillRef idx="0">
-            <a:schemeClr val="accent1"/>
-          </a:fillRef>
-          <a:effectRef idx="0">
-            <a:schemeClr val="accent1"/>
-          </a:effectRef>
-          <a:fontRef idx="minor">
-            <a:schemeClr val="tx1"/>
-          </a:fontRef>
-        </p:style>
-      </p:cxnSp>
-      <p:cxnSp>
-        <p:nvCxnSpPr>
-          <p:cNvPr id="126" name="直線接點 125"/>
-          <p:cNvCxnSpPr>
-            <a:cxnSpLocks/>
-          </p:cNvCxnSpPr>
-          <p:nvPr/>
-        </p:nvCxnSpPr>
-        <p:spPr>
-          <a:xfrm>
-            <a:off x="5582225" y="4887381"/>
-            <a:ext cx="551363" cy="923067"/>
-          </a:xfrm>
-          <a:prstGeom prst="line">
-            <a:avLst/>
-          </a:prstGeom>
-          <a:ln w="76200">
-            <a:solidFill>
-              <a:schemeClr val="tx1">
-                <a:lumMod val="50000"/>
-                <a:lumOff val="50000"/>
-              </a:schemeClr>
-            </a:solidFill>
-          </a:ln>
-        </p:spPr>
-        <p:style>
-          <a:lnRef idx="1">
-            <a:schemeClr val="accent1"/>
-          </a:lnRef>
-          <a:fillRef idx="0">
-            <a:schemeClr val="accent1"/>
-          </a:fillRef>
-          <a:effectRef idx="0">
-            <a:schemeClr val="accent1"/>
-          </a:effectRef>
-          <a:fontRef idx="minor">
-            <a:schemeClr val="tx1"/>
-          </a:fontRef>
-        </p:style>
-      </p:cxnSp>
-      <p:cxnSp>
-        <p:nvCxnSpPr>
-          <p:cNvPr id="127" name="直線接點 126"/>
-          <p:cNvCxnSpPr/>
-          <p:nvPr/>
-        </p:nvCxnSpPr>
-        <p:spPr>
-          <a:xfrm>
-            <a:off x="5000281" y="1298797"/>
-            <a:ext cx="0" cy="883995"/>
-          </a:xfrm>
-          <a:prstGeom prst="line">
-            <a:avLst/>
-          </a:prstGeom>
-          <a:ln w="76200">
-            <a:solidFill>
-              <a:schemeClr val="tx1">
-                <a:lumMod val="50000"/>
-                <a:lumOff val="50000"/>
-              </a:schemeClr>
-            </a:solidFill>
-          </a:ln>
-        </p:spPr>
-        <p:style>
-          <a:lnRef idx="1">
-            <a:schemeClr val="accent1"/>
-          </a:lnRef>
-          <a:fillRef idx="0">
-            <a:schemeClr val="accent1"/>
-          </a:fillRef>
-          <a:effectRef idx="0">
-            <a:schemeClr val="accent1"/>
-          </a:effectRef>
-          <a:fontRef idx="minor">
-            <a:schemeClr val="tx1"/>
-          </a:fontRef>
-        </p:style>
-      </p:cxnSp>
-      <p:cxnSp>
-        <p:nvCxnSpPr>
-          <p:cNvPr id="151" name="直線接點 121">
-            <a:extLst>
-              <a:ext uri="{FF2B5EF4-FFF2-40B4-BE49-F238E27FC236}">
-                <a16:creationId xmlns:a16="http://schemas.microsoft.com/office/drawing/2014/main" id="{F9CA9F3F-C1FB-4026-9036-89432C4453AD}"/>
-              </a:ext>
-            </a:extLst>
-          </p:cNvPr>
-          <p:cNvCxnSpPr>
-            <a:cxnSpLocks/>
-          </p:cNvCxnSpPr>
-          <p:nvPr/>
-        </p:nvCxnSpPr>
-        <p:spPr>
-          <a:xfrm flipV="1">
-            <a:off x="5590220" y="3948117"/>
-            <a:ext cx="680035" cy="955381"/>
-          </a:xfrm>
-          <a:prstGeom prst="line">
-            <a:avLst/>
-          </a:prstGeom>
-          <a:ln w="76200">
-            <a:solidFill>
-              <a:schemeClr val="tx1">
-                <a:lumMod val="50000"/>
-                <a:lumOff val="50000"/>
-              </a:schemeClr>
-            </a:solidFill>
-          </a:ln>
-        </p:spPr>
-        <p:style>
-          <a:lnRef idx="1">
-            <a:schemeClr val="accent1"/>
-          </a:lnRef>
-          <a:fillRef idx="0">
-            <a:schemeClr val="accent1"/>
-          </a:fillRef>
-          <a:effectRef idx="0">
-            <a:schemeClr val="accent1"/>
-          </a:effectRef>
-          <a:fontRef idx="minor">
-            <a:schemeClr val="tx1"/>
-          </a:fontRef>
-        </p:style>
-      </p:cxnSp>
-      <p:grpSp>
-        <p:nvGrpSpPr>
-          <p:cNvPr id="242" name="Group 241">
-            <a:extLst>
-              <a:ext uri="{FF2B5EF4-FFF2-40B4-BE49-F238E27FC236}">
-                <a16:creationId xmlns:a16="http://schemas.microsoft.com/office/drawing/2014/main" id="{E3F49271-E801-4CAB-882B-985EF081666F}"/>
-              </a:ext>
-            </a:extLst>
-          </p:cNvPr>
-          <p:cNvGrpSpPr/>
-          <p:nvPr/>
-        </p:nvGrpSpPr>
-        <p:grpSpPr>
-          <a:xfrm>
-            <a:off x="5920974" y="5597143"/>
-            <a:ext cx="546671" cy="542736"/>
-            <a:chOff x="2644061" y="765657"/>
-            <a:chExt cx="546671" cy="542736"/>
-          </a:xfrm>
-        </p:grpSpPr>
-        <p:sp>
-          <p:nvSpPr>
-            <p:cNvPr id="243" name="橢圓 38">
-              <a:extLst>
-                <a:ext uri="{FF2B5EF4-FFF2-40B4-BE49-F238E27FC236}">
-                  <a16:creationId xmlns:a16="http://schemas.microsoft.com/office/drawing/2014/main" id="{39268925-6697-44CF-A48E-81D5AD73C20E}"/>
-                </a:ext>
-              </a:extLst>
-            </p:cNvPr>
-            <p:cNvSpPr/>
-            <p:nvPr/>
-          </p:nvSpPr>
-          <p:spPr>
-            <a:xfrm>
-              <a:off x="2644061" y="773293"/>
-              <a:ext cx="546671" cy="535100"/>
-            </a:xfrm>
-            <a:prstGeom prst="ellipse">
-              <a:avLst/>
-            </a:prstGeom>
-            <a:solidFill>
-              <a:srgbClr val="263238"/>
-            </a:solidFill>
-            <a:ln>
-              <a:noFill/>
-            </a:ln>
-            <a:effectLst/>
-          </p:spPr>
-          <p:style>
-            <a:lnRef idx="2">
-              <a:schemeClr val="accent1">
-                <a:shade val="50000"/>
-              </a:schemeClr>
-            </a:lnRef>
-            <a:fillRef idx="1">
-              <a:schemeClr val="accent1"/>
-            </a:fillRef>
-            <a:effectRef idx="0">
-              <a:schemeClr val="accent1"/>
-            </a:effectRef>
-            <a:fontRef idx="minor">
-              <a:schemeClr val="lt1"/>
-            </a:fontRef>
-          </p:style>
-          <p:txBody>
-            <a:bodyPr rtlCol="0" anchor="ctr"/>
-            <a:lstStyle/>
-            <a:p>
-              <a:pPr algn="ctr"/>
-              <a:endParaRPr lang="zh-TW" altLang="en-US" sz="2400" dirty="0">
-                <a:latin typeface="Menlo" panose="020B0609030804020204" pitchFamily="49" charset="0"/>
-                <a:cs typeface="Menlo" panose="020B0609030804020204" pitchFamily="49" charset="0"/>
-              </a:endParaRPr>
-            </a:p>
-          </p:txBody>
-        </p:sp>
-        <p:sp>
-          <p:nvSpPr>
-            <p:cNvPr id="244" name="TextBox 243">
-              <a:extLst>
-                <a:ext uri="{FF2B5EF4-FFF2-40B4-BE49-F238E27FC236}">
-                  <a16:creationId xmlns:a16="http://schemas.microsoft.com/office/drawing/2014/main" id="{41AABC4B-FB7D-4065-915E-79B8B5A8C5A7}"/>
-                </a:ext>
-              </a:extLst>
-            </p:cNvPr>
-            <p:cNvSpPr txBox="1"/>
-            <p:nvPr/>
-          </p:nvSpPr>
-          <p:spPr>
-            <a:xfrm>
-              <a:off x="2738207" y="765657"/>
-              <a:ext cx="372218" cy="523220"/>
-            </a:xfrm>
-            <a:prstGeom prst="rect">
-              <a:avLst/>
-            </a:prstGeom>
-            <a:noFill/>
-          </p:spPr>
-          <p:txBody>
-            <a:bodyPr wrap="none" rtlCol="0">
-              <a:spAutoFit/>
-            </a:bodyPr>
-            <a:lstStyle/>
-            <a:p>
-              <a:pPr algn="ctr"/>
-              <a:r>
-                <a:rPr lang="en-US" altLang="zh-TW" sz="2800" dirty="0">
-                  <a:solidFill>
-                    <a:schemeClr val="bg1"/>
-                  </a:solidFill>
-                  <a:latin typeface="Barlow" panose="00000500000000000000" pitchFamily="2" charset="0"/>
-                </a:rPr>
-                <a:t>8</a:t>
-              </a:r>
-              <a:endParaRPr lang="en-US" sz="2800" dirty="0">
-                <a:solidFill>
-                  <a:schemeClr val="bg1"/>
-                </a:solidFill>
-                <a:latin typeface="Barlow" panose="00000500000000000000" pitchFamily="2" charset="0"/>
-              </a:endParaRPr>
-            </a:p>
-          </p:txBody>
-        </p:sp>
-      </p:grpSp>
-      <p:grpSp>
-        <p:nvGrpSpPr>
-          <p:cNvPr id="252" name="Group 251">
-            <a:extLst>
-              <a:ext uri="{FF2B5EF4-FFF2-40B4-BE49-F238E27FC236}">
-                <a16:creationId xmlns:a16="http://schemas.microsoft.com/office/drawing/2014/main" id="{BC00B991-5D73-418C-874C-490E7CE859FF}"/>
-              </a:ext>
-            </a:extLst>
-          </p:cNvPr>
-          <p:cNvGrpSpPr/>
-          <p:nvPr/>
-        </p:nvGrpSpPr>
-        <p:grpSpPr>
-          <a:xfrm>
-            <a:off x="4722886" y="1055269"/>
-            <a:ext cx="546671" cy="542736"/>
-            <a:chOff x="2644061" y="765657"/>
-            <a:chExt cx="546671" cy="542736"/>
-          </a:xfrm>
-        </p:grpSpPr>
-        <p:sp>
-          <p:nvSpPr>
-            <p:cNvPr id="259" name="橢圓 38">
-              <a:extLst>
-                <a:ext uri="{FF2B5EF4-FFF2-40B4-BE49-F238E27FC236}">
-                  <a16:creationId xmlns:a16="http://schemas.microsoft.com/office/drawing/2014/main" id="{82682C6E-D37C-46DE-99D1-71EC54952564}"/>
-                </a:ext>
-              </a:extLst>
-            </p:cNvPr>
-            <p:cNvSpPr/>
-            <p:nvPr/>
-          </p:nvSpPr>
-          <p:spPr>
-            <a:xfrm>
-              <a:off x="2644061" y="773293"/>
-              <a:ext cx="546671" cy="535100"/>
-            </a:xfrm>
-            <a:prstGeom prst="ellipse">
-              <a:avLst/>
-            </a:prstGeom>
-            <a:solidFill>
-              <a:srgbClr val="263238"/>
-            </a:solidFill>
-            <a:ln>
-              <a:noFill/>
-            </a:ln>
-            <a:effectLst/>
-          </p:spPr>
-          <p:style>
-            <a:lnRef idx="2">
-              <a:schemeClr val="accent1">
-                <a:shade val="50000"/>
-              </a:schemeClr>
-            </a:lnRef>
-            <a:fillRef idx="1">
-              <a:schemeClr val="accent1"/>
-            </a:fillRef>
-            <a:effectRef idx="0">
-              <a:schemeClr val="accent1"/>
-            </a:effectRef>
-            <a:fontRef idx="minor">
-              <a:schemeClr val="lt1"/>
-            </a:fontRef>
-          </p:style>
-          <p:txBody>
-            <a:bodyPr rtlCol="0" anchor="ctr"/>
-            <a:lstStyle/>
-            <a:p>
-              <a:pPr algn="ctr"/>
-              <a:endParaRPr lang="zh-TW" altLang="en-US" sz="2400" dirty="0">
-                <a:latin typeface="Menlo" panose="020B0609030804020204" pitchFamily="49" charset="0"/>
-                <a:cs typeface="Menlo" panose="020B0609030804020204" pitchFamily="49" charset="0"/>
-              </a:endParaRPr>
-            </a:p>
-          </p:txBody>
-        </p:sp>
-        <p:sp>
-          <p:nvSpPr>
-            <p:cNvPr id="260" name="TextBox 259">
-              <a:extLst>
-                <a:ext uri="{FF2B5EF4-FFF2-40B4-BE49-F238E27FC236}">
-                  <a16:creationId xmlns:a16="http://schemas.microsoft.com/office/drawing/2014/main" id="{DBF36D46-B31C-48B1-B486-ECB0ADA7E057}"/>
-                </a:ext>
-              </a:extLst>
-            </p:cNvPr>
-            <p:cNvSpPr txBox="1"/>
-            <p:nvPr/>
-          </p:nvSpPr>
-          <p:spPr>
-            <a:xfrm>
-              <a:off x="2730192" y="765657"/>
-              <a:ext cx="388248" cy="523220"/>
-            </a:xfrm>
-            <a:prstGeom prst="rect">
-              <a:avLst/>
-            </a:prstGeom>
-            <a:noFill/>
-          </p:spPr>
-          <p:txBody>
-            <a:bodyPr wrap="none" rtlCol="0">
-              <a:spAutoFit/>
-            </a:bodyPr>
-            <a:lstStyle/>
-            <a:p>
-              <a:pPr algn="ctr"/>
-              <a:r>
-                <a:rPr lang="en-US" altLang="zh-TW" sz="2800" dirty="0">
-                  <a:solidFill>
-                    <a:schemeClr val="bg1"/>
-                  </a:solidFill>
-                  <a:latin typeface="Barlow" panose="00000500000000000000" pitchFamily="2" charset="0"/>
-                </a:rPr>
-                <a:t>0</a:t>
-              </a:r>
-              <a:endParaRPr lang="en-US" sz="2800" dirty="0">
-                <a:solidFill>
-                  <a:schemeClr val="bg1"/>
-                </a:solidFill>
-                <a:latin typeface="Barlow" panose="00000500000000000000" pitchFamily="2" charset="0"/>
-              </a:endParaRPr>
-            </a:p>
-          </p:txBody>
-        </p:sp>
-      </p:grpSp>
-      <p:grpSp>
-        <p:nvGrpSpPr>
-          <p:cNvPr id="262" name="Group 261">
-            <a:extLst>
-              <a:ext uri="{FF2B5EF4-FFF2-40B4-BE49-F238E27FC236}">
-                <a16:creationId xmlns:a16="http://schemas.microsoft.com/office/drawing/2014/main" id="{68F44521-A338-4725-82B7-FFECD700CE33}"/>
-              </a:ext>
-            </a:extLst>
-          </p:cNvPr>
-          <p:cNvGrpSpPr/>
-          <p:nvPr/>
-        </p:nvGrpSpPr>
-        <p:grpSpPr>
-          <a:xfrm>
-            <a:off x="4041448" y="2823198"/>
-            <a:ext cx="546671" cy="542736"/>
-            <a:chOff x="2644061" y="765657"/>
-            <a:chExt cx="546671" cy="542736"/>
-          </a:xfrm>
-        </p:grpSpPr>
-        <p:sp>
-          <p:nvSpPr>
-            <p:cNvPr id="269" name="橢圓 38">
-              <a:extLst>
-                <a:ext uri="{FF2B5EF4-FFF2-40B4-BE49-F238E27FC236}">
-                  <a16:creationId xmlns:a16="http://schemas.microsoft.com/office/drawing/2014/main" id="{38FB9157-6302-463F-BC34-5CB154BA7A25}"/>
-                </a:ext>
-              </a:extLst>
-            </p:cNvPr>
-            <p:cNvSpPr/>
-            <p:nvPr/>
-          </p:nvSpPr>
-          <p:spPr>
-            <a:xfrm>
-              <a:off x="2644061" y="773293"/>
-              <a:ext cx="546671" cy="535100"/>
-            </a:xfrm>
-            <a:prstGeom prst="ellipse">
-              <a:avLst/>
-            </a:prstGeom>
-            <a:solidFill>
-              <a:srgbClr val="263238"/>
-            </a:solidFill>
-            <a:ln>
-              <a:noFill/>
-            </a:ln>
-            <a:effectLst/>
-          </p:spPr>
-          <p:style>
-            <a:lnRef idx="2">
-              <a:schemeClr val="accent1">
-                <a:shade val="50000"/>
-              </a:schemeClr>
-            </a:lnRef>
-            <a:fillRef idx="1">
-              <a:schemeClr val="accent1"/>
-            </a:fillRef>
-            <a:effectRef idx="0">
-              <a:schemeClr val="accent1"/>
-            </a:effectRef>
-            <a:fontRef idx="minor">
-              <a:schemeClr val="lt1"/>
-            </a:fontRef>
-          </p:style>
-          <p:txBody>
-            <a:bodyPr rtlCol="0" anchor="ctr"/>
-            <a:lstStyle/>
-            <a:p>
-              <a:pPr algn="ctr"/>
-              <a:endParaRPr lang="zh-TW" altLang="en-US" sz="2400" dirty="0">
-                <a:latin typeface="Menlo" panose="020B0609030804020204" pitchFamily="49" charset="0"/>
-                <a:cs typeface="Menlo" panose="020B0609030804020204" pitchFamily="49" charset="0"/>
-              </a:endParaRPr>
-            </a:p>
-          </p:txBody>
-        </p:sp>
-        <p:sp>
-          <p:nvSpPr>
-            <p:cNvPr id="270" name="TextBox 269">
-              <a:extLst>
-                <a:ext uri="{FF2B5EF4-FFF2-40B4-BE49-F238E27FC236}">
-                  <a16:creationId xmlns:a16="http://schemas.microsoft.com/office/drawing/2014/main" id="{FAC71512-76AD-4AFB-8DF1-9B4F3B7F7B64}"/>
-                </a:ext>
-              </a:extLst>
-            </p:cNvPr>
-            <p:cNvSpPr txBox="1"/>
-            <p:nvPr/>
-          </p:nvSpPr>
-          <p:spPr>
-            <a:xfrm>
-              <a:off x="2738207" y="765657"/>
-              <a:ext cx="372218" cy="523220"/>
-            </a:xfrm>
-            <a:prstGeom prst="rect">
-              <a:avLst/>
-            </a:prstGeom>
-            <a:noFill/>
-          </p:spPr>
-          <p:txBody>
-            <a:bodyPr wrap="none" rtlCol="0">
-              <a:spAutoFit/>
-            </a:bodyPr>
-            <a:lstStyle/>
-            <a:p>
-              <a:pPr algn="ctr"/>
-              <a:r>
-                <a:rPr lang="en-US" altLang="zh-TW" sz="2800" dirty="0">
-                  <a:solidFill>
-                    <a:schemeClr val="bg1"/>
-                  </a:solidFill>
-                  <a:latin typeface="Barlow" panose="00000500000000000000" pitchFamily="2" charset="0"/>
-                </a:rPr>
-                <a:t>9</a:t>
-              </a:r>
-              <a:endParaRPr lang="en-US" sz="2800" dirty="0">
-                <a:solidFill>
-                  <a:schemeClr val="bg1"/>
-                </a:solidFill>
-                <a:latin typeface="Barlow" panose="00000500000000000000" pitchFamily="2" charset="0"/>
-              </a:endParaRPr>
-            </a:p>
-          </p:txBody>
-        </p:sp>
-      </p:grpSp>
-      <p:grpSp>
-        <p:nvGrpSpPr>
-          <p:cNvPr id="272" name="Group 271">
-            <a:extLst>
-              <a:ext uri="{FF2B5EF4-FFF2-40B4-BE49-F238E27FC236}">
-                <a16:creationId xmlns:a16="http://schemas.microsoft.com/office/drawing/2014/main" id="{6EFBE9B1-64A1-4C39-B859-DD41A98C8564}"/>
-              </a:ext>
-            </a:extLst>
-          </p:cNvPr>
-          <p:cNvGrpSpPr/>
-          <p:nvPr/>
-        </p:nvGrpSpPr>
-        <p:grpSpPr>
-          <a:xfrm>
-            <a:off x="5407747" y="2791891"/>
-            <a:ext cx="546671" cy="542736"/>
-            <a:chOff x="2644061" y="765657"/>
-            <a:chExt cx="546671" cy="542736"/>
-          </a:xfrm>
-        </p:grpSpPr>
-        <p:sp>
-          <p:nvSpPr>
-            <p:cNvPr id="279" name="橢圓 38">
-              <a:extLst>
-                <a:ext uri="{FF2B5EF4-FFF2-40B4-BE49-F238E27FC236}">
-                  <a16:creationId xmlns:a16="http://schemas.microsoft.com/office/drawing/2014/main" id="{97EE02C6-C475-43F9-8DE6-845832E8FC07}"/>
-                </a:ext>
-              </a:extLst>
-            </p:cNvPr>
-            <p:cNvSpPr/>
-            <p:nvPr/>
-          </p:nvSpPr>
-          <p:spPr>
-            <a:xfrm>
-              <a:off x="2644061" y="773293"/>
-              <a:ext cx="546671" cy="535100"/>
-            </a:xfrm>
-            <a:prstGeom prst="ellipse">
-              <a:avLst/>
-            </a:prstGeom>
-            <a:solidFill>
-              <a:srgbClr val="263238"/>
-            </a:solidFill>
-            <a:ln>
-              <a:noFill/>
-            </a:ln>
-            <a:effectLst/>
-          </p:spPr>
-          <p:style>
-            <a:lnRef idx="2">
-              <a:schemeClr val="accent1">
-                <a:shade val="50000"/>
-              </a:schemeClr>
-            </a:lnRef>
-            <a:fillRef idx="1">
-              <a:schemeClr val="accent1"/>
-            </a:fillRef>
-            <a:effectRef idx="0">
-              <a:schemeClr val="accent1"/>
-            </a:effectRef>
-            <a:fontRef idx="minor">
-              <a:schemeClr val="lt1"/>
-            </a:fontRef>
-          </p:style>
-          <p:txBody>
-            <a:bodyPr rtlCol="0" anchor="ctr"/>
-            <a:lstStyle/>
-            <a:p>
-              <a:pPr algn="ctr"/>
-              <a:endParaRPr lang="zh-TW" altLang="en-US" sz="2400" dirty="0">
-                <a:latin typeface="Menlo" panose="020B0609030804020204" pitchFamily="49" charset="0"/>
-                <a:cs typeface="Menlo" panose="020B0609030804020204" pitchFamily="49" charset="0"/>
-              </a:endParaRPr>
-            </a:p>
-          </p:txBody>
-        </p:sp>
-        <p:sp>
-          <p:nvSpPr>
-            <p:cNvPr id="280" name="TextBox 279">
-              <a:extLst>
-                <a:ext uri="{FF2B5EF4-FFF2-40B4-BE49-F238E27FC236}">
-                  <a16:creationId xmlns:a16="http://schemas.microsoft.com/office/drawing/2014/main" id="{AF4F241A-5B75-419A-A030-DF129B98C481}"/>
-                </a:ext>
-              </a:extLst>
-            </p:cNvPr>
-            <p:cNvSpPr txBox="1"/>
-            <p:nvPr/>
-          </p:nvSpPr>
-          <p:spPr>
-            <a:xfrm>
-              <a:off x="2723873" y="765657"/>
-              <a:ext cx="381836" cy="523220"/>
-            </a:xfrm>
-            <a:prstGeom prst="rect">
-              <a:avLst/>
-            </a:prstGeom>
-            <a:noFill/>
-          </p:spPr>
-          <p:txBody>
-            <a:bodyPr wrap="none" rtlCol="0">
-              <a:spAutoFit/>
-            </a:bodyPr>
-            <a:lstStyle/>
-            <a:p>
-              <a:pPr algn="ctr"/>
-              <a:r>
-                <a:rPr lang="en-US" altLang="zh-TW" sz="2800" dirty="0">
-                  <a:solidFill>
-                    <a:schemeClr val="bg1"/>
-                  </a:solidFill>
-                  <a:latin typeface="Barlow" panose="00000500000000000000" pitchFamily="2" charset="0"/>
-                </a:rPr>
-                <a:t>4</a:t>
-              </a:r>
-              <a:endParaRPr lang="en-US" sz="2800" dirty="0">
-                <a:solidFill>
-                  <a:schemeClr val="bg1"/>
-                </a:solidFill>
-                <a:latin typeface="Barlow" panose="00000500000000000000" pitchFamily="2" charset="0"/>
-              </a:endParaRPr>
-            </a:p>
-          </p:txBody>
-        </p:sp>
-      </p:grpSp>
-      <p:grpSp>
-        <p:nvGrpSpPr>
-          <p:cNvPr id="282" name="Group 281">
-            <a:extLst>
-              <a:ext uri="{FF2B5EF4-FFF2-40B4-BE49-F238E27FC236}">
-                <a16:creationId xmlns:a16="http://schemas.microsoft.com/office/drawing/2014/main" id="{61C190A8-3218-48FA-A17A-0BB1491FDA72}"/>
-              </a:ext>
-            </a:extLst>
-          </p:cNvPr>
-          <p:cNvGrpSpPr/>
-          <p:nvPr/>
-        </p:nvGrpSpPr>
-        <p:grpSpPr>
-          <a:xfrm>
-            <a:off x="4609554" y="3668544"/>
-            <a:ext cx="546671" cy="542736"/>
-            <a:chOff x="2644061" y="765657"/>
-            <a:chExt cx="546671" cy="542736"/>
-          </a:xfrm>
-        </p:grpSpPr>
-        <p:sp>
-          <p:nvSpPr>
-            <p:cNvPr id="289" name="橢圓 38">
-              <a:extLst>
-                <a:ext uri="{FF2B5EF4-FFF2-40B4-BE49-F238E27FC236}">
-                  <a16:creationId xmlns:a16="http://schemas.microsoft.com/office/drawing/2014/main" id="{38A04C0D-F534-4A01-9363-BFA87B1C2042}"/>
-                </a:ext>
-              </a:extLst>
-            </p:cNvPr>
-            <p:cNvSpPr/>
-            <p:nvPr/>
-          </p:nvSpPr>
-          <p:spPr>
-            <a:xfrm>
-              <a:off x="2644061" y="773293"/>
-              <a:ext cx="546671" cy="535100"/>
-            </a:xfrm>
-            <a:prstGeom prst="ellipse">
-              <a:avLst/>
-            </a:prstGeom>
-            <a:solidFill>
-              <a:srgbClr val="263238"/>
-            </a:solidFill>
-            <a:ln>
-              <a:noFill/>
-            </a:ln>
-            <a:effectLst/>
-          </p:spPr>
-          <p:style>
-            <a:lnRef idx="2">
-              <a:schemeClr val="accent1">
-                <a:shade val="50000"/>
-              </a:schemeClr>
-            </a:lnRef>
-            <a:fillRef idx="1">
-              <a:schemeClr val="accent1"/>
-            </a:fillRef>
-            <a:effectRef idx="0">
-              <a:schemeClr val="accent1"/>
-            </a:effectRef>
-            <a:fontRef idx="minor">
-              <a:schemeClr val="lt1"/>
-            </a:fontRef>
-          </p:style>
-          <p:txBody>
-            <a:bodyPr rtlCol="0" anchor="ctr"/>
-            <a:lstStyle/>
-            <a:p>
-              <a:pPr algn="ctr"/>
-              <a:endParaRPr lang="zh-TW" altLang="en-US" sz="2400" dirty="0">
-                <a:latin typeface="Menlo" panose="020B0609030804020204" pitchFamily="49" charset="0"/>
-                <a:cs typeface="Menlo" panose="020B0609030804020204" pitchFamily="49" charset="0"/>
-              </a:endParaRPr>
-            </a:p>
-          </p:txBody>
-        </p:sp>
-        <p:sp>
-          <p:nvSpPr>
-            <p:cNvPr id="290" name="TextBox 289">
-              <a:extLst>
-                <a:ext uri="{FF2B5EF4-FFF2-40B4-BE49-F238E27FC236}">
-                  <a16:creationId xmlns:a16="http://schemas.microsoft.com/office/drawing/2014/main" id="{02CF153A-6552-4B89-968B-57B4945C483B}"/>
-                </a:ext>
-              </a:extLst>
-            </p:cNvPr>
-            <p:cNvSpPr txBox="1"/>
-            <p:nvPr/>
-          </p:nvSpPr>
-          <p:spPr>
-            <a:xfrm>
-              <a:off x="2735803" y="765657"/>
-              <a:ext cx="377026" cy="523220"/>
-            </a:xfrm>
-            <a:prstGeom prst="rect">
-              <a:avLst/>
-            </a:prstGeom>
-            <a:noFill/>
-          </p:spPr>
-          <p:txBody>
-            <a:bodyPr wrap="none" rtlCol="0">
-              <a:spAutoFit/>
-            </a:bodyPr>
-            <a:lstStyle/>
-            <a:p>
-              <a:pPr algn="ctr"/>
-              <a:r>
-                <a:rPr lang="en-US" altLang="zh-TW" sz="2800" dirty="0">
-                  <a:solidFill>
-                    <a:schemeClr val="bg1"/>
-                  </a:solidFill>
-                  <a:latin typeface="Barlow" panose="00000500000000000000" pitchFamily="2" charset="0"/>
-                </a:rPr>
-                <a:t>2</a:t>
-              </a:r>
-              <a:endParaRPr lang="en-US" sz="2800" dirty="0">
-                <a:solidFill>
-                  <a:schemeClr val="bg1"/>
-                </a:solidFill>
-                <a:latin typeface="Barlow" panose="00000500000000000000" pitchFamily="2" charset="0"/>
-              </a:endParaRPr>
-            </a:p>
-          </p:txBody>
-        </p:sp>
-      </p:grpSp>
-      <p:grpSp>
-        <p:nvGrpSpPr>
-          <p:cNvPr id="292" name="Group 291">
-            <a:extLst>
-              <a:ext uri="{FF2B5EF4-FFF2-40B4-BE49-F238E27FC236}">
-                <a16:creationId xmlns:a16="http://schemas.microsoft.com/office/drawing/2014/main" id="{CC579D5A-B014-4909-8504-A63A3B48BB28}"/>
-              </a:ext>
-            </a:extLst>
-          </p:cNvPr>
-          <p:cNvGrpSpPr/>
-          <p:nvPr/>
-        </p:nvGrpSpPr>
-        <p:grpSpPr>
-          <a:xfrm>
-            <a:off x="4026136" y="4619034"/>
-            <a:ext cx="546671" cy="542736"/>
-            <a:chOff x="2644061" y="765657"/>
-            <a:chExt cx="546671" cy="542736"/>
-          </a:xfrm>
-        </p:grpSpPr>
-        <p:sp>
-          <p:nvSpPr>
-            <p:cNvPr id="299" name="橢圓 38">
-              <a:extLst>
-                <a:ext uri="{FF2B5EF4-FFF2-40B4-BE49-F238E27FC236}">
-                  <a16:creationId xmlns:a16="http://schemas.microsoft.com/office/drawing/2014/main" id="{2287A191-73B5-479A-BBF3-2418808EAF13}"/>
-                </a:ext>
-              </a:extLst>
-            </p:cNvPr>
-            <p:cNvSpPr/>
-            <p:nvPr/>
-          </p:nvSpPr>
-          <p:spPr>
-            <a:xfrm>
-              <a:off x="2644061" y="773293"/>
-              <a:ext cx="546671" cy="535100"/>
-            </a:xfrm>
-            <a:prstGeom prst="ellipse">
-              <a:avLst/>
-            </a:prstGeom>
-            <a:solidFill>
-              <a:srgbClr val="263238"/>
-            </a:solidFill>
-            <a:ln>
-              <a:noFill/>
-            </a:ln>
-            <a:effectLst/>
-          </p:spPr>
-          <p:style>
-            <a:lnRef idx="2">
-              <a:schemeClr val="accent1">
-                <a:shade val="50000"/>
-              </a:schemeClr>
-            </a:lnRef>
-            <a:fillRef idx="1">
-              <a:schemeClr val="accent1"/>
-            </a:fillRef>
-            <a:effectRef idx="0">
-              <a:schemeClr val="accent1"/>
-            </a:effectRef>
-            <a:fontRef idx="minor">
-              <a:schemeClr val="lt1"/>
-            </a:fontRef>
-          </p:style>
-          <p:txBody>
-            <a:bodyPr rtlCol="0" anchor="ctr"/>
-            <a:lstStyle/>
-            <a:p>
-              <a:pPr algn="ctr"/>
-              <a:endParaRPr lang="zh-TW" altLang="en-US" sz="2400" dirty="0">
-                <a:latin typeface="Menlo" panose="020B0609030804020204" pitchFamily="49" charset="0"/>
-                <a:cs typeface="Menlo" panose="020B0609030804020204" pitchFamily="49" charset="0"/>
-              </a:endParaRPr>
-            </a:p>
-          </p:txBody>
-        </p:sp>
-        <p:sp>
-          <p:nvSpPr>
-            <p:cNvPr id="300" name="TextBox 299">
-              <a:extLst>
-                <a:ext uri="{FF2B5EF4-FFF2-40B4-BE49-F238E27FC236}">
-                  <a16:creationId xmlns:a16="http://schemas.microsoft.com/office/drawing/2014/main" id="{0A1E0A76-FC84-4FD8-80CD-6B9207B146AB}"/>
-                </a:ext>
-              </a:extLst>
-            </p:cNvPr>
-            <p:cNvSpPr txBox="1"/>
-            <p:nvPr/>
-          </p:nvSpPr>
-          <p:spPr>
-            <a:xfrm>
-              <a:off x="2739810" y="765657"/>
-              <a:ext cx="369012" cy="523220"/>
-            </a:xfrm>
-            <a:prstGeom prst="rect">
-              <a:avLst/>
-            </a:prstGeom>
-            <a:noFill/>
-          </p:spPr>
-          <p:txBody>
-            <a:bodyPr wrap="none" rtlCol="0">
-              <a:spAutoFit/>
-            </a:bodyPr>
-            <a:lstStyle/>
-            <a:p>
-              <a:pPr algn="ctr"/>
-              <a:r>
-                <a:rPr lang="en-US" altLang="zh-TW" sz="2800" dirty="0">
-                  <a:solidFill>
-                    <a:schemeClr val="bg1"/>
-                  </a:solidFill>
-                  <a:latin typeface="Barlow" panose="00000500000000000000" pitchFamily="2" charset="0"/>
-                </a:rPr>
-                <a:t>3</a:t>
-              </a:r>
-              <a:endParaRPr lang="en-US" sz="2800" dirty="0">
-                <a:solidFill>
-                  <a:schemeClr val="bg1"/>
-                </a:solidFill>
-                <a:latin typeface="Barlow" panose="00000500000000000000" pitchFamily="2" charset="0"/>
-              </a:endParaRPr>
-            </a:p>
-          </p:txBody>
-        </p:sp>
-      </p:grpSp>
-      <p:grpSp>
-        <p:nvGrpSpPr>
-          <p:cNvPr id="302" name="Group 301">
-            <a:extLst>
-              <a:ext uri="{FF2B5EF4-FFF2-40B4-BE49-F238E27FC236}">
-                <a16:creationId xmlns:a16="http://schemas.microsoft.com/office/drawing/2014/main" id="{96A0CC68-83CC-4C32-9BD7-E021F7A40324}"/>
-              </a:ext>
-            </a:extLst>
-          </p:cNvPr>
-          <p:cNvGrpSpPr/>
-          <p:nvPr/>
-        </p:nvGrpSpPr>
-        <p:grpSpPr>
-          <a:xfrm>
-            <a:off x="5313240" y="4622852"/>
-            <a:ext cx="546671" cy="542736"/>
-            <a:chOff x="2644061" y="765657"/>
-            <a:chExt cx="546671" cy="542736"/>
-          </a:xfrm>
-        </p:grpSpPr>
-        <p:sp>
-          <p:nvSpPr>
-            <p:cNvPr id="309" name="橢圓 38">
-              <a:extLst>
-                <a:ext uri="{FF2B5EF4-FFF2-40B4-BE49-F238E27FC236}">
-                  <a16:creationId xmlns:a16="http://schemas.microsoft.com/office/drawing/2014/main" id="{39285768-9F7A-4290-A461-77651E5E281F}"/>
-                </a:ext>
-              </a:extLst>
-            </p:cNvPr>
-            <p:cNvSpPr/>
-            <p:nvPr/>
-          </p:nvSpPr>
-          <p:spPr>
-            <a:xfrm>
-              <a:off x="2644061" y="773293"/>
-              <a:ext cx="546671" cy="535100"/>
-            </a:xfrm>
-            <a:prstGeom prst="ellipse">
-              <a:avLst/>
-            </a:prstGeom>
-            <a:solidFill>
-              <a:srgbClr val="263238"/>
-            </a:solidFill>
-            <a:ln>
-              <a:noFill/>
-            </a:ln>
-            <a:effectLst/>
-          </p:spPr>
-          <p:style>
-            <a:lnRef idx="2">
-              <a:schemeClr val="accent1">
-                <a:shade val="50000"/>
-              </a:schemeClr>
-            </a:lnRef>
-            <a:fillRef idx="1">
-              <a:schemeClr val="accent1"/>
-            </a:fillRef>
-            <a:effectRef idx="0">
-              <a:schemeClr val="accent1"/>
-            </a:effectRef>
-            <a:fontRef idx="minor">
-              <a:schemeClr val="lt1"/>
-            </a:fontRef>
-          </p:style>
-          <p:txBody>
-            <a:bodyPr rtlCol="0" anchor="ctr"/>
-            <a:lstStyle/>
-            <a:p>
-              <a:pPr algn="ctr"/>
-              <a:endParaRPr lang="zh-TW" altLang="en-US" sz="2400" dirty="0">
-                <a:latin typeface="Menlo" panose="020B0609030804020204" pitchFamily="49" charset="0"/>
-                <a:cs typeface="Menlo" panose="020B0609030804020204" pitchFamily="49" charset="0"/>
-              </a:endParaRPr>
-            </a:p>
-          </p:txBody>
-        </p:sp>
-        <p:sp>
-          <p:nvSpPr>
-            <p:cNvPr id="310" name="TextBox 309">
-              <a:extLst>
-                <a:ext uri="{FF2B5EF4-FFF2-40B4-BE49-F238E27FC236}">
-                  <a16:creationId xmlns:a16="http://schemas.microsoft.com/office/drawing/2014/main" id="{C6EDC9DC-8591-4BF4-8B0B-4852A7986F4C}"/>
-                </a:ext>
-              </a:extLst>
-            </p:cNvPr>
-            <p:cNvSpPr txBox="1"/>
-            <p:nvPr/>
-          </p:nvSpPr>
-          <p:spPr>
-            <a:xfrm>
-              <a:off x="2743849" y="765657"/>
-              <a:ext cx="354585" cy="523220"/>
-            </a:xfrm>
-            <a:prstGeom prst="rect">
-              <a:avLst/>
-            </a:prstGeom>
-            <a:noFill/>
-          </p:spPr>
-          <p:txBody>
-            <a:bodyPr wrap="none" rtlCol="0">
-              <a:spAutoFit/>
-            </a:bodyPr>
-            <a:lstStyle/>
-            <a:p>
-              <a:pPr algn="ctr"/>
-              <a:r>
-                <a:rPr lang="en-US" altLang="zh-TW" sz="2800" dirty="0">
-                  <a:solidFill>
-                    <a:schemeClr val="bg1"/>
-                  </a:solidFill>
-                  <a:latin typeface="Barlow" panose="00000500000000000000" pitchFamily="2" charset="0"/>
-                </a:rPr>
-                <a:t>7</a:t>
-              </a:r>
-              <a:endParaRPr lang="en-US" sz="2800" dirty="0">
-                <a:solidFill>
-                  <a:schemeClr val="bg1"/>
-                </a:solidFill>
-                <a:latin typeface="Barlow" panose="00000500000000000000" pitchFamily="2" charset="0"/>
-              </a:endParaRPr>
-            </a:p>
-          </p:txBody>
-        </p:sp>
-      </p:grpSp>
-      <p:grpSp>
-        <p:nvGrpSpPr>
-          <p:cNvPr id="312" name="Group 311">
-            <a:extLst>
-              <a:ext uri="{FF2B5EF4-FFF2-40B4-BE49-F238E27FC236}">
-                <a16:creationId xmlns:a16="http://schemas.microsoft.com/office/drawing/2014/main" id="{1167380B-2EB9-49FB-9736-9EDE00DF6319}"/>
-              </a:ext>
-            </a:extLst>
-          </p:cNvPr>
-          <p:cNvGrpSpPr/>
-          <p:nvPr/>
-        </p:nvGrpSpPr>
-        <p:grpSpPr>
-          <a:xfrm>
-            <a:off x="4722886" y="1948497"/>
-            <a:ext cx="546671" cy="542736"/>
-            <a:chOff x="2644061" y="765657"/>
-            <a:chExt cx="546671" cy="542736"/>
-          </a:xfrm>
-        </p:grpSpPr>
-        <p:sp>
-          <p:nvSpPr>
-            <p:cNvPr id="319" name="橢圓 38">
-              <a:extLst>
-                <a:ext uri="{FF2B5EF4-FFF2-40B4-BE49-F238E27FC236}">
-                  <a16:creationId xmlns:a16="http://schemas.microsoft.com/office/drawing/2014/main" id="{4C715E9E-C8D2-4E88-BE33-2F3B14F21032}"/>
-                </a:ext>
-              </a:extLst>
-            </p:cNvPr>
-            <p:cNvSpPr/>
-            <p:nvPr/>
-          </p:nvSpPr>
-          <p:spPr>
-            <a:xfrm>
-              <a:off x="2644061" y="773293"/>
-              <a:ext cx="546671" cy="535100"/>
-            </a:xfrm>
-            <a:prstGeom prst="ellipse">
-              <a:avLst/>
-            </a:prstGeom>
-            <a:solidFill>
-              <a:srgbClr val="263238"/>
-            </a:solidFill>
-            <a:ln>
-              <a:noFill/>
-            </a:ln>
-            <a:effectLst/>
-          </p:spPr>
-          <p:style>
-            <a:lnRef idx="2">
-              <a:schemeClr val="accent1">
-                <a:shade val="50000"/>
-              </a:schemeClr>
-            </a:lnRef>
-            <a:fillRef idx="1">
-              <a:schemeClr val="accent1"/>
-            </a:fillRef>
-            <a:effectRef idx="0">
-              <a:schemeClr val="accent1"/>
-            </a:effectRef>
-            <a:fontRef idx="minor">
-              <a:schemeClr val="lt1"/>
-            </a:fontRef>
-          </p:style>
-          <p:txBody>
-            <a:bodyPr rtlCol="0" anchor="ctr"/>
-            <a:lstStyle/>
-            <a:p>
-              <a:pPr algn="ctr"/>
-              <a:endParaRPr lang="zh-TW" altLang="en-US" sz="2400" dirty="0">
-                <a:latin typeface="Menlo" panose="020B0609030804020204" pitchFamily="49" charset="0"/>
-                <a:cs typeface="Menlo" panose="020B0609030804020204" pitchFamily="49" charset="0"/>
-              </a:endParaRPr>
-            </a:p>
-          </p:txBody>
-        </p:sp>
-        <p:sp>
-          <p:nvSpPr>
-            <p:cNvPr id="320" name="TextBox 319">
-              <a:extLst>
-                <a:ext uri="{FF2B5EF4-FFF2-40B4-BE49-F238E27FC236}">
-                  <a16:creationId xmlns:a16="http://schemas.microsoft.com/office/drawing/2014/main" id="{4143AC35-143F-4C78-A8C8-794A74A20DF0}"/>
-                </a:ext>
-              </a:extLst>
-            </p:cNvPr>
-            <p:cNvSpPr txBox="1"/>
-            <p:nvPr/>
-          </p:nvSpPr>
-          <p:spPr>
-            <a:xfrm>
-              <a:off x="2763116" y="765657"/>
-              <a:ext cx="309700" cy="523220"/>
-            </a:xfrm>
-            <a:prstGeom prst="rect">
-              <a:avLst/>
-            </a:prstGeom>
-            <a:noFill/>
-          </p:spPr>
-          <p:txBody>
-            <a:bodyPr wrap="none" rtlCol="0">
-              <a:spAutoFit/>
-            </a:bodyPr>
-            <a:lstStyle/>
-            <a:p>
-              <a:pPr algn="ctr"/>
-              <a:r>
-                <a:rPr lang="en-US" sz="2800" dirty="0">
-                  <a:solidFill>
-                    <a:schemeClr val="bg1"/>
-                  </a:solidFill>
-                  <a:latin typeface="Barlow" panose="00000500000000000000" pitchFamily="2" charset="0"/>
-                </a:rPr>
-                <a:t>1</a:t>
-              </a:r>
-            </a:p>
-          </p:txBody>
-        </p:sp>
-      </p:grpSp>
-      <p:grpSp>
-        <p:nvGrpSpPr>
-          <p:cNvPr id="322" name="Group 321">
-            <a:extLst>
-              <a:ext uri="{FF2B5EF4-FFF2-40B4-BE49-F238E27FC236}">
-                <a16:creationId xmlns:a16="http://schemas.microsoft.com/office/drawing/2014/main" id="{920A1B75-7FE0-42E2-8213-C369B5A07568}"/>
-              </a:ext>
-            </a:extLst>
-          </p:cNvPr>
-          <p:cNvGrpSpPr/>
-          <p:nvPr/>
-        </p:nvGrpSpPr>
-        <p:grpSpPr>
-          <a:xfrm>
-            <a:off x="6492265" y="4622359"/>
-            <a:ext cx="546671" cy="542736"/>
-            <a:chOff x="2644061" y="765657"/>
-            <a:chExt cx="546671" cy="542736"/>
-          </a:xfrm>
-        </p:grpSpPr>
-        <p:sp>
-          <p:nvSpPr>
-            <p:cNvPr id="329" name="橢圓 38">
-              <a:extLst>
-                <a:ext uri="{FF2B5EF4-FFF2-40B4-BE49-F238E27FC236}">
-                  <a16:creationId xmlns:a16="http://schemas.microsoft.com/office/drawing/2014/main" id="{99185333-6CC9-4C20-A5F4-A98D3045C6FF}"/>
-                </a:ext>
-              </a:extLst>
-            </p:cNvPr>
-            <p:cNvSpPr/>
-            <p:nvPr/>
-          </p:nvSpPr>
-          <p:spPr>
-            <a:xfrm>
-              <a:off x="2644061" y="773293"/>
-              <a:ext cx="546671" cy="535100"/>
-            </a:xfrm>
-            <a:prstGeom prst="ellipse">
-              <a:avLst/>
-            </a:prstGeom>
-            <a:solidFill>
-              <a:srgbClr val="263238"/>
-            </a:solidFill>
-            <a:ln>
-              <a:noFill/>
-            </a:ln>
-            <a:effectLst/>
-          </p:spPr>
-          <p:style>
-            <a:lnRef idx="2">
-              <a:schemeClr val="accent1">
-                <a:shade val="50000"/>
-              </a:schemeClr>
-            </a:lnRef>
-            <a:fillRef idx="1">
-              <a:schemeClr val="accent1"/>
-            </a:fillRef>
-            <a:effectRef idx="0">
-              <a:schemeClr val="accent1"/>
-            </a:effectRef>
-            <a:fontRef idx="minor">
-              <a:schemeClr val="lt1"/>
-            </a:fontRef>
-          </p:style>
-          <p:txBody>
-            <a:bodyPr rtlCol="0" anchor="ctr"/>
-            <a:lstStyle/>
-            <a:p>
-              <a:pPr algn="ctr"/>
-              <a:endParaRPr lang="zh-TW" altLang="en-US" sz="2400" dirty="0">
-                <a:latin typeface="Menlo" panose="020B0609030804020204" pitchFamily="49" charset="0"/>
-                <a:cs typeface="Menlo" panose="020B0609030804020204" pitchFamily="49" charset="0"/>
-              </a:endParaRPr>
-            </a:p>
-          </p:txBody>
-        </p:sp>
-        <p:sp>
-          <p:nvSpPr>
-            <p:cNvPr id="330" name="TextBox 329">
-              <a:extLst>
-                <a:ext uri="{FF2B5EF4-FFF2-40B4-BE49-F238E27FC236}">
-                  <a16:creationId xmlns:a16="http://schemas.microsoft.com/office/drawing/2014/main" id="{6C5F4DE5-87CF-46BD-A2B1-0138DC47F7CC}"/>
-                </a:ext>
-              </a:extLst>
-            </p:cNvPr>
-            <p:cNvSpPr txBox="1"/>
-            <p:nvPr/>
-          </p:nvSpPr>
-          <p:spPr>
-            <a:xfrm>
-              <a:off x="2739811" y="765657"/>
-              <a:ext cx="369012" cy="523220"/>
-            </a:xfrm>
-            <a:prstGeom prst="rect">
-              <a:avLst/>
-            </a:prstGeom>
-            <a:noFill/>
-          </p:spPr>
-          <p:txBody>
-            <a:bodyPr wrap="none" rtlCol="0">
-              <a:spAutoFit/>
-            </a:bodyPr>
-            <a:lstStyle/>
-            <a:p>
-              <a:pPr algn="ctr"/>
-              <a:r>
-                <a:rPr lang="en-US" altLang="zh-TW" sz="2800" dirty="0">
-                  <a:solidFill>
-                    <a:schemeClr val="bg1"/>
-                  </a:solidFill>
-                  <a:latin typeface="Barlow" panose="00000500000000000000" pitchFamily="2" charset="0"/>
-                </a:rPr>
-                <a:t>6</a:t>
-              </a:r>
-              <a:endParaRPr lang="en-US" sz="2800" dirty="0">
-                <a:solidFill>
-                  <a:schemeClr val="bg1"/>
-                </a:solidFill>
-                <a:latin typeface="Barlow" panose="00000500000000000000" pitchFamily="2" charset="0"/>
-              </a:endParaRPr>
-            </a:p>
-          </p:txBody>
-        </p:sp>
-      </p:grpSp>
-      <p:grpSp>
-        <p:nvGrpSpPr>
-          <p:cNvPr id="332" name="Group 331">
-            <a:extLst>
-              <a:ext uri="{FF2B5EF4-FFF2-40B4-BE49-F238E27FC236}">
-                <a16:creationId xmlns:a16="http://schemas.microsoft.com/office/drawing/2014/main" id="{A7D20DE6-F9BF-4D20-92C0-55403C331D53}"/>
-              </a:ext>
-            </a:extLst>
-          </p:cNvPr>
-          <p:cNvGrpSpPr/>
-          <p:nvPr/>
-        </p:nvGrpSpPr>
-        <p:grpSpPr>
-          <a:xfrm>
-            <a:off x="6000197" y="3671366"/>
-            <a:ext cx="546671" cy="542736"/>
-            <a:chOff x="2644061" y="765657"/>
-            <a:chExt cx="546671" cy="542736"/>
-          </a:xfrm>
-        </p:grpSpPr>
-        <p:sp>
-          <p:nvSpPr>
-            <p:cNvPr id="339" name="橢圓 38">
-              <a:extLst>
-                <a:ext uri="{FF2B5EF4-FFF2-40B4-BE49-F238E27FC236}">
-                  <a16:creationId xmlns:a16="http://schemas.microsoft.com/office/drawing/2014/main" id="{C0169CE7-1076-48FC-BF61-F5E3FEAC20AE}"/>
-                </a:ext>
-              </a:extLst>
-            </p:cNvPr>
-            <p:cNvSpPr/>
-            <p:nvPr/>
-          </p:nvSpPr>
-          <p:spPr>
-            <a:xfrm>
-              <a:off x="2644061" y="773293"/>
-              <a:ext cx="546671" cy="535100"/>
-            </a:xfrm>
-            <a:prstGeom prst="ellipse">
-              <a:avLst/>
-            </a:prstGeom>
-            <a:solidFill>
-              <a:srgbClr val="263238"/>
-            </a:solidFill>
-            <a:ln>
-              <a:noFill/>
-            </a:ln>
-            <a:effectLst/>
-          </p:spPr>
-          <p:style>
-            <a:lnRef idx="2">
-              <a:schemeClr val="accent1">
-                <a:shade val="50000"/>
-              </a:schemeClr>
-            </a:lnRef>
-            <a:fillRef idx="1">
-              <a:schemeClr val="accent1"/>
-            </a:fillRef>
-            <a:effectRef idx="0">
-              <a:schemeClr val="accent1"/>
-            </a:effectRef>
-            <a:fontRef idx="minor">
-              <a:schemeClr val="lt1"/>
-            </a:fontRef>
-          </p:style>
-          <p:txBody>
-            <a:bodyPr rtlCol="0" anchor="ctr"/>
-            <a:lstStyle/>
-            <a:p>
-              <a:pPr algn="ctr"/>
-              <a:endParaRPr lang="zh-TW" altLang="en-US" sz="2400" dirty="0">
-                <a:latin typeface="Menlo" panose="020B0609030804020204" pitchFamily="49" charset="0"/>
-                <a:cs typeface="Menlo" panose="020B0609030804020204" pitchFamily="49" charset="0"/>
-              </a:endParaRPr>
-            </a:p>
-          </p:txBody>
-        </p:sp>
-        <p:sp>
-          <p:nvSpPr>
-            <p:cNvPr id="340" name="TextBox 339">
-              <a:extLst>
-                <a:ext uri="{FF2B5EF4-FFF2-40B4-BE49-F238E27FC236}">
-                  <a16:creationId xmlns:a16="http://schemas.microsoft.com/office/drawing/2014/main" id="{78316C78-C0D2-4C6F-9415-F3035E7553DC}"/>
-                </a:ext>
-              </a:extLst>
-            </p:cNvPr>
-            <p:cNvSpPr txBox="1"/>
-            <p:nvPr/>
-          </p:nvSpPr>
-          <p:spPr>
-            <a:xfrm>
-              <a:off x="2739811" y="765657"/>
-              <a:ext cx="369012" cy="523220"/>
-            </a:xfrm>
-            <a:prstGeom prst="rect">
-              <a:avLst/>
-            </a:prstGeom>
-            <a:noFill/>
-          </p:spPr>
-          <p:txBody>
-            <a:bodyPr wrap="none" rtlCol="0">
-              <a:spAutoFit/>
-            </a:bodyPr>
-            <a:lstStyle/>
-            <a:p>
-              <a:pPr algn="ctr"/>
-              <a:r>
-                <a:rPr lang="en-US" altLang="zh-TW" sz="2800" dirty="0">
-                  <a:solidFill>
-                    <a:schemeClr val="bg1"/>
-                  </a:solidFill>
-                  <a:latin typeface="Barlow" panose="00000500000000000000" pitchFamily="2" charset="0"/>
-                </a:rPr>
-                <a:t>5</a:t>
-              </a:r>
-              <a:endParaRPr lang="en-US" sz="2800" dirty="0">
-                <a:solidFill>
-                  <a:schemeClr val="bg1"/>
-                </a:solidFill>
-                <a:latin typeface="Barlow" panose="00000500000000000000" pitchFamily="2" charset="0"/>
-              </a:endParaRPr>
-            </a:p>
-          </p:txBody>
-        </p:sp>
-      </p:grpSp>
-      <p:grpSp>
-        <p:nvGrpSpPr>
-          <p:cNvPr id="16" name="Group 15">
-            <a:extLst>
-              <a:ext uri="{FF2B5EF4-FFF2-40B4-BE49-F238E27FC236}">
-                <a16:creationId xmlns:a16="http://schemas.microsoft.com/office/drawing/2014/main" id="{7626E198-CD86-4328-B31D-3EE3E6DB283C}"/>
-              </a:ext>
-            </a:extLst>
-          </p:cNvPr>
-          <p:cNvGrpSpPr/>
-          <p:nvPr/>
-        </p:nvGrpSpPr>
-        <p:grpSpPr>
-          <a:xfrm>
-            <a:off x="3878125" y="1393674"/>
-            <a:ext cx="3247365" cy="4777985"/>
-            <a:chOff x="3878125" y="1393674"/>
-            <a:chExt cx="3247365" cy="4777985"/>
-          </a:xfrm>
-          <a:noFill/>
-        </p:grpSpPr>
-        <p:sp>
-          <p:nvSpPr>
-            <p:cNvPr id="246" name="Oval 245">
-              <a:extLst>
-                <a:ext uri="{FF2B5EF4-FFF2-40B4-BE49-F238E27FC236}">
-                  <a16:creationId xmlns:a16="http://schemas.microsoft.com/office/drawing/2014/main" id="{B842A00E-FE11-46B1-8818-B4581DB3D0C6}"/>
-                </a:ext>
-              </a:extLst>
-            </p:cNvPr>
-            <p:cNvSpPr/>
-            <p:nvPr/>
-          </p:nvSpPr>
-          <p:spPr>
-            <a:xfrm>
-              <a:off x="5772963" y="5935548"/>
-              <a:ext cx="236111" cy="236111"/>
-            </a:xfrm>
-            <a:prstGeom prst="ellipse">
-              <a:avLst/>
-            </a:prstGeom>
-            <a:grpFill/>
-            <a:ln>
-              <a:noFill/>
-            </a:ln>
-          </p:spPr>
-          <p:style>
-            <a:lnRef idx="2">
-              <a:schemeClr val="accent1">
-                <a:shade val="50000"/>
-              </a:schemeClr>
-            </a:lnRef>
-            <a:fillRef idx="1">
-              <a:schemeClr val="accent1"/>
-            </a:fillRef>
-            <a:effectRef idx="0">
-              <a:schemeClr val="accent1"/>
-            </a:effectRef>
-            <a:fontRef idx="minor">
-              <a:schemeClr val="lt1"/>
-            </a:fontRef>
-          </p:style>
-          <p:txBody>
-            <a:bodyPr rtlCol="0" anchor="ctr"/>
-            <a:lstStyle/>
-            <a:p>
-              <a:pPr algn="ctr"/>
-              <a:endParaRPr lang="en-US"/>
-            </a:p>
-          </p:txBody>
-        </p:sp>
-        <p:sp>
-          <p:nvSpPr>
-            <p:cNvPr id="249" name="Oval 248">
-              <a:extLst>
-                <a:ext uri="{FF2B5EF4-FFF2-40B4-BE49-F238E27FC236}">
-                  <a16:creationId xmlns:a16="http://schemas.microsoft.com/office/drawing/2014/main" id="{1AE5B7A2-4F7D-40B9-8538-E18152DA741E}"/>
-                </a:ext>
-              </a:extLst>
-            </p:cNvPr>
-            <p:cNvSpPr/>
-            <p:nvPr/>
-          </p:nvSpPr>
-          <p:spPr>
-            <a:xfrm>
-              <a:off x="6375244" y="5935548"/>
-              <a:ext cx="236111" cy="236111"/>
-            </a:xfrm>
-            <a:prstGeom prst="ellipse">
-              <a:avLst/>
-            </a:prstGeom>
-            <a:grpFill/>
-            <a:ln>
-              <a:noFill/>
-            </a:ln>
-          </p:spPr>
-          <p:style>
-            <a:lnRef idx="2">
-              <a:schemeClr val="accent1">
-                <a:shade val="50000"/>
-              </a:schemeClr>
-            </a:lnRef>
-            <a:fillRef idx="1">
-              <a:schemeClr val="accent1"/>
-            </a:fillRef>
-            <a:effectRef idx="0">
-              <a:schemeClr val="accent1"/>
-            </a:effectRef>
-            <a:fontRef idx="minor">
-              <a:schemeClr val="lt1"/>
-            </a:fontRef>
-          </p:style>
-          <p:txBody>
-            <a:bodyPr rtlCol="0" anchor="ctr"/>
-            <a:lstStyle/>
-            <a:p>
-              <a:pPr algn="ctr"/>
-              <a:endParaRPr lang="en-US"/>
-            </a:p>
-          </p:txBody>
-        </p:sp>
-        <p:sp>
-          <p:nvSpPr>
-            <p:cNvPr id="257" name="Oval 256">
-              <a:extLst>
-                <a:ext uri="{FF2B5EF4-FFF2-40B4-BE49-F238E27FC236}">
-                  <a16:creationId xmlns:a16="http://schemas.microsoft.com/office/drawing/2014/main" id="{1066B8BA-06F4-485C-ADD1-2852767B61DE}"/>
-                </a:ext>
-              </a:extLst>
-            </p:cNvPr>
-            <p:cNvSpPr/>
-            <p:nvPr/>
-          </p:nvSpPr>
-          <p:spPr>
-            <a:xfrm>
-              <a:off x="4574875" y="1393674"/>
-              <a:ext cx="236111" cy="236111"/>
-            </a:xfrm>
-            <a:prstGeom prst="ellipse">
-              <a:avLst/>
-            </a:prstGeom>
-            <a:grpFill/>
-            <a:ln>
-              <a:noFill/>
-            </a:ln>
-          </p:spPr>
-          <p:style>
-            <a:lnRef idx="2">
-              <a:schemeClr val="accent1">
-                <a:shade val="50000"/>
-              </a:schemeClr>
-            </a:lnRef>
-            <a:fillRef idx="1">
-              <a:schemeClr val="accent1"/>
-            </a:fillRef>
-            <a:effectRef idx="0">
-              <a:schemeClr val="accent1"/>
-            </a:effectRef>
-            <a:fontRef idx="minor">
-              <a:schemeClr val="lt1"/>
-            </a:fontRef>
-          </p:style>
-          <p:txBody>
-            <a:bodyPr rtlCol="0" anchor="ctr"/>
-            <a:lstStyle/>
-            <a:p>
-              <a:pPr algn="ctr"/>
-              <a:endParaRPr lang="en-US"/>
-            </a:p>
-          </p:txBody>
-        </p:sp>
-        <p:sp>
-          <p:nvSpPr>
-            <p:cNvPr id="255" name="Oval 254">
-              <a:extLst>
-                <a:ext uri="{FF2B5EF4-FFF2-40B4-BE49-F238E27FC236}">
-                  <a16:creationId xmlns:a16="http://schemas.microsoft.com/office/drawing/2014/main" id="{855BE8E0-011F-49D0-8D11-2EF1D82E86B0}"/>
-                </a:ext>
-              </a:extLst>
-            </p:cNvPr>
-            <p:cNvSpPr/>
-            <p:nvPr/>
-          </p:nvSpPr>
-          <p:spPr>
-            <a:xfrm>
-              <a:off x="5177156" y="1393674"/>
-              <a:ext cx="236111" cy="236111"/>
-            </a:xfrm>
-            <a:prstGeom prst="ellipse">
-              <a:avLst/>
-            </a:prstGeom>
-            <a:grpFill/>
-            <a:ln>
-              <a:noFill/>
-            </a:ln>
-          </p:spPr>
-          <p:style>
-            <a:lnRef idx="2">
-              <a:schemeClr val="accent1">
-                <a:shade val="50000"/>
-              </a:schemeClr>
-            </a:lnRef>
-            <a:fillRef idx="1">
-              <a:schemeClr val="accent1"/>
-            </a:fillRef>
-            <a:effectRef idx="0">
-              <a:schemeClr val="accent1"/>
-            </a:effectRef>
-            <a:fontRef idx="minor">
-              <a:schemeClr val="lt1"/>
-            </a:fontRef>
-          </p:style>
-          <p:txBody>
-            <a:bodyPr rtlCol="0" anchor="ctr"/>
-            <a:lstStyle/>
-            <a:p>
-              <a:pPr algn="ctr"/>
-              <a:endParaRPr lang="en-US"/>
-            </a:p>
-          </p:txBody>
-        </p:sp>
-        <p:sp>
-          <p:nvSpPr>
-            <p:cNvPr id="267" name="Oval 266">
-              <a:extLst>
-                <a:ext uri="{FF2B5EF4-FFF2-40B4-BE49-F238E27FC236}">
-                  <a16:creationId xmlns:a16="http://schemas.microsoft.com/office/drawing/2014/main" id="{A40780E3-1446-419A-AE8E-F705FA9A2547}"/>
-                </a:ext>
-              </a:extLst>
-            </p:cNvPr>
-            <p:cNvSpPr/>
-            <p:nvPr/>
-          </p:nvSpPr>
-          <p:spPr>
-            <a:xfrm>
-              <a:off x="3893437" y="3161603"/>
-              <a:ext cx="236111" cy="236111"/>
-            </a:xfrm>
-            <a:prstGeom prst="ellipse">
-              <a:avLst/>
-            </a:prstGeom>
-            <a:grpFill/>
-            <a:ln>
-              <a:noFill/>
-            </a:ln>
-          </p:spPr>
-          <p:style>
-            <a:lnRef idx="2">
-              <a:schemeClr val="accent1">
-                <a:shade val="50000"/>
-              </a:schemeClr>
-            </a:lnRef>
-            <a:fillRef idx="1">
-              <a:schemeClr val="accent1"/>
-            </a:fillRef>
-            <a:effectRef idx="0">
-              <a:schemeClr val="accent1"/>
-            </a:effectRef>
-            <a:fontRef idx="minor">
-              <a:schemeClr val="lt1"/>
-            </a:fontRef>
-          </p:style>
-          <p:txBody>
-            <a:bodyPr rtlCol="0" anchor="ctr"/>
-            <a:lstStyle/>
-            <a:p>
-              <a:pPr algn="ctr"/>
-              <a:endParaRPr lang="en-US"/>
-            </a:p>
-          </p:txBody>
-        </p:sp>
-        <p:sp>
-          <p:nvSpPr>
-            <p:cNvPr id="265" name="Oval 264">
-              <a:extLst>
-                <a:ext uri="{FF2B5EF4-FFF2-40B4-BE49-F238E27FC236}">
-                  <a16:creationId xmlns:a16="http://schemas.microsoft.com/office/drawing/2014/main" id="{3BA7A348-A9C7-4F3E-B568-5DD6B3E2C1C5}"/>
-                </a:ext>
-              </a:extLst>
-            </p:cNvPr>
-            <p:cNvSpPr/>
-            <p:nvPr/>
-          </p:nvSpPr>
-          <p:spPr>
-            <a:xfrm>
-              <a:off x="4495718" y="3161603"/>
-              <a:ext cx="236111" cy="236111"/>
-            </a:xfrm>
-            <a:prstGeom prst="ellipse">
-              <a:avLst/>
-            </a:prstGeom>
-            <a:grpFill/>
-            <a:ln>
-              <a:noFill/>
-            </a:ln>
-          </p:spPr>
-          <p:style>
-            <a:lnRef idx="2">
-              <a:schemeClr val="accent1">
-                <a:shade val="50000"/>
-              </a:schemeClr>
-            </a:lnRef>
-            <a:fillRef idx="1">
-              <a:schemeClr val="accent1"/>
-            </a:fillRef>
-            <a:effectRef idx="0">
-              <a:schemeClr val="accent1"/>
-            </a:effectRef>
-            <a:fontRef idx="minor">
-              <a:schemeClr val="lt1"/>
-            </a:fontRef>
-          </p:style>
-          <p:txBody>
-            <a:bodyPr rtlCol="0" anchor="ctr"/>
-            <a:lstStyle/>
-            <a:p>
-              <a:pPr algn="ctr"/>
-              <a:endParaRPr lang="en-US"/>
-            </a:p>
-          </p:txBody>
-        </p:sp>
-        <p:sp>
-          <p:nvSpPr>
-            <p:cNvPr id="277" name="Oval 276">
-              <a:extLst>
-                <a:ext uri="{FF2B5EF4-FFF2-40B4-BE49-F238E27FC236}">
-                  <a16:creationId xmlns:a16="http://schemas.microsoft.com/office/drawing/2014/main" id="{486BAE9F-1750-4F22-955C-F2E7242622F9}"/>
-                </a:ext>
-              </a:extLst>
-            </p:cNvPr>
-            <p:cNvSpPr/>
-            <p:nvPr/>
-          </p:nvSpPr>
-          <p:spPr>
-            <a:xfrm>
-              <a:off x="5340707" y="3130296"/>
-              <a:ext cx="236111" cy="236111"/>
-            </a:xfrm>
-            <a:prstGeom prst="ellipse">
-              <a:avLst/>
-            </a:prstGeom>
-            <a:grpFill/>
-            <a:ln>
-              <a:noFill/>
-            </a:ln>
-          </p:spPr>
-          <p:style>
-            <a:lnRef idx="2">
-              <a:schemeClr val="accent1">
-                <a:shade val="50000"/>
-              </a:schemeClr>
-            </a:lnRef>
-            <a:fillRef idx="1">
-              <a:schemeClr val="accent1"/>
-            </a:fillRef>
-            <a:effectRef idx="0">
-              <a:schemeClr val="accent1"/>
-            </a:effectRef>
-            <a:fontRef idx="minor">
-              <a:schemeClr val="lt1"/>
-            </a:fontRef>
-          </p:style>
-          <p:txBody>
-            <a:bodyPr rtlCol="0" anchor="ctr"/>
-            <a:lstStyle/>
-            <a:p>
-              <a:pPr algn="ctr"/>
-              <a:endParaRPr lang="en-US"/>
-            </a:p>
-          </p:txBody>
-        </p:sp>
-        <p:sp>
-          <p:nvSpPr>
-            <p:cNvPr id="275" name="Oval 274">
-              <a:extLst>
-                <a:ext uri="{FF2B5EF4-FFF2-40B4-BE49-F238E27FC236}">
-                  <a16:creationId xmlns:a16="http://schemas.microsoft.com/office/drawing/2014/main" id="{AC20B9D2-3AC2-4BF3-BCBE-F7020B8D473C}"/>
-                </a:ext>
-              </a:extLst>
-            </p:cNvPr>
-            <p:cNvSpPr/>
-            <p:nvPr/>
-          </p:nvSpPr>
-          <p:spPr>
-            <a:xfrm>
-              <a:off x="5942988" y="3130296"/>
-              <a:ext cx="236111" cy="236111"/>
-            </a:xfrm>
-            <a:prstGeom prst="ellipse">
-              <a:avLst/>
-            </a:prstGeom>
-            <a:grpFill/>
-            <a:ln>
-              <a:noFill/>
-            </a:ln>
-          </p:spPr>
-          <p:style>
-            <a:lnRef idx="2">
-              <a:schemeClr val="accent1">
-                <a:shade val="50000"/>
-              </a:schemeClr>
-            </a:lnRef>
-            <a:fillRef idx="1">
-              <a:schemeClr val="accent1"/>
-            </a:fillRef>
-            <a:effectRef idx="0">
-              <a:schemeClr val="accent1"/>
-            </a:effectRef>
-            <a:fontRef idx="minor">
-              <a:schemeClr val="lt1"/>
-            </a:fontRef>
-          </p:style>
-          <p:txBody>
-            <a:bodyPr rtlCol="0" anchor="ctr"/>
-            <a:lstStyle/>
-            <a:p>
-              <a:pPr algn="ctr"/>
-              <a:endParaRPr lang="en-US"/>
-            </a:p>
-          </p:txBody>
-        </p:sp>
-        <p:sp>
-          <p:nvSpPr>
-            <p:cNvPr id="287" name="Oval 286">
-              <a:extLst>
-                <a:ext uri="{FF2B5EF4-FFF2-40B4-BE49-F238E27FC236}">
-                  <a16:creationId xmlns:a16="http://schemas.microsoft.com/office/drawing/2014/main" id="{0B2521C0-7D4C-42D1-90B0-45274DA0387C}"/>
-                </a:ext>
-              </a:extLst>
-            </p:cNvPr>
-            <p:cNvSpPr/>
-            <p:nvPr/>
-          </p:nvSpPr>
-          <p:spPr>
-            <a:xfrm>
-              <a:off x="4461543" y="4006949"/>
-              <a:ext cx="236111" cy="236111"/>
-            </a:xfrm>
-            <a:prstGeom prst="ellipse">
-              <a:avLst/>
-            </a:prstGeom>
-            <a:grpFill/>
-            <a:ln>
-              <a:noFill/>
-            </a:ln>
-          </p:spPr>
-          <p:style>
-            <a:lnRef idx="2">
-              <a:schemeClr val="accent1">
-                <a:shade val="50000"/>
-              </a:schemeClr>
-            </a:lnRef>
-            <a:fillRef idx="1">
-              <a:schemeClr val="accent1"/>
-            </a:fillRef>
-            <a:effectRef idx="0">
-              <a:schemeClr val="accent1"/>
-            </a:effectRef>
-            <a:fontRef idx="minor">
-              <a:schemeClr val="lt1"/>
-            </a:fontRef>
-          </p:style>
-          <p:txBody>
-            <a:bodyPr rtlCol="0" anchor="ctr"/>
-            <a:lstStyle/>
-            <a:p>
-              <a:pPr algn="ctr"/>
-              <a:endParaRPr lang="en-US"/>
-            </a:p>
-          </p:txBody>
-        </p:sp>
-        <p:sp>
-          <p:nvSpPr>
-            <p:cNvPr id="285" name="Oval 284">
-              <a:extLst>
-                <a:ext uri="{FF2B5EF4-FFF2-40B4-BE49-F238E27FC236}">
-                  <a16:creationId xmlns:a16="http://schemas.microsoft.com/office/drawing/2014/main" id="{F1CFDD33-7C0E-4395-A6EB-27B44201552B}"/>
-                </a:ext>
-              </a:extLst>
-            </p:cNvPr>
-            <p:cNvSpPr/>
-            <p:nvPr/>
-          </p:nvSpPr>
-          <p:spPr>
-            <a:xfrm>
-              <a:off x="5063824" y="4006949"/>
-              <a:ext cx="236111" cy="236111"/>
-            </a:xfrm>
-            <a:prstGeom prst="ellipse">
-              <a:avLst/>
-            </a:prstGeom>
-            <a:grpFill/>
-            <a:ln>
-              <a:noFill/>
-            </a:ln>
-          </p:spPr>
-          <p:style>
-            <a:lnRef idx="2">
-              <a:schemeClr val="accent1">
-                <a:shade val="50000"/>
-              </a:schemeClr>
-            </a:lnRef>
-            <a:fillRef idx="1">
-              <a:schemeClr val="accent1"/>
-            </a:fillRef>
-            <a:effectRef idx="0">
-              <a:schemeClr val="accent1"/>
-            </a:effectRef>
-            <a:fontRef idx="minor">
-              <a:schemeClr val="lt1"/>
-            </a:fontRef>
-          </p:style>
-          <p:txBody>
-            <a:bodyPr rtlCol="0" anchor="ctr"/>
-            <a:lstStyle/>
-            <a:p>
-              <a:pPr algn="ctr"/>
-              <a:endParaRPr lang="en-US"/>
-            </a:p>
-          </p:txBody>
-        </p:sp>
-        <p:sp>
-          <p:nvSpPr>
-            <p:cNvPr id="297" name="Oval 296">
-              <a:extLst>
-                <a:ext uri="{FF2B5EF4-FFF2-40B4-BE49-F238E27FC236}">
-                  <a16:creationId xmlns:a16="http://schemas.microsoft.com/office/drawing/2014/main" id="{57D0104E-EFCE-4B53-A166-5D71F12EF290}"/>
-                </a:ext>
-              </a:extLst>
-            </p:cNvPr>
-            <p:cNvSpPr/>
-            <p:nvPr/>
-          </p:nvSpPr>
-          <p:spPr>
-            <a:xfrm>
-              <a:off x="3878125" y="4957439"/>
-              <a:ext cx="236111" cy="236111"/>
-            </a:xfrm>
-            <a:prstGeom prst="ellipse">
-              <a:avLst/>
-            </a:prstGeom>
-            <a:grpFill/>
-            <a:ln>
-              <a:noFill/>
-            </a:ln>
-          </p:spPr>
-          <p:style>
-            <a:lnRef idx="2">
-              <a:schemeClr val="accent1">
-                <a:shade val="50000"/>
-              </a:schemeClr>
-            </a:lnRef>
-            <a:fillRef idx="1">
-              <a:schemeClr val="accent1"/>
-            </a:fillRef>
-            <a:effectRef idx="0">
-              <a:schemeClr val="accent1"/>
-            </a:effectRef>
-            <a:fontRef idx="minor">
-              <a:schemeClr val="lt1"/>
-            </a:fontRef>
-          </p:style>
-          <p:txBody>
-            <a:bodyPr rtlCol="0" anchor="ctr"/>
-            <a:lstStyle/>
-            <a:p>
-              <a:pPr algn="ctr"/>
-              <a:endParaRPr lang="en-US"/>
-            </a:p>
-          </p:txBody>
-        </p:sp>
-        <p:sp>
-          <p:nvSpPr>
-            <p:cNvPr id="295" name="Oval 294">
-              <a:extLst>
-                <a:ext uri="{FF2B5EF4-FFF2-40B4-BE49-F238E27FC236}">
-                  <a16:creationId xmlns:a16="http://schemas.microsoft.com/office/drawing/2014/main" id="{48E37DBB-DBB1-4B8C-9CC0-316A45899DD3}"/>
-                </a:ext>
-              </a:extLst>
-            </p:cNvPr>
-            <p:cNvSpPr/>
-            <p:nvPr/>
-          </p:nvSpPr>
-          <p:spPr>
-            <a:xfrm>
-              <a:off x="4480406" y="4957439"/>
-              <a:ext cx="236111" cy="236111"/>
-            </a:xfrm>
-            <a:prstGeom prst="ellipse">
-              <a:avLst/>
-            </a:prstGeom>
-            <a:grpFill/>
-            <a:ln>
-              <a:noFill/>
-            </a:ln>
-          </p:spPr>
-          <p:style>
-            <a:lnRef idx="2">
-              <a:schemeClr val="accent1">
-                <a:shade val="50000"/>
-              </a:schemeClr>
-            </a:lnRef>
-            <a:fillRef idx="1">
-              <a:schemeClr val="accent1"/>
-            </a:fillRef>
-            <a:effectRef idx="0">
-              <a:schemeClr val="accent1"/>
-            </a:effectRef>
-            <a:fontRef idx="minor">
-              <a:schemeClr val="lt1"/>
-            </a:fontRef>
-          </p:style>
-          <p:txBody>
-            <a:bodyPr rtlCol="0" anchor="ctr"/>
-            <a:lstStyle/>
-            <a:p>
-              <a:pPr algn="ctr"/>
-              <a:endParaRPr lang="en-US"/>
-            </a:p>
-          </p:txBody>
-        </p:sp>
-        <p:sp>
-          <p:nvSpPr>
-            <p:cNvPr id="307" name="Oval 306">
-              <a:extLst>
-                <a:ext uri="{FF2B5EF4-FFF2-40B4-BE49-F238E27FC236}">
-                  <a16:creationId xmlns:a16="http://schemas.microsoft.com/office/drawing/2014/main" id="{AF8F250C-EB65-41D6-BE7B-63A3AD38AAF3}"/>
-                </a:ext>
-              </a:extLst>
-            </p:cNvPr>
-            <p:cNvSpPr/>
-            <p:nvPr/>
-          </p:nvSpPr>
-          <p:spPr>
-            <a:xfrm>
-              <a:off x="5222385" y="4961257"/>
-              <a:ext cx="236111" cy="236111"/>
-            </a:xfrm>
-            <a:prstGeom prst="ellipse">
-              <a:avLst/>
-            </a:prstGeom>
-            <a:grpFill/>
-            <a:ln>
-              <a:noFill/>
-            </a:ln>
-          </p:spPr>
-          <p:style>
-            <a:lnRef idx="2">
-              <a:schemeClr val="accent1">
-                <a:shade val="50000"/>
-              </a:schemeClr>
-            </a:lnRef>
-            <a:fillRef idx="1">
-              <a:schemeClr val="accent1"/>
-            </a:fillRef>
-            <a:effectRef idx="0">
-              <a:schemeClr val="accent1"/>
-            </a:effectRef>
-            <a:fontRef idx="minor">
-              <a:schemeClr val="lt1"/>
-            </a:fontRef>
-          </p:style>
-          <p:txBody>
-            <a:bodyPr rtlCol="0" anchor="ctr"/>
-            <a:lstStyle/>
-            <a:p>
-              <a:pPr algn="ctr"/>
-              <a:endParaRPr lang="en-US"/>
-            </a:p>
-          </p:txBody>
-        </p:sp>
-        <p:sp>
-          <p:nvSpPr>
-            <p:cNvPr id="305" name="Oval 304">
-              <a:extLst>
-                <a:ext uri="{FF2B5EF4-FFF2-40B4-BE49-F238E27FC236}">
-                  <a16:creationId xmlns:a16="http://schemas.microsoft.com/office/drawing/2014/main" id="{B479F6AC-92B4-46C6-AA20-5BD935BD01C2}"/>
-                </a:ext>
-              </a:extLst>
-            </p:cNvPr>
-            <p:cNvSpPr/>
-            <p:nvPr/>
-          </p:nvSpPr>
-          <p:spPr>
-            <a:xfrm>
-              <a:off x="5824666" y="4961257"/>
-              <a:ext cx="236111" cy="236111"/>
-            </a:xfrm>
-            <a:prstGeom prst="ellipse">
-              <a:avLst/>
-            </a:prstGeom>
-            <a:grpFill/>
-            <a:ln>
-              <a:noFill/>
-            </a:ln>
-          </p:spPr>
-          <p:style>
-            <a:lnRef idx="2">
-              <a:schemeClr val="accent1">
-                <a:shade val="50000"/>
-              </a:schemeClr>
-            </a:lnRef>
-            <a:fillRef idx="1">
-              <a:schemeClr val="accent1"/>
-            </a:fillRef>
-            <a:effectRef idx="0">
-              <a:schemeClr val="accent1"/>
-            </a:effectRef>
-            <a:fontRef idx="minor">
-              <a:schemeClr val="lt1"/>
-            </a:fontRef>
-          </p:style>
-          <p:txBody>
-            <a:bodyPr rtlCol="0" anchor="ctr"/>
-            <a:lstStyle/>
-            <a:p>
-              <a:pPr algn="ctr"/>
-              <a:endParaRPr lang="en-US"/>
-            </a:p>
-          </p:txBody>
-        </p:sp>
-        <p:sp>
-          <p:nvSpPr>
-            <p:cNvPr id="317" name="Oval 316">
-              <a:extLst>
-                <a:ext uri="{FF2B5EF4-FFF2-40B4-BE49-F238E27FC236}">
-                  <a16:creationId xmlns:a16="http://schemas.microsoft.com/office/drawing/2014/main" id="{0B33F831-8A18-488C-9E31-DACD9F34C59B}"/>
-                </a:ext>
-              </a:extLst>
-            </p:cNvPr>
-            <p:cNvSpPr/>
-            <p:nvPr/>
-          </p:nvSpPr>
-          <p:spPr>
-            <a:xfrm>
-              <a:off x="4574875" y="2286902"/>
-              <a:ext cx="236111" cy="236111"/>
-            </a:xfrm>
-            <a:prstGeom prst="ellipse">
-              <a:avLst/>
-            </a:prstGeom>
-            <a:grpFill/>
-            <a:ln>
-              <a:noFill/>
-            </a:ln>
-          </p:spPr>
-          <p:style>
-            <a:lnRef idx="2">
-              <a:schemeClr val="accent1">
-                <a:shade val="50000"/>
-              </a:schemeClr>
-            </a:lnRef>
-            <a:fillRef idx="1">
-              <a:schemeClr val="accent1"/>
-            </a:fillRef>
-            <a:effectRef idx="0">
-              <a:schemeClr val="accent1"/>
-            </a:effectRef>
-            <a:fontRef idx="minor">
-              <a:schemeClr val="lt1"/>
-            </a:fontRef>
-          </p:style>
-          <p:txBody>
-            <a:bodyPr rtlCol="0" anchor="ctr"/>
-            <a:lstStyle/>
-            <a:p>
-              <a:pPr algn="ctr"/>
-              <a:endParaRPr lang="en-US"/>
-            </a:p>
-          </p:txBody>
-        </p:sp>
-        <p:sp>
-          <p:nvSpPr>
-            <p:cNvPr id="315" name="Oval 314">
-              <a:extLst>
-                <a:ext uri="{FF2B5EF4-FFF2-40B4-BE49-F238E27FC236}">
-                  <a16:creationId xmlns:a16="http://schemas.microsoft.com/office/drawing/2014/main" id="{D8F02E3D-B9E1-4756-A5F5-9686D1E5793E}"/>
-                </a:ext>
-              </a:extLst>
-            </p:cNvPr>
-            <p:cNvSpPr/>
-            <p:nvPr/>
-          </p:nvSpPr>
-          <p:spPr>
-            <a:xfrm>
-              <a:off x="5177156" y="2286902"/>
-              <a:ext cx="236111" cy="236111"/>
-            </a:xfrm>
-            <a:prstGeom prst="ellipse">
-              <a:avLst/>
-            </a:prstGeom>
-            <a:grpFill/>
-            <a:ln>
-              <a:noFill/>
-            </a:ln>
-          </p:spPr>
-          <p:style>
-            <a:lnRef idx="2">
-              <a:schemeClr val="accent1">
-                <a:shade val="50000"/>
-              </a:schemeClr>
-            </a:lnRef>
-            <a:fillRef idx="1">
-              <a:schemeClr val="accent1"/>
-            </a:fillRef>
-            <a:effectRef idx="0">
-              <a:schemeClr val="accent1"/>
-            </a:effectRef>
-            <a:fontRef idx="minor">
-              <a:schemeClr val="lt1"/>
-            </a:fontRef>
-          </p:style>
-          <p:txBody>
-            <a:bodyPr rtlCol="0" anchor="ctr"/>
-            <a:lstStyle/>
-            <a:p>
-              <a:pPr algn="ctr"/>
-              <a:endParaRPr lang="en-US"/>
-            </a:p>
-          </p:txBody>
-        </p:sp>
-        <p:sp>
-          <p:nvSpPr>
-            <p:cNvPr id="327" name="Oval 326">
-              <a:extLst>
-                <a:ext uri="{FF2B5EF4-FFF2-40B4-BE49-F238E27FC236}">
-                  <a16:creationId xmlns:a16="http://schemas.microsoft.com/office/drawing/2014/main" id="{F9990B7B-2DD1-43D0-8CFD-4C51EEE219F8}"/>
-                </a:ext>
-              </a:extLst>
-            </p:cNvPr>
-            <p:cNvSpPr/>
-            <p:nvPr/>
-          </p:nvSpPr>
-          <p:spPr>
-            <a:xfrm>
-              <a:off x="6287098" y="4960764"/>
-              <a:ext cx="236111" cy="236111"/>
-            </a:xfrm>
-            <a:prstGeom prst="ellipse">
-              <a:avLst/>
-            </a:prstGeom>
-            <a:grpFill/>
-            <a:ln>
-              <a:noFill/>
-            </a:ln>
-          </p:spPr>
-          <p:style>
-            <a:lnRef idx="2">
-              <a:schemeClr val="accent1">
-                <a:shade val="50000"/>
-              </a:schemeClr>
-            </a:lnRef>
-            <a:fillRef idx="1">
-              <a:schemeClr val="accent1"/>
-            </a:fillRef>
-            <a:effectRef idx="0">
-              <a:schemeClr val="accent1"/>
-            </a:effectRef>
-            <a:fontRef idx="minor">
-              <a:schemeClr val="lt1"/>
-            </a:fontRef>
-          </p:style>
-          <p:txBody>
-            <a:bodyPr rtlCol="0" anchor="ctr"/>
-            <a:lstStyle/>
-            <a:p>
-              <a:pPr algn="ctr"/>
-              <a:endParaRPr lang="en-US"/>
-            </a:p>
-          </p:txBody>
-        </p:sp>
-        <p:sp>
-          <p:nvSpPr>
-            <p:cNvPr id="325" name="Oval 324">
-              <a:extLst>
-                <a:ext uri="{FF2B5EF4-FFF2-40B4-BE49-F238E27FC236}">
-                  <a16:creationId xmlns:a16="http://schemas.microsoft.com/office/drawing/2014/main" id="{1513D6EE-019F-43C0-896F-C15213F33F2A}"/>
-                </a:ext>
-              </a:extLst>
-            </p:cNvPr>
-            <p:cNvSpPr/>
-            <p:nvPr/>
-          </p:nvSpPr>
-          <p:spPr>
-            <a:xfrm>
-              <a:off x="6889379" y="4960764"/>
-              <a:ext cx="236111" cy="236111"/>
-            </a:xfrm>
-            <a:prstGeom prst="ellipse">
-              <a:avLst/>
-            </a:prstGeom>
-            <a:grpFill/>
-            <a:ln>
-              <a:noFill/>
-            </a:ln>
-          </p:spPr>
-          <p:style>
-            <a:lnRef idx="2">
-              <a:schemeClr val="accent1">
-                <a:shade val="50000"/>
-              </a:schemeClr>
-            </a:lnRef>
-            <a:fillRef idx="1">
-              <a:schemeClr val="accent1"/>
-            </a:fillRef>
-            <a:effectRef idx="0">
-              <a:schemeClr val="accent1"/>
-            </a:effectRef>
-            <a:fontRef idx="minor">
-              <a:schemeClr val="lt1"/>
-            </a:fontRef>
-          </p:style>
-          <p:txBody>
-            <a:bodyPr rtlCol="0" anchor="ctr"/>
-            <a:lstStyle/>
-            <a:p>
-              <a:pPr algn="ctr"/>
-              <a:endParaRPr lang="en-US"/>
-            </a:p>
-          </p:txBody>
-        </p:sp>
-        <p:sp>
-          <p:nvSpPr>
-            <p:cNvPr id="337" name="Oval 336">
-              <a:extLst>
-                <a:ext uri="{FF2B5EF4-FFF2-40B4-BE49-F238E27FC236}">
-                  <a16:creationId xmlns:a16="http://schemas.microsoft.com/office/drawing/2014/main" id="{5C90A1D6-B4E0-4F3A-A236-9AF362A34599}"/>
-                </a:ext>
-              </a:extLst>
-            </p:cNvPr>
-            <p:cNvSpPr/>
-            <p:nvPr/>
-          </p:nvSpPr>
-          <p:spPr>
-            <a:xfrm>
-              <a:off x="5852186" y="4009771"/>
-              <a:ext cx="236111" cy="236111"/>
-            </a:xfrm>
-            <a:prstGeom prst="ellipse">
-              <a:avLst/>
-            </a:prstGeom>
-            <a:grpFill/>
-            <a:ln>
-              <a:noFill/>
-            </a:ln>
-          </p:spPr>
-          <p:style>
-            <a:lnRef idx="2">
-              <a:schemeClr val="accent1">
-                <a:shade val="50000"/>
-              </a:schemeClr>
-            </a:lnRef>
-            <a:fillRef idx="1">
-              <a:schemeClr val="accent1"/>
-            </a:fillRef>
-            <a:effectRef idx="0">
-              <a:schemeClr val="accent1"/>
-            </a:effectRef>
-            <a:fontRef idx="minor">
-              <a:schemeClr val="lt1"/>
-            </a:fontRef>
-          </p:style>
-          <p:txBody>
-            <a:bodyPr rtlCol="0" anchor="ctr"/>
-            <a:lstStyle/>
-            <a:p>
-              <a:pPr algn="ctr"/>
-              <a:endParaRPr lang="en-US"/>
-            </a:p>
-          </p:txBody>
-        </p:sp>
-        <p:sp>
-          <p:nvSpPr>
-            <p:cNvPr id="335" name="Oval 334">
-              <a:extLst>
-                <a:ext uri="{FF2B5EF4-FFF2-40B4-BE49-F238E27FC236}">
-                  <a16:creationId xmlns:a16="http://schemas.microsoft.com/office/drawing/2014/main" id="{14B06866-E0D8-4350-B898-1076417963C8}"/>
-                </a:ext>
-              </a:extLst>
-            </p:cNvPr>
-            <p:cNvSpPr/>
-            <p:nvPr/>
-          </p:nvSpPr>
-          <p:spPr>
-            <a:xfrm>
-              <a:off x="6454467" y="4009771"/>
-              <a:ext cx="236111" cy="236111"/>
-            </a:xfrm>
-            <a:prstGeom prst="ellipse">
-              <a:avLst/>
-            </a:prstGeom>
-            <a:grpFill/>
-            <a:ln>
-              <a:noFill/>
-            </a:ln>
-          </p:spPr>
-          <p:style>
-            <a:lnRef idx="2">
-              <a:schemeClr val="accent1">
-                <a:shade val="50000"/>
-              </a:schemeClr>
-            </a:lnRef>
-            <a:fillRef idx="1">
-              <a:schemeClr val="accent1"/>
-            </a:fillRef>
-            <a:effectRef idx="0">
-              <a:schemeClr val="accent1"/>
-            </a:effectRef>
-            <a:fontRef idx="minor">
-              <a:schemeClr val="lt1"/>
-            </a:fontRef>
-          </p:style>
-          <p:txBody>
-            <a:bodyPr rtlCol="0" anchor="ctr"/>
-            <a:lstStyle/>
-            <a:p>
-              <a:pPr algn="ctr"/>
-              <a:endParaRPr lang="en-US"/>
-            </a:p>
-          </p:txBody>
-        </p:sp>
-      </p:grpSp>
-      <p:grpSp>
-        <p:nvGrpSpPr>
-          <p:cNvPr id="19" name="Group 18">
-            <a:extLst>
-              <a:ext uri="{FF2B5EF4-FFF2-40B4-BE49-F238E27FC236}">
-                <a16:creationId xmlns:a16="http://schemas.microsoft.com/office/drawing/2014/main" id="{4446B850-1D9B-4CA0-A508-B49CF701562E}"/>
-              </a:ext>
-            </a:extLst>
-          </p:cNvPr>
-          <p:cNvGrpSpPr/>
-          <p:nvPr/>
-        </p:nvGrpSpPr>
-        <p:grpSpPr>
-          <a:xfrm>
-            <a:off x="3695314" y="1326333"/>
-            <a:ext cx="2907207" cy="4941984"/>
-            <a:chOff x="3774054" y="1345383"/>
-            <a:chExt cx="2907207" cy="4941984"/>
-          </a:xfrm>
-        </p:grpSpPr>
-        <p:sp>
-          <p:nvSpPr>
-            <p:cNvPr id="247" name="文字方塊 1">
-              <a:extLst>
-                <a:ext uri="{FF2B5EF4-FFF2-40B4-BE49-F238E27FC236}">
-                  <a16:creationId xmlns:a16="http://schemas.microsoft.com/office/drawing/2014/main" id="{F3075D80-7B3B-4628-B050-61EF0ACA7077}"/>
-                </a:ext>
-              </a:extLst>
-            </p:cNvPr>
-            <p:cNvSpPr txBox="1"/>
-            <p:nvPr/>
-          </p:nvSpPr>
-          <p:spPr>
-            <a:xfrm>
-              <a:off x="5537236" y="5887257"/>
-              <a:ext cx="566385" cy="400110"/>
-            </a:xfrm>
-            <a:prstGeom prst="rect">
-              <a:avLst/>
-            </a:prstGeom>
-            <a:noFill/>
-          </p:spPr>
-          <p:txBody>
-            <a:bodyPr wrap="square" rtlCol="0">
-              <a:spAutoFit/>
-            </a:bodyPr>
-            <a:lstStyle/>
-            <a:p>
-              <a:pPr algn="r"/>
-              <a:r>
-                <a:rPr lang="en-US" altLang="zh-TW" sz="2000" b="1" dirty="0">
-                  <a:solidFill>
-                    <a:srgbClr val="1565C0"/>
-                  </a:solidFill>
-                  <a:latin typeface="Consolas" panose="020B0609020204030204" pitchFamily="49" charset="0"/>
-                  <a:cs typeface="Menlo" panose="020B0609030804020204" pitchFamily="49" charset="0"/>
-                </a:rPr>
-                <a:t>11</a:t>
-              </a:r>
-              <a:endParaRPr lang="zh-TW" altLang="en-US" sz="2000" b="1" dirty="0">
-                <a:solidFill>
-                  <a:srgbClr val="1565C0"/>
-                </a:solidFill>
-                <a:latin typeface="Consolas" panose="020B0609020204030204" pitchFamily="49" charset="0"/>
-                <a:cs typeface="Menlo" panose="020B0609030804020204" pitchFamily="49" charset="0"/>
-              </a:endParaRPr>
-            </a:p>
-          </p:txBody>
-        </p:sp>
-        <p:sp>
-          <p:nvSpPr>
-            <p:cNvPr id="258" name="文字方塊 1">
-              <a:extLst>
-                <a:ext uri="{FF2B5EF4-FFF2-40B4-BE49-F238E27FC236}">
-                  <a16:creationId xmlns:a16="http://schemas.microsoft.com/office/drawing/2014/main" id="{66FA6226-6776-4BF8-8969-5CC1FEDEAFAD}"/>
-                </a:ext>
-              </a:extLst>
-            </p:cNvPr>
-            <p:cNvSpPr txBox="1"/>
-            <p:nvPr/>
-          </p:nvSpPr>
-          <p:spPr>
-            <a:xfrm>
-              <a:off x="4473979" y="1345383"/>
-              <a:ext cx="434728" cy="400110"/>
-            </a:xfrm>
-            <a:prstGeom prst="rect">
-              <a:avLst/>
-            </a:prstGeom>
-            <a:noFill/>
-          </p:spPr>
-          <p:txBody>
-            <a:bodyPr wrap="square" rtlCol="0">
-              <a:spAutoFit/>
-            </a:bodyPr>
-            <a:lstStyle/>
-            <a:p>
-              <a:pPr algn="r"/>
-              <a:r>
-                <a:rPr lang="en-US" altLang="zh-TW" sz="2000" b="1" dirty="0">
-                  <a:solidFill>
-                    <a:srgbClr val="1565C0"/>
-                  </a:solidFill>
-                  <a:latin typeface="Consolas" panose="020B0609020204030204" pitchFamily="49" charset="0"/>
-                  <a:cs typeface="Menlo" panose="020B0609030804020204" pitchFamily="49" charset="0"/>
-                </a:rPr>
-                <a:t>0</a:t>
-              </a:r>
-              <a:endParaRPr lang="zh-TW" altLang="en-US" sz="2000" b="1" dirty="0">
-                <a:solidFill>
-                  <a:srgbClr val="1565C0"/>
-                </a:solidFill>
-                <a:latin typeface="Consolas" panose="020B0609020204030204" pitchFamily="49" charset="0"/>
-                <a:cs typeface="Menlo" panose="020B0609030804020204" pitchFamily="49" charset="0"/>
-              </a:endParaRPr>
-            </a:p>
-          </p:txBody>
-        </p:sp>
-        <p:sp>
-          <p:nvSpPr>
-            <p:cNvPr id="268" name="文字方塊 1">
-              <a:extLst>
-                <a:ext uri="{FF2B5EF4-FFF2-40B4-BE49-F238E27FC236}">
-                  <a16:creationId xmlns:a16="http://schemas.microsoft.com/office/drawing/2014/main" id="{1FF4C396-EAB0-492B-BAA2-8BE3B6DE546B}"/>
-                </a:ext>
-              </a:extLst>
-            </p:cNvPr>
-            <p:cNvSpPr txBox="1"/>
-            <p:nvPr/>
-          </p:nvSpPr>
-          <p:spPr>
-            <a:xfrm>
-              <a:off x="3792541" y="3113312"/>
-              <a:ext cx="434728" cy="400110"/>
-            </a:xfrm>
-            <a:prstGeom prst="rect">
-              <a:avLst/>
-            </a:prstGeom>
-            <a:noFill/>
-          </p:spPr>
-          <p:txBody>
-            <a:bodyPr wrap="square" rtlCol="0">
-              <a:spAutoFit/>
-            </a:bodyPr>
-            <a:lstStyle/>
-            <a:p>
-              <a:pPr algn="r"/>
-              <a:r>
-                <a:rPr lang="en-US" altLang="zh-TW" sz="2000" b="1" dirty="0">
-                  <a:solidFill>
-                    <a:srgbClr val="1565C0"/>
-                  </a:solidFill>
-                  <a:latin typeface="Consolas" panose="020B0609020204030204" pitchFamily="49" charset="0"/>
-                  <a:cs typeface="Menlo" panose="020B0609030804020204" pitchFamily="49" charset="0"/>
-                </a:rPr>
-                <a:t>2</a:t>
-              </a:r>
-              <a:endParaRPr lang="zh-TW" altLang="en-US" sz="2000" b="1" dirty="0">
-                <a:solidFill>
-                  <a:srgbClr val="1565C0"/>
-                </a:solidFill>
-                <a:latin typeface="Consolas" panose="020B0609020204030204" pitchFamily="49" charset="0"/>
-                <a:cs typeface="Menlo" panose="020B0609030804020204" pitchFamily="49" charset="0"/>
-              </a:endParaRPr>
-            </a:p>
-          </p:txBody>
-        </p:sp>
-        <p:sp>
-          <p:nvSpPr>
-            <p:cNvPr id="278" name="文字方塊 1">
-              <a:extLst>
-                <a:ext uri="{FF2B5EF4-FFF2-40B4-BE49-F238E27FC236}">
-                  <a16:creationId xmlns:a16="http://schemas.microsoft.com/office/drawing/2014/main" id="{CAA73F8F-39EE-46E7-B448-B3223C956170}"/>
-                </a:ext>
-              </a:extLst>
-            </p:cNvPr>
-            <p:cNvSpPr txBox="1"/>
-            <p:nvPr/>
-          </p:nvSpPr>
-          <p:spPr>
-            <a:xfrm>
-              <a:off x="5155665" y="3082005"/>
-              <a:ext cx="434728" cy="400110"/>
-            </a:xfrm>
-            <a:prstGeom prst="rect">
-              <a:avLst/>
-            </a:prstGeom>
-            <a:noFill/>
-          </p:spPr>
-          <p:txBody>
-            <a:bodyPr wrap="square" rtlCol="0">
-              <a:spAutoFit/>
-            </a:bodyPr>
-            <a:lstStyle/>
-            <a:p>
-              <a:pPr algn="r"/>
-              <a:r>
-                <a:rPr lang="en-US" altLang="zh-TW" sz="2000" b="1" dirty="0">
-                  <a:solidFill>
-                    <a:srgbClr val="1565C0"/>
-                  </a:solidFill>
-                  <a:latin typeface="Consolas" panose="020B0609020204030204" pitchFamily="49" charset="0"/>
-                  <a:cs typeface="Menlo" panose="020B0609030804020204" pitchFamily="49" charset="0"/>
-                </a:rPr>
-                <a:t>4</a:t>
-              </a:r>
-              <a:endParaRPr lang="zh-TW" altLang="en-US" sz="2000" b="1" dirty="0">
-                <a:solidFill>
-                  <a:srgbClr val="1565C0"/>
-                </a:solidFill>
-                <a:latin typeface="Consolas" panose="020B0609020204030204" pitchFamily="49" charset="0"/>
-                <a:cs typeface="Menlo" panose="020B0609030804020204" pitchFamily="49" charset="0"/>
-              </a:endParaRPr>
-            </a:p>
-          </p:txBody>
-        </p:sp>
-        <p:sp>
-          <p:nvSpPr>
-            <p:cNvPr id="288" name="文字方塊 1">
-              <a:extLst>
-                <a:ext uri="{FF2B5EF4-FFF2-40B4-BE49-F238E27FC236}">
-                  <a16:creationId xmlns:a16="http://schemas.microsoft.com/office/drawing/2014/main" id="{9862B0E3-0567-4CD8-ACA1-CFC64DBE1DE1}"/>
-                </a:ext>
-              </a:extLst>
-            </p:cNvPr>
-            <p:cNvSpPr txBox="1"/>
-            <p:nvPr/>
-          </p:nvSpPr>
-          <p:spPr>
-            <a:xfrm>
-              <a:off x="4366997" y="3958658"/>
-              <a:ext cx="434728" cy="400110"/>
-            </a:xfrm>
-            <a:prstGeom prst="rect">
-              <a:avLst/>
-            </a:prstGeom>
-            <a:noFill/>
-          </p:spPr>
-          <p:txBody>
-            <a:bodyPr wrap="square" rtlCol="0">
-              <a:spAutoFit/>
-            </a:bodyPr>
-            <a:lstStyle/>
-            <a:p>
-              <a:pPr algn="r"/>
-              <a:r>
-                <a:rPr lang="en-US" altLang="zh-TW" sz="2000" b="1" dirty="0">
-                  <a:solidFill>
-                    <a:srgbClr val="1565C0"/>
-                  </a:solidFill>
-                  <a:latin typeface="Consolas" panose="020B0609020204030204" pitchFamily="49" charset="0"/>
-                  <a:cs typeface="Menlo" panose="020B0609030804020204" pitchFamily="49" charset="0"/>
-                </a:rPr>
-                <a:t>5</a:t>
-              </a:r>
-              <a:endParaRPr lang="zh-TW" altLang="en-US" sz="2000" b="1" dirty="0">
-                <a:solidFill>
-                  <a:srgbClr val="1565C0"/>
-                </a:solidFill>
-                <a:latin typeface="Consolas" panose="020B0609020204030204" pitchFamily="49" charset="0"/>
-                <a:cs typeface="Menlo" panose="020B0609030804020204" pitchFamily="49" charset="0"/>
-              </a:endParaRPr>
-            </a:p>
-          </p:txBody>
-        </p:sp>
-        <p:sp>
-          <p:nvSpPr>
-            <p:cNvPr id="298" name="文字方塊 1">
-              <a:extLst>
-                <a:ext uri="{FF2B5EF4-FFF2-40B4-BE49-F238E27FC236}">
-                  <a16:creationId xmlns:a16="http://schemas.microsoft.com/office/drawing/2014/main" id="{61470E06-5092-4A40-87D4-8C4754B0BFA8}"/>
-                </a:ext>
-              </a:extLst>
-            </p:cNvPr>
-            <p:cNvSpPr txBox="1"/>
-            <p:nvPr/>
-          </p:nvSpPr>
-          <p:spPr>
-            <a:xfrm>
-              <a:off x="3774054" y="4909148"/>
-              <a:ext cx="434728" cy="400110"/>
-            </a:xfrm>
-            <a:prstGeom prst="rect">
-              <a:avLst/>
-            </a:prstGeom>
-            <a:noFill/>
-          </p:spPr>
-          <p:txBody>
-            <a:bodyPr wrap="square" rtlCol="0">
-              <a:spAutoFit/>
-            </a:bodyPr>
-            <a:lstStyle/>
-            <a:p>
-              <a:pPr algn="r"/>
-              <a:r>
-                <a:rPr lang="en-US" altLang="zh-TW" sz="2000" b="1" dirty="0">
-                  <a:solidFill>
-                    <a:srgbClr val="1565C0"/>
-                  </a:solidFill>
-                  <a:latin typeface="Consolas" panose="020B0609020204030204" pitchFamily="49" charset="0"/>
-                  <a:cs typeface="Menlo" panose="020B0609030804020204" pitchFamily="49" charset="0"/>
-                </a:rPr>
-                <a:t>6</a:t>
-              </a:r>
-              <a:endParaRPr lang="zh-TW" altLang="en-US" sz="2000" b="1" dirty="0">
-                <a:solidFill>
-                  <a:srgbClr val="1565C0"/>
-                </a:solidFill>
-                <a:latin typeface="Consolas" panose="020B0609020204030204" pitchFamily="49" charset="0"/>
-                <a:cs typeface="Menlo" panose="020B0609030804020204" pitchFamily="49" charset="0"/>
-              </a:endParaRPr>
-            </a:p>
-          </p:txBody>
-        </p:sp>
-        <p:sp>
-          <p:nvSpPr>
-            <p:cNvPr id="308" name="文字方塊 1">
-              <a:extLst>
-                <a:ext uri="{FF2B5EF4-FFF2-40B4-BE49-F238E27FC236}">
-                  <a16:creationId xmlns:a16="http://schemas.microsoft.com/office/drawing/2014/main" id="{6347E63F-2A31-47E9-9D3F-9D03CF4CE793}"/>
-                </a:ext>
-              </a:extLst>
-            </p:cNvPr>
-            <p:cNvSpPr txBox="1"/>
-            <p:nvPr/>
-          </p:nvSpPr>
-          <p:spPr>
-            <a:xfrm>
-              <a:off x="4833126" y="4912966"/>
-              <a:ext cx="664347" cy="400110"/>
-            </a:xfrm>
-            <a:prstGeom prst="rect">
-              <a:avLst/>
-            </a:prstGeom>
-            <a:noFill/>
-          </p:spPr>
-          <p:txBody>
-            <a:bodyPr wrap="square" rtlCol="0">
-              <a:spAutoFit/>
-            </a:bodyPr>
-            <a:lstStyle/>
-            <a:p>
-              <a:pPr algn="r"/>
-              <a:r>
-                <a:rPr lang="en-US" altLang="zh-TW" sz="2000" b="1" dirty="0">
-                  <a:solidFill>
-                    <a:srgbClr val="1565C0"/>
-                  </a:solidFill>
-                  <a:latin typeface="Consolas" panose="020B0609020204030204" pitchFamily="49" charset="0"/>
-                  <a:cs typeface="Menlo" panose="020B0609030804020204" pitchFamily="49" charset="0"/>
-                </a:rPr>
-                <a:t>10</a:t>
-              </a:r>
-              <a:endParaRPr lang="zh-TW" altLang="en-US" sz="2000" b="1" dirty="0">
-                <a:solidFill>
-                  <a:srgbClr val="1565C0"/>
-                </a:solidFill>
-                <a:latin typeface="Consolas" panose="020B0609020204030204" pitchFamily="49" charset="0"/>
-                <a:cs typeface="Menlo" panose="020B0609030804020204" pitchFamily="49" charset="0"/>
-              </a:endParaRPr>
-            </a:p>
-          </p:txBody>
-        </p:sp>
-        <p:sp>
-          <p:nvSpPr>
-            <p:cNvPr id="318" name="文字方塊 1">
-              <a:extLst>
-                <a:ext uri="{FF2B5EF4-FFF2-40B4-BE49-F238E27FC236}">
-                  <a16:creationId xmlns:a16="http://schemas.microsoft.com/office/drawing/2014/main" id="{F36187F9-F3F3-4A61-B989-9A4D940A6097}"/>
-                </a:ext>
-              </a:extLst>
-            </p:cNvPr>
-            <p:cNvSpPr txBox="1"/>
-            <p:nvPr/>
-          </p:nvSpPr>
-          <p:spPr>
-            <a:xfrm>
-              <a:off x="4470804" y="2238611"/>
-              <a:ext cx="434728" cy="400110"/>
-            </a:xfrm>
-            <a:prstGeom prst="rect">
-              <a:avLst/>
-            </a:prstGeom>
-            <a:noFill/>
-          </p:spPr>
-          <p:txBody>
-            <a:bodyPr wrap="square" rtlCol="0">
-              <a:spAutoFit/>
-            </a:bodyPr>
-            <a:lstStyle/>
-            <a:p>
-              <a:pPr algn="r"/>
-              <a:r>
-                <a:rPr lang="en-US" altLang="zh-TW" sz="2000" b="1" dirty="0">
-                  <a:solidFill>
-                    <a:srgbClr val="1565C0"/>
-                  </a:solidFill>
-                  <a:latin typeface="Consolas" panose="020B0609020204030204" pitchFamily="49" charset="0"/>
-                  <a:cs typeface="Menlo" panose="020B0609030804020204" pitchFamily="49" charset="0"/>
-                </a:rPr>
-                <a:t>1</a:t>
-              </a:r>
-              <a:endParaRPr lang="zh-TW" altLang="en-US" sz="2000" b="1" dirty="0">
-                <a:solidFill>
-                  <a:srgbClr val="1565C0"/>
-                </a:solidFill>
-                <a:latin typeface="Consolas" panose="020B0609020204030204" pitchFamily="49" charset="0"/>
-                <a:cs typeface="Menlo" panose="020B0609030804020204" pitchFamily="49" charset="0"/>
-              </a:endParaRPr>
-            </a:p>
-          </p:txBody>
-        </p:sp>
-        <p:sp>
-          <p:nvSpPr>
-            <p:cNvPr id="328" name="文字方塊 1">
-              <a:extLst>
-                <a:ext uri="{FF2B5EF4-FFF2-40B4-BE49-F238E27FC236}">
-                  <a16:creationId xmlns:a16="http://schemas.microsoft.com/office/drawing/2014/main" id="{B7D8862C-B284-472F-A1CA-2189987C6AC2}"/>
-                </a:ext>
-              </a:extLst>
-            </p:cNvPr>
-            <p:cNvSpPr txBox="1"/>
-            <p:nvPr/>
-          </p:nvSpPr>
-          <p:spPr>
-            <a:xfrm>
-              <a:off x="6192541" y="4912473"/>
-              <a:ext cx="488720" cy="400110"/>
-            </a:xfrm>
-            <a:prstGeom prst="rect">
-              <a:avLst/>
-            </a:prstGeom>
-            <a:noFill/>
-          </p:spPr>
-          <p:txBody>
-            <a:bodyPr wrap="square" rtlCol="0">
-              <a:spAutoFit/>
-            </a:bodyPr>
-            <a:lstStyle/>
-            <a:p>
-              <a:pPr algn="r"/>
-              <a:r>
-                <a:rPr lang="en-US" altLang="zh-TW" sz="2000" b="1" dirty="0">
-                  <a:solidFill>
-                    <a:srgbClr val="1565C0"/>
-                  </a:solidFill>
-                  <a:latin typeface="Consolas" panose="020B0609020204030204" pitchFamily="49" charset="0"/>
-                  <a:cs typeface="Menlo" panose="020B0609030804020204" pitchFamily="49" charset="0"/>
-                </a:rPr>
-                <a:t>14</a:t>
-              </a:r>
-              <a:endParaRPr lang="zh-TW" altLang="en-US" sz="2000" b="1" dirty="0">
-                <a:solidFill>
-                  <a:srgbClr val="1565C0"/>
-                </a:solidFill>
-                <a:latin typeface="Consolas" panose="020B0609020204030204" pitchFamily="49" charset="0"/>
-                <a:cs typeface="Menlo" panose="020B0609030804020204" pitchFamily="49" charset="0"/>
-              </a:endParaRPr>
-            </a:p>
-          </p:txBody>
-        </p:sp>
-        <p:sp>
-          <p:nvSpPr>
-            <p:cNvPr id="338" name="文字方塊 1">
-              <a:extLst>
-                <a:ext uri="{FF2B5EF4-FFF2-40B4-BE49-F238E27FC236}">
-                  <a16:creationId xmlns:a16="http://schemas.microsoft.com/office/drawing/2014/main" id="{07084E6D-0934-42F8-B666-78612F259C35}"/>
-                </a:ext>
-              </a:extLst>
-            </p:cNvPr>
-            <p:cNvSpPr txBox="1"/>
-            <p:nvPr/>
-          </p:nvSpPr>
-          <p:spPr>
-            <a:xfrm>
-              <a:off x="5754465" y="3961480"/>
-              <a:ext cx="434728" cy="400110"/>
-            </a:xfrm>
-            <a:prstGeom prst="rect">
-              <a:avLst/>
-            </a:prstGeom>
-            <a:noFill/>
-          </p:spPr>
-          <p:txBody>
-            <a:bodyPr wrap="square" rtlCol="0">
-              <a:spAutoFit/>
-            </a:bodyPr>
-            <a:lstStyle/>
-            <a:p>
-              <a:pPr algn="r"/>
-              <a:r>
-                <a:rPr lang="en-US" altLang="zh-TW" sz="2000" b="1" dirty="0">
-                  <a:solidFill>
-                    <a:srgbClr val="1565C0"/>
-                  </a:solidFill>
-                  <a:latin typeface="Consolas" panose="020B0609020204030204" pitchFamily="49" charset="0"/>
-                  <a:cs typeface="Menlo" panose="020B0609030804020204" pitchFamily="49" charset="0"/>
-                </a:rPr>
-                <a:t>9</a:t>
-              </a:r>
-              <a:endParaRPr lang="zh-TW" altLang="en-US" sz="2000" b="1" dirty="0">
-                <a:solidFill>
-                  <a:srgbClr val="1565C0"/>
-                </a:solidFill>
-                <a:latin typeface="Consolas" panose="020B0609020204030204" pitchFamily="49" charset="0"/>
-                <a:cs typeface="Menlo" panose="020B0609030804020204" pitchFamily="49" charset="0"/>
-              </a:endParaRPr>
-            </a:p>
-          </p:txBody>
-        </p:sp>
-      </p:grpSp>
-      <p:grpSp>
-        <p:nvGrpSpPr>
-          <p:cNvPr id="18" name="Group 17">
-            <a:extLst>
-              <a:ext uri="{FF2B5EF4-FFF2-40B4-BE49-F238E27FC236}">
-                <a16:creationId xmlns:a16="http://schemas.microsoft.com/office/drawing/2014/main" id="{055A8B57-520B-4F3A-ACEC-6D87FE4E05C6}"/>
-              </a:ext>
-            </a:extLst>
-          </p:cNvPr>
-          <p:cNvGrpSpPr/>
-          <p:nvPr/>
-        </p:nvGrpSpPr>
-        <p:grpSpPr>
-          <a:xfrm>
-            <a:off x="4463330" y="1326333"/>
-            <a:ext cx="2951674" cy="4941984"/>
-            <a:chOff x="4385860" y="1345383"/>
-            <a:chExt cx="2951674" cy="4941984"/>
-          </a:xfrm>
-        </p:grpSpPr>
-        <p:sp>
-          <p:nvSpPr>
-            <p:cNvPr id="250" name="文字方塊 1">
-              <a:extLst>
-                <a:ext uri="{FF2B5EF4-FFF2-40B4-BE49-F238E27FC236}">
-                  <a16:creationId xmlns:a16="http://schemas.microsoft.com/office/drawing/2014/main" id="{8EA1AA92-6582-4484-88D9-1CE5C953F53B}"/>
-                </a:ext>
-              </a:extLst>
-            </p:cNvPr>
-            <p:cNvSpPr txBox="1"/>
-            <p:nvPr/>
-          </p:nvSpPr>
-          <p:spPr>
-            <a:xfrm>
-              <a:off x="6271172" y="5887257"/>
-              <a:ext cx="546671" cy="400110"/>
-            </a:xfrm>
-            <a:prstGeom prst="rect">
-              <a:avLst/>
-            </a:prstGeom>
-            <a:noFill/>
-          </p:spPr>
-          <p:txBody>
-            <a:bodyPr wrap="square" rtlCol="0">
-              <a:spAutoFit/>
-            </a:bodyPr>
-            <a:lstStyle/>
-            <a:p>
-              <a:r>
-                <a:rPr lang="en-US" altLang="zh-TW" sz="2000" b="1" dirty="0">
-                  <a:solidFill>
-                    <a:srgbClr val="388E3C"/>
-                  </a:solidFill>
-                  <a:latin typeface="Consolas" panose="020B0609020204030204" pitchFamily="49" charset="0"/>
-                  <a:cs typeface="Menlo" panose="020B0609030804020204" pitchFamily="49" charset="0"/>
-                </a:rPr>
-                <a:t>12</a:t>
-              </a:r>
-              <a:endParaRPr lang="zh-TW" altLang="en-US" sz="2000" b="1" dirty="0">
-                <a:solidFill>
-                  <a:srgbClr val="388E3C"/>
-                </a:solidFill>
-                <a:latin typeface="Consolas" panose="020B0609020204030204" pitchFamily="49" charset="0"/>
-                <a:cs typeface="Menlo" panose="020B0609030804020204" pitchFamily="49" charset="0"/>
-              </a:endParaRPr>
-            </a:p>
-          </p:txBody>
-        </p:sp>
-        <p:sp>
-          <p:nvSpPr>
-            <p:cNvPr id="256" name="文字方塊 1">
-              <a:extLst>
-                <a:ext uri="{FF2B5EF4-FFF2-40B4-BE49-F238E27FC236}">
-                  <a16:creationId xmlns:a16="http://schemas.microsoft.com/office/drawing/2014/main" id="{FD4F6C4A-AB0D-47AB-BE7D-0F013FF9E234}"/>
-                </a:ext>
-              </a:extLst>
-            </p:cNvPr>
-            <p:cNvSpPr txBox="1"/>
-            <p:nvPr/>
-          </p:nvSpPr>
-          <p:spPr>
-            <a:xfrm>
-              <a:off x="5082609" y="1345383"/>
-              <a:ext cx="527023" cy="400110"/>
-            </a:xfrm>
-            <a:prstGeom prst="rect">
-              <a:avLst/>
-            </a:prstGeom>
-            <a:noFill/>
-          </p:spPr>
-          <p:txBody>
-            <a:bodyPr wrap="square" rtlCol="0">
-              <a:spAutoFit/>
-            </a:bodyPr>
-            <a:lstStyle/>
-            <a:p>
-              <a:r>
-                <a:rPr lang="en-US" altLang="zh-TW" sz="2000" b="1" dirty="0">
-                  <a:solidFill>
-                    <a:srgbClr val="388E3C"/>
-                  </a:solidFill>
-                  <a:latin typeface="Consolas" panose="020B0609020204030204" pitchFamily="49" charset="0"/>
-                  <a:cs typeface="Menlo" panose="020B0609030804020204" pitchFamily="49" charset="0"/>
-                </a:rPr>
-                <a:t>19</a:t>
-              </a:r>
-              <a:endParaRPr lang="zh-TW" altLang="en-US" sz="2000" b="1" dirty="0">
-                <a:solidFill>
-                  <a:srgbClr val="388E3C"/>
-                </a:solidFill>
-                <a:latin typeface="Consolas" panose="020B0609020204030204" pitchFamily="49" charset="0"/>
-                <a:cs typeface="Menlo" panose="020B0609030804020204" pitchFamily="49" charset="0"/>
-              </a:endParaRPr>
-            </a:p>
-          </p:txBody>
-        </p:sp>
-        <p:sp>
-          <p:nvSpPr>
-            <p:cNvPr id="266" name="文字方塊 1">
-              <a:extLst>
-                <a:ext uri="{FF2B5EF4-FFF2-40B4-BE49-F238E27FC236}">
-                  <a16:creationId xmlns:a16="http://schemas.microsoft.com/office/drawing/2014/main" id="{6083C410-EB1E-40BC-9390-7D0AC40D7B75}"/>
-                </a:ext>
-              </a:extLst>
-            </p:cNvPr>
-            <p:cNvSpPr txBox="1"/>
-            <p:nvPr/>
-          </p:nvSpPr>
-          <p:spPr>
-            <a:xfrm>
-              <a:off x="4401172" y="3113312"/>
-              <a:ext cx="434728" cy="400110"/>
-            </a:xfrm>
-            <a:prstGeom prst="rect">
-              <a:avLst/>
-            </a:prstGeom>
-            <a:noFill/>
-          </p:spPr>
-          <p:txBody>
-            <a:bodyPr wrap="square" rtlCol="0">
-              <a:spAutoFit/>
-            </a:bodyPr>
-            <a:lstStyle/>
-            <a:p>
-              <a:r>
-                <a:rPr lang="en-US" altLang="zh-TW" sz="2000" b="1" dirty="0">
-                  <a:solidFill>
-                    <a:srgbClr val="388E3C"/>
-                  </a:solidFill>
-                  <a:latin typeface="Consolas" panose="020B0609020204030204" pitchFamily="49" charset="0"/>
-                  <a:cs typeface="Menlo" panose="020B0609030804020204" pitchFamily="49" charset="0"/>
-                </a:rPr>
-                <a:t>3</a:t>
-              </a:r>
-              <a:endParaRPr lang="zh-TW" altLang="en-US" sz="2000" b="1" dirty="0">
-                <a:solidFill>
-                  <a:srgbClr val="388E3C"/>
-                </a:solidFill>
-                <a:latin typeface="Consolas" panose="020B0609020204030204" pitchFamily="49" charset="0"/>
-                <a:cs typeface="Menlo" panose="020B0609030804020204" pitchFamily="49" charset="0"/>
-              </a:endParaRPr>
-            </a:p>
-          </p:txBody>
-        </p:sp>
-        <p:sp>
-          <p:nvSpPr>
-            <p:cNvPr id="276" name="文字方塊 1">
-              <a:extLst>
-                <a:ext uri="{FF2B5EF4-FFF2-40B4-BE49-F238E27FC236}">
-                  <a16:creationId xmlns:a16="http://schemas.microsoft.com/office/drawing/2014/main" id="{F0772F53-0000-4158-A529-9175E398E90C}"/>
-                </a:ext>
-              </a:extLst>
-            </p:cNvPr>
-            <p:cNvSpPr txBox="1"/>
-            <p:nvPr/>
-          </p:nvSpPr>
-          <p:spPr>
-            <a:xfrm>
-              <a:off x="5761121" y="3082005"/>
-              <a:ext cx="621006" cy="400110"/>
-            </a:xfrm>
-            <a:prstGeom prst="rect">
-              <a:avLst/>
-            </a:prstGeom>
-            <a:noFill/>
-          </p:spPr>
-          <p:txBody>
-            <a:bodyPr wrap="square" rtlCol="0">
-              <a:spAutoFit/>
-            </a:bodyPr>
-            <a:lstStyle/>
-            <a:p>
-              <a:r>
-                <a:rPr lang="en-US" altLang="zh-TW" sz="2000" b="1" dirty="0">
-                  <a:solidFill>
-                    <a:srgbClr val="388E3C"/>
-                  </a:solidFill>
-                  <a:latin typeface="Consolas" panose="020B0609020204030204" pitchFamily="49" charset="0"/>
-                  <a:cs typeface="Menlo" panose="020B0609030804020204" pitchFamily="49" charset="0"/>
-                </a:rPr>
-                <a:t>17</a:t>
-              </a:r>
-              <a:endParaRPr lang="zh-TW" altLang="en-US" sz="2000" b="1" dirty="0">
-                <a:solidFill>
-                  <a:srgbClr val="388E3C"/>
-                </a:solidFill>
-                <a:latin typeface="Consolas" panose="020B0609020204030204" pitchFamily="49" charset="0"/>
-                <a:cs typeface="Menlo" panose="020B0609030804020204" pitchFamily="49" charset="0"/>
-              </a:endParaRPr>
-            </a:p>
-          </p:txBody>
-        </p:sp>
-        <p:sp>
-          <p:nvSpPr>
-            <p:cNvPr id="286" name="文字方塊 1">
-              <a:extLst>
-                <a:ext uri="{FF2B5EF4-FFF2-40B4-BE49-F238E27FC236}">
-                  <a16:creationId xmlns:a16="http://schemas.microsoft.com/office/drawing/2014/main" id="{84411FDC-4413-4E22-966C-B2A8852B8351}"/>
-                </a:ext>
-              </a:extLst>
-            </p:cNvPr>
-            <p:cNvSpPr txBox="1"/>
-            <p:nvPr/>
-          </p:nvSpPr>
-          <p:spPr>
-            <a:xfrm>
-              <a:off x="4969278" y="3958658"/>
-              <a:ext cx="434728" cy="400110"/>
-            </a:xfrm>
-            <a:prstGeom prst="rect">
-              <a:avLst/>
-            </a:prstGeom>
-            <a:noFill/>
-          </p:spPr>
-          <p:txBody>
-            <a:bodyPr wrap="square" rtlCol="0">
-              <a:spAutoFit/>
-            </a:bodyPr>
-            <a:lstStyle/>
-            <a:p>
-              <a:r>
-                <a:rPr lang="en-US" altLang="zh-TW" sz="2000" b="1" dirty="0">
-                  <a:solidFill>
-                    <a:srgbClr val="388E3C"/>
-                  </a:solidFill>
-                  <a:latin typeface="Consolas" panose="020B0609020204030204" pitchFamily="49" charset="0"/>
-                  <a:cs typeface="Menlo" panose="020B0609030804020204" pitchFamily="49" charset="0"/>
-                </a:rPr>
-                <a:t>8</a:t>
-              </a:r>
-              <a:endParaRPr lang="zh-TW" altLang="en-US" sz="2000" b="1" dirty="0">
-                <a:solidFill>
-                  <a:srgbClr val="388E3C"/>
-                </a:solidFill>
-                <a:latin typeface="Consolas" panose="020B0609020204030204" pitchFamily="49" charset="0"/>
-                <a:cs typeface="Menlo" panose="020B0609030804020204" pitchFamily="49" charset="0"/>
-              </a:endParaRPr>
-            </a:p>
-          </p:txBody>
-        </p:sp>
-        <p:sp>
-          <p:nvSpPr>
-            <p:cNvPr id="296" name="文字方塊 1">
-              <a:extLst>
-                <a:ext uri="{FF2B5EF4-FFF2-40B4-BE49-F238E27FC236}">
-                  <a16:creationId xmlns:a16="http://schemas.microsoft.com/office/drawing/2014/main" id="{D0B92E29-5C34-46F9-A655-CBAC0949EBB4}"/>
-                </a:ext>
-              </a:extLst>
-            </p:cNvPr>
-            <p:cNvSpPr txBox="1"/>
-            <p:nvPr/>
-          </p:nvSpPr>
-          <p:spPr>
-            <a:xfrm>
-              <a:off x="4385860" y="4909148"/>
-              <a:ext cx="434728" cy="400110"/>
-            </a:xfrm>
-            <a:prstGeom prst="rect">
-              <a:avLst/>
-            </a:prstGeom>
-            <a:noFill/>
-          </p:spPr>
-          <p:txBody>
-            <a:bodyPr wrap="square" rtlCol="0">
-              <a:spAutoFit/>
-            </a:bodyPr>
-            <a:lstStyle/>
-            <a:p>
-              <a:r>
-                <a:rPr lang="en-US" altLang="zh-TW" sz="2000" b="1" dirty="0">
-                  <a:solidFill>
-                    <a:srgbClr val="388E3C"/>
-                  </a:solidFill>
-                  <a:latin typeface="Consolas" panose="020B0609020204030204" pitchFamily="49" charset="0"/>
-                  <a:cs typeface="Menlo" panose="020B0609030804020204" pitchFamily="49" charset="0"/>
-                </a:rPr>
-                <a:t>7</a:t>
-              </a:r>
-              <a:endParaRPr lang="zh-TW" altLang="en-US" sz="2000" b="1" dirty="0">
-                <a:solidFill>
-                  <a:srgbClr val="388E3C"/>
-                </a:solidFill>
-                <a:latin typeface="Consolas" panose="020B0609020204030204" pitchFamily="49" charset="0"/>
-                <a:cs typeface="Menlo" panose="020B0609030804020204" pitchFamily="49" charset="0"/>
-              </a:endParaRPr>
-            </a:p>
-          </p:txBody>
-        </p:sp>
-        <p:sp>
-          <p:nvSpPr>
-            <p:cNvPr id="306" name="文字方塊 1">
-              <a:extLst>
-                <a:ext uri="{FF2B5EF4-FFF2-40B4-BE49-F238E27FC236}">
-                  <a16:creationId xmlns:a16="http://schemas.microsoft.com/office/drawing/2014/main" id="{D3D168B1-4C41-4E3F-8FBA-0E5A67BD6099}"/>
-                </a:ext>
-              </a:extLst>
-            </p:cNvPr>
-            <p:cNvSpPr txBox="1"/>
-            <p:nvPr/>
-          </p:nvSpPr>
-          <p:spPr>
-            <a:xfrm>
-              <a:off x="5669789" y="4912966"/>
-              <a:ext cx="531962" cy="400110"/>
-            </a:xfrm>
-            <a:prstGeom prst="rect">
-              <a:avLst/>
-            </a:prstGeom>
-            <a:noFill/>
-          </p:spPr>
-          <p:txBody>
-            <a:bodyPr wrap="square" rtlCol="0">
-              <a:spAutoFit/>
-            </a:bodyPr>
-            <a:lstStyle/>
-            <a:p>
-              <a:r>
-                <a:rPr lang="en-US" altLang="zh-TW" sz="2000" b="1" dirty="0">
-                  <a:solidFill>
-                    <a:srgbClr val="388E3C"/>
-                  </a:solidFill>
-                  <a:latin typeface="Consolas" panose="020B0609020204030204" pitchFamily="49" charset="0"/>
-                  <a:cs typeface="Menlo" panose="020B0609030804020204" pitchFamily="49" charset="0"/>
-                </a:rPr>
-                <a:t>13</a:t>
-              </a:r>
-              <a:endParaRPr lang="zh-TW" altLang="en-US" sz="2000" b="1" dirty="0">
-                <a:solidFill>
-                  <a:srgbClr val="388E3C"/>
-                </a:solidFill>
-                <a:latin typeface="Consolas" panose="020B0609020204030204" pitchFamily="49" charset="0"/>
-                <a:cs typeface="Menlo" panose="020B0609030804020204" pitchFamily="49" charset="0"/>
-              </a:endParaRPr>
-            </a:p>
-          </p:txBody>
-        </p:sp>
-        <p:sp>
-          <p:nvSpPr>
-            <p:cNvPr id="316" name="文字方塊 1">
-              <a:extLst>
-                <a:ext uri="{FF2B5EF4-FFF2-40B4-BE49-F238E27FC236}">
-                  <a16:creationId xmlns:a16="http://schemas.microsoft.com/office/drawing/2014/main" id="{EA3048F9-902A-4F3F-8297-75CBFE1E38B4}"/>
-                </a:ext>
-              </a:extLst>
-            </p:cNvPr>
-            <p:cNvSpPr txBox="1"/>
-            <p:nvPr/>
-          </p:nvSpPr>
-          <p:spPr>
-            <a:xfrm>
-              <a:off x="5076259" y="2238611"/>
-              <a:ext cx="603695" cy="400110"/>
-            </a:xfrm>
-            <a:prstGeom prst="rect">
-              <a:avLst/>
-            </a:prstGeom>
-            <a:noFill/>
-          </p:spPr>
-          <p:txBody>
-            <a:bodyPr wrap="square" rtlCol="0">
-              <a:spAutoFit/>
-            </a:bodyPr>
-            <a:lstStyle/>
-            <a:p>
-              <a:r>
-                <a:rPr lang="en-US" altLang="zh-TW" sz="2000" b="1" dirty="0">
-                  <a:solidFill>
-                    <a:srgbClr val="388E3C"/>
-                  </a:solidFill>
-                  <a:latin typeface="Consolas" panose="020B0609020204030204" pitchFamily="49" charset="0"/>
-                  <a:cs typeface="Menlo" panose="020B0609030804020204" pitchFamily="49" charset="0"/>
-                </a:rPr>
-                <a:t>18</a:t>
-              </a:r>
-              <a:endParaRPr lang="zh-TW" altLang="en-US" sz="2000" b="1" dirty="0">
-                <a:solidFill>
-                  <a:srgbClr val="388E3C"/>
-                </a:solidFill>
-                <a:latin typeface="Consolas" panose="020B0609020204030204" pitchFamily="49" charset="0"/>
-                <a:cs typeface="Menlo" panose="020B0609030804020204" pitchFamily="49" charset="0"/>
-              </a:endParaRPr>
-            </a:p>
-          </p:txBody>
-        </p:sp>
-        <p:sp>
-          <p:nvSpPr>
-            <p:cNvPr id="326" name="文字方塊 1">
-              <a:extLst>
-                <a:ext uri="{FF2B5EF4-FFF2-40B4-BE49-F238E27FC236}">
-                  <a16:creationId xmlns:a16="http://schemas.microsoft.com/office/drawing/2014/main" id="{CD1854E3-7333-4830-91B8-0F680C1EAC44}"/>
-                </a:ext>
-              </a:extLst>
-            </p:cNvPr>
-            <p:cNvSpPr txBox="1"/>
-            <p:nvPr/>
-          </p:nvSpPr>
-          <p:spPr>
-            <a:xfrm>
-              <a:off x="6848814" y="4912473"/>
-              <a:ext cx="488720" cy="400110"/>
-            </a:xfrm>
-            <a:prstGeom prst="rect">
-              <a:avLst/>
-            </a:prstGeom>
-            <a:noFill/>
-          </p:spPr>
-          <p:txBody>
-            <a:bodyPr wrap="square" rtlCol="0">
-              <a:spAutoFit/>
-            </a:bodyPr>
-            <a:lstStyle/>
-            <a:p>
-              <a:r>
-                <a:rPr lang="en-US" altLang="zh-TW" sz="2000" b="1" dirty="0">
-                  <a:solidFill>
-                    <a:srgbClr val="388E3C"/>
-                  </a:solidFill>
-                  <a:latin typeface="Consolas" panose="020B0609020204030204" pitchFamily="49" charset="0"/>
-                  <a:cs typeface="Menlo" panose="020B0609030804020204" pitchFamily="49" charset="0"/>
-                </a:rPr>
-                <a:t>15</a:t>
-              </a:r>
-              <a:endParaRPr lang="zh-TW" altLang="en-US" sz="2000" b="1" dirty="0">
-                <a:solidFill>
-                  <a:srgbClr val="388E3C"/>
-                </a:solidFill>
-                <a:latin typeface="Consolas" panose="020B0609020204030204" pitchFamily="49" charset="0"/>
-                <a:cs typeface="Menlo" panose="020B0609030804020204" pitchFamily="49" charset="0"/>
-              </a:endParaRPr>
-            </a:p>
-          </p:txBody>
-        </p:sp>
-        <p:sp>
-          <p:nvSpPr>
-            <p:cNvPr id="336" name="文字方塊 1">
-              <a:extLst>
-                <a:ext uri="{FF2B5EF4-FFF2-40B4-BE49-F238E27FC236}">
-                  <a16:creationId xmlns:a16="http://schemas.microsoft.com/office/drawing/2014/main" id="{BCA9BBB5-C16E-4517-BB84-06419CC62C75}"/>
-                </a:ext>
-              </a:extLst>
-            </p:cNvPr>
-            <p:cNvSpPr txBox="1"/>
-            <p:nvPr/>
-          </p:nvSpPr>
-          <p:spPr>
-            <a:xfrm>
-              <a:off x="6356746" y="3961480"/>
-              <a:ext cx="545346" cy="400110"/>
-            </a:xfrm>
-            <a:prstGeom prst="rect">
-              <a:avLst/>
-            </a:prstGeom>
-            <a:noFill/>
-          </p:spPr>
-          <p:txBody>
-            <a:bodyPr wrap="square" rtlCol="0">
-              <a:spAutoFit/>
-            </a:bodyPr>
-            <a:lstStyle/>
-            <a:p>
-              <a:r>
-                <a:rPr lang="en-US" altLang="zh-TW" sz="2000" b="1" dirty="0">
-                  <a:solidFill>
-                    <a:srgbClr val="388E3C"/>
-                  </a:solidFill>
-                  <a:latin typeface="Consolas" panose="020B0609020204030204" pitchFamily="49" charset="0"/>
-                  <a:cs typeface="Menlo" panose="020B0609030804020204" pitchFamily="49" charset="0"/>
-                </a:rPr>
-                <a:t>16</a:t>
-              </a:r>
-              <a:endParaRPr lang="zh-TW" altLang="en-US" sz="2000" b="1" dirty="0">
-                <a:solidFill>
-                  <a:srgbClr val="388E3C"/>
-                </a:solidFill>
-                <a:latin typeface="Consolas" panose="020B0609020204030204" pitchFamily="49" charset="0"/>
-                <a:cs typeface="Menlo" panose="020B0609030804020204" pitchFamily="49" charset="0"/>
-              </a:endParaRPr>
-            </a:p>
-          </p:txBody>
-        </p:sp>
-      </p:grpSp>
-    </p:spTree>
-    <p:extLst>
-      <p:ext uri="{BB962C8B-B14F-4D97-AF65-F5344CB8AC3E}">
-        <p14:creationId xmlns:p14="http://schemas.microsoft.com/office/powerpoint/2010/main" val="3587896368"/>
-      </p:ext>
-    </p:extLst>
-  </p:cSld>
-  <p:clrMapOvr>
-    <a:masterClrMapping/>
-  </p:clrMapOvr>
-</p:sld>
-</file>
-
-<file path=ppt/slides/slide6.xml><?xml version="1.0" encoding="utf-8"?>
 <p:sld xmlns:a="http://schemas.openxmlformats.org/drawingml/2006/main" xmlns:r="http://schemas.openxmlformats.org/officeDocument/2006/relationships" xmlns:p="http://schemas.openxmlformats.org/presentationml/2006/main">
   <p:cSld>
     <p:spTree>

--- a/Illustrations/illustrations.pptx
+++ b/Illustrations/illustrations.pptx
@@ -261,7 +261,7 @@
           <a:p>
             <a:fld id="{22289B60-A9D0-4AF6-A1DA-5E084ED2AEC6}" type="datetimeFigureOut">
               <a:rPr lang="en-US" smtClean="0"/>
-              <a:t>6/2/2021</a:t>
+              <a:t>8/18/2021</a:t>
             </a:fld>
             <a:endParaRPr lang="en-US"/>
           </a:p>
@@ -459,7 +459,7 @@
           <a:p>
             <a:fld id="{22289B60-A9D0-4AF6-A1DA-5E084ED2AEC6}" type="datetimeFigureOut">
               <a:rPr lang="en-US" smtClean="0"/>
-              <a:t>6/2/2021</a:t>
+              <a:t>8/18/2021</a:t>
             </a:fld>
             <a:endParaRPr lang="en-US"/>
           </a:p>
@@ -667,7 +667,7 @@
           <a:p>
             <a:fld id="{22289B60-A9D0-4AF6-A1DA-5E084ED2AEC6}" type="datetimeFigureOut">
               <a:rPr lang="en-US" smtClean="0"/>
-              <a:t>6/2/2021</a:t>
+              <a:t>8/18/2021</a:t>
             </a:fld>
             <a:endParaRPr lang="en-US"/>
           </a:p>
@@ -865,7 +865,7 @@
           <a:p>
             <a:fld id="{22289B60-A9D0-4AF6-A1DA-5E084ED2AEC6}" type="datetimeFigureOut">
               <a:rPr lang="en-US" smtClean="0"/>
-              <a:t>6/2/2021</a:t>
+              <a:t>8/18/2021</a:t>
             </a:fld>
             <a:endParaRPr lang="en-US"/>
           </a:p>
@@ -1140,7 +1140,7 @@
           <a:p>
             <a:fld id="{22289B60-A9D0-4AF6-A1DA-5E084ED2AEC6}" type="datetimeFigureOut">
               <a:rPr lang="en-US" smtClean="0"/>
-              <a:t>6/2/2021</a:t>
+              <a:t>8/18/2021</a:t>
             </a:fld>
             <a:endParaRPr lang="en-US"/>
           </a:p>
@@ -1405,7 +1405,7 @@
           <a:p>
             <a:fld id="{22289B60-A9D0-4AF6-A1DA-5E084ED2AEC6}" type="datetimeFigureOut">
               <a:rPr lang="en-US" smtClean="0"/>
-              <a:t>6/2/2021</a:t>
+              <a:t>8/18/2021</a:t>
             </a:fld>
             <a:endParaRPr lang="en-US"/>
           </a:p>
@@ -1817,7 +1817,7 @@
           <a:p>
             <a:fld id="{22289B60-A9D0-4AF6-A1DA-5E084ED2AEC6}" type="datetimeFigureOut">
               <a:rPr lang="en-US" smtClean="0"/>
-              <a:t>6/2/2021</a:t>
+              <a:t>8/18/2021</a:t>
             </a:fld>
             <a:endParaRPr lang="en-US"/>
           </a:p>
@@ -1958,7 +1958,7 @@
           <a:p>
             <a:fld id="{22289B60-A9D0-4AF6-A1DA-5E084ED2AEC6}" type="datetimeFigureOut">
               <a:rPr lang="en-US" smtClean="0"/>
-              <a:t>6/2/2021</a:t>
+              <a:t>8/18/2021</a:t>
             </a:fld>
             <a:endParaRPr lang="en-US"/>
           </a:p>
@@ -2071,7 +2071,7 @@
           <a:p>
             <a:fld id="{22289B60-A9D0-4AF6-A1DA-5E084ED2AEC6}" type="datetimeFigureOut">
               <a:rPr lang="en-US" smtClean="0"/>
-              <a:t>6/2/2021</a:t>
+              <a:t>8/18/2021</a:t>
             </a:fld>
             <a:endParaRPr lang="en-US"/>
           </a:p>
@@ -2382,7 +2382,7 @@
           <a:p>
             <a:fld id="{22289B60-A9D0-4AF6-A1DA-5E084ED2AEC6}" type="datetimeFigureOut">
               <a:rPr lang="en-US" smtClean="0"/>
-              <a:t>6/2/2021</a:t>
+              <a:t>8/18/2021</a:t>
             </a:fld>
             <a:endParaRPr lang="en-US"/>
           </a:p>
@@ -2670,7 +2670,7 @@
           <a:p>
             <a:fld id="{22289B60-A9D0-4AF6-A1DA-5E084ED2AEC6}" type="datetimeFigureOut">
               <a:rPr lang="en-US" smtClean="0"/>
-              <a:t>6/2/2021</a:t>
+              <a:t>8/18/2021</a:t>
             </a:fld>
             <a:endParaRPr lang="en-US"/>
           </a:p>
@@ -2911,7 +2911,7 @@
           <a:p>
             <a:fld id="{22289B60-A9D0-4AF6-A1DA-5E084ED2AEC6}" type="datetimeFigureOut">
               <a:rPr lang="en-US" smtClean="0"/>
-              <a:t>6/2/2021</a:t>
+              <a:t>8/18/2021</a:t>
             </a:fld>
             <a:endParaRPr lang="en-US"/>
           </a:p>
